--- a/Thesis Presentation/Presentation Gabriel Rovesti.pptx
+++ b/Thesis Presentation/Presentation Gabriel Rovesti.pptx
@@ -6,10 +6,10 @@
     <p:sldMasterId id="2147483665" r:id="rId2"/>
   </p:sldMasterIdLst>
   <p:notesMasterIdLst>
-    <p:notesMasterId r:id="rId20"/>
+    <p:notesMasterId r:id="rId19"/>
   </p:notesMasterIdLst>
   <p:handoutMasterIdLst>
-    <p:handoutMasterId r:id="rId21"/>
+    <p:handoutMasterId r:id="rId20"/>
   </p:handoutMasterIdLst>
   <p:sldIdLst>
     <p:sldId id="256" r:id="rId3"/>
@@ -23,29 +23,28 @@
     <p:sldId id="271" r:id="rId11"/>
     <p:sldId id="272" r:id="rId12"/>
     <p:sldId id="264" r:id="rId13"/>
-    <p:sldId id="265" r:id="rId14"/>
-    <p:sldId id="267" r:id="rId15"/>
-    <p:sldId id="266" r:id="rId16"/>
-    <p:sldId id="268" r:id="rId17"/>
-    <p:sldId id="269" r:id="rId18"/>
-    <p:sldId id="270" r:id="rId19"/>
+    <p:sldId id="267" r:id="rId14"/>
+    <p:sldId id="266" r:id="rId15"/>
+    <p:sldId id="268" r:id="rId16"/>
+    <p:sldId id="269" r:id="rId17"/>
+    <p:sldId id="270" r:id="rId18"/>
   </p:sldIdLst>
   <p:sldSz cx="9144000" cy="6858000" type="screen4x3"/>
   <p:notesSz cx="6858000" cy="9144000"/>
   <p:embeddedFontLst>
     <p:embeddedFont>
       <p:font typeface="Consolas" panose="020B0609020204030204" pitchFamily="49" charset="0"/>
-      <p:regular r:id="rId22"/>
-      <p:bold r:id="rId23"/>
-      <p:italic r:id="rId24"/>
-      <p:boldItalic r:id="rId25"/>
+      <p:regular r:id="rId21"/>
+      <p:bold r:id="rId22"/>
+      <p:italic r:id="rId23"/>
+      <p:boldItalic r:id="rId24"/>
     </p:embeddedFont>
     <p:embeddedFont>
       <p:font typeface="Segoe UI" panose="020B0502040204020203" pitchFamily="34" charset="0"/>
-      <p:regular r:id="rId26"/>
-      <p:bold r:id="rId27"/>
-      <p:italic r:id="rId28"/>
-      <p:boldItalic r:id="rId29"/>
+      <p:regular r:id="rId25"/>
+      <p:bold r:id="rId26"/>
+      <p:italic r:id="rId27"/>
+      <p:boldItalic r:id="rId28"/>
     </p:embeddedFont>
   </p:embeddedFontLst>
   <p:defaultTextStyle>
@@ -261,10 +260,8 @@
 <file path=ppt/revisionInfo.xml><?xml version="1.0" encoding="utf-8"?>
 <p1510:revInfo xmlns:a="http://schemas.openxmlformats.org/drawingml/2006/main" xmlns:r="http://schemas.openxmlformats.org/officeDocument/2006/relationships" xmlns:p1510="http://schemas.microsoft.com/office/powerpoint/2015/10/main">
   <p1510:revLst>
-    <p1510:client id="{0C207069-FD5A-C74F-5DEE-D4632958E92A}" v="1564" dt="2025-07-05T14:36:23.365"/>
-    <p1510:client id="{7100BD26-BD90-CB9A-F001-EF19CF476ABA}" v="306" dt="2025-07-05T12:47:55.170"/>
-    <p1510:client id="{A56BC8BB-000D-3B9D-EE5E-D022E3B0FC91}" v="439" dt="2025-07-05T15:02:31.262"/>
-    <p1510:client id="{BA4FCC0E-7DA5-619A-5E41-7CA15D88F4E1}" v="470" dt="2025-07-04T15:34:51.873"/>
+    <p1510:client id="{625D73A8-2971-33D0-7F96-EA3FA7DFDCDD}" v="152" dt="2025-07-07T17:42:36.729"/>
+    <p1510:client id="{63ABD6D2-6AA7-A9AD-CFE8-E7CF9E0D030A}" v="622" dt="2025-07-07T17:03:40.833"/>
   </p1510:revLst>
 </p1510:revInfo>
 </file>
@@ -363,7 +360,7 @@
           <a:p>
             <a:fld id="{6469F890-3609-4E18-B68A-510CF7125ACB}" type="datetimeFigureOut">
               <a:rPr lang="it-IT" smtClean="0"/>
-              <a:t>05/07/2025</a:t>
+              <a:t>07/07/2025</a:t>
             </a:fld>
             <a:endParaRPr lang="it-IT"/>
           </a:p>
@@ -1128,133 +1125,6 @@
         <p:cNvPr id="1" name="Shape 95">
           <a:extLst>
             <a:ext uri="{FF2B5EF4-FFF2-40B4-BE49-F238E27FC236}">
-              <a16:creationId xmlns:a16="http://schemas.microsoft.com/office/drawing/2014/main" id="{88028947-BE39-E256-5C25-DEC687441D25}"/>
-            </a:ext>
-          </a:extLst>
-        </p:cNvPr>
-        <p:cNvGrpSpPr/>
-        <p:nvPr/>
-      </p:nvGrpSpPr>
-      <p:grpSpPr>
-        <a:xfrm>
-          <a:off x="0" y="0"/>
-          <a:ext cx="0" cy="0"/>
-          <a:chOff x="0" y="0"/>
-          <a:chExt cx="0" cy="0"/>
-        </a:xfrm>
-      </p:grpSpPr>
-      <p:sp>
-        <p:nvSpPr>
-          <p:cNvPr id="96" name="Shape 96">
-            <a:extLst>
-              <a:ext uri="{FF2B5EF4-FFF2-40B4-BE49-F238E27FC236}">
-                <a16:creationId xmlns:a16="http://schemas.microsoft.com/office/drawing/2014/main" id="{80913FC8-3E24-932F-B76E-87DD8DDF094F}"/>
-              </a:ext>
-            </a:extLst>
-          </p:cNvPr>
-          <p:cNvSpPr>
-            <a:spLocks noGrp="1" noRot="1" noChangeAspect="1"/>
-          </p:cNvSpPr>
-          <p:nvPr>
-            <p:ph type="sldImg" idx="2"/>
-          </p:nvPr>
-        </p:nvSpPr>
-        <p:spPr>
-          <a:xfrm>
-            <a:off x="1143000" y="685800"/>
-            <a:ext cx="4572000" cy="3429000"/>
-          </a:xfrm>
-          <a:custGeom>
-            <a:avLst/>
-            <a:gdLst/>
-            <a:ahLst/>
-            <a:cxnLst/>
-            <a:rect l="0" t="0" r="0" b="0"/>
-            <a:pathLst>
-              <a:path w="120000" h="120000" extrusionOk="0">
-                <a:moveTo>
-                  <a:pt x="0" y="0"/>
-                </a:moveTo>
-                <a:lnTo>
-                  <a:pt x="120000" y="0"/>
-                </a:lnTo>
-                <a:lnTo>
-                  <a:pt x="120000" y="120000"/>
-                </a:lnTo>
-                <a:lnTo>
-                  <a:pt x="0" y="120000"/>
-                </a:lnTo>
-                <a:close/>
-              </a:path>
-            </a:pathLst>
-          </a:custGeom>
-        </p:spPr>
-      </p:sp>
-      <p:sp>
-        <p:nvSpPr>
-          <p:cNvPr id="97" name="Shape 97">
-            <a:extLst>
-              <a:ext uri="{FF2B5EF4-FFF2-40B4-BE49-F238E27FC236}">
-                <a16:creationId xmlns:a16="http://schemas.microsoft.com/office/drawing/2014/main" id="{ED681E90-529F-B6A6-C677-EE82D913E49C}"/>
-              </a:ext>
-            </a:extLst>
-          </p:cNvPr>
-          <p:cNvSpPr txBox="1">
-            <a:spLocks noGrp="1"/>
-          </p:cNvSpPr>
-          <p:nvPr>
-            <p:ph type="body" idx="1"/>
-          </p:nvPr>
-        </p:nvSpPr>
-        <p:spPr>
-          <a:xfrm>
-            <a:off x="685800" y="4343400"/>
-            <a:ext cx="5486400" cy="4114800"/>
-          </a:xfrm>
-          <a:prstGeom prst="rect">
-            <a:avLst/>
-          </a:prstGeom>
-        </p:spPr>
-        <p:txBody>
-          <a:bodyPr spcFirstLastPara="1" wrap="square" lIns="91425" tIns="91425" rIns="91425" bIns="91425" anchor="t" anchorCtr="0">
-            <a:noAutofit/>
-          </a:bodyPr>
-          <a:lstStyle/>
-          <a:p>
-            <a:pPr marL="0" lvl="0" indent="0" rtl="0">
-              <a:spcBef>
-                <a:spcPts val="0"/>
-              </a:spcBef>
-              <a:spcAft>
-                <a:spcPts val="0"/>
-              </a:spcAft>
-              <a:buNone/>
-            </a:pPr>
-            <a:endParaRPr dirty="0"/>
-          </a:p>
-        </p:txBody>
-      </p:sp>
-    </p:spTree>
-    <p:extLst>
-      <p:ext uri="{BB962C8B-B14F-4D97-AF65-F5344CB8AC3E}">
-        <p14:creationId xmlns:p14="http://schemas.microsoft.com/office/powerpoint/2010/main" val="2422285050"/>
-      </p:ext>
-    </p:extLst>
-  </p:cSld>
-  <p:clrMapOvr>
-    <a:masterClrMapping/>
-  </p:clrMapOvr>
-</p:notes>
-</file>
-
-<file path=ppt/notesSlides/notesSlide13.xml><?xml version="1.0" encoding="utf-8"?>
-<p:notes xmlns:a="http://schemas.openxmlformats.org/drawingml/2006/main" xmlns:r="http://schemas.openxmlformats.org/officeDocument/2006/relationships" xmlns:p="http://schemas.openxmlformats.org/presentationml/2006/main" showMasterSp="0" showMasterPhAnim="0">
-  <p:cSld>
-    <p:spTree>
-      <p:nvGrpSpPr>
-        <p:cNvPr id="1" name="Shape 95">
-          <a:extLst>
-            <a:ext uri="{FF2B5EF4-FFF2-40B4-BE49-F238E27FC236}">
               <a16:creationId xmlns:a16="http://schemas.microsoft.com/office/drawing/2014/main" id="{FA0F4EE9-5E1D-D653-EF03-682CDD54DE90}"/>
             </a:ext>
           </a:extLst>
@@ -1374,7 +1244,7 @@
 </p:notes>
 </file>
 
-<file path=ppt/notesSlides/notesSlide14.xml><?xml version="1.0" encoding="utf-8"?>
+<file path=ppt/notesSlides/notesSlide13.xml><?xml version="1.0" encoding="utf-8"?>
 <p:notes xmlns:a="http://schemas.openxmlformats.org/drawingml/2006/main" xmlns:r="http://schemas.openxmlformats.org/officeDocument/2006/relationships" xmlns:p="http://schemas.openxmlformats.org/presentationml/2006/main" showMasterSp="0" showMasterPhAnim="0">
   <p:cSld>
     <p:spTree>
@@ -1501,7 +1371,7 @@
 </p:notes>
 </file>
 
-<file path=ppt/notesSlides/notesSlide15.xml><?xml version="1.0" encoding="utf-8"?>
+<file path=ppt/notesSlides/notesSlide14.xml><?xml version="1.0" encoding="utf-8"?>
 <p:notes xmlns:a="http://schemas.openxmlformats.org/drawingml/2006/main" xmlns:r="http://schemas.openxmlformats.org/officeDocument/2006/relationships" xmlns:p="http://schemas.openxmlformats.org/presentationml/2006/main" showMasterSp="0" showMasterPhAnim="0">
   <p:cSld>
     <p:spTree>
@@ -1628,7 +1498,7 @@
 </p:notes>
 </file>
 
-<file path=ppt/notesSlides/notesSlide16.xml><?xml version="1.0" encoding="utf-8"?>
+<file path=ppt/notesSlides/notesSlide15.xml><?xml version="1.0" encoding="utf-8"?>
 <p:notes xmlns:a="http://schemas.openxmlformats.org/drawingml/2006/main" xmlns:r="http://schemas.openxmlformats.org/officeDocument/2006/relationships" xmlns:p="http://schemas.openxmlformats.org/presentationml/2006/main" showMasterSp="0" showMasterPhAnim="0">
   <p:cSld>
     <p:spTree>
@@ -1755,7 +1625,7 @@
 </p:notes>
 </file>
 
-<file path=ppt/notesSlides/notesSlide17.xml><?xml version="1.0" encoding="utf-8"?>
+<file path=ppt/notesSlides/notesSlide16.xml><?xml version="1.0" encoding="utf-8"?>
 <p:notes xmlns:a="http://schemas.openxmlformats.org/drawingml/2006/main" xmlns:r="http://schemas.openxmlformats.org/officeDocument/2006/relationships" xmlns:p="http://schemas.openxmlformats.org/presentationml/2006/main" showMasterSp="0" showMasterPhAnim="0">
   <p:cSld>
     <p:spTree>
@@ -9597,7 +9467,7 @@
               <a:t>: Gabriel </a:t>
             </a:r>
             <a:r>
-              <a:rPr lang="it-IT" sz="1800" err="1">
+              <a:rPr lang="it-IT" sz="1800" dirty="0" err="1">
                 <a:solidFill>
                   <a:srgbClr val="FFFFFF"/>
                 </a:solidFill>
@@ -9614,10 +9484,11 @@
                 <a:latin typeface="Segoe UI"/>
                 <a:ea typeface="Calibri"/>
               </a:rPr>
-              <a:t> (ID: 2103389)</a:t>
+              <a:t> </a:t>
             </a:r>
             <a:endParaRPr lang="it-IT" sz="1800">
               <a:latin typeface="Segoe UI"/>
+              <a:ea typeface="Calibri"/>
             </a:endParaRPr>
           </a:p>
           <a:p>
@@ -9662,6 +9533,10 @@
               </a:rPr>
               <a:t>Prof. Ombretta Gaggi</a:t>
             </a:r>
+            <a:endParaRPr lang="it-IT" sz="1800">
+              <a:latin typeface="Segoe UI"/>
+              <a:ea typeface="Calibri"/>
+            </a:endParaRPr>
           </a:p>
           <a:p>
             <a:pPr algn="ctr"/>
@@ -10946,802 +10821,6 @@
         <p:cNvPr id="1" name="Shape 98">
           <a:extLst>
             <a:ext uri="{FF2B5EF4-FFF2-40B4-BE49-F238E27FC236}">
-              <a16:creationId xmlns:a16="http://schemas.microsoft.com/office/drawing/2014/main" id="{307F043A-3C0F-1153-C2B5-AE3CA91477F4}"/>
-            </a:ext>
-          </a:extLst>
-        </p:cNvPr>
-        <p:cNvGrpSpPr/>
-        <p:nvPr/>
-      </p:nvGrpSpPr>
-      <p:grpSpPr>
-        <a:xfrm>
-          <a:off x="0" y="0"/>
-          <a:ext cx="0" cy="0"/>
-          <a:chOff x="0" y="0"/>
-          <a:chExt cx="0" cy="0"/>
-        </a:xfrm>
-      </p:grpSpPr>
-      <p:sp>
-        <p:nvSpPr>
-          <p:cNvPr id="99" name="Shape 99">
-            <a:extLst>
-              <a:ext uri="{FF2B5EF4-FFF2-40B4-BE49-F238E27FC236}">
-                <a16:creationId xmlns:a16="http://schemas.microsoft.com/office/drawing/2014/main" id="{9A8EC9BB-058E-724B-5A2A-BF5C0F7FDD52}"/>
-              </a:ext>
-            </a:extLst>
-          </p:cNvPr>
-          <p:cNvSpPr txBox="1">
-            <a:spLocks noGrp="1"/>
-          </p:cNvSpPr>
-          <p:nvPr>
-            <p:ph type="title" idx="4294967295"/>
-          </p:nvPr>
-        </p:nvSpPr>
-        <p:spPr>
-          <a:xfrm>
-            <a:off x="319489" y="-182567"/>
-            <a:ext cx="6382917" cy="1143300"/>
-          </a:xfrm>
-          <a:prstGeom prst="rect">
-            <a:avLst/>
-          </a:prstGeom>
-        </p:spPr>
-        <p:txBody>
-          <a:bodyPr spcFirstLastPara="1" wrap="square" lIns="82925" tIns="82925" rIns="82925" bIns="82925" anchor="ctr" anchorCtr="0">
-            <a:noAutofit/>
-          </a:bodyPr>
-          <a:lstStyle/>
-          <a:p>
-            <a:pPr indent="0">
-              <a:buNone/>
-            </a:pPr>
-            <a:r>
-              <a:rPr lang="it-IT" sz="3000" dirty="0">
-                <a:solidFill>
-                  <a:srgbClr val="FFFFFF"/>
-                </a:solidFill>
-                <a:latin typeface="Segoe UI"/>
-                <a:cs typeface="Segoe UI"/>
-              </a:rPr>
-              <a:t>Beyond WCAG: Extended </a:t>
-            </a:r>
-            <a:r>
-              <a:rPr lang="it-IT" sz="3000" dirty="0" err="1">
-                <a:solidFill>
-                  <a:srgbClr val="FFFFFF"/>
-                </a:solidFill>
-                <a:latin typeface="Segoe UI"/>
-                <a:cs typeface="Segoe UI"/>
-              </a:rPr>
-              <a:t>Principles</a:t>
-            </a:r>
-            <a:r>
-              <a:rPr lang="it-IT" sz="3000" dirty="0">
-                <a:solidFill>
-                  <a:srgbClr val="FFFFFF"/>
-                </a:solidFill>
-                <a:latin typeface="Segoe UI"/>
-                <a:cs typeface="Segoe UI"/>
-              </a:rPr>
-              <a:t> </a:t>
-            </a:r>
-          </a:p>
-        </p:txBody>
-      </p:sp>
-      <p:sp>
-        <p:nvSpPr>
-          <p:cNvPr id="101" name="Shape 101">
-            <a:extLst>
-              <a:ext uri="{FF2B5EF4-FFF2-40B4-BE49-F238E27FC236}">
-                <a16:creationId xmlns:a16="http://schemas.microsoft.com/office/drawing/2014/main" id="{BB44B753-9B65-75BE-237D-5FF5BA30D536}"/>
-              </a:ext>
-            </a:extLst>
-          </p:cNvPr>
-          <p:cNvSpPr/>
-          <p:nvPr/>
-        </p:nvSpPr>
-        <p:spPr>
-          <a:xfrm>
-            <a:off x="8302200" y="6479700"/>
-            <a:ext cx="384600" cy="378300"/>
-          </a:xfrm>
-          <a:prstGeom prst="rect">
-            <a:avLst/>
-          </a:prstGeom>
-          <a:solidFill>
-            <a:srgbClr val="9B0014"/>
-          </a:solidFill>
-          <a:ln>
-            <a:noFill/>
-          </a:ln>
-        </p:spPr>
-        <p:txBody>
-          <a:bodyPr spcFirstLastPara="1" wrap="square" lIns="91425" tIns="91425" rIns="91425" bIns="91425" anchor="ctr" anchorCtr="0">
-            <a:noAutofit/>
-          </a:bodyPr>
-          <a:lstStyle/>
-          <a:p>
-            <a:pPr marL="0" lvl="0" indent="0">
-              <a:spcBef>
-                <a:spcPts val="0"/>
-              </a:spcBef>
-              <a:spcAft>
-                <a:spcPts val="0"/>
-              </a:spcAft>
-              <a:buNone/>
-            </a:pPr>
-            <a:endParaRPr/>
-          </a:p>
-        </p:txBody>
-      </p:sp>
-      <p:sp>
-        <p:nvSpPr>
-          <p:cNvPr id="23" name="CasellaDiTesto 22">
-            <a:extLst>
-              <a:ext uri="{FF2B5EF4-FFF2-40B4-BE49-F238E27FC236}">
-                <a16:creationId xmlns:a16="http://schemas.microsoft.com/office/drawing/2014/main" id="{58ECFC73-CE5C-08DD-6868-26216BCA7C63}"/>
-              </a:ext>
-            </a:extLst>
-          </p:cNvPr>
-          <p:cNvSpPr txBox="1"/>
-          <p:nvPr/>
-        </p:nvSpPr>
-        <p:spPr>
-          <a:xfrm>
-            <a:off x="4781846" y="6482191"/>
-            <a:ext cx="3911435" cy="261610"/>
-          </a:xfrm>
-          <a:prstGeom prst="rect">
-            <a:avLst/>
-          </a:prstGeom>
-          <a:noFill/>
-        </p:spPr>
-        <p:txBody>
-          <a:bodyPr wrap="square" lIns="91440" tIns="45720" rIns="91440" bIns="45720" rtlCol="0" anchor="t">
-            <a:spAutoFit/>
-          </a:bodyPr>
-          <a:lstStyle/>
-          <a:p>
-            <a:pPr algn="r"/>
-            <a:r>
-              <a:rPr lang="it-IT" sz="1100" dirty="0">
-                <a:solidFill>
-                  <a:schemeClr val="bg1"/>
-                </a:solidFill>
-                <a:latin typeface="Segoe UI"/>
-              </a:rPr>
-              <a:t>G. </a:t>
-            </a:r>
-            <a:r>
-              <a:rPr lang="it-IT" sz="1100" err="1">
-                <a:solidFill>
-                  <a:schemeClr val="bg1"/>
-                </a:solidFill>
-                <a:latin typeface="Segoe UI"/>
-              </a:rPr>
-              <a:t>Rovesti</a:t>
-            </a:r>
-            <a:r>
-              <a:rPr lang="it-IT" sz="1100" dirty="0">
-                <a:solidFill>
-                  <a:schemeClr val="bg1"/>
-                </a:solidFill>
-                <a:latin typeface="Segoe UI"/>
-              </a:rPr>
-              <a:t> - </a:t>
-            </a:r>
-            <a:r>
-              <a:rPr lang="it-IT" sz="1100" err="1">
-                <a:solidFill>
-                  <a:schemeClr val="bg1"/>
-                </a:solidFill>
-                <a:latin typeface="Segoe UI"/>
-              </a:rPr>
-              <a:t>Designing</a:t>
-            </a:r>
-            <a:r>
-              <a:rPr lang="it-IT" sz="1100" dirty="0">
-                <a:solidFill>
-                  <a:schemeClr val="bg1"/>
-                </a:solidFill>
-                <a:latin typeface="Segoe UI"/>
-              </a:rPr>
-              <a:t> an </a:t>
-            </a:r>
-            <a:r>
-              <a:rPr lang="it-IT" sz="1100" err="1">
-                <a:solidFill>
-                  <a:schemeClr val="bg1"/>
-                </a:solidFill>
-                <a:latin typeface="Segoe UI"/>
-              </a:rPr>
-              <a:t>accessibility</a:t>
-            </a:r>
-            <a:r>
-              <a:rPr lang="it-IT" sz="1100" dirty="0">
-                <a:solidFill>
-                  <a:schemeClr val="bg1"/>
-                </a:solidFill>
-                <a:latin typeface="Segoe UI"/>
-              </a:rPr>
-              <a:t> learning toolkit</a:t>
-            </a:r>
-            <a:endParaRPr lang="it-IT" dirty="0">
-              <a:solidFill>
-                <a:schemeClr val="bg1"/>
-              </a:solidFill>
-              <a:latin typeface="Segoe UI"/>
-            </a:endParaRPr>
-          </a:p>
-        </p:txBody>
-      </p:sp>
-      <p:sp>
-        <p:nvSpPr>
-          <p:cNvPr id="10" name="CasellaDiTesto 9">
-            <a:extLst>
-              <a:ext uri="{FF2B5EF4-FFF2-40B4-BE49-F238E27FC236}">
-                <a16:creationId xmlns:a16="http://schemas.microsoft.com/office/drawing/2014/main" id="{ECBEB566-F1DC-7287-867B-254A5511EA03}"/>
-              </a:ext>
-            </a:extLst>
-          </p:cNvPr>
-          <p:cNvSpPr txBox="1"/>
-          <p:nvPr/>
-        </p:nvSpPr>
-        <p:spPr>
-          <a:xfrm>
-            <a:off x="315940" y="962003"/>
-            <a:ext cx="8515877" cy="4708981"/>
-          </a:xfrm>
-          <a:prstGeom prst="rect">
-            <a:avLst/>
-          </a:prstGeom>
-          <a:noFill/>
-        </p:spPr>
-        <p:txBody>
-          <a:bodyPr wrap="square" lIns="91440" tIns="45720" rIns="91440" bIns="45720" rtlCol="0" anchor="t">
-            <a:spAutoFit/>
-          </a:bodyPr>
-          <a:lstStyle/>
-          <a:p>
-            <a:pPr algn="just"/>
-            <a:r>
-              <a:rPr lang="it-IT" sz="2000" b="1" dirty="0" err="1">
-                <a:latin typeface="Segoe UI"/>
-              </a:rPr>
-              <a:t>Extending</a:t>
-            </a:r>
-            <a:r>
-              <a:rPr lang="it-IT" sz="2000" b="1" dirty="0">
-                <a:latin typeface="Segoe UI"/>
-              </a:rPr>
-              <a:t> WCAG </a:t>
-            </a:r>
-            <a:r>
-              <a:rPr lang="it-IT" sz="2000" b="1" dirty="0" err="1">
-                <a:latin typeface="Segoe UI"/>
-              </a:rPr>
-              <a:t>Principles</a:t>
-            </a:r>
-            <a:r>
-              <a:rPr lang="it-IT" sz="2000" b="1" dirty="0">
-                <a:latin typeface="Segoe UI"/>
-              </a:rPr>
-              <a:t>:</a:t>
-            </a:r>
-            <a:r>
-              <a:rPr lang="it-IT" sz="2000" dirty="0">
-                <a:latin typeface="Segoe UI"/>
-              </a:rPr>
-              <a:t> </a:t>
-            </a:r>
-            <a:endParaRPr lang="it-IT">
-              <a:latin typeface="Segoe UI"/>
-            </a:endParaRPr>
-          </a:p>
-          <a:p>
-            <a:pPr algn="just"/>
-            <a:endParaRPr lang="it-IT" sz="2000" dirty="0">
-              <a:latin typeface="Segoe UI"/>
-            </a:endParaRPr>
-          </a:p>
-          <a:p>
-            <a:pPr algn="just"/>
-            <a:r>
-              <a:rPr lang="it-IT" sz="2000" dirty="0">
-                <a:latin typeface="Segoe UI"/>
-              </a:rPr>
-              <a:t>🔄 </a:t>
-            </a:r>
-            <a:r>
-              <a:rPr lang="it-IT" sz="2000" b="1" dirty="0">
-                <a:latin typeface="Segoe UI"/>
-              </a:rPr>
-              <a:t>Multi-</a:t>
-            </a:r>
-            <a:r>
-              <a:rPr lang="it-IT" sz="2000" b="1" dirty="0" err="1">
-                <a:latin typeface="Segoe UI"/>
-              </a:rPr>
-              <a:t>dimensional</a:t>
-            </a:r>
-            <a:r>
-              <a:rPr lang="it-IT" sz="2000" b="1" dirty="0">
-                <a:latin typeface="Segoe UI"/>
-              </a:rPr>
-              <a:t> Evaluation:</a:t>
-            </a:r>
-            <a:r>
-              <a:rPr lang="it-IT" sz="2000" dirty="0">
-                <a:latin typeface="Segoe UI"/>
-              </a:rPr>
-              <a:t> Beyond compliance - </a:t>
-            </a:r>
-            <a:r>
-              <a:rPr lang="it-IT" sz="2000" dirty="0" err="1">
-                <a:latin typeface="Segoe UI"/>
-              </a:rPr>
-              <a:t>includes</a:t>
-            </a:r>
-            <a:r>
-              <a:rPr lang="it-IT" sz="2000" dirty="0">
-                <a:latin typeface="Segoe UI"/>
-              </a:rPr>
-              <a:t> </a:t>
-            </a:r>
-            <a:r>
-              <a:rPr lang="it-IT" sz="2000" dirty="0" err="1">
-                <a:latin typeface="Segoe UI"/>
-              </a:rPr>
-              <a:t>empirical</a:t>
-            </a:r>
-            <a:r>
-              <a:rPr lang="it-IT" sz="2000" dirty="0">
-                <a:latin typeface="Segoe UI"/>
-              </a:rPr>
-              <a:t> testing + </a:t>
-            </a:r>
-            <a:r>
-              <a:rPr lang="it-IT" sz="2000" dirty="0" err="1">
-                <a:latin typeface="Segoe UI"/>
-              </a:rPr>
-              <a:t>real</a:t>
-            </a:r>
-            <a:r>
-              <a:rPr lang="it-IT" sz="2000" dirty="0">
-                <a:latin typeface="Segoe UI"/>
-              </a:rPr>
-              <a:t>-world </a:t>
-            </a:r>
-            <a:r>
-              <a:rPr lang="it-IT" sz="2000" dirty="0" err="1">
-                <a:latin typeface="Segoe UI"/>
-              </a:rPr>
-              <a:t>usability</a:t>
-            </a:r>
-            <a:r>
-              <a:rPr lang="it-IT" sz="2000" dirty="0">
-                <a:latin typeface="Segoe UI"/>
-              </a:rPr>
-              <a:t> </a:t>
-            </a:r>
-            <a:endParaRPr lang="it-IT">
-              <a:latin typeface="Segoe UI"/>
-            </a:endParaRPr>
-          </a:p>
-          <a:p>
-            <a:pPr algn="just"/>
-            <a:r>
-              <a:rPr lang="it-IT" sz="2000" dirty="0">
-                <a:latin typeface="Segoe UI"/>
-              </a:rPr>
-              <a:t>🔍 </a:t>
-            </a:r>
-            <a:r>
-              <a:rPr lang="it-IT" sz="2000" b="1" err="1">
-                <a:latin typeface="Segoe UI"/>
-              </a:rPr>
-              <a:t>Methodology</a:t>
-            </a:r>
-            <a:r>
-              <a:rPr lang="it-IT" sz="2000" b="1" dirty="0">
-                <a:latin typeface="Segoe UI"/>
-              </a:rPr>
-              <a:t> </a:t>
-            </a:r>
-            <a:r>
-              <a:rPr lang="it-IT" sz="2000" b="1" err="1">
-                <a:latin typeface="Segoe UI"/>
-              </a:rPr>
-              <a:t>Transparency</a:t>
-            </a:r>
-            <a:r>
-              <a:rPr lang="it-IT" sz="2000" b="1" dirty="0">
-                <a:latin typeface="Segoe UI"/>
-              </a:rPr>
-              <a:t>:</a:t>
-            </a:r>
-            <a:r>
-              <a:rPr lang="it-IT" sz="2000" dirty="0">
-                <a:latin typeface="Segoe UI"/>
-              </a:rPr>
-              <a:t> Clear </a:t>
-            </a:r>
-            <a:r>
-              <a:rPr lang="it-IT" sz="2000" err="1">
-                <a:latin typeface="Segoe UI"/>
-              </a:rPr>
-              <a:t>evaluation</a:t>
-            </a:r>
-            <a:r>
-              <a:rPr lang="it-IT" sz="2000" dirty="0">
-                <a:latin typeface="Segoe UI"/>
-              </a:rPr>
-              <a:t> </a:t>
-            </a:r>
-            <a:r>
-              <a:rPr lang="it-IT" sz="2000" err="1">
-                <a:latin typeface="Segoe UI"/>
-              </a:rPr>
-              <a:t>documentation</a:t>
-            </a:r>
-            <a:r>
-              <a:rPr lang="it-IT" sz="2000" dirty="0">
-                <a:latin typeface="Segoe UI"/>
-              </a:rPr>
-              <a:t>, test </a:t>
-            </a:r>
-            <a:r>
-              <a:rPr lang="it-IT" sz="2000" err="1">
-                <a:latin typeface="Segoe UI"/>
-              </a:rPr>
-              <a:t>procedures</a:t>
-            </a:r>
-            <a:r>
-              <a:rPr lang="it-IT" sz="2000" dirty="0">
-                <a:latin typeface="Segoe UI"/>
-              </a:rPr>
-              <a:t>, accountability </a:t>
-            </a:r>
-            <a:endParaRPr lang="it-IT">
-              <a:latin typeface="Segoe UI"/>
-            </a:endParaRPr>
-          </a:p>
-          <a:p>
-            <a:pPr algn="just"/>
-            <a:r>
-              <a:rPr lang="it-IT" sz="2000" dirty="0">
-                <a:latin typeface="Segoe UI"/>
-              </a:rPr>
-              <a:t>📚 </a:t>
-            </a:r>
-            <a:r>
-              <a:rPr lang="it-IT" sz="2000" b="1" dirty="0" err="1">
-                <a:latin typeface="Segoe UI"/>
-              </a:rPr>
-              <a:t>Academic</a:t>
-            </a:r>
-            <a:r>
-              <a:rPr lang="it-IT" sz="2000" b="1" dirty="0">
-                <a:latin typeface="Segoe UI"/>
-              </a:rPr>
-              <a:t> Grounding:</a:t>
-            </a:r>
-            <a:r>
-              <a:rPr lang="it-IT" sz="2000" dirty="0">
-                <a:latin typeface="Segoe UI"/>
-              </a:rPr>
-              <a:t> Peer-</a:t>
-            </a:r>
-            <a:r>
-              <a:rPr lang="it-IT" sz="2000" dirty="0" err="1">
-                <a:latin typeface="Segoe UI"/>
-              </a:rPr>
-              <a:t>reviewed</a:t>
-            </a:r>
-            <a:r>
-              <a:rPr lang="it-IT" sz="2000" dirty="0">
-                <a:latin typeface="Segoe UI"/>
-              </a:rPr>
-              <a:t> </a:t>
-            </a:r>
-            <a:r>
-              <a:rPr lang="it-IT" sz="2000" dirty="0" err="1">
-                <a:latin typeface="Segoe UI"/>
-              </a:rPr>
-              <a:t>research</a:t>
-            </a:r>
-            <a:r>
-              <a:rPr lang="it-IT" sz="2000" dirty="0">
-                <a:latin typeface="Segoe UI"/>
-              </a:rPr>
-              <a:t> </a:t>
-            </a:r>
-            <a:r>
-              <a:rPr lang="it-IT" sz="2000" dirty="0" err="1">
-                <a:latin typeface="Segoe UI"/>
-              </a:rPr>
-              <a:t>integration</a:t>
-            </a:r>
-            <a:r>
-              <a:rPr lang="it-IT" sz="2000" dirty="0">
-                <a:latin typeface="Segoe UI"/>
-              </a:rPr>
-              <a:t>, </a:t>
-            </a:r>
-            <a:r>
-              <a:rPr lang="it-IT" sz="2000" dirty="0" err="1">
-                <a:latin typeface="Segoe UI"/>
-              </a:rPr>
-              <a:t>formal</a:t>
-            </a:r>
-            <a:r>
-              <a:rPr lang="it-IT" sz="2000" dirty="0">
-                <a:latin typeface="Segoe UI"/>
-              </a:rPr>
-              <a:t> standards connection</a:t>
-            </a:r>
-            <a:endParaRPr lang="it-IT">
-              <a:latin typeface="Segoe UI"/>
-            </a:endParaRPr>
-          </a:p>
-          <a:p>
-            <a:pPr algn="just"/>
-            <a:r>
-              <a:rPr lang="it-IT" sz="2000" dirty="0">
-                <a:latin typeface="Segoe UI"/>
-              </a:rPr>
-              <a:t> 📊 </a:t>
-            </a:r>
-            <a:r>
-              <a:rPr lang="it-IT" sz="2000" b="1" dirty="0">
-                <a:latin typeface="Segoe UI"/>
-              </a:rPr>
-              <a:t>Progressive Disclosure:</a:t>
-            </a:r>
-            <a:r>
-              <a:rPr lang="it-IT" sz="2000" dirty="0">
-                <a:latin typeface="Segoe UI"/>
-              </a:rPr>
-              <a:t> </a:t>
-            </a:r>
-            <a:r>
-              <a:rPr lang="it-IT" sz="2000" err="1">
-                <a:latin typeface="Segoe UI"/>
-              </a:rPr>
-              <a:t>Layered</a:t>
-            </a:r>
-            <a:r>
-              <a:rPr lang="it-IT" sz="2000" dirty="0">
-                <a:latin typeface="Segoe UI"/>
-              </a:rPr>
-              <a:t> </a:t>
-            </a:r>
-            <a:r>
-              <a:rPr lang="it-IT" sz="2000" err="1">
-                <a:latin typeface="Segoe UI"/>
-              </a:rPr>
-              <a:t>complexity</a:t>
-            </a:r>
-            <a:r>
-              <a:rPr lang="it-IT" sz="2000" dirty="0">
-                <a:latin typeface="Segoe UI"/>
-              </a:rPr>
-              <a:t> for </a:t>
-            </a:r>
-            <a:r>
-              <a:rPr lang="it-IT" sz="2000" err="1">
-                <a:latin typeface="Segoe UI"/>
-              </a:rPr>
-              <a:t>different</a:t>
-            </a:r>
-            <a:r>
-              <a:rPr lang="it-IT" sz="2000" dirty="0">
-                <a:latin typeface="Segoe UI"/>
-              </a:rPr>
-              <a:t> developer skill </a:t>
-            </a:r>
-            <a:r>
-              <a:rPr lang="it-IT" sz="2000" err="1">
-                <a:latin typeface="Segoe UI"/>
-              </a:rPr>
-              <a:t>levels</a:t>
-            </a:r>
-            <a:r>
-              <a:rPr lang="it-IT" sz="2000" dirty="0">
-                <a:latin typeface="Segoe UI"/>
-              </a:rPr>
-              <a:t> </a:t>
-            </a:r>
-            <a:endParaRPr lang="it-IT">
-              <a:latin typeface="Segoe UI"/>
-            </a:endParaRPr>
-          </a:p>
-          <a:p>
-            <a:pPr algn="just"/>
-            <a:r>
-              <a:rPr lang="it-IT" sz="2000" dirty="0">
-                <a:latin typeface="Segoe UI"/>
-              </a:rPr>
-              <a:t>👥 </a:t>
-            </a:r>
-            <a:r>
-              <a:rPr lang="it-IT" sz="2000" b="1" dirty="0">
-                <a:latin typeface="Segoe UI"/>
-              </a:rPr>
-              <a:t>Social Learning Integration:</a:t>
-            </a:r>
-            <a:r>
-              <a:rPr lang="it-IT" sz="2000" dirty="0">
-                <a:latin typeface="Segoe UI"/>
-              </a:rPr>
-              <a:t> Community-</a:t>
-            </a:r>
-            <a:r>
-              <a:rPr lang="it-IT" sz="2000" dirty="0" err="1">
-                <a:latin typeface="Segoe UI"/>
-              </a:rPr>
-              <a:t>driven</a:t>
-            </a:r>
-            <a:r>
-              <a:rPr lang="it-IT" sz="2000" dirty="0">
-                <a:latin typeface="Segoe UI"/>
-              </a:rPr>
-              <a:t> knowledge sharing</a:t>
-            </a:r>
-          </a:p>
-          <a:p>
-            <a:pPr algn="just"/>
-            <a:endParaRPr lang="it-IT" sz="2000" b="1" dirty="0">
-              <a:latin typeface="Segoe UI"/>
-            </a:endParaRPr>
-          </a:p>
-          <a:p>
-            <a:pPr algn="just"/>
-            <a:r>
-              <a:rPr lang="it-IT" sz="2000" b="1" err="1">
-                <a:latin typeface="Segoe UI"/>
-              </a:rPr>
-              <a:t>Result</a:t>
-            </a:r>
-            <a:r>
-              <a:rPr lang="it-IT" sz="2000" b="1" dirty="0">
-                <a:latin typeface="Segoe UI"/>
-              </a:rPr>
-              <a:t>:</a:t>
-            </a:r>
-            <a:r>
-              <a:rPr lang="it-IT" sz="2000" dirty="0">
-                <a:latin typeface="Segoe UI"/>
-              </a:rPr>
-              <a:t> First </a:t>
-            </a:r>
-            <a:r>
-              <a:rPr lang="it-IT" sz="2000" err="1">
-                <a:latin typeface="Segoe UI"/>
-              </a:rPr>
-              <a:t>comprehensive</a:t>
-            </a:r>
-            <a:r>
-              <a:rPr lang="it-IT" sz="2000" dirty="0">
-                <a:latin typeface="Segoe UI"/>
-              </a:rPr>
-              <a:t> developer </a:t>
-            </a:r>
-            <a:r>
-              <a:rPr lang="it-IT" sz="2000" err="1">
-                <a:latin typeface="Segoe UI"/>
-              </a:rPr>
-              <a:t>resource</a:t>
-            </a:r>
-            <a:r>
-              <a:rPr lang="it-IT" sz="2000" dirty="0">
-                <a:latin typeface="Segoe UI"/>
-              </a:rPr>
-              <a:t> </a:t>
-            </a:r>
-            <a:r>
-              <a:rPr lang="it-IT" sz="2000" err="1">
-                <a:latin typeface="Segoe UI"/>
-              </a:rPr>
-              <a:t>bridging</a:t>
-            </a:r>
-            <a:r>
-              <a:rPr lang="it-IT" sz="2000" dirty="0">
-                <a:latin typeface="Segoe UI"/>
-              </a:rPr>
-              <a:t> </a:t>
-            </a:r>
-            <a:r>
-              <a:rPr lang="it-IT" sz="2000" err="1">
-                <a:latin typeface="Segoe UI"/>
-              </a:rPr>
-              <a:t>accessibility</a:t>
-            </a:r>
-            <a:r>
-              <a:rPr lang="it-IT" sz="2000" dirty="0">
-                <a:latin typeface="Segoe UI"/>
-              </a:rPr>
-              <a:t> theory with mobile practice</a:t>
-            </a:r>
-            <a:endParaRPr lang="it-IT" dirty="0">
-              <a:latin typeface="Segoe UI"/>
-            </a:endParaRPr>
-          </a:p>
-          <a:p>
-            <a:pPr algn="just"/>
-            <a:endParaRPr lang="it-IT" sz="2000" b="1" dirty="0">
-              <a:latin typeface="Segoe UI"/>
-            </a:endParaRPr>
-          </a:p>
-        </p:txBody>
-      </p:sp>
-      <p:sp>
-        <p:nvSpPr>
-          <p:cNvPr id="3" name="CasellaDiTesto 2">
-            <a:extLst>
-              <a:ext uri="{FF2B5EF4-FFF2-40B4-BE49-F238E27FC236}">
-                <a16:creationId xmlns:a16="http://schemas.microsoft.com/office/drawing/2014/main" id="{EC67B8E0-6741-1BDA-961D-2F34F3607431}"/>
-              </a:ext>
-            </a:extLst>
-          </p:cNvPr>
-          <p:cNvSpPr txBox="1"/>
-          <p:nvPr/>
-        </p:nvSpPr>
-        <p:spPr>
-          <a:xfrm>
-            <a:off x="8518560" y="6482191"/>
-            <a:ext cx="629247" cy="261610"/>
-          </a:xfrm>
-          <a:prstGeom prst="rect">
-            <a:avLst/>
-          </a:prstGeom>
-          <a:noFill/>
-        </p:spPr>
-        <p:txBody>
-          <a:bodyPr wrap="square" lIns="91440" tIns="45720" rIns="91440" bIns="45720" rtlCol="0" anchor="t">
-            <a:spAutoFit/>
-          </a:bodyPr>
-          <a:lstStyle/>
-          <a:p>
-            <a:pPr algn="r"/>
-            <a:r>
-              <a:rPr lang="it-IT" sz="1100" dirty="0">
-                <a:solidFill>
-                  <a:schemeClr val="bg1"/>
-                </a:solidFill>
-                <a:latin typeface="Segoe UI"/>
-              </a:rPr>
-              <a:t>12/17</a:t>
-            </a:r>
-            <a:endParaRPr lang="it-IT" dirty="0">
-              <a:solidFill>
-                <a:schemeClr val="bg1"/>
-              </a:solidFill>
-            </a:endParaRPr>
-          </a:p>
-        </p:txBody>
-      </p:sp>
-    </p:spTree>
-    <p:extLst>
-      <p:ext uri="{BB962C8B-B14F-4D97-AF65-F5344CB8AC3E}">
-        <p14:creationId xmlns:p14="http://schemas.microsoft.com/office/powerpoint/2010/main" val="1646661074"/>
-      </p:ext>
-    </p:extLst>
-  </p:cSld>
-  <p:clrMapOvr>
-    <a:masterClrMapping/>
-  </p:clrMapOvr>
-</p:sld>
-</file>
-
-<file path=ppt/slides/slide13.xml><?xml version="1.0" encoding="utf-8"?>
-<p:sld xmlns:a="http://schemas.openxmlformats.org/drawingml/2006/main" xmlns:r="http://schemas.openxmlformats.org/officeDocument/2006/relationships" xmlns:p="http://schemas.openxmlformats.org/presentationml/2006/main">
-  <p:cSld>
-    <p:spTree>
-      <p:nvGrpSpPr>
-        <p:cNvPr id="1" name="Shape 98">
-          <a:extLst>
-            <a:ext uri="{FF2B5EF4-FFF2-40B4-BE49-F238E27FC236}">
               <a16:creationId xmlns:a16="http://schemas.microsoft.com/office/drawing/2014/main" id="{74E76E6A-D927-07A3-9A30-6B26D1E5F4B3}"/>
             </a:ext>
           </a:extLst>
@@ -12052,8 +11131,8 @@
         </p:nvSpPr>
         <p:spPr>
           <a:xfrm>
-            <a:off x="322244" y="997027"/>
-            <a:ext cx="8169006" cy="707886"/>
+            <a:off x="322244" y="969485"/>
+            <a:ext cx="8361801" cy="5847755"/>
           </a:xfrm>
           <a:prstGeom prst="rect">
             <a:avLst/>
@@ -12079,17 +11158,240 @@
               <a:rPr lang="en-US" sz="2000" dirty="0">
                 <a:latin typeface="Segoe UI"/>
               </a:rPr>
-              <a:t> First structured methodology for quantifying mobile accessibility implementation across frameworks</a:t>
-            </a:r>
+              <a:t> Evidence-based methodology for quantifying mobile accessibility implementation across frameworks</a:t>
+            </a:r>
+          </a:p>
+          <a:p>
+            <a:endParaRPr lang="en-US" sz="2000" dirty="0">
+              <a:latin typeface="Segoe UI"/>
+            </a:endParaRPr>
+          </a:p>
+          <a:p>
+            <a:r>
+              <a:rPr lang="en-US" sz="2000" dirty="0">
+                <a:latin typeface="Segoe UI"/>
+              </a:rPr>
+              <a:t>🔢</a:t>
+            </a:r>
+            <a:r>
+              <a:rPr lang="en-US" sz="2000" b="1" dirty="0">
+                <a:latin typeface="Segoe UI"/>
+              </a:rPr>
+              <a:t> Implementation Overhead (IMO)</a:t>
+            </a:r>
+            <a:endParaRPr lang="en-US" sz="2000" dirty="0">
+              <a:latin typeface="Segoe UI"/>
+            </a:endParaRPr>
+          </a:p>
+          <a:p>
+            <a:r>
+              <a:rPr lang="en-US" sz="2000" dirty="0">
+                <a:latin typeface="Segoe UI"/>
+              </a:rPr>
+              <a:t>Direct code cost measurement for equivalent functionality</a:t>
+            </a:r>
+            <a:endParaRPr lang="en-US">
+              <a:latin typeface="Segoe UI"/>
+            </a:endParaRPr>
+          </a:p>
+          <a:p>
+            <a:endParaRPr lang="en-US" sz="2000" dirty="0">
+              <a:latin typeface="Segoe UI"/>
+            </a:endParaRPr>
+          </a:p>
+          <a:p>
+            <a:r>
+              <a:rPr lang="en-US" sz="2000" dirty="0">
+                <a:latin typeface="Segoe UI"/>
+              </a:rPr>
+              <a:t>📱 </a:t>
+            </a:r>
+            <a:r>
+              <a:rPr lang="en-US" sz="2000" b="1" dirty="0">
+                <a:latin typeface="Segoe UI"/>
+              </a:rPr>
+              <a:t>Screen Reader Support Score (SRSS)</a:t>
+            </a:r>
+            <a:r>
+              <a:rPr lang="en-US" sz="2000" dirty="0">
+                <a:latin typeface="Segoe UI"/>
+              </a:rPr>
+              <a:t>: </a:t>
+            </a:r>
+            <a:endParaRPr lang="en-US" dirty="0">
+              <a:latin typeface="Segoe UI"/>
+            </a:endParaRPr>
+          </a:p>
+          <a:p>
+            <a:r>
+              <a:rPr lang="en-US" sz="2000" dirty="0">
+                <a:latin typeface="Segoe UI"/>
+              </a:rPr>
+              <a:t>Likert scale based on </a:t>
+            </a:r>
+            <a:r>
+              <a:rPr lang="en-US" sz="2000" err="1">
+                <a:latin typeface="Segoe UI"/>
+              </a:rPr>
+              <a:t>VoiceOver</a:t>
+            </a:r>
+            <a:r>
+              <a:rPr lang="en-US" sz="2000" dirty="0">
+                <a:latin typeface="Segoe UI"/>
+              </a:rPr>
+              <a:t>/</a:t>
+            </a:r>
+            <a:r>
+              <a:rPr lang="en-US" sz="2000" err="1">
+                <a:latin typeface="Segoe UI"/>
+              </a:rPr>
+              <a:t>TalkBack</a:t>
+            </a:r>
+            <a:r>
+              <a:rPr lang="en-US" sz="2000" dirty="0">
+                <a:latin typeface="Segoe UI"/>
+              </a:rPr>
+              <a:t> functionality</a:t>
+            </a:r>
+            <a:endParaRPr lang="en-US" dirty="0">
+              <a:latin typeface="Segoe UI"/>
+            </a:endParaRPr>
+          </a:p>
+          <a:p>
+            <a:endParaRPr lang="en-US" sz="2000" dirty="0">
+              <a:latin typeface="Segoe UI"/>
+            </a:endParaRPr>
+          </a:p>
+          <a:p>
+            <a:r>
+              <a:rPr lang="en-US" sz="2000" dirty="0">
+                <a:latin typeface="Segoe UI"/>
+              </a:rPr>
+              <a:t>✅ </a:t>
+            </a:r>
+            <a:r>
+              <a:rPr lang="en-US" sz="2000" b="1" dirty="0">
+                <a:latin typeface="Segoe UI"/>
+              </a:rPr>
+              <a:t>WCAG Compliance Ratio (WCR)</a:t>
+            </a:r>
+            <a:r>
+              <a:rPr lang="en-US" sz="2000" dirty="0">
+                <a:latin typeface="Segoe UI"/>
+              </a:rPr>
+              <a:t>: </a:t>
+            </a:r>
+            <a:endParaRPr lang="en-US" dirty="0">
+              <a:latin typeface="Segoe UI"/>
+            </a:endParaRPr>
+          </a:p>
+          <a:p>
+            <a:r>
+              <a:rPr lang="en-US" sz="2000" dirty="0">
+                <a:latin typeface="Segoe UI"/>
+              </a:rPr>
+              <a:t>Standards adherence tracking (A/AA/AAA levels)</a:t>
+            </a:r>
+            <a:endParaRPr lang="en-US">
+              <a:latin typeface="Segoe UI"/>
+            </a:endParaRPr>
+          </a:p>
+          <a:p>
+            <a:endParaRPr lang="en-US" sz="2000" dirty="0">
+              <a:latin typeface="Segoe UI"/>
+            </a:endParaRPr>
+          </a:p>
+          <a:p>
+            <a:r>
+              <a:rPr lang="en-US" sz="2000" dirty="0">
+                <a:latin typeface="Segoe UI"/>
+              </a:rPr>
+              <a:t>⚙️ </a:t>
+            </a:r>
+            <a:r>
+              <a:rPr lang="en-US" sz="2000" b="1" dirty="0">
+                <a:latin typeface="Segoe UI"/>
+              </a:rPr>
+              <a:t>Complexity Impact Factor (CIF)</a:t>
+            </a:r>
+            <a:r>
+              <a:rPr lang="en-US" sz="2000" dirty="0">
+                <a:latin typeface="Segoe UI"/>
+              </a:rPr>
+              <a:t>: </a:t>
+            </a:r>
+            <a:endParaRPr lang="en-US" dirty="0">
+              <a:latin typeface="Segoe UI"/>
+            </a:endParaRPr>
+          </a:p>
+          <a:p>
+            <a:r>
+              <a:rPr lang="en-US" sz="2000" dirty="0">
+                <a:latin typeface="Segoe UI"/>
+              </a:rPr>
+              <a:t>Development difficulty classification (Low/Medium/High)</a:t>
+            </a:r>
+            <a:endParaRPr lang="en-US">
+              <a:latin typeface="Segoe UI"/>
+            </a:endParaRPr>
+          </a:p>
+          <a:p>
+            <a:endParaRPr lang="en-US" sz="2000" dirty="0">
+              <a:latin typeface="Segoe UI"/>
+            </a:endParaRPr>
+          </a:p>
+          <a:p>
+            <a:r>
+              <a:rPr lang="en-US" sz="2000" dirty="0">
+                <a:latin typeface="Segoe UI"/>
+              </a:rPr>
+              <a:t>⏱️</a:t>
+            </a:r>
+            <a:r>
+              <a:rPr lang="en-US" sz="2000" b="1" dirty="0">
+                <a:latin typeface="Segoe UI"/>
+              </a:rPr>
+              <a:t> Development Time Estimate (DTE)</a:t>
+            </a:r>
+            <a:r>
+              <a:rPr lang="en-US" sz="2000" dirty="0">
+                <a:latin typeface="Segoe UI"/>
+              </a:rPr>
+              <a:t>: </a:t>
+            </a:r>
+            <a:endParaRPr lang="en-US" dirty="0">
+              <a:latin typeface="Segoe UI"/>
+            </a:endParaRPr>
+          </a:p>
+          <a:p>
+            <a:r>
+              <a:rPr lang="en-US" sz="2000" dirty="0">
+                <a:latin typeface="Segoe UI"/>
+              </a:rPr>
+              <a:t>Resource planning with complexity adjustments</a:t>
+            </a:r>
+            <a:endParaRPr lang="en-US">
+              <a:latin typeface="Segoe UI"/>
+            </a:endParaRPr>
+          </a:p>
+          <a:p>
+            <a:endParaRPr lang="en-US" dirty="0">
+              <a:latin typeface="Segoe UI"/>
+            </a:endParaRPr>
+          </a:p>
+          <a:p>
+            <a:endParaRPr lang="en-US" sz="2000" dirty="0">
+              <a:latin typeface="Segoe UI"/>
+            </a:endParaRPr>
           </a:p>
         </p:txBody>
       </p:sp>
       <p:pic>
         <p:nvPicPr>
-          <p:cNvPr id="8" name="Immagine 7" descr="Immagine che contiene testo, schermata, Carattere, numero&#10;&#10;Il contenuto generato dall&amp;#39;IA potrebbe non essere corretto.">
+          <p:cNvPr id="7" name="Immagine 6" descr="Lens - Free interface icons">
             <a:extLst>
               <a:ext uri="{FF2B5EF4-FFF2-40B4-BE49-F238E27FC236}">
-                <a16:creationId xmlns:a16="http://schemas.microsoft.com/office/drawing/2014/main" id="{240A9F30-5467-9785-0620-359114DA45F2}"/>
+                <a16:creationId xmlns:a16="http://schemas.microsoft.com/office/drawing/2014/main" id="{F166B7BE-7A42-D51C-FBED-9D4F2EB8478A}"/>
               </a:ext>
             </a:extLst>
           </p:cNvPr>
@@ -12106,8 +11408,8 @@
         </p:blipFill>
         <p:spPr>
           <a:xfrm>
-            <a:off x="950204" y="1929393"/>
-            <a:ext cx="7353760" cy="3742853"/>
+            <a:off x="8017353" y="3431582"/>
+            <a:ext cx="669619" cy="710933"/>
           </a:xfrm>
           <a:prstGeom prst="rect">
             <a:avLst/>
@@ -12127,7 +11429,7 @@
 </p:sld>
 </file>
 
-<file path=ppt/slides/slide14.xml><?xml version="1.0" encoding="utf-8"?>
+<file path=ppt/slides/slide13.xml><?xml version="1.0" encoding="utf-8"?>
 <p:sld xmlns:a="http://schemas.openxmlformats.org/drawingml/2006/main" xmlns:r="http://schemas.openxmlformats.org/officeDocument/2006/relationships" xmlns:p="http://schemas.openxmlformats.org/presentationml/2006/main">
   <p:cSld>
     <p:spTree>
@@ -12369,7 +11671,7 @@
         <p:spPr>
           <a:xfrm>
             <a:off x="315940" y="962003"/>
-            <a:ext cx="8515877" cy="4708981"/>
+            <a:ext cx="8515877" cy="1938992"/>
           </a:xfrm>
           <a:prstGeom prst="rect">
             <a:avLst/>
@@ -12537,297 +11839,6 @@
               <a:buChar char="•"/>
             </a:pPr>
             <a:endParaRPr lang="it-IT" sz="2000" dirty="0"/>
-          </a:p>
-          <a:p>
-            <a:pPr algn="just"/>
-            <a:r>
-              <a:rPr lang="it-IT" sz="2000" b="1" dirty="0" err="1">
-                <a:latin typeface="Segoe UI"/>
-              </a:rPr>
-              <a:t>Implementation</a:t>
-            </a:r>
-            <a:r>
-              <a:rPr lang="it-IT" sz="2000" b="1" dirty="0">
-                <a:latin typeface="Segoe UI"/>
-              </a:rPr>
-              <a:t> </a:t>
-            </a:r>
-            <a:r>
-              <a:rPr lang="it-IT" sz="2000" b="1" dirty="0" err="1">
-                <a:latin typeface="Segoe UI"/>
-              </a:rPr>
-              <a:t>findings</a:t>
-            </a:r>
-            <a:r>
-              <a:rPr lang="it-IT" sz="2000" b="1" dirty="0">
-                <a:latin typeface="Segoe UI"/>
-              </a:rPr>
-              <a:t>:</a:t>
-            </a:r>
-            <a:endParaRPr lang="it-IT">
-              <a:latin typeface="Segoe UI"/>
-            </a:endParaRPr>
-          </a:p>
-          <a:p>
-            <a:pPr marL="285750" indent="-285750" algn="just">
-              <a:buFont typeface="Arial"/>
-              <a:buChar char="•"/>
-            </a:pPr>
-            <a:r>
-              <a:rPr lang="it-IT" sz="2000" b="1" dirty="0">
-                <a:latin typeface="Segoe UI"/>
-              </a:rPr>
-              <a:t>React Native:</a:t>
-            </a:r>
-            <a:r>
-              <a:rPr lang="it-IT" sz="2000" dirty="0">
-                <a:latin typeface="Segoe UI"/>
-              </a:rPr>
-              <a:t> </a:t>
-            </a:r>
-            <a:r>
-              <a:rPr lang="it-IT" sz="2000" err="1">
-                <a:latin typeface="Segoe UI"/>
-              </a:rPr>
-              <a:t>Higher</a:t>
-            </a:r>
-            <a:r>
-              <a:rPr lang="it-IT" sz="2000" dirty="0">
-                <a:latin typeface="Segoe UI"/>
-              </a:rPr>
-              <a:t> </a:t>
-            </a:r>
-            <a:r>
-              <a:rPr lang="it-IT" sz="2000" err="1">
-                <a:latin typeface="Segoe UI"/>
-              </a:rPr>
-              <a:t>implementation</a:t>
-            </a:r>
-            <a:r>
-              <a:rPr lang="it-IT" sz="2000" dirty="0">
-                <a:latin typeface="Segoe UI"/>
-              </a:rPr>
-              <a:t> overhead, </a:t>
-            </a:r>
-            <a:r>
-              <a:rPr lang="it-IT" sz="2000" err="1">
-                <a:latin typeface="Segoe UI"/>
-              </a:rPr>
-              <a:t>better</a:t>
-            </a:r>
-            <a:r>
-              <a:rPr lang="it-IT" sz="2000" dirty="0">
-                <a:latin typeface="Segoe UI"/>
-              </a:rPr>
-              <a:t> native </a:t>
-            </a:r>
-            <a:r>
-              <a:rPr lang="it-IT" sz="2000" err="1">
-                <a:latin typeface="Segoe UI"/>
-              </a:rPr>
-              <a:t>integration</a:t>
-            </a:r>
-            <a:endParaRPr lang="it-IT">
-              <a:latin typeface="Segoe UI"/>
-            </a:endParaRPr>
-          </a:p>
-          <a:p>
-            <a:pPr marL="285750" indent="-285750" algn="just">
-              <a:buFont typeface="Arial"/>
-              <a:buChar char="•"/>
-            </a:pPr>
-            <a:r>
-              <a:rPr lang="it-IT" sz="2000" b="1" dirty="0">
-                <a:latin typeface="Segoe UI"/>
-              </a:rPr>
-              <a:t>Flutter:</a:t>
-            </a:r>
-            <a:r>
-              <a:rPr lang="it-IT" sz="2000" dirty="0">
-                <a:latin typeface="Segoe UI"/>
-              </a:rPr>
-              <a:t> Lower baseline </a:t>
-            </a:r>
-            <a:r>
-              <a:rPr lang="it-IT" sz="2000" err="1">
-                <a:latin typeface="Segoe UI"/>
-              </a:rPr>
-              <a:t>accessibility</a:t>
-            </a:r>
-            <a:r>
-              <a:rPr lang="it-IT" sz="2000" dirty="0">
-                <a:latin typeface="Segoe UI"/>
-              </a:rPr>
-              <a:t>, </a:t>
-            </a:r>
-            <a:r>
-              <a:rPr lang="it-IT" sz="2000" err="1">
-                <a:latin typeface="Segoe UI"/>
-              </a:rPr>
-              <a:t>requires</a:t>
-            </a:r>
-            <a:r>
-              <a:rPr lang="it-IT" sz="2000" dirty="0">
-                <a:latin typeface="Segoe UI"/>
-              </a:rPr>
-              <a:t> more </a:t>
-            </a:r>
-            <a:r>
-              <a:rPr lang="it-IT" sz="2000" err="1">
-                <a:latin typeface="Segoe UI"/>
-              </a:rPr>
-              <a:t>manual</a:t>
-            </a:r>
-            <a:r>
-              <a:rPr lang="it-IT" sz="2000" dirty="0">
-                <a:latin typeface="Segoe UI"/>
-              </a:rPr>
-              <a:t> </a:t>
-            </a:r>
-            <a:r>
-              <a:rPr lang="it-IT" sz="2000" err="1">
-                <a:latin typeface="Segoe UI"/>
-              </a:rPr>
-              <a:t>implementation</a:t>
-            </a:r>
-            <a:endParaRPr lang="it-IT">
-              <a:latin typeface="Segoe UI"/>
-            </a:endParaRPr>
-          </a:p>
-          <a:p>
-            <a:pPr marL="285750" indent="-285750" algn="just">
-              <a:buFont typeface="Arial"/>
-              <a:buChar char="•"/>
-            </a:pPr>
-            <a:r>
-              <a:rPr lang="it-IT" sz="2000" b="1" dirty="0">
-                <a:latin typeface="Segoe UI"/>
-              </a:rPr>
-              <a:t>Code </a:t>
-            </a:r>
-            <a:r>
-              <a:rPr lang="it-IT" sz="2000" b="1" err="1">
-                <a:latin typeface="Segoe UI"/>
-              </a:rPr>
-              <a:t>verbosity</a:t>
-            </a:r>
-            <a:r>
-              <a:rPr lang="it-IT" sz="2000" b="1" dirty="0">
-                <a:latin typeface="Segoe UI"/>
-              </a:rPr>
-              <a:t>:</a:t>
-            </a:r>
-            <a:r>
-              <a:rPr lang="it-IT" sz="2000" dirty="0">
-                <a:latin typeface="Segoe UI"/>
-              </a:rPr>
-              <a:t> React Native more concise for </a:t>
-            </a:r>
-            <a:r>
-              <a:rPr lang="it-IT" sz="2000" err="1">
-                <a:latin typeface="Segoe UI"/>
-              </a:rPr>
-              <a:t>accessibility</a:t>
-            </a:r>
-            <a:r>
-              <a:rPr lang="it-IT" sz="2000" dirty="0">
-                <a:latin typeface="Segoe UI"/>
-              </a:rPr>
-              <a:t> features</a:t>
-            </a:r>
-          </a:p>
-          <a:p>
-            <a:pPr marL="285750" indent="-285750" algn="just">
-              <a:buFont typeface="Arial"/>
-              <a:buChar char="•"/>
-            </a:pPr>
-            <a:endParaRPr lang="it-IT" sz="2000" dirty="0">
-              <a:latin typeface="Segoe UI"/>
-            </a:endParaRPr>
-          </a:p>
-          <a:p>
-            <a:pPr algn="just"/>
-            <a:r>
-              <a:rPr lang="it-IT" sz="2000" b="1" dirty="0">
-                <a:latin typeface="Segoe UI"/>
-              </a:rPr>
-              <a:t>Cross-Platform Insights:</a:t>
-            </a:r>
-            <a:r>
-              <a:rPr lang="it-IT" sz="2000" dirty="0">
-                <a:latin typeface="Segoe UI"/>
-              </a:rPr>
-              <a:t> Framework </a:t>
-            </a:r>
-            <a:r>
-              <a:rPr lang="it-IT" sz="2000" err="1">
-                <a:latin typeface="Segoe UI"/>
-              </a:rPr>
-              <a:t>selection</a:t>
-            </a:r>
-            <a:r>
-              <a:rPr lang="it-IT" sz="2000" dirty="0">
-                <a:latin typeface="Segoe UI"/>
-              </a:rPr>
-              <a:t> </a:t>
-            </a:r>
-            <a:r>
-              <a:rPr lang="it-IT" sz="2000" err="1">
-                <a:latin typeface="Segoe UI"/>
-              </a:rPr>
-              <a:t>significantly</a:t>
-            </a:r>
-            <a:r>
-              <a:rPr lang="it-IT" sz="2000" dirty="0">
-                <a:latin typeface="Segoe UI"/>
-              </a:rPr>
-              <a:t> impacts </a:t>
-            </a:r>
-            <a:r>
-              <a:rPr lang="it-IT" sz="2000" err="1">
-                <a:latin typeface="Segoe UI"/>
-              </a:rPr>
-              <a:t>accessibility</a:t>
-            </a:r>
-            <a:r>
-              <a:rPr lang="it-IT" sz="2000" dirty="0">
-                <a:latin typeface="Segoe UI"/>
-              </a:rPr>
-              <a:t> </a:t>
-            </a:r>
-            <a:r>
-              <a:rPr lang="it-IT" sz="2000" err="1">
-                <a:latin typeface="Segoe UI"/>
-              </a:rPr>
-              <a:t>implementation</a:t>
-            </a:r>
-            <a:r>
-              <a:rPr lang="it-IT" sz="2000" dirty="0">
-                <a:latin typeface="Segoe UI"/>
-              </a:rPr>
-              <a:t> </a:t>
-            </a:r>
-            <a:r>
-              <a:rPr lang="it-IT" sz="2000" err="1">
-                <a:latin typeface="Segoe UI"/>
-              </a:rPr>
-              <a:t>complexity</a:t>
-            </a:r>
-            <a:r>
-              <a:rPr lang="it-IT" sz="2000" dirty="0">
-                <a:latin typeface="Segoe UI"/>
-              </a:rPr>
-              <a:t> and developer </a:t>
-            </a:r>
-            <a:r>
-              <a:rPr lang="it-IT" sz="2000" err="1">
-                <a:latin typeface="Segoe UI"/>
-              </a:rPr>
-              <a:t>experience</a:t>
-            </a:r>
-            <a:endParaRPr lang="it-IT" err="1">
-              <a:latin typeface="Segoe UI"/>
-            </a:endParaRPr>
           </a:p>
           <a:p>
             <a:pPr algn="just"/>
@@ -12881,6 +11892,66 @@
           </a:p>
         </p:txBody>
       </p:sp>
+      <p:pic>
+        <p:nvPicPr>
+          <p:cNvPr id="2" name="Immagine 1" descr="Immagine che contiene testo, schermata, Carattere, numero&#10;&#10;Il contenuto generato dall&amp;#39;IA potrebbe non essere corretto.">
+            <a:extLst>
+              <a:ext uri="{FF2B5EF4-FFF2-40B4-BE49-F238E27FC236}">
+                <a16:creationId xmlns:a16="http://schemas.microsoft.com/office/drawing/2014/main" id="{D980DDB7-46BB-D1E2-C9EA-8FA37757E9FE}"/>
+              </a:ext>
+            </a:extLst>
+          </p:cNvPr>
+          <p:cNvPicPr>
+            <a:picLocks noChangeAspect="1"/>
+          </p:cNvPicPr>
+          <p:nvPr/>
+        </p:nvPicPr>
+        <p:blipFill>
+          <a:blip r:embed="rId3"/>
+          <a:stretch>
+            <a:fillRect/>
+          </a:stretch>
+        </p:blipFill>
+        <p:spPr>
+          <a:xfrm>
+            <a:off x="165253" y="2668231"/>
+            <a:ext cx="8813494" cy="2196320"/>
+          </a:xfrm>
+          <a:prstGeom prst="rect">
+            <a:avLst/>
+          </a:prstGeom>
+        </p:spPr>
+      </p:pic>
+      <p:pic>
+        <p:nvPicPr>
+          <p:cNvPr id="5" name="Immagine 4" descr="Immagine che contiene testo, Carattere, schermata, Elementi grafici&#10;&#10;Il contenuto generato dall&amp;#39;IA potrebbe non essere corretto.">
+            <a:extLst>
+              <a:ext uri="{FF2B5EF4-FFF2-40B4-BE49-F238E27FC236}">
+                <a16:creationId xmlns:a16="http://schemas.microsoft.com/office/drawing/2014/main" id="{3DC1CE92-071B-5B93-0AD6-7BEF15A5FE30}"/>
+              </a:ext>
+            </a:extLst>
+          </p:cNvPr>
+          <p:cNvPicPr>
+            <a:picLocks noChangeAspect="1"/>
+          </p:cNvPicPr>
+          <p:nvPr/>
+        </p:nvPicPr>
+        <p:blipFill>
+          <a:blip r:embed="rId4"/>
+          <a:stretch>
+            <a:fillRect/>
+          </a:stretch>
+        </p:blipFill>
+        <p:spPr>
+          <a:xfrm>
+            <a:off x="1046602" y="5238322"/>
+            <a:ext cx="7064567" cy="540223"/>
+          </a:xfrm>
+          <a:prstGeom prst="rect">
+            <a:avLst/>
+          </a:prstGeom>
+        </p:spPr>
+      </p:pic>
     </p:spTree>
     <p:extLst>
       <p:ext uri="{BB962C8B-B14F-4D97-AF65-F5344CB8AC3E}">
@@ -12894,7 +11965,7 @@
 </p:sld>
 </file>
 
-<file path=ppt/slides/slide15.xml><?xml version="1.0" encoding="utf-8"?>
+<file path=ppt/slides/slide14.xml><?xml version="1.0" encoding="utf-8"?>
 <p:sld xmlns:a="http://schemas.openxmlformats.org/drawingml/2006/main" xmlns:r="http://schemas.openxmlformats.org/officeDocument/2006/relationships" xmlns:p="http://schemas.openxmlformats.org/presentationml/2006/main">
   <p:cSld>
     <p:spTree>
@@ -13358,7 +12429,7 @@
 </p:sld>
 </file>
 
-<file path=ppt/slides/slide16.xml><?xml version="1.0" encoding="utf-8"?>
+<file path=ppt/slides/slide15.xml><?xml version="1.0" encoding="utf-8"?>
 <p:sld xmlns:a="http://schemas.openxmlformats.org/drawingml/2006/main" xmlns:r="http://schemas.openxmlformats.org/officeDocument/2006/relationships" xmlns:p="http://schemas.openxmlformats.org/presentationml/2006/main">
   <p:cSld>
     <p:spTree>
@@ -13677,7 +12748,7 @@
         <p:spPr>
           <a:xfrm>
             <a:off x="606927" y="3935663"/>
-            <a:ext cx="8117304" cy="2246769"/>
+            <a:ext cx="8117304" cy="1631216"/>
           </a:xfrm>
           <a:prstGeom prst="rect">
             <a:avLst/>
@@ -13709,18 +12780,24 @@
               <a:buChar char="•"/>
             </a:pPr>
             <a:r>
+              <a:rPr lang="en-US" sz="2000" dirty="0">
+                <a:latin typeface="Segoe UI"/>
+              </a:rPr>
+              <a:t>Choose </a:t>
+            </a:r>
+            <a:r>
               <a:rPr lang="en-US" sz="2000" b="1" dirty="0">
                 <a:latin typeface="Segoe UI"/>
               </a:rPr>
-              <a:t>React Native:</a:t>
+              <a:t>React Native</a:t>
             </a:r>
             <a:r>
               <a:rPr lang="en-US" sz="2000" dirty="0">
                 <a:latin typeface="Segoe UI"/>
               </a:rPr>
-              <a:t> Property-based model - 45% less code, better platform integration</a:t>
-            </a:r>
-            <a:endParaRPr lang="en-US"/>
+              <a:t> when: Rapid development, web accessibility experience, tight deadlines</a:t>
+            </a:r>
+            <a:endParaRPr lang="en-US" dirty="0"/>
           </a:p>
           <a:p>
             <a:pPr marL="342900" indent="-342900">
@@ -13728,37 +12805,27 @@
               <a:buChar char="•"/>
             </a:pPr>
             <a:r>
+              <a:rPr lang="en-US" sz="2000" dirty="0">
+                <a:latin typeface="Segoe UI"/>
+                <a:cs typeface="Segoe UI"/>
+              </a:rPr>
+              <a:t>Choose </a:t>
+            </a:r>
+            <a:r>
               <a:rPr lang="en-US" sz="2000" b="1" dirty="0">
                 <a:latin typeface="Segoe UI"/>
-              </a:rPr>
-              <a:t>Flutter:</a:t>
+                <a:cs typeface="Segoe UI"/>
+              </a:rPr>
+              <a:t>Flutter </a:t>
             </a:r>
             <a:r>
               <a:rPr lang="en-US" sz="2000" dirty="0">
                 <a:latin typeface="Segoe UI"/>
-              </a:rPr>
-              <a:t> Widget-based model - more explicit semantics, higher implementation cost</a:t>
-            </a:r>
-            <a:endParaRPr lang="en-US"/>
-          </a:p>
-          <a:p>
-            <a:pPr marL="342900" indent="-342900">
-              <a:buFont typeface="Arial"/>
-              <a:buChar char="•"/>
-            </a:pPr>
-            <a:r>
-              <a:rPr lang="en-US" sz="2000" b="1" dirty="0">
-                <a:latin typeface="Segoe UI"/>
-              </a:rPr>
-              <a:t>Framework selection significantly impacts</a:t>
-            </a:r>
-            <a:r>
-              <a:rPr lang="en-US" sz="2000" dirty="0">
-                <a:latin typeface="Segoe UI"/>
-              </a:rPr>
-              <a:t> accessibility development efficiency</a:t>
-            </a:r>
-            <a:endParaRPr lang="en-US"/>
+                <a:cs typeface="Segoe UI"/>
+              </a:rPr>
+              <a:t>when: Complex custom components, long-term maintenance teams, granular control</a:t>
+            </a:r>
+            <a:endParaRPr lang="en-US" dirty="0"/>
           </a:p>
         </p:txBody>
       </p:sp>
@@ -13805,7 +12872,7 @@
 </p:sld>
 </file>
 
-<file path=ppt/slides/slide17.xml><?xml version="1.0" encoding="utf-8"?>
+<file path=ppt/slides/slide16.xml><?xml version="1.0" encoding="utf-8"?>
 <p:sld xmlns:a="http://schemas.openxmlformats.org/drawingml/2006/main" xmlns:r="http://schemas.openxmlformats.org/officeDocument/2006/relationships" xmlns:p="http://schemas.openxmlformats.org/presentationml/2006/main">
   <p:cSld>
     <p:spTree>
@@ -14104,7 +13171,7 @@
         <p:spPr>
           <a:xfrm>
             <a:off x="317734" y="961109"/>
-            <a:ext cx="5376859" cy="5940088"/>
+            <a:ext cx="8764545" cy="3170099"/>
           </a:xfrm>
           <a:prstGeom prst="rect">
             <a:avLst/>
@@ -14124,46 +13191,51 @@
               <a:rPr lang="en-US" sz="2000" b="1" dirty="0">
                 <a:latin typeface="Segoe UI"/>
               </a:rPr>
-              <a:t>Key contributions:</a:t>
+              <a:t>Key contributions</a:t>
+            </a:r>
+            <a:r>
+              <a:rPr lang="en-US" sz="2000" dirty="0">
+                <a:latin typeface="Segoe UI"/>
+              </a:rPr>
+              <a:t>:</a:t>
             </a:r>
             <a:endParaRPr lang="it-IT" sz="2000">
               <a:latin typeface="Segoe UI"/>
             </a:endParaRPr>
           </a:p>
           <a:p>
-            <a:pPr marL="285750" indent="-285750">
-              <a:buFont typeface="Arial"/>
-              <a:buChar char="•"/>
-            </a:pPr>
-            <a:r>
-              <a:rPr lang="en-US" sz="2000" b="1" dirty="0">
-                <a:latin typeface="Segoe UI"/>
-              </a:rPr>
-              <a:t>First quantitative framework</a:t>
-            </a:r>
             <a:r>
               <a:rPr lang="en-US" sz="2000" dirty="0">
                 <a:latin typeface="Segoe UI"/>
-              </a:rPr>
-              <a:t> for mobile accessibility implementation cost assessment</a:t>
-            </a:r>
-          </a:p>
-          <a:p>
-            <a:pPr marL="285750" indent="-285750">
-              <a:buFont typeface="Arial"/>
-              <a:buChar char="•"/>
-            </a:pPr>
-            <a:r>
-              <a:rPr lang="en-US" sz="2000" b="1" dirty="0">
-                <a:latin typeface="Segoe UI"/>
-              </a:rPr>
-              <a:t>Systematic methodology</a:t>
-            </a:r>
+                <a:cs typeface="Segoe UI"/>
+              </a:rPr>
+              <a:t>- Extended research framework from Flutter-only to comparative analysis</a:t>
+            </a:r>
+            <a:endParaRPr lang="en-US" dirty="0"/>
+          </a:p>
+          <a:p>
             <a:r>
               <a:rPr lang="en-US" sz="2000" dirty="0">
                 <a:latin typeface="Segoe UI"/>
               </a:rPr>
-              <a:t> transforming abstract WCAG principles into practical code patterns</a:t>
+              <a:t>- First quantitative framework for mobile accessibility cost assessment  </a:t>
+            </a:r>
+            <a:endParaRPr lang="en-US" dirty="0"/>
+          </a:p>
+          <a:p>
+            <a:r>
+              <a:rPr lang="en-US" sz="2000" dirty="0">
+                <a:latin typeface="Segoe UI"/>
+              </a:rPr>
+              <a:t>- 45% implementation overhead reduction with React Native</a:t>
+            </a:r>
+          </a:p>
+          <a:p>
+            <a:r>
+              <a:rPr lang="en-US" sz="2000" dirty="0">
+                <a:latin typeface="Segoe UI"/>
+              </a:rPr>
+              <a:t>- Systematic methodology bridging WCAG theory to mobile practice</a:t>
             </a:r>
           </a:p>
           <a:p>
@@ -14176,88 +13248,75 @@
               <a:rPr lang="en-US" sz="2000" b="1" dirty="0">
                 <a:latin typeface="Segoe UI"/>
               </a:rPr>
-              <a:t>Practical impact:</a:t>
-            </a:r>
-          </a:p>
-          <a:p>
-            <a:pPr marL="285750" indent="-285750">
-              <a:buFont typeface="Arial"/>
-              <a:buChar char="•"/>
-            </a:pPr>
+              <a:t>Research answers:</a:t>
+            </a:r>
+          </a:p>
+          <a:p>
+            <a:r>
+              <a:rPr lang="en-US" sz="2000" dirty="0">
+                <a:latin typeface="Segoe UI"/>
+              </a:rPr>
+              <a:t>- </a:t>
+            </a:r>
             <a:r>
               <a:rPr lang="en-US" sz="2000" b="1" dirty="0">
                 <a:latin typeface="Segoe UI"/>
               </a:rPr>
-              <a:t>Developers:</a:t>
+              <a:t>RQ1</a:t>
             </a:r>
             <a:r>
               <a:rPr lang="en-US" sz="2000" dirty="0">
                 <a:latin typeface="Segoe UI"/>
               </a:rPr>
-              <a:t> Clear cost-benefit analysis for accessibility implementation prioritization</a:t>
-            </a:r>
-            <a:endParaRPr lang="en-US" dirty="0">
+              <a:t>: Neither framework accessible by default (38% vs 32%) </a:t>
+            </a:r>
+            <a:endParaRPr lang="en-US" sz="2000">
               <a:latin typeface="Segoe UI"/>
             </a:endParaRPr>
           </a:p>
           <a:p>
-            <a:pPr marL="285750" indent="-285750">
-              <a:buFont typeface="Arial"/>
-              <a:buChar char="•"/>
-            </a:pPr>
+            <a:r>
+              <a:rPr lang="en-US" sz="2000" dirty="0">
+                <a:latin typeface="Segoe UI"/>
+              </a:rPr>
+              <a:t>- </a:t>
+            </a:r>
             <a:r>
               <a:rPr lang="en-US" sz="2000" b="1" dirty="0">
                 <a:latin typeface="Segoe UI"/>
               </a:rPr>
-              <a:t>Organizations:</a:t>
+              <a:t>RQ2</a:t>
             </a:r>
             <a:r>
               <a:rPr lang="en-US" sz="2000" dirty="0">
                 <a:latin typeface="Segoe UI"/>
               </a:rPr>
-              <a:t> Evidence-based framework selection guidance for accessible mobile projects</a:t>
-            </a:r>
-            <a:endParaRPr lang="en-US" dirty="0">
+              <a:t>: Both achieve 100% WCAG compliance with proper implementation </a:t>
+            </a:r>
+            <a:endParaRPr lang="en-US" sz="2000">
               <a:latin typeface="Segoe UI"/>
             </a:endParaRPr>
           </a:p>
           <a:p>
-            <a:pPr marL="285750" indent="-285750">
-              <a:buFont typeface="Arial"/>
-              <a:buChar char="•"/>
-            </a:pPr>
+            <a:r>
+              <a:rPr lang="en-US" sz="2000" dirty="0">
+                <a:latin typeface="Segoe UI"/>
+              </a:rPr>
+              <a:t>- </a:t>
+            </a:r>
             <a:r>
               <a:rPr lang="en-US" sz="2000" b="1" dirty="0">
                 <a:latin typeface="Segoe UI"/>
               </a:rPr>
-              <a:t>Academic community:</a:t>
+              <a:t>RQ3</a:t>
             </a:r>
             <a:r>
               <a:rPr lang="en-US" sz="2000" dirty="0">
                 <a:latin typeface="Segoe UI"/>
               </a:rPr>
-              <a:t> Reproducible methodology for accessibility evaluation </a:t>
-            </a:r>
-          </a:p>
-          <a:p>
-            <a:pPr marL="285750" indent="-285750">
-              <a:buFont typeface="Arial"/>
-              <a:buChar char="•"/>
-            </a:pPr>
-            <a:endParaRPr lang="en-US" sz="2000" dirty="0">
-              <a:latin typeface="Segoe UI"/>
-            </a:endParaRPr>
-          </a:p>
-          <a:p>
-            <a:pPr>
-              <a:buFont typeface="Arial"/>
-            </a:pPr>
-            <a:endParaRPr lang="en-US" sz="2000" dirty="0">
-              <a:latin typeface="Segoe UI"/>
-            </a:endParaRPr>
-          </a:p>
-          <a:p>
-            <a:endParaRPr lang="en-US" sz="2000" b="1" dirty="0">
+              <a:t>: React Native requires 45% less code for equivalent accessibility</a:t>
+            </a:r>
+            <a:endParaRPr lang="en-US">
               <a:latin typeface="Segoe UI"/>
             </a:endParaRPr>
           </a:p>
@@ -14265,10 +13324,10 @@
       </p:sp>
       <p:pic>
         <p:nvPicPr>
-          <p:cNvPr id="2" name="Immagine 1" descr="How Much Can I Contribute to My TFSA?">
+          <p:cNvPr id="10" name="Immagine 9" descr="Immagine che contiene simbolo, Carattere, Elementi grafici, logo&#10;&#10;Il contenuto generato dall&amp;#39;IA potrebbe non essere corretto.">
             <a:extLst>
               <a:ext uri="{FF2B5EF4-FFF2-40B4-BE49-F238E27FC236}">
-                <a16:creationId xmlns:a16="http://schemas.microsoft.com/office/drawing/2014/main" id="{F509C94F-5272-79C9-76B2-4CE797C7DE1F}"/>
+                <a16:creationId xmlns:a16="http://schemas.microsoft.com/office/drawing/2014/main" id="{C7E6B5DB-9120-E854-A01B-484402609BFE}"/>
               </a:ext>
             </a:extLst>
           </p:cNvPr>
@@ -14285,8 +13344,8 @@
         </p:blipFill>
         <p:spPr>
           <a:xfrm>
-            <a:off x="6078557" y="1284726"/>
-            <a:ext cx="2743199" cy="1864835"/>
+            <a:off x="2686838" y="4103782"/>
+            <a:ext cx="1663345" cy="1983037"/>
           </a:xfrm>
           <a:prstGeom prst="rect">
             <a:avLst/>
@@ -14295,10 +13354,10 @@
       </p:pic>
       <p:pic>
         <p:nvPicPr>
-          <p:cNvPr id="4" name="Immagine 3" descr="What Research Psychologists Do – Association for Psychological Science – APS">
+          <p:cNvPr id="11" name="Immagine 10" descr="Research - Free marketing icons">
             <a:extLst>
               <a:ext uri="{FF2B5EF4-FFF2-40B4-BE49-F238E27FC236}">
-                <a16:creationId xmlns:a16="http://schemas.microsoft.com/office/drawing/2014/main" id="{3C1DB109-B9F4-CD6C-80FA-6DDDD33F5694}"/>
+                <a16:creationId xmlns:a16="http://schemas.microsoft.com/office/drawing/2014/main" id="{37CBD625-1E4C-BB19-6F9E-6C1AF96E524E}"/>
               </a:ext>
             </a:extLst>
           </p:cNvPr>
@@ -14315,8 +13374,8 @@
         </p:blipFill>
         <p:spPr>
           <a:xfrm>
-            <a:off x="6078557" y="3613915"/>
-            <a:ext cx="2743199" cy="1888628"/>
+            <a:off x="5096777" y="4117554"/>
+            <a:ext cx="1663346" cy="1955495"/>
           </a:xfrm>
           <a:prstGeom prst="rect">
             <a:avLst/>
@@ -15284,6 +14343,18 @@
               <a:rPr lang="it-IT" sz="2000" dirty="0">
                 <a:latin typeface="Segoe UI"/>
               </a:rPr>
+              <a:t> </a:t>
+            </a:r>
+            <a:r>
+              <a:rPr lang="it-IT" sz="2000" dirty="0" err="1">
+                <a:latin typeface="Segoe UI"/>
+              </a:rPr>
+              <a:t>might</a:t>
+            </a:r>
+            <a:r>
+              <a:rPr lang="it-IT" sz="2000" dirty="0">
+                <a:latin typeface="Segoe UI"/>
+              </a:rPr>
               <a:t> </a:t>
             </a:r>
             <a:r>
@@ -15302,13 +14373,25 @@
               <a:rPr lang="it-IT" sz="2000" dirty="0" err="1">
                 <a:latin typeface="Segoe UI"/>
               </a:rPr>
-              <a:t>motor-impaired</a:t>
+              <a:t>different</a:t>
             </a:r>
             <a:r>
               <a:rPr lang="it-IT" sz="2000" dirty="0">
                 <a:latin typeface="Segoe UI"/>
               </a:rPr>
-              <a:t> users</a:t>
+              <a:t> </a:t>
+            </a:r>
+            <a:r>
+              <a:rPr lang="it-IT" sz="2000" dirty="0" err="1">
+                <a:latin typeface="Segoe UI"/>
+              </a:rPr>
+              <a:t>categories</a:t>
+            </a:r>
+            <a:r>
+              <a:rPr lang="it-IT" sz="2000" dirty="0">
+                <a:latin typeface="Segoe UI"/>
+              </a:rPr>
+              <a:t> of users</a:t>
             </a:r>
             <a:endParaRPr lang="it-IT">
               <a:latin typeface="Segoe UI"/>
@@ -18452,7 +17535,7 @@
         <p:spPr>
           <a:xfrm>
             <a:off x="315940" y="962003"/>
-            <a:ext cx="8515877" cy="3385542"/>
+            <a:ext cx="8515877" cy="3693319"/>
           </a:xfrm>
           <a:prstGeom prst="rect">
             <a:avLst/>
@@ -18473,19 +17556,7 @@
               <a:t>Core </a:t>
             </a:r>
             <a:r>
-              <a:rPr lang="it-IT" sz="2000" b="1" err="1">
-                <a:latin typeface="Segoe UI"/>
-              </a:rPr>
-              <a:t>application</a:t>
-            </a:r>
-            <a:r>
-              <a:rPr lang="it-IT" sz="2000" b="1" dirty="0">
-                <a:latin typeface="Segoe UI"/>
-              </a:rPr>
-              <a:t> </a:t>
-            </a:r>
-            <a:r>
-              <a:rPr lang="it-IT" sz="2000" b="1" err="1">
+              <a:rPr lang="it-IT" sz="2000" b="1" dirty="0" err="1">
                 <a:latin typeface="Segoe UI"/>
               </a:rPr>
               <a:t>sections</a:t>
@@ -18608,7 +17679,7 @@
               <a:rPr lang="it-IT" sz="2000" b="1" dirty="0">
                 <a:latin typeface="Segoe UI"/>
               </a:rPr>
-              <a:t>Tools Screen</a:t>
+              <a:t>Tools - Settings</a:t>
             </a:r>
             <a:r>
               <a:rPr lang="it-IT" sz="2000" dirty="0">
@@ -18617,22 +17688,73 @@
               <a:t>: Resource </a:t>
             </a:r>
             <a:r>
+              <a:rPr lang="it-IT" sz="2000" dirty="0" err="1">
+                <a:latin typeface="Segoe UI"/>
+              </a:rPr>
+              <a:t>catalog</a:t>
+            </a:r>
+            <a:r>
+              <a:rPr lang="it-IT" sz="2000" dirty="0">
+                <a:latin typeface="Segoe UI"/>
+              </a:rPr>
+              <a:t> for testing and common settings</a:t>
+            </a:r>
+          </a:p>
+          <a:p>
+            <a:pPr algn="just"/>
+            <a:r>
+              <a:rPr lang="it-IT" sz="2000" dirty="0">
+                <a:latin typeface="Segoe UI"/>
+              </a:rPr>
+              <a:t>📊 </a:t>
+            </a:r>
+            <a:r>
+              <a:rPr lang="it-IT" sz="2000" b="1" dirty="0">
+                <a:latin typeface="Segoe UI"/>
+              </a:rPr>
+              <a:t>Framework </a:t>
+            </a:r>
+            <a:r>
+              <a:rPr lang="it-IT" sz="2000" b="1" err="1">
+                <a:latin typeface="Segoe UI"/>
+              </a:rPr>
+              <a:t>Comparison</a:t>
+            </a:r>
+            <a:r>
+              <a:rPr lang="it-IT" sz="2000" dirty="0">
+                <a:latin typeface="Segoe UI"/>
+              </a:rPr>
+              <a:t>: </a:t>
+            </a:r>
+            <a:r>
               <a:rPr lang="it-IT" sz="2000" err="1">
                 <a:latin typeface="Segoe UI"/>
               </a:rPr>
-              <a:t>catalog</a:t>
+              <a:t>Evidence-based</a:t>
             </a:r>
             <a:r>
               <a:rPr lang="it-IT" sz="2000" dirty="0">
                 <a:latin typeface="Segoe UI"/>
               </a:rPr>
-              <a:t> for testing and </a:t>
+              <a:t> </a:t>
             </a:r>
             <a:r>
               <a:rPr lang="it-IT" sz="2000" err="1">
                 <a:latin typeface="Segoe UI"/>
               </a:rPr>
               <a:t>evaluation</a:t>
+            </a:r>
+            <a:r>
+              <a:rPr lang="it-IT" sz="2000" dirty="0">
+                <a:latin typeface="Segoe UI"/>
+              </a:rPr>
+              <a:t> </a:t>
+            </a:r>
+            <a:r>
+              <a:rPr lang="it-IT" sz="2000" err="1">
+                <a:latin typeface="Segoe UI"/>
+              </a:rPr>
+              <a:t>methodology</a:t>
             </a:r>
             <a:endParaRPr lang="it-IT">
               <a:latin typeface="Segoe UI"/>
@@ -18644,87 +17766,33 @@
               <a:rPr lang="it-IT" sz="2000" dirty="0">
                 <a:latin typeface="Segoe UI"/>
               </a:rPr>
-              <a:t>📊 </a:t>
+              <a:t>👥 </a:t>
+            </a:r>
+            <a:r>
+              <a:rPr lang="it-IT" sz="2000" b="1" dirty="0" err="1">
+                <a:latin typeface="Segoe UI"/>
+              </a:rPr>
+              <a:t>Instruction</a:t>
             </a:r>
             <a:r>
               <a:rPr lang="it-IT" sz="2000" b="1" dirty="0">
                 <a:latin typeface="Segoe UI"/>
               </a:rPr>
-              <a:t>Framework </a:t>
-            </a:r>
-            <a:r>
-              <a:rPr lang="it-IT" sz="2000" b="1" err="1">
-                <a:latin typeface="Segoe UI"/>
-              </a:rPr>
-              <a:t>Comparison</a:t>
+              <a:t> &amp; Community</a:t>
             </a:r>
             <a:r>
               <a:rPr lang="it-IT" sz="2000" dirty="0">
                 <a:latin typeface="Segoe UI"/>
               </a:rPr>
-              <a:t>: </a:t>
-            </a:r>
-            <a:r>
-              <a:rPr lang="it-IT" sz="2000" err="1">
-                <a:latin typeface="Segoe UI"/>
-              </a:rPr>
-              <a:t>Evidence-based</a:t>
-            </a:r>
-            <a:r>
-              <a:rPr lang="it-IT" sz="2000" dirty="0">
-                <a:latin typeface="Segoe UI"/>
-              </a:rPr>
-              <a:t> </a:t>
-            </a:r>
-            <a:r>
-              <a:rPr lang="it-IT" sz="2000" err="1">
-                <a:latin typeface="Segoe UI"/>
-              </a:rPr>
-              <a:t>evaluation</a:t>
-            </a:r>
-            <a:r>
-              <a:rPr lang="it-IT" sz="2000" dirty="0">
-                <a:latin typeface="Segoe UI"/>
-              </a:rPr>
-              <a:t> </a:t>
-            </a:r>
-            <a:r>
-              <a:rPr lang="it-IT" sz="2000" err="1">
-                <a:latin typeface="Segoe UI"/>
-              </a:rPr>
-              <a:t>methodology</a:t>
-            </a:r>
-            <a:endParaRPr lang="it-IT">
-              <a:latin typeface="Segoe UI"/>
-            </a:endParaRPr>
-          </a:p>
-          <a:p>
-            <a:pPr algn="just"/>
-            <a:r>
-              <a:rPr lang="it-IT" sz="2000" dirty="0">
-                <a:latin typeface="Segoe UI"/>
-              </a:rPr>
-              <a:t>👥 </a:t>
-            </a:r>
-            <a:r>
-              <a:rPr lang="it-IT" sz="2000" b="1" dirty="0">
-                <a:latin typeface="Segoe UI"/>
-              </a:rPr>
-              <a:t>Community Integration</a:t>
-            </a:r>
-            <a:r>
-              <a:rPr lang="it-IT" sz="2000" dirty="0">
-                <a:latin typeface="Segoe UI"/>
-              </a:rPr>
-              <a:t>: Social learning and collaborative </a:t>
-            </a:r>
-            <a:r>
-              <a:rPr lang="it-IT" sz="2000" err="1">
+              <a:t>: Social learning &amp; collaborative </a:t>
+            </a:r>
+            <a:r>
+              <a:rPr lang="it-IT" sz="2000" dirty="0" err="1">
                 <a:latin typeface="Segoe UI"/>
               </a:rPr>
               <a:t>resources</a:t>
             </a:r>
-            <a:endParaRPr lang="it-IT">
+            <a:endParaRPr lang="it-IT" dirty="0">
               <a:latin typeface="Segoe UI"/>
             </a:endParaRPr>
           </a:p>
@@ -18739,174 +17807,275 @@
             <a:r>
               <a:rPr lang="it-IT" sz="2000" b="1" dirty="0" err="1">
                 <a:latin typeface="Segoe UI"/>
+                <a:cs typeface="Segoe UI"/>
               </a:rPr>
               <a:t>Research</a:t>
             </a:r>
             <a:r>
               <a:rPr lang="it-IT" sz="2000" b="1" dirty="0">
                 <a:latin typeface="Segoe UI"/>
+                <a:cs typeface="Segoe UI"/>
               </a:rPr>
               <a:t> </a:t>
             </a:r>
             <a:r>
               <a:rPr lang="it-IT" sz="2000" b="1" dirty="0" err="1">
                 <a:latin typeface="Segoe UI"/>
+                <a:cs typeface="Segoe UI"/>
               </a:rPr>
               <a:t>innovation</a:t>
             </a:r>
             <a:r>
               <a:rPr lang="it-IT" sz="2000" dirty="0">
                 <a:latin typeface="Segoe UI"/>
+                <a:cs typeface="Segoe UI"/>
               </a:rPr>
               <a:t>: </a:t>
             </a:r>
             <a:r>
               <a:rPr lang="it-IT" sz="2000" dirty="0" err="1">
                 <a:latin typeface="Segoe UI"/>
+                <a:cs typeface="Segoe UI"/>
               </a:rPr>
               <a:t>Every</a:t>
             </a:r>
             <a:r>
               <a:rPr lang="it-IT" sz="2000" dirty="0">
                 <a:latin typeface="Segoe UI"/>
+                <a:cs typeface="Segoe UI"/>
               </a:rPr>
               <a:t> screen </a:t>
             </a:r>
             <a:r>
               <a:rPr lang="it-IT" sz="2000" dirty="0" err="1">
                 <a:latin typeface="Segoe UI"/>
+                <a:cs typeface="Segoe UI"/>
               </a:rPr>
               <a:t>analyzed</a:t>
             </a:r>
             <a:r>
               <a:rPr lang="it-IT" sz="2000" dirty="0">
                 <a:latin typeface="Segoe UI"/>
+                <a:cs typeface="Segoe UI"/>
               </a:rPr>
               <a:t> </a:t>
             </a:r>
             <a:r>
               <a:rPr lang="it-IT" sz="2000" dirty="0" err="1">
                 <a:latin typeface="Segoe UI"/>
+                <a:cs typeface="Segoe UI"/>
               </a:rPr>
               <a:t>as</a:t>
             </a:r>
             <a:r>
               <a:rPr lang="it-IT" sz="2000" dirty="0">
                 <a:latin typeface="Segoe UI"/>
-              </a:rPr>
-              <a:t> case study</a:t>
-            </a:r>
-            <a:endParaRPr lang="it-IT" dirty="0">
-              <a:latin typeface="Segoe UI"/>
-            </a:endParaRPr>
-          </a:p>
-          <a:p>
-            <a:pPr marL="285750" indent="-285750" algn="just">
-              <a:buFont typeface="Arial"/>
-              <a:buChar char="•"/>
-            </a:pPr>
+                <a:cs typeface="Segoe UI"/>
+              </a:rPr>
+              <a:t> case study</a:t>
+            </a:r>
+            <a:endParaRPr lang="it-IT" dirty="0"/>
+          </a:p>
+          <a:p>
+            <a:pPr algn="just"/>
+            <a:r>
+              <a:rPr lang="it-IT" sz="2000" dirty="0">
+                <a:latin typeface="Segoe UI"/>
+                <a:cs typeface="Segoe UI"/>
+              </a:rPr>
+              <a:t>- </a:t>
+            </a:r>
             <a:r>
               <a:rPr lang="it-IT" sz="2000" b="1" dirty="0">
                 <a:latin typeface="Segoe UI"/>
+                <a:cs typeface="Segoe UI"/>
+              </a:rPr>
+              <a:t>Dual </a:t>
+            </a:r>
+            <a:r>
+              <a:rPr lang="it-IT" sz="2000" b="1" dirty="0" err="1">
+                <a:latin typeface="Segoe UI"/>
+                <a:cs typeface="Segoe UI"/>
+              </a:rPr>
+              <a:t>methodology</a:t>
+            </a:r>
+            <a:r>
+              <a:rPr lang="it-IT" sz="2000" dirty="0">
+                <a:latin typeface="Segoe UI"/>
+                <a:cs typeface="Segoe UI"/>
+              </a:rPr>
+              <a:t>: </a:t>
+            </a:r>
+            <a:r>
+              <a:rPr lang="it-IT" sz="2000" dirty="0" err="1">
+                <a:latin typeface="Segoe UI"/>
+                <a:cs typeface="Segoe UI"/>
+              </a:rPr>
+              <a:t>Both</a:t>
+            </a:r>
+            <a:r>
+              <a:rPr lang="it-IT" sz="2000" dirty="0">
+                <a:latin typeface="Segoe UI"/>
+                <a:cs typeface="Segoe UI"/>
+              </a:rPr>
+              <a:t> </a:t>
+            </a:r>
+            <a:r>
+              <a:rPr lang="it-IT" sz="2000" dirty="0" err="1">
+                <a:latin typeface="Segoe UI"/>
+                <a:cs typeface="Segoe UI"/>
+              </a:rPr>
+              <a:t>research</a:t>
+            </a:r>
+            <a:r>
+              <a:rPr lang="it-IT" sz="2000" dirty="0">
+                <a:latin typeface="Segoe UI"/>
+                <a:cs typeface="Segoe UI"/>
+              </a:rPr>
+              <a:t> </a:t>
+            </a:r>
+            <a:r>
+              <a:rPr lang="it-IT" sz="2000" dirty="0" err="1">
+                <a:latin typeface="Segoe UI"/>
+                <a:cs typeface="Segoe UI"/>
+              </a:rPr>
+              <a:t>vehicle</a:t>
+            </a:r>
+            <a:r>
+              <a:rPr lang="it-IT" sz="2000" dirty="0">
+                <a:latin typeface="Segoe UI"/>
+                <a:cs typeface="Segoe UI"/>
+              </a:rPr>
+              <a:t> &amp; educational tool</a:t>
+            </a:r>
+            <a:endParaRPr lang="it-IT" dirty="0"/>
+          </a:p>
+          <a:p>
+            <a:pPr algn="just"/>
+            <a:r>
+              <a:rPr lang="it-IT" sz="2000" dirty="0">
+                <a:latin typeface="Segoe UI"/>
+                <a:cs typeface="Segoe UI"/>
+              </a:rPr>
+              <a:t>- </a:t>
+            </a:r>
+            <a:r>
+              <a:rPr lang="it-IT" sz="2000" b="1" dirty="0">
+                <a:latin typeface="Segoe UI"/>
+                <a:cs typeface="Segoe UI"/>
               </a:rPr>
               <a:t>20+ </a:t>
             </a:r>
             <a:r>
               <a:rPr lang="it-IT" sz="2000" b="1" dirty="0" err="1">
                 <a:latin typeface="Segoe UI"/>
+                <a:cs typeface="Segoe UI"/>
               </a:rPr>
               <a:t>components</a:t>
             </a:r>
             <a:r>
+              <a:rPr lang="it-IT" sz="2000" b="1" dirty="0">
+                <a:latin typeface="Segoe UI"/>
+                <a:cs typeface="Segoe UI"/>
+              </a:rPr>
+              <a:t> </a:t>
+            </a:r>
+            <a:r>
+              <a:rPr lang="it-IT" sz="2000" b="1" dirty="0" err="1">
+                <a:latin typeface="Segoe UI"/>
+                <a:cs typeface="Segoe UI"/>
+              </a:rPr>
+              <a:t>tested</a:t>
+            </a:r>
+            <a:r>
               <a:rPr lang="it-IT" sz="2000" dirty="0">
                 <a:latin typeface="Segoe UI"/>
+                <a:cs typeface="Segoe UI"/>
+              </a:rPr>
+              <a:t> with </a:t>
+            </a:r>
+            <a:r>
+              <a:rPr lang="it-IT" sz="2000" dirty="0" err="1">
+                <a:latin typeface="Segoe UI"/>
+                <a:cs typeface="Segoe UI"/>
+              </a:rPr>
+              <a:t>TalkBack</a:t>
+            </a:r>
+            <a:r>
+              <a:rPr lang="it-IT" sz="2000" dirty="0">
+                <a:latin typeface="Segoe UI"/>
+                <a:cs typeface="Segoe UI"/>
+              </a:rPr>
+              <a:t> and VoiceOver</a:t>
+            </a:r>
+            <a:endParaRPr lang="it-IT" dirty="0"/>
+          </a:p>
+          <a:p>
+            <a:pPr algn="just"/>
+            <a:r>
+              <a:rPr lang="it-IT" sz="2000" dirty="0">
+                <a:latin typeface="Segoe UI"/>
+                <a:cs typeface="Segoe UI"/>
+              </a:rPr>
+              <a:t>- </a:t>
+            </a:r>
+            <a:r>
+              <a:rPr lang="it-IT" sz="2000" b="1" dirty="0">
+                <a:latin typeface="Segoe UI"/>
+                <a:cs typeface="Segoe UI"/>
+              </a:rPr>
+              <a:t>Cross-</a:t>
+            </a:r>
+            <a:r>
+              <a:rPr lang="it-IT" sz="2000" b="1" dirty="0" err="1">
+                <a:latin typeface="Segoe UI"/>
+                <a:cs typeface="Segoe UI"/>
+              </a:rPr>
+              <a:t>platform</a:t>
+            </a:r>
+            <a:r>
+              <a:rPr lang="it-IT" sz="2000" b="1" dirty="0">
+                <a:latin typeface="Segoe UI"/>
+                <a:cs typeface="Segoe UI"/>
               </a:rPr>
               <a:t> </a:t>
             </a:r>
             <a:r>
+              <a:rPr lang="it-IT" sz="2000" b="1" dirty="0" err="1">
+                <a:latin typeface="Segoe UI"/>
+                <a:cs typeface="Segoe UI"/>
+              </a:rPr>
+              <a:t>validation</a:t>
+            </a:r>
+            <a:r>
+              <a:rPr lang="it-IT" sz="2000" dirty="0">
+                <a:latin typeface="Segoe UI"/>
+                <a:cs typeface="Segoe UI"/>
+              </a:rPr>
+              <a:t> </a:t>
+            </a:r>
+            <a:r>
               <a:rPr lang="it-IT" sz="2000" dirty="0" err="1">
                 <a:latin typeface="Segoe UI"/>
-              </a:rPr>
-              <a:t>tested</a:t>
+                <a:cs typeface="Segoe UI"/>
+              </a:rPr>
+              <a:t>ensuring</a:t>
             </a:r>
             <a:r>
               <a:rPr lang="it-IT" sz="2000" dirty="0">
                 <a:latin typeface="Segoe UI"/>
-              </a:rPr>
-              <a:t> with </a:t>
+                <a:cs typeface="Segoe UI"/>
+              </a:rPr>
+              <a:t> patterns work </a:t>
             </a:r>
             <a:r>
               <a:rPr lang="it-IT" sz="2000" dirty="0" err="1">
                 <a:latin typeface="Segoe UI"/>
-              </a:rPr>
-              <a:t>TalkBack</a:t>
-            </a:r>
-            <a:r>
-              <a:rPr lang="it-IT" sz="2000" dirty="0">
-                <a:latin typeface="Segoe UI"/>
-              </a:rPr>
-              <a:t> and VoiceOver</a:t>
-            </a:r>
-            <a:endParaRPr lang="it-IT" dirty="0">
-              <a:latin typeface="Segoe UI"/>
-            </a:endParaRPr>
-          </a:p>
-          <a:p>
-            <a:pPr marL="285750" indent="-285750" algn="just">
-              <a:buFont typeface="Arial"/>
-              <a:buChar char="•"/>
-            </a:pPr>
-            <a:r>
-              <a:rPr lang="it-IT" sz="2000" b="1" dirty="0">
-                <a:latin typeface="Segoe UI"/>
-              </a:rPr>
-              <a:t>Cross-</a:t>
-            </a:r>
-            <a:r>
-              <a:rPr lang="it-IT" sz="2000" b="1" dirty="0" err="1">
-                <a:latin typeface="Segoe UI"/>
-              </a:rPr>
-              <a:t>platform</a:t>
-            </a:r>
-            <a:r>
-              <a:rPr lang="it-IT" sz="2000" b="1" dirty="0">
-                <a:latin typeface="Segoe UI"/>
-              </a:rPr>
-              <a:t> </a:t>
-            </a:r>
-            <a:r>
-              <a:rPr lang="it-IT" sz="2000" b="1" dirty="0" err="1">
-                <a:latin typeface="Segoe UI"/>
-              </a:rPr>
-              <a:t>validation</a:t>
-            </a:r>
-            <a:r>
-              <a:rPr lang="it-IT" sz="2000" dirty="0">
-                <a:latin typeface="Segoe UI"/>
-              </a:rPr>
-              <a:t> </a:t>
-            </a:r>
-            <a:r>
-              <a:rPr lang="it-IT" sz="2000" dirty="0" err="1">
-                <a:latin typeface="Segoe UI"/>
-              </a:rPr>
-              <a:t>ensuring</a:t>
-            </a:r>
-            <a:r>
-              <a:rPr lang="it-IT" sz="2000" dirty="0">
-                <a:latin typeface="Segoe UI"/>
-              </a:rPr>
-              <a:t> patterns work </a:t>
-            </a:r>
-            <a:r>
-              <a:rPr lang="it-IT" sz="2000" dirty="0" err="1">
-                <a:latin typeface="Segoe UI"/>
+                <a:cs typeface="Segoe UI"/>
               </a:rPr>
               <a:t>universally</a:t>
             </a:r>
-            <a:endParaRPr lang="it-IT" dirty="0" err="1">
-              <a:latin typeface="Segoe UI"/>
-            </a:endParaRPr>
+            <a:endParaRPr lang="it-IT" dirty="0" err="1"/>
           </a:p>
           <a:p>
             <a:pPr algn="just"/>
@@ -19448,13 +18617,58 @@
             </a:endParaRPr>
           </a:p>
           <a:p>
-            <a:pPr algn="just"/>
+            <a:pPr algn="ctr"/>
             <a:r>
               <a:rPr lang="it-IT" sz="2000" b="1" dirty="0">
                 <a:latin typeface="Segoe UI"/>
               </a:rPr>
-              <a:t>Basic workflow:</a:t>
-            </a:r>
+              <a:t>Basic workflow - </a:t>
+            </a:r>
+            <a:r>
+              <a:rPr lang="it-IT" sz="2000" dirty="0" err="1">
+                <a:latin typeface="Segoe UI"/>
+              </a:rPr>
+              <a:t>Enabling</a:t>
+            </a:r>
+            <a:r>
+              <a:rPr lang="it-IT" sz="2000" dirty="0">
+                <a:latin typeface="Segoe UI"/>
+              </a:rPr>
+              <a:t> data-</a:t>
+            </a:r>
+            <a:r>
+              <a:rPr lang="it-IT" sz="2000" dirty="0" err="1">
+                <a:latin typeface="Segoe UI"/>
+              </a:rPr>
+              <a:t>driven</a:t>
+            </a:r>
+            <a:r>
+              <a:rPr lang="it-IT" sz="2000" dirty="0">
+                <a:latin typeface="Segoe UI"/>
+              </a:rPr>
+              <a:t> </a:t>
+            </a:r>
+            <a:r>
+              <a:rPr lang="it-IT" sz="2000" dirty="0" err="1">
+                <a:latin typeface="Segoe UI"/>
+              </a:rPr>
+              <a:t>accessibility</a:t>
+            </a:r>
+            <a:r>
+              <a:rPr lang="it-IT" sz="2000" dirty="0">
+                <a:latin typeface="Segoe UI"/>
+              </a:rPr>
+              <a:t> </a:t>
+            </a:r>
+            <a:r>
+              <a:rPr lang="it-IT" sz="2000" dirty="0" err="1">
+                <a:latin typeface="Segoe UI"/>
+              </a:rPr>
+              <a:t>decisions</a:t>
+            </a:r>
+            <a:endParaRPr lang="it-IT" sz="2000" b="1" dirty="0" err="1">
+              <a:latin typeface="Segoe UI"/>
+            </a:endParaRPr>
           </a:p>
           <a:p>
             <a:pPr algn="just"/>

--- a/Thesis Presentation/Presentation Gabriel Rovesti.pptx
+++ b/Thesis Presentation/Presentation Gabriel Rovesti.pptx
@@ -262,6 +262,7 @@
   <p1510:revLst>
     <p1510:client id="{625D73A8-2971-33D0-7F96-EA3FA7DFDCDD}" v="152" dt="2025-07-07T17:42:36.729"/>
     <p1510:client id="{63ABD6D2-6AA7-A9AD-CFE8-E7CF9E0D030A}" v="622" dt="2025-07-07T17:03:40.833"/>
+    <p1510:client id="{CF76EE9D-CBDD-9B20-5D03-D1C89A151C1B}" v="161" dt="2025-07-08T07:35:57.076"/>
   </p1510:revLst>
 </p1510:revInfo>
 </file>
@@ -360,7 +361,7 @@
           <a:p>
             <a:fld id="{6469F890-3609-4E18-B68A-510CF7125ACB}" type="datetimeFigureOut">
               <a:rPr lang="it-IT" smtClean="0"/>
-              <a:t>07/07/2025</a:t>
+              <a:t>08/07/2025</a:t>
             </a:fld>
             <a:endParaRPr lang="it-IT"/>
           </a:p>
@@ -9808,8 +9809,8 @@
         </p:nvSpPr>
         <p:spPr>
           <a:xfrm>
-            <a:off x="8302200" y="6479700"/>
-            <a:ext cx="384600" cy="378300"/>
+            <a:off x="8115043" y="6559910"/>
+            <a:ext cx="651967" cy="231248"/>
           </a:xfrm>
           <a:prstGeom prst="rect">
             <a:avLst/>
@@ -9837,107 +9838,6 @@
               <a:buNone/>
             </a:pPr>
             <a:endParaRPr/>
-          </a:p>
-        </p:txBody>
-      </p:sp>
-      <p:sp>
-        <p:nvSpPr>
-          <p:cNvPr id="23" name="CasellaDiTesto 22">
-            <a:extLst>
-              <a:ext uri="{FF2B5EF4-FFF2-40B4-BE49-F238E27FC236}">
-                <a16:creationId xmlns:a16="http://schemas.microsoft.com/office/drawing/2014/main" id="{025AE551-3F25-D1F9-C10E-4BCDC26AB293}"/>
-              </a:ext>
-            </a:extLst>
-          </p:cNvPr>
-          <p:cNvSpPr txBox="1"/>
-          <p:nvPr/>
-        </p:nvSpPr>
-        <p:spPr>
-          <a:xfrm>
-            <a:off x="4781846" y="6482191"/>
-            <a:ext cx="3911435" cy="261610"/>
-          </a:xfrm>
-          <a:prstGeom prst="rect">
-            <a:avLst/>
-          </a:prstGeom>
-          <a:noFill/>
-        </p:spPr>
-        <p:txBody>
-          <a:bodyPr wrap="square" lIns="91440" tIns="45720" rIns="91440" bIns="45720" rtlCol="0" anchor="t">
-            <a:spAutoFit/>
-          </a:bodyPr>
-          <a:lstStyle/>
-          <a:p>
-            <a:pPr algn="r"/>
-            <a:r>
-              <a:rPr lang="it-IT" sz="1100" dirty="0">
-                <a:solidFill>
-                  <a:schemeClr val="bg1"/>
-                </a:solidFill>
-                <a:latin typeface="Segoe UI"/>
-              </a:rPr>
-              <a:t>G. </a:t>
-            </a:r>
-            <a:r>
-              <a:rPr lang="it-IT" sz="1100" err="1">
-                <a:solidFill>
-                  <a:schemeClr val="bg1"/>
-                </a:solidFill>
-                <a:latin typeface="Segoe UI"/>
-              </a:rPr>
-              <a:t>Rovesti</a:t>
-            </a:r>
-            <a:r>
-              <a:rPr lang="it-IT" sz="1100" dirty="0">
-                <a:solidFill>
-                  <a:schemeClr val="bg1"/>
-                </a:solidFill>
-                <a:latin typeface="Segoe UI"/>
-              </a:rPr>
-              <a:t> - </a:t>
-            </a:r>
-            <a:r>
-              <a:rPr lang="it-IT" sz="1100" err="1">
-                <a:solidFill>
-                  <a:schemeClr val="bg1"/>
-                </a:solidFill>
-                <a:latin typeface="Segoe UI"/>
-              </a:rPr>
-              <a:t>Designing</a:t>
-            </a:r>
-            <a:r>
-              <a:rPr lang="it-IT" sz="1100" dirty="0">
-                <a:solidFill>
-                  <a:schemeClr val="bg1"/>
-                </a:solidFill>
-                <a:latin typeface="Segoe UI"/>
-              </a:rPr>
-              <a:t> an </a:t>
-            </a:r>
-            <a:r>
-              <a:rPr lang="it-IT" sz="1100" err="1">
-                <a:solidFill>
-                  <a:schemeClr val="bg1"/>
-                </a:solidFill>
-                <a:latin typeface="Segoe UI"/>
-              </a:rPr>
-              <a:t>accessibility</a:t>
-            </a:r>
-            <a:r>
-              <a:rPr lang="it-IT" sz="1100" dirty="0">
-                <a:solidFill>
-                  <a:schemeClr val="bg1"/>
-                </a:solidFill>
-                <a:latin typeface="Segoe UI"/>
-              </a:rPr>
-              <a:t> learning toolkit</a:t>
-            </a:r>
-            <a:endParaRPr lang="it-IT" dirty="0">
-              <a:solidFill>
-                <a:schemeClr val="bg1"/>
-              </a:solidFill>
-              <a:latin typeface="Segoe UI"/>
-            </a:endParaRPr>
           </a:p>
         </p:txBody>
       </p:sp>
@@ -10077,6 +9977,107 @@
           </a:prstGeom>
         </p:spPr>
       </p:pic>
+      <p:sp>
+        <p:nvSpPr>
+          <p:cNvPr id="4" name="CasellaDiTesto 3">
+            <a:extLst>
+              <a:ext uri="{FF2B5EF4-FFF2-40B4-BE49-F238E27FC236}">
+                <a16:creationId xmlns:a16="http://schemas.microsoft.com/office/drawing/2014/main" id="{F93BEF33-1711-8C99-B241-E7A9D101CF39}"/>
+              </a:ext>
+            </a:extLst>
+          </p:cNvPr>
+          <p:cNvSpPr txBox="1"/>
+          <p:nvPr/>
+        </p:nvSpPr>
+        <p:spPr>
+          <a:xfrm>
+            <a:off x="4781846" y="6482191"/>
+            <a:ext cx="3911435" cy="261610"/>
+          </a:xfrm>
+          <a:prstGeom prst="rect">
+            <a:avLst/>
+          </a:prstGeom>
+          <a:noFill/>
+        </p:spPr>
+        <p:txBody>
+          <a:bodyPr wrap="square" lIns="91440" tIns="45720" rIns="91440" bIns="45720" rtlCol="0" anchor="t">
+            <a:spAutoFit/>
+          </a:bodyPr>
+          <a:lstStyle/>
+          <a:p>
+            <a:pPr algn="r"/>
+            <a:r>
+              <a:rPr lang="it-IT" sz="1100" dirty="0">
+                <a:solidFill>
+                  <a:schemeClr val="bg1"/>
+                </a:solidFill>
+                <a:latin typeface="Segoe UI"/>
+              </a:rPr>
+              <a:t>G. </a:t>
+            </a:r>
+            <a:r>
+              <a:rPr lang="it-IT" sz="1100" err="1">
+                <a:solidFill>
+                  <a:schemeClr val="bg1"/>
+                </a:solidFill>
+                <a:latin typeface="Segoe UI"/>
+              </a:rPr>
+              <a:t>Rovesti</a:t>
+            </a:r>
+            <a:r>
+              <a:rPr lang="it-IT" sz="1100" dirty="0">
+                <a:solidFill>
+                  <a:schemeClr val="bg1"/>
+                </a:solidFill>
+                <a:latin typeface="Segoe UI"/>
+              </a:rPr>
+              <a:t> - </a:t>
+            </a:r>
+            <a:r>
+              <a:rPr lang="it-IT" sz="1100" err="1">
+                <a:solidFill>
+                  <a:schemeClr val="bg1"/>
+                </a:solidFill>
+                <a:latin typeface="Segoe UI"/>
+              </a:rPr>
+              <a:t>Designing</a:t>
+            </a:r>
+            <a:r>
+              <a:rPr lang="it-IT" sz="1100" dirty="0">
+                <a:solidFill>
+                  <a:schemeClr val="bg1"/>
+                </a:solidFill>
+                <a:latin typeface="Segoe UI"/>
+              </a:rPr>
+              <a:t> an </a:t>
+            </a:r>
+            <a:r>
+              <a:rPr lang="it-IT" sz="1100" err="1">
+                <a:solidFill>
+                  <a:schemeClr val="bg1"/>
+                </a:solidFill>
+                <a:latin typeface="Segoe UI"/>
+              </a:rPr>
+              <a:t>accessibility</a:t>
+            </a:r>
+            <a:r>
+              <a:rPr lang="it-IT" sz="1100" dirty="0">
+                <a:solidFill>
+                  <a:schemeClr val="bg1"/>
+                </a:solidFill>
+                <a:latin typeface="Segoe UI"/>
+              </a:rPr>
+              <a:t> learning toolkit</a:t>
+            </a:r>
+            <a:endParaRPr lang="it-IT" dirty="0">
+              <a:solidFill>
+                <a:schemeClr val="bg1"/>
+              </a:solidFill>
+              <a:latin typeface="Segoe UI"/>
+            </a:endParaRPr>
+          </a:p>
+        </p:txBody>
+      </p:sp>
     </p:spTree>
     <p:extLst>
       <p:ext uri="{BB962C8B-B14F-4D97-AF65-F5344CB8AC3E}">
@@ -10195,8 +10196,8 @@
         </p:nvSpPr>
         <p:spPr>
           <a:xfrm>
-            <a:off x="8302200" y="6479700"/>
-            <a:ext cx="384600" cy="378300"/>
+            <a:off x="8081863" y="6465929"/>
+            <a:ext cx="632479" cy="392071"/>
           </a:xfrm>
           <a:prstGeom prst="rect">
             <a:avLst/>
@@ -10224,107 +10225,6 @@
               <a:buNone/>
             </a:pPr>
             <a:endParaRPr/>
-          </a:p>
-        </p:txBody>
-      </p:sp>
-      <p:sp>
-        <p:nvSpPr>
-          <p:cNvPr id="23" name="CasellaDiTesto 22">
-            <a:extLst>
-              <a:ext uri="{FF2B5EF4-FFF2-40B4-BE49-F238E27FC236}">
-                <a16:creationId xmlns:a16="http://schemas.microsoft.com/office/drawing/2014/main" id="{6D1E4B38-66B6-74A6-3EC6-8FE33C8E9579}"/>
-              </a:ext>
-            </a:extLst>
-          </p:cNvPr>
-          <p:cNvSpPr txBox="1"/>
-          <p:nvPr/>
-        </p:nvSpPr>
-        <p:spPr>
-          <a:xfrm>
-            <a:off x="4781846" y="6482191"/>
-            <a:ext cx="3911435" cy="261610"/>
-          </a:xfrm>
-          <a:prstGeom prst="rect">
-            <a:avLst/>
-          </a:prstGeom>
-          <a:noFill/>
-        </p:spPr>
-        <p:txBody>
-          <a:bodyPr wrap="square" lIns="91440" tIns="45720" rIns="91440" bIns="45720" rtlCol="0" anchor="t">
-            <a:spAutoFit/>
-          </a:bodyPr>
-          <a:lstStyle/>
-          <a:p>
-            <a:pPr algn="r"/>
-            <a:r>
-              <a:rPr lang="it-IT" sz="1100" dirty="0">
-                <a:solidFill>
-                  <a:schemeClr val="bg1"/>
-                </a:solidFill>
-                <a:latin typeface="Segoe UI"/>
-              </a:rPr>
-              <a:t>G. </a:t>
-            </a:r>
-            <a:r>
-              <a:rPr lang="it-IT" sz="1100" err="1">
-                <a:solidFill>
-                  <a:schemeClr val="bg1"/>
-                </a:solidFill>
-                <a:latin typeface="Segoe UI"/>
-              </a:rPr>
-              <a:t>Rovesti</a:t>
-            </a:r>
-            <a:r>
-              <a:rPr lang="it-IT" sz="1100" dirty="0">
-                <a:solidFill>
-                  <a:schemeClr val="bg1"/>
-                </a:solidFill>
-                <a:latin typeface="Segoe UI"/>
-              </a:rPr>
-              <a:t> - </a:t>
-            </a:r>
-            <a:r>
-              <a:rPr lang="it-IT" sz="1100" err="1">
-                <a:solidFill>
-                  <a:schemeClr val="bg1"/>
-                </a:solidFill>
-                <a:latin typeface="Segoe UI"/>
-              </a:rPr>
-              <a:t>Designing</a:t>
-            </a:r>
-            <a:r>
-              <a:rPr lang="it-IT" sz="1100" dirty="0">
-                <a:solidFill>
-                  <a:schemeClr val="bg1"/>
-                </a:solidFill>
-                <a:latin typeface="Segoe UI"/>
-              </a:rPr>
-              <a:t> an </a:t>
-            </a:r>
-            <a:r>
-              <a:rPr lang="it-IT" sz="1100" err="1">
-                <a:solidFill>
-                  <a:schemeClr val="bg1"/>
-                </a:solidFill>
-                <a:latin typeface="Segoe UI"/>
-              </a:rPr>
-              <a:t>accessibility</a:t>
-            </a:r>
-            <a:r>
-              <a:rPr lang="it-IT" sz="1100" dirty="0">
-                <a:solidFill>
-                  <a:schemeClr val="bg1"/>
-                </a:solidFill>
-                <a:latin typeface="Segoe UI"/>
-              </a:rPr>
-              <a:t> learning toolkit</a:t>
-            </a:r>
-            <a:endParaRPr lang="it-IT" dirty="0">
-              <a:solidFill>
-                <a:schemeClr val="bg1"/>
-              </a:solidFill>
-              <a:latin typeface="Segoe UI"/>
-            </a:endParaRPr>
           </a:p>
         </p:txBody>
       </p:sp>
@@ -10800,6 +10700,107 @@
           </a:prstGeom>
         </p:spPr>
       </p:pic>
+      <p:sp>
+        <p:nvSpPr>
+          <p:cNvPr id="5" name="CasellaDiTesto 4">
+            <a:extLst>
+              <a:ext uri="{FF2B5EF4-FFF2-40B4-BE49-F238E27FC236}">
+                <a16:creationId xmlns:a16="http://schemas.microsoft.com/office/drawing/2014/main" id="{9E18373F-9D44-70E3-E4DA-93AFE7BF6AAC}"/>
+              </a:ext>
+            </a:extLst>
+          </p:cNvPr>
+          <p:cNvSpPr txBox="1"/>
+          <p:nvPr/>
+        </p:nvSpPr>
+        <p:spPr>
+          <a:xfrm>
+            <a:off x="4781846" y="6482191"/>
+            <a:ext cx="3911435" cy="261610"/>
+          </a:xfrm>
+          <a:prstGeom prst="rect">
+            <a:avLst/>
+          </a:prstGeom>
+          <a:noFill/>
+        </p:spPr>
+        <p:txBody>
+          <a:bodyPr wrap="square" lIns="91440" tIns="45720" rIns="91440" bIns="45720" rtlCol="0" anchor="t">
+            <a:spAutoFit/>
+          </a:bodyPr>
+          <a:lstStyle/>
+          <a:p>
+            <a:pPr algn="r"/>
+            <a:r>
+              <a:rPr lang="it-IT" sz="1100" dirty="0">
+                <a:solidFill>
+                  <a:schemeClr val="bg1"/>
+                </a:solidFill>
+                <a:latin typeface="Segoe UI"/>
+              </a:rPr>
+              <a:t>G. </a:t>
+            </a:r>
+            <a:r>
+              <a:rPr lang="it-IT" sz="1100" err="1">
+                <a:solidFill>
+                  <a:schemeClr val="bg1"/>
+                </a:solidFill>
+                <a:latin typeface="Segoe UI"/>
+              </a:rPr>
+              <a:t>Rovesti</a:t>
+            </a:r>
+            <a:r>
+              <a:rPr lang="it-IT" sz="1100" dirty="0">
+                <a:solidFill>
+                  <a:schemeClr val="bg1"/>
+                </a:solidFill>
+                <a:latin typeface="Segoe UI"/>
+              </a:rPr>
+              <a:t> - </a:t>
+            </a:r>
+            <a:r>
+              <a:rPr lang="it-IT" sz="1100" err="1">
+                <a:solidFill>
+                  <a:schemeClr val="bg1"/>
+                </a:solidFill>
+                <a:latin typeface="Segoe UI"/>
+              </a:rPr>
+              <a:t>Designing</a:t>
+            </a:r>
+            <a:r>
+              <a:rPr lang="it-IT" sz="1100" dirty="0">
+                <a:solidFill>
+                  <a:schemeClr val="bg1"/>
+                </a:solidFill>
+                <a:latin typeface="Segoe UI"/>
+              </a:rPr>
+              <a:t> an </a:t>
+            </a:r>
+            <a:r>
+              <a:rPr lang="it-IT" sz="1100" err="1">
+                <a:solidFill>
+                  <a:schemeClr val="bg1"/>
+                </a:solidFill>
+                <a:latin typeface="Segoe UI"/>
+              </a:rPr>
+              <a:t>accessibility</a:t>
+            </a:r>
+            <a:r>
+              <a:rPr lang="it-IT" sz="1100" dirty="0">
+                <a:solidFill>
+                  <a:schemeClr val="bg1"/>
+                </a:solidFill>
+                <a:latin typeface="Segoe UI"/>
+              </a:rPr>
+              <a:t> learning toolkit</a:t>
+            </a:r>
+            <a:endParaRPr lang="it-IT" dirty="0">
+              <a:solidFill>
+                <a:schemeClr val="bg1"/>
+              </a:solidFill>
+              <a:latin typeface="Segoe UI"/>
+            </a:endParaRPr>
+          </a:p>
+        </p:txBody>
+      </p:sp>
     </p:spTree>
     <p:extLst>
       <p:ext uri="{BB962C8B-B14F-4D97-AF65-F5344CB8AC3E}">
@@ -10938,8 +10939,8 @@
         </p:nvSpPr>
         <p:spPr>
           <a:xfrm>
-            <a:off x="8302200" y="6479700"/>
-            <a:ext cx="384600" cy="378300"/>
+            <a:off x="7737586" y="6479700"/>
+            <a:ext cx="976756" cy="378300"/>
           </a:xfrm>
           <a:prstGeom prst="rect">
             <a:avLst/>
@@ -10972,153 +10973,6 @@
       </p:sp>
       <p:sp>
         <p:nvSpPr>
-          <p:cNvPr id="23" name="CasellaDiTesto 22">
-            <a:extLst>
-              <a:ext uri="{FF2B5EF4-FFF2-40B4-BE49-F238E27FC236}">
-                <a16:creationId xmlns:a16="http://schemas.microsoft.com/office/drawing/2014/main" id="{033AAAAD-64F7-BAF2-433B-B03FB452E0CB}"/>
-              </a:ext>
-            </a:extLst>
-          </p:cNvPr>
-          <p:cNvSpPr txBox="1"/>
-          <p:nvPr/>
-        </p:nvSpPr>
-        <p:spPr>
-          <a:xfrm>
-            <a:off x="4781846" y="6482191"/>
-            <a:ext cx="3911435" cy="261610"/>
-          </a:xfrm>
-          <a:prstGeom prst="rect">
-            <a:avLst/>
-          </a:prstGeom>
-          <a:noFill/>
-        </p:spPr>
-        <p:txBody>
-          <a:bodyPr wrap="square" lIns="91440" tIns="45720" rIns="91440" bIns="45720" rtlCol="0" anchor="t">
-            <a:spAutoFit/>
-          </a:bodyPr>
-          <a:lstStyle/>
-          <a:p>
-            <a:pPr algn="r"/>
-            <a:r>
-              <a:rPr lang="it-IT" sz="1100" dirty="0">
-                <a:solidFill>
-                  <a:schemeClr val="bg1"/>
-                </a:solidFill>
-                <a:latin typeface="Segoe UI"/>
-              </a:rPr>
-              <a:t>G. </a:t>
-            </a:r>
-            <a:r>
-              <a:rPr lang="it-IT" sz="1100" err="1">
-                <a:solidFill>
-                  <a:schemeClr val="bg1"/>
-                </a:solidFill>
-                <a:latin typeface="Segoe UI"/>
-              </a:rPr>
-              <a:t>Rovesti</a:t>
-            </a:r>
-            <a:r>
-              <a:rPr lang="it-IT" sz="1100" dirty="0">
-                <a:solidFill>
-                  <a:schemeClr val="bg1"/>
-                </a:solidFill>
-                <a:latin typeface="Segoe UI"/>
-              </a:rPr>
-              <a:t> - </a:t>
-            </a:r>
-            <a:r>
-              <a:rPr lang="it-IT" sz="1100" err="1">
-                <a:solidFill>
-                  <a:schemeClr val="bg1"/>
-                </a:solidFill>
-                <a:latin typeface="Segoe UI"/>
-              </a:rPr>
-              <a:t>Designing</a:t>
-            </a:r>
-            <a:r>
-              <a:rPr lang="it-IT" sz="1100" dirty="0">
-                <a:solidFill>
-                  <a:schemeClr val="bg1"/>
-                </a:solidFill>
-                <a:latin typeface="Segoe UI"/>
-              </a:rPr>
-              <a:t> an </a:t>
-            </a:r>
-            <a:r>
-              <a:rPr lang="it-IT" sz="1100" err="1">
-                <a:solidFill>
-                  <a:schemeClr val="bg1"/>
-                </a:solidFill>
-                <a:latin typeface="Segoe UI"/>
-              </a:rPr>
-              <a:t>accessibility</a:t>
-            </a:r>
-            <a:r>
-              <a:rPr lang="it-IT" sz="1100" dirty="0">
-                <a:solidFill>
-                  <a:schemeClr val="bg1"/>
-                </a:solidFill>
-                <a:latin typeface="Segoe UI"/>
-              </a:rPr>
-              <a:t> learning toolkit</a:t>
-            </a:r>
-            <a:endParaRPr lang="it-IT" dirty="0">
-              <a:solidFill>
-                <a:schemeClr val="bg1"/>
-              </a:solidFill>
-              <a:latin typeface="Segoe UI"/>
-            </a:endParaRPr>
-          </a:p>
-        </p:txBody>
-      </p:sp>
-      <p:sp>
-        <p:nvSpPr>
-          <p:cNvPr id="3" name="CasellaDiTesto 2">
-            <a:extLst>
-              <a:ext uri="{FF2B5EF4-FFF2-40B4-BE49-F238E27FC236}">
-                <a16:creationId xmlns:a16="http://schemas.microsoft.com/office/drawing/2014/main" id="{68909120-0CC1-E9FA-7264-1C04913FE666}"/>
-              </a:ext>
-            </a:extLst>
-          </p:cNvPr>
-          <p:cNvSpPr txBox="1"/>
-          <p:nvPr/>
-        </p:nvSpPr>
-        <p:spPr>
-          <a:xfrm>
-            <a:off x="8477247" y="6482191"/>
-            <a:ext cx="670560" cy="261610"/>
-          </a:xfrm>
-          <a:prstGeom prst="rect">
-            <a:avLst/>
-          </a:prstGeom>
-          <a:noFill/>
-        </p:spPr>
-        <p:txBody>
-          <a:bodyPr wrap="square" lIns="91440" tIns="45720" rIns="91440" bIns="45720" rtlCol="0" anchor="t">
-            <a:spAutoFit/>
-          </a:bodyPr>
-          <a:lstStyle/>
-          <a:p>
-            <a:pPr algn="r"/>
-            <a:r>
-              <a:rPr lang="it-IT" sz="1100" dirty="0">
-                <a:solidFill>
-                  <a:schemeClr val="bg1"/>
-                </a:solidFill>
-                <a:latin typeface="Segoe UI"/>
-              </a:rPr>
-              <a:t>13/17</a:t>
-            </a:r>
-            <a:endParaRPr lang="it-IT" dirty="0">
-              <a:solidFill>
-                <a:schemeClr val="bg1"/>
-              </a:solidFill>
-            </a:endParaRPr>
-          </a:p>
-        </p:txBody>
-      </p:sp>
-      <p:sp>
-        <p:nvSpPr>
           <p:cNvPr id="4" name="CasellaDiTesto 3">
             <a:extLst>
               <a:ext uri="{FF2B5EF4-FFF2-40B4-BE49-F238E27FC236}">
@@ -11131,8 +10985,8 @@
         </p:nvSpPr>
         <p:spPr>
           <a:xfrm>
-            <a:off x="322244" y="969485"/>
-            <a:ext cx="8361801" cy="5847755"/>
+            <a:off x="349786" y="997027"/>
+            <a:ext cx="8361801" cy="5324535"/>
           </a:xfrm>
           <a:prstGeom prst="rect">
             <a:avLst/>
@@ -11370,17 +11224,7 @@
               </a:rPr>
               <a:t>Resource planning with complexity adjustments</a:t>
             </a:r>
-            <a:endParaRPr lang="en-US">
-              <a:latin typeface="Segoe UI"/>
-            </a:endParaRPr>
-          </a:p>
-          <a:p>
             <a:endParaRPr lang="en-US" dirty="0">
-              <a:latin typeface="Segoe UI"/>
-            </a:endParaRPr>
-          </a:p>
-          <a:p>
-            <a:endParaRPr lang="en-US" sz="2000" dirty="0">
               <a:latin typeface="Segoe UI"/>
             </a:endParaRPr>
           </a:p>
@@ -11416,6 +11260,153 @@
           </a:prstGeom>
         </p:spPr>
       </p:pic>
+      <p:sp>
+        <p:nvSpPr>
+          <p:cNvPr id="5" name="CasellaDiTesto 4">
+            <a:extLst>
+              <a:ext uri="{FF2B5EF4-FFF2-40B4-BE49-F238E27FC236}">
+                <a16:creationId xmlns:a16="http://schemas.microsoft.com/office/drawing/2014/main" id="{1FA9DBDD-5936-DFC2-600D-A951B7399F28}"/>
+              </a:ext>
+            </a:extLst>
+          </p:cNvPr>
+          <p:cNvSpPr txBox="1"/>
+          <p:nvPr/>
+        </p:nvSpPr>
+        <p:spPr>
+          <a:xfrm>
+            <a:off x="4781846" y="6482191"/>
+            <a:ext cx="3911435" cy="261610"/>
+          </a:xfrm>
+          <a:prstGeom prst="rect">
+            <a:avLst/>
+          </a:prstGeom>
+          <a:noFill/>
+        </p:spPr>
+        <p:txBody>
+          <a:bodyPr wrap="square" lIns="91440" tIns="45720" rIns="91440" bIns="45720" rtlCol="0" anchor="t">
+            <a:spAutoFit/>
+          </a:bodyPr>
+          <a:lstStyle/>
+          <a:p>
+            <a:pPr algn="r"/>
+            <a:r>
+              <a:rPr lang="it-IT" sz="1100" dirty="0">
+                <a:solidFill>
+                  <a:schemeClr val="bg1"/>
+                </a:solidFill>
+                <a:latin typeface="Segoe UI"/>
+              </a:rPr>
+              <a:t>G. </a:t>
+            </a:r>
+            <a:r>
+              <a:rPr lang="it-IT" sz="1100" err="1">
+                <a:solidFill>
+                  <a:schemeClr val="bg1"/>
+                </a:solidFill>
+                <a:latin typeface="Segoe UI"/>
+              </a:rPr>
+              <a:t>Rovesti</a:t>
+            </a:r>
+            <a:r>
+              <a:rPr lang="it-IT" sz="1100" dirty="0">
+                <a:solidFill>
+                  <a:schemeClr val="bg1"/>
+                </a:solidFill>
+                <a:latin typeface="Segoe UI"/>
+              </a:rPr>
+              <a:t> - </a:t>
+            </a:r>
+            <a:r>
+              <a:rPr lang="it-IT" sz="1100" err="1">
+                <a:solidFill>
+                  <a:schemeClr val="bg1"/>
+                </a:solidFill>
+                <a:latin typeface="Segoe UI"/>
+              </a:rPr>
+              <a:t>Designing</a:t>
+            </a:r>
+            <a:r>
+              <a:rPr lang="it-IT" sz="1100" dirty="0">
+                <a:solidFill>
+                  <a:schemeClr val="bg1"/>
+                </a:solidFill>
+                <a:latin typeface="Segoe UI"/>
+              </a:rPr>
+              <a:t> an </a:t>
+            </a:r>
+            <a:r>
+              <a:rPr lang="it-IT" sz="1100" err="1">
+                <a:solidFill>
+                  <a:schemeClr val="bg1"/>
+                </a:solidFill>
+                <a:latin typeface="Segoe UI"/>
+              </a:rPr>
+              <a:t>accessibility</a:t>
+            </a:r>
+            <a:r>
+              <a:rPr lang="it-IT" sz="1100" dirty="0">
+                <a:solidFill>
+                  <a:schemeClr val="bg1"/>
+                </a:solidFill>
+                <a:latin typeface="Segoe UI"/>
+              </a:rPr>
+              <a:t> learning toolkit</a:t>
+            </a:r>
+            <a:endParaRPr lang="it-IT" dirty="0">
+              <a:solidFill>
+                <a:schemeClr val="bg1"/>
+              </a:solidFill>
+              <a:latin typeface="Segoe UI"/>
+            </a:endParaRPr>
+          </a:p>
+        </p:txBody>
+      </p:sp>
+      <p:sp>
+        <p:nvSpPr>
+          <p:cNvPr id="8" name="CasellaDiTesto 7">
+            <a:extLst>
+              <a:ext uri="{FF2B5EF4-FFF2-40B4-BE49-F238E27FC236}">
+                <a16:creationId xmlns:a16="http://schemas.microsoft.com/office/drawing/2014/main" id="{02D313A1-0E48-1D32-7204-487568AB7EB8}"/>
+              </a:ext>
+            </a:extLst>
+          </p:cNvPr>
+          <p:cNvSpPr txBox="1"/>
+          <p:nvPr/>
+        </p:nvSpPr>
+        <p:spPr>
+          <a:xfrm>
+            <a:off x="8491018" y="6482191"/>
+            <a:ext cx="656789" cy="261610"/>
+          </a:xfrm>
+          <a:prstGeom prst="rect">
+            <a:avLst/>
+          </a:prstGeom>
+          <a:noFill/>
+        </p:spPr>
+        <p:txBody>
+          <a:bodyPr wrap="square" lIns="91440" tIns="45720" rIns="91440" bIns="45720" rtlCol="0" anchor="t">
+            <a:spAutoFit/>
+          </a:bodyPr>
+          <a:lstStyle/>
+          <a:p>
+            <a:pPr algn="r"/>
+            <a:r>
+              <a:rPr lang="it-IT" sz="1100" dirty="0">
+                <a:solidFill>
+                  <a:schemeClr val="bg1"/>
+                </a:solidFill>
+                <a:latin typeface="Segoe UI"/>
+              </a:rPr>
+              <a:t>12/17</a:t>
+            </a:r>
+            <a:endParaRPr lang="it-IT" dirty="0">
+              <a:solidFill>
+                <a:schemeClr val="bg1"/>
+              </a:solidFill>
+            </a:endParaRPr>
+          </a:p>
+        </p:txBody>
+      </p:sp>
     </p:spTree>
     <p:extLst>
       <p:ext uri="{BB962C8B-B14F-4D97-AF65-F5344CB8AC3E}">
@@ -12223,52 +12214,6 @@
           </a:p>
         </p:txBody>
       </p:sp>
-      <p:sp>
-        <p:nvSpPr>
-          <p:cNvPr id="3" name="CasellaDiTesto 2">
-            <a:extLst>
-              <a:ext uri="{FF2B5EF4-FFF2-40B4-BE49-F238E27FC236}">
-                <a16:creationId xmlns:a16="http://schemas.microsoft.com/office/drawing/2014/main" id="{E970368A-6D6E-29DC-CC30-86AF7852C5B4}"/>
-              </a:ext>
-            </a:extLst>
-          </p:cNvPr>
-          <p:cNvSpPr txBox="1"/>
-          <p:nvPr/>
-        </p:nvSpPr>
-        <p:spPr>
-          <a:xfrm>
-            <a:off x="8518560" y="6495962"/>
-            <a:ext cx="629247" cy="261610"/>
-          </a:xfrm>
-          <a:prstGeom prst="rect">
-            <a:avLst/>
-          </a:prstGeom>
-          <a:noFill/>
-        </p:spPr>
-        <p:txBody>
-          <a:bodyPr wrap="square" lIns="91440" tIns="45720" rIns="91440" bIns="45720" rtlCol="0" anchor="t">
-            <a:spAutoFit/>
-          </a:bodyPr>
-          <a:lstStyle/>
-          <a:p>
-            <a:pPr algn="r"/>
-            <a:r>
-              <a:rPr lang="it-IT" sz="1100" dirty="0">
-                <a:solidFill>
-                  <a:schemeClr val="bg1"/>
-                </a:solidFill>
-                <a:latin typeface="Segoe UI"/>
-              </a:rPr>
-              <a:t>15/17</a:t>
-            </a:r>
-            <a:endParaRPr lang="it-IT" dirty="0">
-              <a:solidFill>
-                <a:schemeClr val="bg1"/>
-              </a:solidFill>
-            </a:endParaRPr>
-          </a:p>
-        </p:txBody>
-      </p:sp>
       <p:pic>
         <p:nvPicPr>
           <p:cNvPr id="4" name="Immagine 3" descr="Immagine che contiene testo, schermata, Carattere, numero&#10;&#10;Il contenuto generato dall&amp;#39;IA potrebbe non essere corretto.">
@@ -12413,6 +12358,52 @@
               <a:t>: React Native scores higher across all component types</a:t>
             </a:r>
             <a:endParaRPr lang="en-US"/>
+          </a:p>
+        </p:txBody>
+      </p:sp>
+      <p:sp>
+        <p:nvSpPr>
+          <p:cNvPr id="6" name="CasellaDiTesto 5">
+            <a:extLst>
+              <a:ext uri="{FF2B5EF4-FFF2-40B4-BE49-F238E27FC236}">
+                <a16:creationId xmlns:a16="http://schemas.microsoft.com/office/drawing/2014/main" id="{A5AA00A2-BB66-B415-2650-72E84B660058}"/>
+              </a:ext>
+            </a:extLst>
+          </p:cNvPr>
+          <p:cNvSpPr txBox="1"/>
+          <p:nvPr/>
+        </p:nvSpPr>
+        <p:spPr>
+          <a:xfrm>
+            <a:off x="8538371" y="6482191"/>
+            <a:ext cx="609436" cy="261610"/>
+          </a:xfrm>
+          <a:prstGeom prst="rect">
+            <a:avLst/>
+          </a:prstGeom>
+          <a:noFill/>
+        </p:spPr>
+        <p:txBody>
+          <a:bodyPr wrap="square" lIns="91440" tIns="45720" rIns="91440" bIns="45720" rtlCol="0" anchor="t">
+            <a:spAutoFit/>
+          </a:bodyPr>
+          <a:lstStyle/>
+          <a:p>
+            <a:pPr algn="r"/>
+            <a:r>
+              <a:rPr lang="it-IT" sz="1100" dirty="0">
+                <a:solidFill>
+                  <a:schemeClr val="bg1"/>
+                </a:solidFill>
+                <a:latin typeface="Segoe UI"/>
+              </a:rPr>
+              <a:t>15/17</a:t>
+            </a:r>
+            <a:endParaRPr lang="it-IT" dirty="0">
+              <a:solidFill>
+                <a:schemeClr val="bg1"/>
+              </a:solidFill>
+            </a:endParaRPr>
           </a:p>
         </p:txBody>
       </p:sp>
@@ -13851,107 +13842,6 @@
           </a:p>
         </p:txBody>
       </p:sp>
-      <p:sp>
-        <p:nvSpPr>
-          <p:cNvPr id="23" name="CasellaDiTesto 22">
-            <a:extLst>
-              <a:ext uri="{FF2B5EF4-FFF2-40B4-BE49-F238E27FC236}">
-                <a16:creationId xmlns:a16="http://schemas.microsoft.com/office/drawing/2014/main" id="{AF603ACE-A4D0-C670-23C2-8C6330CFDDF7}"/>
-              </a:ext>
-            </a:extLst>
-          </p:cNvPr>
-          <p:cNvSpPr txBox="1"/>
-          <p:nvPr/>
-        </p:nvSpPr>
-        <p:spPr>
-          <a:xfrm>
-            <a:off x="4781846" y="6482191"/>
-            <a:ext cx="3911435" cy="261610"/>
-          </a:xfrm>
-          <a:prstGeom prst="rect">
-            <a:avLst/>
-          </a:prstGeom>
-          <a:noFill/>
-        </p:spPr>
-        <p:txBody>
-          <a:bodyPr wrap="square" lIns="91440" tIns="45720" rIns="91440" bIns="45720" rtlCol="0" anchor="t">
-            <a:spAutoFit/>
-          </a:bodyPr>
-          <a:lstStyle/>
-          <a:p>
-            <a:pPr algn="r"/>
-            <a:r>
-              <a:rPr lang="it-IT" sz="1100" dirty="0">
-                <a:solidFill>
-                  <a:schemeClr val="bg1"/>
-                </a:solidFill>
-                <a:latin typeface="Segoe UI"/>
-              </a:rPr>
-              <a:t>G. </a:t>
-            </a:r>
-            <a:r>
-              <a:rPr lang="it-IT" sz="1100" err="1">
-                <a:solidFill>
-                  <a:schemeClr val="bg1"/>
-                </a:solidFill>
-                <a:latin typeface="Segoe UI"/>
-              </a:rPr>
-              <a:t>Rovesti</a:t>
-            </a:r>
-            <a:r>
-              <a:rPr lang="it-IT" sz="1100" dirty="0">
-                <a:solidFill>
-                  <a:schemeClr val="bg1"/>
-                </a:solidFill>
-                <a:latin typeface="Segoe UI"/>
-              </a:rPr>
-              <a:t> - </a:t>
-            </a:r>
-            <a:r>
-              <a:rPr lang="it-IT" sz="1100" err="1">
-                <a:solidFill>
-                  <a:schemeClr val="bg1"/>
-                </a:solidFill>
-                <a:latin typeface="Segoe UI"/>
-              </a:rPr>
-              <a:t>Designing</a:t>
-            </a:r>
-            <a:r>
-              <a:rPr lang="it-IT" sz="1100" dirty="0">
-                <a:solidFill>
-                  <a:schemeClr val="bg1"/>
-                </a:solidFill>
-                <a:latin typeface="Segoe UI"/>
-              </a:rPr>
-              <a:t> an </a:t>
-            </a:r>
-            <a:r>
-              <a:rPr lang="it-IT" sz="1100" err="1">
-                <a:solidFill>
-                  <a:schemeClr val="bg1"/>
-                </a:solidFill>
-                <a:latin typeface="Segoe UI"/>
-              </a:rPr>
-              <a:t>accessibility</a:t>
-            </a:r>
-            <a:r>
-              <a:rPr lang="it-IT" sz="1100" dirty="0">
-                <a:solidFill>
-                  <a:schemeClr val="bg1"/>
-                </a:solidFill>
-                <a:latin typeface="Segoe UI"/>
-              </a:rPr>
-              <a:t> learning toolkit</a:t>
-            </a:r>
-            <a:endParaRPr lang="it-IT" dirty="0">
-              <a:solidFill>
-                <a:schemeClr val="bg1"/>
-              </a:solidFill>
-              <a:latin typeface="Segoe UI"/>
-            </a:endParaRPr>
-          </a:p>
-        </p:txBody>
-      </p:sp>
       <p:pic>
         <p:nvPicPr>
           <p:cNvPr id="5" name="Immagine 4" descr="Accessibility and Its Role in Modern Web Design | PDD">
@@ -14014,10 +13904,111 @@
       </p:pic>
       <p:sp>
         <p:nvSpPr>
-          <p:cNvPr id="2" name="CasellaDiTesto 1">
+          <p:cNvPr id="15" name="CasellaDiTesto 14">
             <a:extLst>
               <a:ext uri="{FF2B5EF4-FFF2-40B4-BE49-F238E27FC236}">
-                <a16:creationId xmlns:a16="http://schemas.microsoft.com/office/drawing/2014/main" id="{C9E53E83-E1B8-6D20-F495-DDBD1FF2EBAF}"/>
+                <a16:creationId xmlns:a16="http://schemas.microsoft.com/office/drawing/2014/main" id="{02E3ACB9-97AA-EDB0-7E53-F2DD684E6A09}"/>
+              </a:ext>
+            </a:extLst>
+          </p:cNvPr>
+          <p:cNvSpPr txBox="1"/>
+          <p:nvPr/>
+        </p:nvSpPr>
+        <p:spPr>
+          <a:xfrm>
+            <a:off x="4781846" y="6482191"/>
+            <a:ext cx="3911435" cy="261610"/>
+          </a:xfrm>
+          <a:prstGeom prst="rect">
+            <a:avLst/>
+          </a:prstGeom>
+          <a:noFill/>
+        </p:spPr>
+        <p:txBody>
+          <a:bodyPr wrap="square" lIns="91440" tIns="45720" rIns="91440" bIns="45720" rtlCol="0" anchor="t">
+            <a:spAutoFit/>
+          </a:bodyPr>
+          <a:lstStyle/>
+          <a:p>
+            <a:pPr algn="r"/>
+            <a:r>
+              <a:rPr lang="it-IT" sz="1100" dirty="0">
+                <a:solidFill>
+                  <a:schemeClr val="bg1"/>
+                </a:solidFill>
+                <a:latin typeface="Segoe UI"/>
+              </a:rPr>
+              <a:t>G. </a:t>
+            </a:r>
+            <a:r>
+              <a:rPr lang="it-IT" sz="1100" err="1">
+                <a:solidFill>
+                  <a:schemeClr val="bg1"/>
+                </a:solidFill>
+                <a:latin typeface="Segoe UI"/>
+              </a:rPr>
+              <a:t>Rovesti</a:t>
+            </a:r>
+            <a:r>
+              <a:rPr lang="it-IT" sz="1100" dirty="0">
+                <a:solidFill>
+                  <a:schemeClr val="bg1"/>
+                </a:solidFill>
+                <a:latin typeface="Segoe UI"/>
+              </a:rPr>
+              <a:t> - </a:t>
+            </a:r>
+            <a:r>
+              <a:rPr lang="it-IT" sz="1100" err="1">
+                <a:solidFill>
+                  <a:schemeClr val="bg1"/>
+                </a:solidFill>
+                <a:latin typeface="Segoe UI"/>
+              </a:rPr>
+              <a:t>Designing</a:t>
+            </a:r>
+            <a:r>
+              <a:rPr lang="it-IT" sz="1100" dirty="0">
+                <a:solidFill>
+                  <a:schemeClr val="bg1"/>
+                </a:solidFill>
+                <a:latin typeface="Segoe UI"/>
+              </a:rPr>
+              <a:t> an </a:t>
+            </a:r>
+            <a:r>
+              <a:rPr lang="it-IT" sz="1100" err="1">
+                <a:solidFill>
+                  <a:schemeClr val="bg1"/>
+                </a:solidFill>
+                <a:latin typeface="Segoe UI"/>
+              </a:rPr>
+              <a:t>accessibility</a:t>
+            </a:r>
+            <a:r>
+              <a:rPr lang="it-IT" sz="1100" dirty="0">
+                <a:solidFill>
+                  <a:schemeClr val="bg1"/>
+                </a:solidFill>
+                <a:latin typeface="Segoe UI"/>
+              </a:rPr>
+              <a:t> learning toolkit</a:t>
+            </a:r>
+            <a:endParaRPr lang="it-IT" dirty="0">
+              <a:solidFill>
+                <a:schemeClr val="bg1"/>
+              </a:solidFill>
+              <a:latin typeface="Segoe UI"/>
+            </a:endParaRPr>
+          </a:p>
+        </p:txBody>
+      </p:sp>
+      <p:sp>
+        <p:nvSpPr>
+          <p:cNvPr id="17" name="CasellaDiTesto 16">
+            <a:extLst>
+              <a:ext uri="{FF2B5EF4-FFF2-40B4-BE49-F238E27FC236}">
+                <a16:creationId xmlns:a16="http://schemas.microsoft.com/office/drawing/2014/main" id="{692DEFCB-D513-1CAA-0CD1-ED611DD0E742}"/>
               </a:ext>
             </a:extLst>
           </p:cNvPr>
@@ -14663,61 +14654,7 @@
                 </a:solidFill>
                 <a:latin typeface="Segoe UI"/>
               </a:rPr>
-              <a:t>G. </a:t>
-            </a:r>
-            <a:r>
-              <a:rPr lang="it-IT" sz="1100" err="1">
-                <a:solidFill>
-                  <a:schemeClr val="bg1"/>
-                </a:solidFill>
-                <a:latin typeface="Segoe UI"/>
-              </a:rPr>
-              <a:t>Rovesti</a:t>
-            </a:r>
-            <a:r>
-              <a:rPr lang="it-IT" sz="1100" dirty="0">
-                <a:solidFill>
-                  <a:schemeClr val="bg1"/>
-                </a:solidFill>
-                <a:latin typeface="Segoe UI"/>
-              </a:rPr>
-              <a:t> - </a:t>
-            </a:r>
-            <a:r>
-              <a:rPr lang="it-IT" sz="1100" err="1">
-                <a:solidFill>
-                  <a:schemeClr val="bg1"/>
-                </a:solidFill>
-                <a:latin typeface="Segoe UI"/>
-              </a:rPr>
-              <a:t>Designing</a:t>
-            </a:r>
-            <a:r>
-              <a:rPr lang="it-IT" sz="1100" dirty="0">
-                <a:solidFill>
-                  <a:schemeClr val="bg1"/>
-                </a:solidFill>
-                <a:latin typeface="Segoe UI"/>
-              </a:rPr>
-              <a:t> an </a:t>
-            </a:r>
-            <a:r>
-              <a:rPr lang="it-IT" sz="1100" err="1">
-                <a:solidFill>
-                  <a:schemeClr val="bg1"/>
-                </a:solidFill>
-                <a:latin typeface="Segoe UI"/>
-              </a:rPr>
-              <a:t>accessibility</a:t>
-            </a:r>
-            <a:r>
-              <a:rPr lang="it-IT" sz="1100" dirty="0">
-                <a:solidFill>
-                  <a:schemeClr val="bg1"/>
-                </a:solidFill>
-                <a:latin typeface="Segoe UI"/>
-              </a:rPr>
-              <a:t> learning toolkit</a:t>
+              <a:t>G. Rovesti - Designing an accessibility learning toolkit</a:t>
             </a:r>
             <a:endParaRPr lang="it-IT" dirty="0">
               <a:solidFill>
@@ -14790,10 +14727,10 @@
       </p:pic>
       <p:sp>
         <p:nvSpPr>
-          <p:cNvPr id="8" name="CasellaDiTesto 7">
+          <p:cNvPr id="5" name="CasellaDiTesto 4">
             <a:extLst>
               <a:ext uri="{FF2B5EF4-FFF2-40B4-BE49-F238E27FC236}">
-                <a16:creationId xmlns:a16="http://schemas.microsoft.com/office/drawing/2014/main" id="{C476ADA0-C76E-3DD8-5E59-706BBA772DBD}"/>
+                <a16:creationId xmlns:a16="http://schemas.microsoft.com/office/drawing/2014/main" id="{69A2056E-62FA-1A95-A766-83C19185F9BE}"/>
               </a:ext>
             </a:extLst>
           </p:cNvPr>
@@ -14802,8 +14739,8 @@
         </p:nvSpPr>
         <p:spPr>
           <a:xfrm>
-            <a:off x="8511634" y="6455455"/>
-            <a:ext cx="636173" cy="261610"/>
+            <a:off x="8538371" y="6482191"/>
+            <a:ext cx="609436" cy="261610"/>
           </a:xfrm>
           <a:prstGeom prst="rect">
             <a:avLst/>
@@ -15664,10 +15601,10 @@
       </p:pic>
       <p:sp>
         <p:nvSpPr>
-          <p:cNvPr id="5" name="CasellaDiTesto 4">
+          <p:cNvPr id="6" name="CasellaDiTesto 5">
             <a:extLst>
               <a:ext uri="{FF2B5EF4-FFF2-40B4-BE49-F238E27FC236}">
-                <a16:creationId xmlns:a16="http://schemas.microsoft.com/office/drawing/2014/main" id="{45049497-DD10-9673-22EC-A8EED98CC191}"/>
+                <a16:creationId xmlns:a16="http://schemas.microsoft.com/office/drawing/2014/main" id="{A5330E72-86C3-D0C4-A0E1-91315405442C}"/>
               </a:ext>
             </a:extLst>
           </p:cNvPr>
@@ -15676,8 +15613,8 @@
         </p:nvSpPr>
         <p:spPr>
           <a:xfrm>
-            <a:off x="8525004" y="6495559"/>
-            <a:ext cx="622803" cy="261610"/>
+            <a:off x="8538371" y="6482191"/>
+            <a:ext cx="609436" cy="261610"/>
           </a:xfrm>
           <a:prstGeom prst="rect">
             <a:avLst/>
@@ -16455,10 +16392,10 @@
       </p:pic>
       <p:sp>
         <p:nvSpPr>
-          <p:cNvPr id="5" name="CasellaDiTesto 4">
+          <p:cNvPr id="6" name="CasellaDiTesto 5">
             <a:extLst>
               <a:ext uri="{FF2B5EF4-FFF2-40B4-BE49-F238E27FC236}">
-                <a16:creationId xmlns:a16="http://schemas.microsoft.com/office/drawing/2014/main" id="{59F4B896-E913-5EC7-0225-F20899A7626E}"/>
+                <a16:creationId xmlns:a16="http://schemas.microsoft.com/office/drawing/2014/main" id="{A6781579-6834-9946-EAF5-54A6A734B96A}"/>
               </a:ext>
             </a:extLst>
           </p:cNvPr>
@@ -16467,8 +16404,8 @@
         </p:nvSpPr>
         <p:spPr>
           <a:xfrm>
-            <a:off x="8498266" y="6495559"/>
-            <a:ext cx="649541" cy="261610"/>
+            <a:off x="8538371" y="6482191"/>
+            <a:ext cx="609436" cy="261610"/>
           </a:xfrm>
           <a:prstGeom prst="rect">
             <a:avLst/>
@@ -18147,10 +18084,10 @@
       </p:pic>
       <p:sp>
         <p:nvSpPr>
-          <p:cNvPr id="17" name="CasellaDiTesto 16">
+          <p:cNvPr id="3" name="CasellaDiTesto 2">
             <a:extLst>
               <a:ext uri="{FF2B5EF4-FFF2-40B4-BE49-F238E27FC236}">
-                <a16:creationId xmlns:a16="http://schemas.microsoft.com/office/drawing/2014/main" id="{B2D8B8B4-D3EC-2977-296E-2041569AD074}"/>
+                <a16:creationId xmlns:a16="http://schemas.microsoft.com/office/drawing/2014/main" id="{F590BC50-3610-7B20-EAF0-8D1936482577}"/>
               </a:ext>
             </a:extLst>
           </p:cNvPr>
@@ -18159,8 +18096,8 @@
         </p:nvSpPr>
         <p:spPr>
           <a:xfrm>
-            <a:off x="8525003" y="6495559"/>
-            <a:ext cx="622804" cy="261610"/>
+            <a:off x="8538371" y="6482191"/>
+            <a:ext cx="609436" cy="261610"/>
           </a:xfrm>
           <a:prstGeom prst="rect">
             <a:avLst/>

--- a/Thesis Presentation/Presentation Gabriel Rovesti.pptx
+++ b/Thesis Presentation/Presentation Gabriel Rovesti.pptx
@@ -260,9 +260,8 @@
 <file path=ppt/revisionInfo.xml><?xml version="1.0" encoding="utf-8"?>
 <p1510:revInfo xmlns:a="http://schemas.openxmlformats.org/drawingml/2006/main" xmlns:r="http://schemas.openxmlformats.org/officeDocument/2006/relationships" xmlns:p1510="http://schemas.microsoft.com/office/powerpoint/2015/10/main">
   <p1510:revLst>
-    <p1510:client id="{625D73A8-2971-33D0-7F96-EA3FA7DFDCDD}" v="152" dt="2025-07-07T17:42:36.729"/>
-    <p1510:client id="{63ABD6D2-6AA7-A9AD-CFE8-E7CF9E0D030A}" v="622" dt="2025-07-07T17:03:40.833"/>
-    <p1510:client id="{CF76EE9D-CBDD-9B20-5D03-D1C89A151C1B}" v="161" dt="2025-07-08T07:35:57.076"/>
+    <p1510:client id="{1D759D07-F260-6530-72C1-4EC9929CCA64}" v="158" dt="2025-07-09T14:45:12.816"/>
+    <p1510:client id="{41ACB71F-2355-3F93-36AD-B2AF0FA0873D}" v="85" dt="2025-07-11T12:59:37.305"/>
   </p1510:revLst>
 </p1510:revInfo>
 </file>
@@ -361,7 +360,7 @@
           <a:p>
             <a:fld id="{6469F890-3609-4E18-B68A-510CF7125ACB}" type="datetimeFigureOut">
               <a:rPr lang="it-IT" smtClean="0"/>
-              <a:t>08/07/2025</a:t>
+              <a:t>11/07/2025</a:t>
             </a:fld>
             <a:endParaRPr lang="it-IT"/>
           </a:p>
@@ -9485,9 +9484,9 @@
                 <a:latin typeface="Segoe UI"/>
                 <a:ea typeface="Calibri"/>
               </a:rPr>
-              <a:t> </a:t>
-            </a:r>
-            <a:endParaRPr lang="it-IT" sz="1800">
+              <a:t> – ID: 2103389</a:t>
+            </a:r>
+            <a:endParaRPr lang="it-IT" sz="1800" dirty="0">
               <a:latin typeface="Segoe UI"/>
               <a:ea typeface="Calibri"/>
             </a:endParaRPr>
@@ -13195,39 +13194,63 @@
             </a:endParaRPr>
           </a:p>
           <a:p>
+            <a:pPr marL="342900" indent="-342900">
+              <a:buFont typeface="Arial"/>
+              <a:buChar char="•"/>
+            </a:pPr>
             <a:r>
               <a:rPr lang="en-US" sz="2000" dirty="0">
                 <a:latin typeface="Segoe UI"/>
+              </a:rPr>
+              <a:t>Extended</a:t>
+            </a:r>
+            <a:r>
+              <a:rPr lang="en-US" sz="2000" dirty="0">
+                <a:latin typeface="Segoe UI"/>
                 <a:cs typeface="Segoe UI"/>
               </a:rPr>
-              <a:t>- Extended research framework from Flutter-only to comparative analysis</a:t>
+              <a:t> research framework from Flutter-only to comparative analysis</a:t>
             </a:r>
             <a:endParaRPr lang="en-US" dirty="0"/>
           </a:p>
           <a:p>
+            <a:pPr marL="342900" indent="-342900">
+              <a:buFont typeface="Arial"/>
+              <a:buChar char="•"/>
+            </a:pPr>
             <a:r>
               <a:rPr lang="en-US" sz="2000" dirty="0">
                 <a:latin typeface="Segoe UI"/>
               </a:rPr>
-              <a:t>- First quantitative framework for mobile accessibility cost assessment  </a:t>
+              <a:t>First quantitative framework for mobile accessibility cost assessment  </a:t>
             </a:r>
             <a:endParaRPr lang="en-US" dirty="0"/>
           </a:p>
           <a:p>
+            <a:pPr marL="800100" lvl="1" indent="-342900">
+              <a:buFont typeface="Courier New"/>
+              <a:buChar char="o"/>
+            </a:pPr>
             <a:r>
               <a:rPr lang="en-US" sz="2000" dirty="0">
                 <a:latin typeface="Segoe UI"/>
               </a:rPr>
-              <a:t>- 45% implementation overhead reduction with React Native</a:t>
-            </a:r>
-          </a:p>
-          <a:p>
+              <a:t>45% implementation overhead reduction with React Native</a:t>
+            </a:r>
+            <a:endParaRPr lang="en-US" dirty="0"/>
+          </a:p>
+          <a:p>
+            <a:pPr marL="342900" indent="-342900">
+              <a:buFont typeface="Arial"/>
+              <a:buChar char="•"/>
+            </a:pPr>
             <a:r>
               <a:rPr lang="en-US" sz="2000" dirty="0">
                 <a:latin typeface="Segoe UI"/>
               </a:rPr>
-              <a:t>- Systematic methodology bridging WCAG theory to mobile practice</a:t>
-            </a:r>
+              <a:t>Systematic methodology bridging WCAG theory to mobile practice</a:t>
+            </a:r>
+            <a:endParaRPr lang="en-US" dirty="0"/>
           </a:p>
           <a:p>
             <a:endParaRPr lang="en-US" sz="2000" dirty="0">
@@ -13243,71 +13266,62 @@
             </a:r>
           </a:p>
           <a:p>
+            <a:pPr marL="342900" indent="-342900">
+              <a:buFont typeface="Arial"/>
+              <a:buChar char="•"/>
+            </a:pPr>
+            <a:r>
+              <a:rPr lang="en-US" sz="2000" b="1" dirty="0">
+                <a:latin typeface="Segoe UI"/>
+              </a:rPr>
+              <a:t>RQ1</a:t>
+            </a:r>
             <a:r>
               <a:rPr lang="en-US" sz="2000" dirty="0">
                 <a:latin typeface="Segoe UI"/>
               </a:rPr>
-              <a:t>- </a:t>
-            </a:r>
+              <a:t>: No framework accessible by default (38% vs 32%) </a:t>
+            </a:r>
+          </a:p>
+          <a:p>
+            <a:pPr marL="342900" indent="-342900">
+              <a:buFont typeface="Arial"/>
+              <a:buChar char="•"/>
+            </a:pPr>
             <a:r>
               <a:rPr lang="en-US" sz="2000" b="1" dirty="0">
                 <a:latin typeface="Segoe UI"/>
               </a:rPr>
-              <a:t>RQ1</a:t>
+              <a:t>RQ2</a:t>
             </a:r>
             <a:r>
               <a:rPr lang="en-US" sz="2000" dirty="0">
                 <a:latin typeface="Segoe UI"/>
               </a:rPr>
-              <a:t>: Neither framework accessible by default (38% vs 32%) </a:t>
-            </a:r>
-            <a:endParaRPr lang="en-US" sz="2000">
+              <a:t>: Both achieve 100% WCAG compliance with proper implementation </a:t>
+            </a:r>
+            <a:endParaRPr lang="en-US">
               <a:latin typeface="Segoe UI"/>
             </a:endParaRPr>
           </a:p>
           <a:p>
+            <a:pPr marL="342900" indent="-342900">
+              <a:buFont typeface="Arial"/>
+              <a:buChar char="•"/>
+            </a:pPr>
+            <a:r>
+              <a:rPr lang="en-US" sz="2000" b="1" dirty="0">
+                <a:latin typeface="Segoe UI"/>
+              </a:rPr>
+              <a:t>RQ3</a:t>
+            </a:r>
             <a:r>
               <a:rPr lang="en-US" sz="2000" dirty="0">
                 <a:latin typeface="Segoe UI"/>
               </a:rPr>
-              <a:t>- </a:t>
-            </a:r>
-            <a:r>
-              <a:rPr lang="en-US" sz="2000" b="1" dirty="0">
-                <a:latin typeface="Segoe UI"/>
-              </a:rPr>
-              <a:t>RQ2</a:t>
-            </a:r>
-            <a:r>
-              <a:rPr lang="en-US" sz="2000" dirty="0">
-                <a:latin typeface="Segoe UI"/>
-              </a:rPr>
-              <a:t>: Both achieve 100% WCAG compliance with proper implementation </a:t>
-            </a:r>
-            <a:endParaRPr lang="en-US" sz="2000">
-              <a:latin typeface="Segoe UI"/>
-            </a:endParaRPr>
-          </a:p>
-          <a:p>
-            <a:r>
-              <a:rPr lang="en-US" sz="2000" dirty="0">
-                <a:latin typeface="Segoe UI"/>
-              </a:rPr>
-              <a:t>- </a:t>
-            </a:r>
-            <a:r>
-              <a:rPr lang="en-US" sz="2000" b="1" dirty="0">
-                <a:latin typeface="Segoe UI"/>
-              </a:rPr>
-              <a:t>RQ3</a:t>
-            </a:r>
-            <a:r>
-              <a:rPr lang="en-US" sz="2000" dirty="0">
-                <a:latin typeface="Segoe UI"/>
-              </a:rPr>
               <a:t>: React Native requires 45% less code for equivalent accessibility</a:t>
             </a:r>
-            <a:endParaRPr lang="en-US">
+            <a:endParaRPr lang="en-US" dirty="0">
               <a:latin typeface="Segoe UI"/>
             </a:endParaRPr>
           </a:p>
@@ -13405,91 +13419,6 @@
       </p:grpSpPr>
       <p:sp>
         <p:nvSpPr>
-          <p:cNvPr id="99" name="Shape 99"/>
-          <p:cNvSpPr txBox="1">
-            <a:spLocks noGrp="1"/>
-          </p:cNvSpPr>
-          <p:nvPr>
-            <p:ph type="title" idx="4294967295"/>
-          </p:nvPr>
-        </p:nvSpPr>
-        <p:spPr>
-          <a:xfrm>
-            <a:off x="457200" y="-182567"/>
-            <a:ext cx="6750237" cy="1261540"/>
-          </a:xfrm>
-          <a:prstGeom prst="rect">
-            <a:avLst/>
-          </a:prstGeom>
-        </p:spPr>
-        <p:txBody>
-          <a:bodyPr spcFirstLastPara="1" wrap="square" lIns="82925" tIns="82925" rIns="82925" bIns="82925" anchor="ctr" anchorCtr="0">
-            <a:noAutofit/>
-          </a:bodyPr>
-          <a:lstStyle/>
-          <a:p>
-            <a:pPr indent="0">
-              <a:buNone/>
-            </a:pPr>
-            <a:r>
-              <a:rPr lang="it-IT" sz="3000" dirty="0">
-                <a:solidFill>
-                  <a:srgbClr val="FFFFFF"/>
-                </a:solidFill>
-                <a:latin typeface="Segoe UI"/>
-              </a:rPr>
-              <a:t>First and </a:t>
-            </a:r>
-            <a:r>
-              <a:rPr lang="it-IT" sz="3000" dirty="0" err="1">
-                <a:solidFill>
-                  <a:srgbClr val="FFFFFF"/>
-                </a:solidFill>
-                <a:latin typeface="Segoe UI"/>
-              </a:rPr>
-              <a:t>not</a:t>
-            </a:r>
-            <a:r>
-              <a:rPr lang="it-IT" sz="3000" dirty="0">
-                <a:solidFill>
-                  <a:srgbClr val="FFFFFF"/>
-                </a:solidFill>
-                <a:latin typeface="Segoe UI"/>
-              </a:rPr>
-              <a:t> </a:t>
-            </a:r>
-            <a:r>
-              <a:rPr lang="it-IT" sz="3000" dirty="0" err="1">
-                <a:solidFill>
-                  <a:srgbClr val="FFFFFF"/>
-                </a:solidFill>
-                <a:latin typeface="Segoe UI"/>
-              </a:rPr>
-              <a:t>least</a:t>
-            </a:r>
-            <a:r>
-              <a:rPr lang="it-IT" sz="3000" dirty="0">
-                <a:solidFill>
-                  <a:srgbClr val="FFFFFF"/>
-                </a:solidFill>
-                <a:latin typeface="Segoe UI"/>
-              </a:rPr>
-              <a:t>: Mobile </a:t>
-            </a:r>
-            <a:r>
-              <a:rPr lang="it-IT" sz="3000" dirty="0" err="1">
-                <a:solidFill>
-                  <a:srgbClr val="FFFFFF"/>
-                </a:solidFill>
-                <a:latin typeface="Segoe UI"/>
-              </a:rPr>
-              <a:t>accessibility</a:t>
-            </a:r>
-          </a:p>
-        </p:txBody>
-      </p:sp>
-      <p:sp>
-        <p:nvSpPr>
           <p:cNvPr id="101" name="Shape 101"/>
           <p:cNvSpPr/>
           <p:nvPr/>
@@ -14049,6 +13978,246 @@
           </a:p>
         </p:txBody>
       </p:sp>
+      <p:sp>
+        <p:nvSpPr>
+          <p:cNvPr id="20" name="Shape 99">
+            <a:extLst>
+              <a:ext uri="{FF2B5EF4-FFF2-40B4-BE49-F238E27FC236}">
+                <a16:creationId xmlns:a16="http://schemas.microsoft.com/office/drawing/2014/main" id="{8A0F8872-BF75-949E-0A25-96FFB1B80E6A}"/>
+              </a:ext>
+            </a:extLst>
+          </p:cNvPr>
+          <p:cNvSpPr txBox="1">
+            <a:spLocks/>
+          </p:cNvSpPr>
+          <p:nvPr/>
+        </p:nvSpPr>
+        <p:spPr>
+          <a:xfrm>
+            <a:off x="457200" y="-182567"/>
+            <a:ext cx="6714148" cy="1225926"/>
+          </a:xfrm>
+          <a:prstGeom prst="rect">
+            <a:avLst/>
+          </a:prstGeom>
+          <a:noFill/>
+          <a:ln>
+            <a:noFill/>
+          </a:ln>
+        </p:spPr>
+        <p:txBody>
+          <a:bodyPr spcFirstLastPara="1" wrap="square" lIns="82925" tIns="82925" rIns="82925" bIns="82925" anchor="ctr" anchorCtr="0">
+            <a:noAutofit/>
+          </a:bodyPr>
+          <a:lstStyle>
+            <a:defPPr marR="0" lvl="0" algn="l" rtl="0">
+              <a:lnSpc>
+                <a:spcPct val="100000"/>
+              </a:lnSpc>
+              <a:spcBef>
+                <a:spcPts val="0"/>
+              </a:spcBef>
+              <a:spcAft>
+                <a:spcPts val="0"/>
+              </a:spcAft>
+            </a:defPPr>
+            <a:lvl1pPr marL="0" marR="0" lvl="0" indent="-82550" algn="l" rtl="0" eaLnBrk="1" hangingPunct="1">
+              <a:lnSpc>
+                <a:spcPct val="93000"/>
+              </a:lnSpc>
+              <a:spcBef>
+                <a:spcPts val="0"/>
+              </a:spcBef>
+              <a:spcAft>
+                <a:spcPts val="0"/>
+              </a:spcAft>
+              <a:buSzPts val="1300"/>
+              <a:buChar char="●"/>
+              <a:defRPr sz="1300" b="0" i="0" u="none" strike="noStrike" cap="none">
+                <a:solidFill>
+                  <a:srgbClr val="000000"/>
+                </a:solidFill>
+                <a:latin typeface="Arial"/>
+                <a:ea typeface="Arial"/>
+                <a:cs typeface="Arial"/>
+                <a:sym typeface="Arial"/>
+              </a:defRPr>
+            </a:lvl1pPr>
+            <a:lvl2pPr marL="673100" marR="0" lvl="1" indent="-336550" algn="l" rtl="0">
+              <a:lnSpc>
+                <a:spcPct val="93000"/>
+              </a:lnSpc>
+              <a:spcBef>
+                <a:spcPts val="0"/>
+              </a:spcBef>
+              <a:spcAft>
+                <a:spcPts val="0"/>
+              </a:spcAft>
+              <a:buSzPts val="1300"/>
+              <a:buChar char="○"/>
+              <a:defRPr sz="1300"/>
+            </a:lvl2pPr>
+            <a:lvl3pPr marL="1041400" marR="0" lvl="2" indent="-298450" algn="l" rtl="0">
+              <a:lnSpc>
+                <a:spcPct val="93000"/>
+              </a:lnSpc>
+              <a:spcBef>
+                <a:spcPts val="0"/>
+              </a:spcBef>
+              <a:spcAft>
+                <a:spcPts val="0"/>
+              </a:spcAft>
+              <a:buSzPts val="1300"/>
+              <a:buChar char="■"/>
+              <a:defRPr sz="1300"/>
+            </a:lvl3pPr>
+            <a:lvl4pPr marL="1447800" marR="0" lvl="3" indent="-285750" algn="l" rtl="0">
+              <a:lnSpc>
+                <a:spcPct val="93000"/>
+              </a:lnSpc>
+              <a:spcBef>
+                <a:spcPts val="0"/>
+              </a:spcBef>
+              <a:spcAft>
+                <a:spcPts val="0"/>
+              </a:spcAft>
+              <a:buSzPts val="1300"/>
+              <a:buChar char="●"/>
+              <a:defRPr sz="1300"/>
+            </a:lvl4pPr>
+            <a:lvl5pPr marL="1866900" marR="0" lvl="4" indent="-285750" algn="l" rtl="0">
+              <a:lnSpc>
+                <a:spcPct val="93000"/>
+              </a:lnSpc>
+              <a:spcBef>
+                <a:spcPts val="0"/>
+              </a:spcBef>
+              <a:spcAft>
+                <a:spcPts val="0"/>
+              </a:spcAft>
+              <a:buSzPts val="1300"/>
+              <a:buChar char="○"/>
+              <a:defRPr sz="1300"/>
+            </a:lvl5pPr>
+            <a:lvl6pPr marL="2286000" marR="0" lvl="5" indent="-298450" algn="l" rtl="0">
+              <a:lnSpc>
+                <a:spcPct val="93000"/>
+              </a:lnSpc>
+              <a:spcBef>
+                <a:spcPts val="0"/>
+              </a:spcBef>
+              <a:spcAft>
+                <a:spcPts val="0"/>
+              </a:spcAft>
+              <a:buSzPts val="1300"/>
+              <a:buChar char="■"/>
+              <a:defRPr sz="1300"/>
+            </a:lvl6pPr>
+            <a:lvl7pPr marL="3111500" marR="0" lvl="6" indent="-285750" algn="l" rtl="0">
+              <a:lnSpc>
+                <a:spcPct val="93000"/>
+              </a:lnSpc>
+              <a:spcBef>
+                <a:spcPts val="0"/>
+              </a:spcBef>
+              <a:spcAft>
+                <a:spcPts val="0"/>
+              </a:spcAft>
+              <a:buSzPts val="1300"/>
+              <a:buChar char="●"/>
+              <a:defRPr sz="1300"/>
+            </a:lvl7pPr>
+            <a:lvl8pPr marL="4356100" marR="0" lvl="7" indent="-285750" algn="l" rtl="0">
+              <a:lnSpc>
+                <a:spcPct val="93000"/>
+              </a:lnSpc>
+              <a:spcBef>
+                <a:spcPts val="0"/>
+              </a:spcBef>
+              <a:spcAft>
+                <a:spcPts val="0"/>
+              </a:spcAft>
+              <a:buSzPts val="1300"/>
+              <a:buChar char="○"/>
+              <a:defRPr sz="1300"/>
+            </a:lvl8pPr>
+            <a:lvl9pPr marL="6019800" marR="0" lvl="8" indent="-298450" algn="l" rtl="0">
+              <a:lnSpc>
+                <a:spcPct val="93000"/>
+              </a:lnSpc>
+              <a:spcBef>
+                <a:spcPts val="0"/>
+              </a:spcBef>
+              <a:spcAft>
+                <a:spcPts val="0"/>
+              </a:spcAft>
+              <a:buSzPts val="1300"/>
+              <a:buChar char="■"/>
+              <a:defRPr sz="1300"/>
+            </a:lvl9pPr>
+          </a:lstStyle>
+          <a:p>
+            <a:pPr indent="0">
+              <a:buNone/>
+            </a:pPr>
+            <a:r>
+              <a:rPr lang="it-IT" sz="3000" dirty="0">
+                <a:solidFill>
+                  <a:srgbClr val="FFFFFF"/>
+                </a:solidFill>
+                <a:latin typeface="Segoe UI"/>
+              </a:rPr>
+              <a:t>First and </a:t>
+            </a:r>
+            <a:r>
+              <a:rPr lang="it-IT" sz="3000" dirty="0" err="1">
+                <a:solidFill>
+                  <a:srgbClr val="FFFFFF"/>
+                </a:solidFill>
+                <a:latin typeface="Segoe UI"/>
+              </a:rPr>
+              <a:t>not</a:t>
+            </a:r>
+            <a:r>
+              <a:rPr lang="it-IT" sz="3000" dirty="0">
+                <a:solidFill>
+                  <a:srgbClr val="FFFFFF"/>
+                </a:solidFill>
+                <a:latin typeface="Segoe UI"/>
+              </a:rPr>
+              <a:t> </a:t>
+            </a:r>
+            <a:r>
+              <a:rPr lang="it-IT" sz="3000" dirty="0" err="1">
+                <a:solidFill>
+                  <a:srgbClr val="FFFFFF"/>
+                </a:solidFill>
+                <a:latin typeface="Segoe UI"/>
+              </a:rPr>
+              <a:t>least</a:t>
+            </a:r>
+            <a:r>
+              <a:rPr lang="it-IT" sz="3000" dirty="0">
+                <a:solidFill>
+                  <a:srgbClr val="FFFFFF"/>
+                </a:solidFill>
+                <a:latin typeface="Segoe UI"/>
+              </a:rPr>
+              <a:t>: Mobile </a:t>
+            </a:r>
+            <a:r>
+              <a:rPr lang="it-IT" sz="3000" dirty="0" err="1">
+                <a:solidFill>
+                  <a:srgbClr val="FFFFFF"/>
+                </a:solidFill>
+                <a:latin typeface="Segoe UI"/>
+              </a:rPr>
+              <a:t>accessibility</a:t>
+            </a:r>
+            <a:endParaRPr lang="it-IT" dirty="0" err="1"/>
+          </a:p>
+        </p:txBody>
+      </p:sp>
     </p:spTree>
   </p:cSld>
   <p:clrMapOvr>
@@ -14080,88 +14249,6 @@
           <a:chExt cx="0" cy="0"/>
         </a:xfrm>
       </p:grpSpPr>
-      <p:sp>
-        <p:nvSpPr>
-          <p:cNvPr id="99" name="Shape 99">
-            <a:extLst>
-              <a:ext uri="{FF2B5EF4-FFF2-40B4-BE49-F238E27FC236}">
-                <a16:creationId xmlns:a16="http://schemas.microsoft.com/office/drawing/2014/main" id="{7A48B57C-E9BF-1080-4C6E-E130D343BBFF}"/>
-              </a:ext>
-            </a:extLst>
-          </p:cNvPr>
-          <p:cNvSpPr txBox="1">
-            <a:spLocks noGrp="1"/>
-          </p:cNvSpPr>
-          <p:nvPr>
-            <p:ph type="title" idx="4294967295"/>
-          </p:nvPr>
-        </p:nvSpPr>
-        <p:spPr>
-          <a:xfrm>
-            <a:off x="457200" y="-182567"/>
-            <a:ext cx="6750237" cy="1261540"/>
-          </a:xfrm>
-          <a:prstGeom prst="rect">
-            <a:avLst/>
-          </a:prstGeom>
-        </p:spPr>
-        <p:txBody>
-          <a:bodyPr spcFirstLastPara="1" wrap="square" lIns="82925" tIns="82925" rIns="82925" bIns="82925" anchor="ctr" anchorCtr="0">
-            <a:noAutofit/>
-          </a:bodyPr>
-          <a:lstStyle/>
-          <a:p>
-            <a:pPr indent="0">
-              <a:buNone/>
-            </a:pPr>
-            <a:r>
-              <a:rPr lang="it-IT" sz="3000" dirty="0">
-                <a:solidFill>
-                  <a:srgbClr val="FFFFFF"/>
-                </a:solidFill>
-                <a:latin typeface="Segoe UI"/>
-              </a:rPr>
-              <a:t>First and </a:t>
-            </a:r>
-            <a:r>
-              <a:rPr lang="it-IT" sz="3000" dirty="0" err="1">
-                <a:solidFill>
-                  <a:srgbClr val="FFFFFF"/>
-                </a:solidFill>
-                <a:latin typeface="Segoe UI"/>
-              </a:rPr>
-              <a:t>not</a:t>
-            </a:r>
-            <a:r>
-              <a:rPr lang="it-IT" sz="3000" dirty="0">
-                <a:solidFill>
-                  <a:srgbClr val="FFFFFF"/>
-                </a:solidFill>
-                <a:latin typeface="Segoe UI"/>
-              </a:rPr>
-              <a:t> </a:t>
-            </a:r>
-            <a:r>
-              <a:rPr lang="it-IT" sz="3000" dirty="0" err="1">
-                <a:solidFill>
-                  <a:srgbClr val="FFFFFF"/>
-                </a:solidFill>
-                <a:latin typeface="Segoe UI"/>
-              </a:rPr>
-              <a:t>least</a:t>
-            </a:r>
-            <a:r>
-              <a:rPr lang="it-IT" sz="3000" dirty="0">
-                <a:solidFill>
-                  <a:srgbClr val="FFFFFF"/>
-                </a:solidFill>
-                <a:latin typeface="Segoe UI"/>
-              </a:rPr>
-              <a:t>: Mobile challenges </a:t>
-            </a:r>
-          </a:p>
-        </p:txBody>
-      </p:sp>
       <p:sp>
         <p:nvSpPr>
           <p:cNvPr id="101" name="Shape 101">
@@ -14771,6 +14858,237 @@
           </a:p>
         </p:txBody>
       </p:sp>
+      <p:sp>
+        <p:nvSpPr>
+          <p:cNvPr id="9" name="Shape 99">
+            <a:extLst>
+              <a:ext uri="{FF2B5EF4-FFF2-40B4-BE49-F238E27FC236}">
+                <a16:creationId xmlns:a16="http://schemas.microsoft.com/office/drawing/2014/main" id="{C190D3FF-7227-259B-E7AB-7821A472E8F7}"/>
+              </a:ext>
+            </a:extLst>
+          </p:cNvPr>
+          <p:cNvSpPr txBox="1">
+            <a:spLocks/>
+          </p:cNvSpPr>
+          <p:nvPr/>
+        </p:nvSpPr>
+        <p:spPr>
+          <a:xfrm>
+            <a:off x="457200" y="-182567"/>
+            <a:ext cx="6817310" cy="1210142"/>
+          </a:xfrm>
+          <a:prstGeom prst="rect">
+            <a:avLst/>
+          </a:prstGeom>
+          <a:noFill/>
+          <a:ln>
+            <a:noFill/>
+          </a:ln>
+        </p:spPr>
+        <p:txBody>
+          <a:bodyPr spcFirstLastPara="1" wrap="square" lIns="82925" tIns="82925" rIns="82925" bIns="82925" anchor="ctr" anchorCtr="0">
+            <a:noAutofit/>
+          </a:bodyPr>
+          <a:lstStyle>
+            <a:defPPr marR="0" lvl="0" algn="l" rtl="0">
+              <a:lnSpc>
+                <a:spcPct val="100000"/>
+              </a:lnSpc>
+              <a:spcBef>
+                <a:spcPts val="0"/>
+              </a:spcBef>
+              <a:spcAft>
+                <a:spcPts val="0"/>
+              </a:spcAft>
+            </a:defPPr>
+            <a:lvl1pPr marL="0" marR="0" lvl="0" indent="-82550" algn="l" rtl="0" eaLnBrk="1" hangingPunct="1">
+              <a:lnSpc>
+                <a:spcPct val="93000"/>
+              </a:lnSpc>
+              <a:spcBef>
+                <a:spcPts val="0"/>
+              </a:spcBef>
+              <a:spcAft>
+                <a:spcPts val="0"/>
+              </a:spcAft>
+              <a:buSzPts val="1300"/>
+              <a:buChar char="●"/>
+              <a:defRPr sz="1300" b="0" i="0" u="none" strike="noStrike" cap="none">
+                <a:solidFill>
+                  <a:srgbClr val="000000"/>
+                </a:solidFill>
+                <a:latin typeface="Arial"/>
+                <a:ea typeface="Arial"/>
+                <a:cs typeface="Arial"/>
+                <a:sym typeface="Arial"/>
+              </a:defRPr>
+            </a:lvl1pPr>
+            <a:lvl2pPr marL="673100" marR="0" lvl="1" indent="-336550" algn="l" rtl="0">
+              <a:lnSpc>
+                <a:spcPct val="93000"/>
+              </a:lnSpc>
+              <a:spcBef>
+                <a:spcPts val="0"/>
+              </a:spcBef>
+              <a:spcAft>
+                <a:spcPts val="0"/>
+              </a:spcAft>
+              <a:buSzPts val="1300"/>
+              <a:buChar char="○"/>
+              <a:defRPr sz="1300"/>
+            </a:lvl2pPr>
+            <a:lvl3pPr marL="1041400" marR="0" lvl="2" indent="-298450" algn="l" rtl="0">
+              <a:lnSpc>
+                <a:spcPct val="93000"/>
+              </a:lnSpc>
+              <a:spcBef>
+                <a:spcPts val="0"/>
+              </a:spcBef>
+              <a:spcAft>
+                <a:spcPts val="0"/>
+              </a:spcAft>
+              <a:buSzPts val="1300"/>
+              <a:buChar char="■"/>
+              <a:defRPr sz="1300"/>
+            </a:lvl3pPr>
+            <a:lvl4pPr marL="1447800" marR="0" lvl="3" indent="-285750" algn="l" rtl="0">
+              <a:lnSpc>
+                <a:spcPct val="93000"/>
+              </a:lnSpc>
+              <a:spcBef>
+                <a:spcPts val="0"/>
+              </a:spcBef>
+              <a:spcAft>
+                <a:spcPts val="0"/>
+              </a:spcAft>
+              <a:buSzPts val="1300"/>
+              <a:buChar char="●"/>
+              <a:defRPr sz="1300"/>
+            </a:lvl4pPr>
+            <a:lvl5pPr marL="1866900" marR="0" lvl="4" indent="-285750" algn="l" rtl="0">
+              <a:lnSpc>
+                <a:spcPct val="93000"/>
+              </a:lnSpc>
+              <a:spcBef>
+                <a:spcPts val="0"/>
+              </a:spcBef>
+              <a:spcAft>
+                <a:spcPts val="0"/>
+              </a:spcAft>
+              <a:buSzPts val="1300"/>
+              <a:buChar char="○"/>
+              <a:defRPr sz="1300"/>
+            </a:lvl5pPr>
+            <a:lvl6pPr marL="2286000" marR="0" lvl="5" indent="-298450" algn="l" rtl="0">
+              <a:lnSpc>
+                <a:spcPct val="93000"/>
+              </a:lnSpc>
+              <a:spcBef>
+                <a:spcPts val="0"/>
+              </a:spcBef>
+              <a:spcAft>
+                <a:spcPts val="0"/>
+              </a:spcAft>
+              <a:buSzPts val="1300"/>
+              <a:buChar char="■"/>
+              <a:defRPr sz="1300"/>
+            </a:lvl6pPr>
+            <a:lvl7pPr marL="3111500" marR="0" lvl="6" indent="-285750" algn="l" rtl="0">
+              <a:lnSpc>
+                <a:spcPct val="93000"/>
+              </a:lnSpc>
+              <a:spcBef>
+                <a:spcPts val="0"/>
+              </a:spcBef>
+              <a:spcAft>
+                <a:spcPts val="0"/>
+              </a:spcAft>
+              <a:buSzPts val="1300"/>
+              <a:buChar char="●"/>
+              <a:defRPr sz="1300"/>
+            </a:lvl7pPr>
+            <a:lvl8pPr marL="4356100" marR="0" lvl="7" indent="-285750" algn="l" rtl="0">
+              <a:lnSpc>
+                <a:spcPct val="93000"/>
+              </a:lnSpc>
+              <a:spcBef>
+                <a:spcPts val="0"/>
+              </a:spcBef>
+              <a:spcAft>
+                <a:spcPts val="0"/>
+              </a:spcAft>
+              <a:buSzPts val="1300"/>
+              <a:buChar char="○"/>
+              <a:defRPr sz="1300"/>
+            </a:lvl8pPr>
+            <a:lvl9pPr marL="6019800" marR="0" lvl="8" indent="-298450" algn="l" rtl="0">
+              <a:lnSpc>
+                <a:spcPct val="93000"/>
+              </a:lnSpc>
+              <a:spcBef>
+                <a:spcPts val="0"/>
+              </a:spcBef>
+              <a:spcAft>
+                <a:spcPts val="0"/>
+              </a:spcAft>
+              <a:buSzPts val="1300"/>
+              <a:buChar char="■"/>
+              <a:defRPr sz="1300"/>
+            </a:lvl9pPr>
+          </a:lstStyle>
+          <a:p>
+            <a:pPr indent="0">
+              <a:buNone/>
+            </a:pPr>
+            <a:r>
+              <a:rPr lang="it-IT" sz="3000" dirty="0">
+                <a:solidFill>
+                  <a:srgbClr val="FFFFFF"/>
+                </a:solidFill>
+                <a:latin typeface="Segoe UI"/>
+              </a:rPr>
+              <a:t>First and </a:t>
+            </a:r>
+            <a:r>
+              <a:rPr lang="it-IT" sz="3000" dirty="0" err="1">
+                <a:solidFill>
+                  <a:srgbClr val="FFFFFF"/>
+                </a:solidFill>
+                <a:latin typeface="Segoe UI"/>
+              </a:rPr>
+              <a:t>not</a:t>
+            </a:r>
+            <a:r>
+              <a:rPr lang="it-IT" sz="3000" dirty="0">
+                <a:solidFill>
+                  <a:srgbClr val="FFFFFF"/>
+                </a:solidFill>
+                <a:latin typeface="Segoe UI"/>
+              </a:rPr>
+              <a:t> </a:t>
+            </a:r>
+            <a:r>
+              <a:rPr lang="it-IT" sz="3000" dirty="0" err="1">
+                <a:solidFill>
+                  <a:srgbClr val="FFFFFF"/>
+                </a:solidFill>
+                <a:latin typeface="Segoe UI"/>
+              </a:rPr>
+              <a:t>least</a:t>
+            </a:r>
+            <a:r>
+              <a:rPr lang="it-IT" sz="3000" dirty="0">
+                <a:solidFill>
+                  <a:srgbClr val="FFFFFF"/>
+                </a:solidFill>
+                <a:latin typeface="Segoe UI"/>
+              </a:rPr>
+              <a:t>: Mobile challenges</a:t>
+            </a:r>
+            <a:endParaRPr lang="it-IT" dirty="0"/>
+          </a:p>
+        </p:txBody>
+      </p:sp>
     </p:spTree>
     <p:extLst>
       <p:ext uri="{BB962C8B-B14F-4D97-AF65-F5344CB8AC3E}">
@@ -15807,7 +16125,7 @@
         <p:spPr>
           <a:xfrm>
             <a:off x="453650" y="962003"/>
-            <a:ext cx="5527553" cy="5632311"/>
+            <a:ext cx="5527553" cy="5324535"/>
           </a:xfrm>
           <a:prstGeom prst="rect">
             <a:avLst/>
@@ -15882,7 +16200,7 @@
               <a:t> </a:t>
             </a:r>
             <a:r>
-              <a:rPr lang="it-IT" sz="2000" err="1">
+              <a:rPr lang="it-IT" sz="2000" dirty="0" err="1">
                 <a:latin typeface="Segoe UI"/>
               </a:rPr>
               <a:t>TalkBack</a:t>
@@ -15891,17 +16209,8 @@
               <a:rPr lang="it-IT" sz="2000" dirty="0">
                 <a:latin typeface="Segoe UI"/>
               </a:rPr>
-              <a:t>, Switch Access, Keyboard </a:t>
-            </a:r>
-            <a:r>
-              <a:rPr lang="it-IT" sz="2000" err="1">
-                <a:latin typeface="Segoe UI"/>
-              </a:rPr>
-              <a:t>navigation</a:t>
-            </a:r>
-            <a:endParaRPr lang="it-IT">
-              <a:latin typeface="Segoe UI"/>
-            </a:endParaRPr>
+              <a:t>, Switch Access</a:t>
+            </a:r>
           </a:p>
           <a:p>
             <a:pPr marL="285750" indent="-285750" algn="just">

--- a/Thesis Presentation/Presentation Gabriel Rovesti.pptx
+++ b/Thesis Presentation/Presentation Gabriel Rovesti.pptx
@@ -261,7 +261,7 @@
 <p1510:revInfo xmlns:a="http://schemas.openxmlformats.org/drawingml/2006/main" xmlns:r="http://schemas.openxmlformats.org/officeDocument/2006/relationships" xmlns:p1510="http://schemas.microsoft.com/office/powerpoint/2015/10/main">
   <p1510:revLst>
     <p1510:client id="{1D759D07-F260-6530-72C1-4EC9929CCA64}" v="158" dt="2025-07-09T14:45:12.816"/>
-    <p1510:client id="{41ACB71F-2355-3F93-36AD-B2AF0FA0873D}" v="85" dt="2025-07-11T12:59:37.305"/>
+    <p1510:client id="{41ACB71F-2355-3F93-36AD-B2AF0FA0873D}" v="171" dt="2025-07-11T14:08:44.190"/>
   </p1510:revLst>
 </p1510:revInfo>
 </file>
@@ -9876,7 +9876,7 @@
                 </a:solidFill>
                 <a:latin typeface="Segoe UI"/>
               </a:rPr>
-              <a:t>10/17</a:t>
+              <a:t>10/16</a:t>
             </a:r>
             <a:endParaRPr lang="it-IT" dirty="0">
               <a:solidFill>
@@ -10659,7 +10659,7 @@
                 </a:solidFill>
                 <a:latin typeface="Segoe UI"/>
               </a:rPr>
-              <a:t>11/17</a:t>
+              <a:t>11/16</a:t>
             </a:r>
             <a:endParaRPr lang="it-IT" dirty="0">
               <a:solidFill>
@@ -11396,7 +11396,7 @@
                 </a:solidFill>
                 <a:latin typeface="Segoe UI"/>
               </a:rPr>
-              <a:t>12/17</a:t>
+              <a:t>12/16</a:t>
             </a:r>
             <a:endParaRPr lang="it-IT" dirty="0">
               <a:solidFill>
@@ -11872,7 +11872,7 @@
                 </a:solidFill>
                 <a:latin typeface="Segoe UI"/>
               </a:rPr>
-              <a:t>14/17</a:t>
+              <a:t>13/16</a:t>
             </a:r>
             <a:endParaRPr lang="it-IT" dirty="0">
               <a:solidFill>
@@ -12396,7 +12396,7 @@
                 </a:solidFill>
                 <a:latin typeface="Segoe UI"/>
               </a:rPr>
-              <a:t>15/17</a:t>
+              <a:t>14/16</a:t>
             </a:r>
             <a:endParaRPr lang="it-IT" dirty="0">
               <a:solidFill>
@@ -12713,7 +12713,7 @@
                 </a:solidFill>
                 <a:latin typeface="Segoe UI"/>
               </a:rPr>
-              <a:t>16/17</a:t>
+              <a:t>15/16</a:t>
             </a:r>
             <a:endParaRPr lang="it-IT" dirty="0">
               <a:solidFill>
@@ -13136,7 +13136,7 @@
                 </a:solidFill>
                 <a:latin typeface="Segoe UI"/>
               </a:rPr>
-              <a:t>17/17</a:t>
+              <a:t>16/16</a:t>
             </a:r>
             <a:endParaRPr lang="it-IT" dirty="0">
               <a:solidFill>
@@ -13968,7 +13968,7 @@
                 </a:solidFill>
                 <a:latin typeface="Segoe UI"/>
               </a:rPr>
-              <a:t>2/17</a:t>
+              <a:t>2/16</a:t>
             </a:r>
             <a:endParaRPr lang="it-IT" dirty="0">
               <a:solidFill>
@@ -14848,7 +14848,7 @@
                 </a:solidFill>
                 <a:latin typeface="Segoe UI"/>
               </a:rPr>
-              <a:t>3/17</a:t>
+              <a:t>3/16</a:t>
             </a:r>
             <a:endParaRPr lang="it-IT" dirty="0">
               <a:solidFill>
@@ -15953,7 +15953,7 @@
                 </a:solidFill>
                 <a:latin typeface="Segoe UI"/>
               </a:rPr>
-              <a:t>4/17</a:t>
+              <a:t>4/16</a:t>
             </a:r>
             <a:endParaRPr lang="it-IT" dirty="0">
               <a:solidFill>
@@ -16735,7 +16735,7 @@
                 </a:solidFill>
                 <a:latin typeface="Segoe UI"/>
               </a:rPr>
-              <a:t>5/17</a:t>
+              <a:t>5/16</a:t>
             </a:r>
             <a:endParaRPr lang="it-IT" dirty="0">
               <a:solidFill>
@@ -17499,7 +17499,7 @@
                 </a:solidFill>
                 <a:latin typeface="Segoe UI"/>
               </a:rPr>
-              <a:t>6/17</a:t>
+              <a:t>6/16</a:t>
             </a:r>
             <a:endParaRPr lang="it-IT" dirty="0">
               <a:solidFill>
@@ -18427,7 +18427,7 @@
                 </a:solidFill>
                 <a:latin typeface="Segoe UI"/>
               </a:rPr>
-              <a:t>7/17</a:t>
+              <a:t>7/16</a:t>
             </a:r>
             <a:endParaRPr lang="it-IT" dirty="0">
               <a:solidFill>
@@ -19036,7 +19036,7 @@
                 </a:solidFill>
                 <a:latin typeface="Segoe UI"/>
               </a:rPr>
-              <a:t>8/17</a:t>
+              <a:t>8/16</a:t>
             </a:r>
             <a:endParaRPr lang="it-IT" dirty="0">
               <a:solidFill>
@@ -19387,7 +19387,7 @@
                 </a:solidFill>
                 <a:latin typeface="Segoe UI"/>
               </a:rPr>
-              <a:t>9/17</a:t>
+              <a:t>9/16</a:t>
             </a:r>
             <a:endParaRPr lang="it-IT" dirty="0">
               <a:solidFill>

--- a/Thesis Presentation/Presentation Gabriel Rovesti.pptx
+++ b/Thesis Presentation/Presentation Gabriel Rovesti.pptx
@@ -260,8 +260,7 @@
 <file path=ppt/revisionInfo.xml><?xml version="1.0" encoding="utf-8"?>
 <p1510:revInfo xmlns:a="http://schemas.openxmlformats.org/drawingml/2006/main" xmlns:r="http://schemas.openxmlformats.org/officeDocument/2006/relationships" xmlns:p1510="http://schemas.microsoft.com/office/powerpoint/2015/10/main">
   <p1510:revLst>
-    <p1510:client id="{1D759D07-F260-6530-72C1-4EC9929CCA64}" v="158" dt="2025-07-09T14:45:12.816"/>
-    <p1510:client id="{41ACB71F-2355-3F93-36AD-B2AF0FA0873D}" v="171" dt="2025-07-11T14:08:44.190"/>
+    <p1510:client id="{E164A9A8-989A-95FE-C26E-A04E6233DD0D}" v="429" dt="2025-07-15T14:46:15.963"/>
   </p1510:revLst>
 </p1510:revInfo>
 </file>
@@ -360,7 +359,7 @@
           <a:p>
             <a:fld id="{6469F890-3609-4E18-B68A-510CF7125ACB}" type="datetimeFigureOut">
               <a:rPr lang="it-IT" smtClean="0"/>
-              <a:t>11/07/2025</a:t>
+              <a:t>15/07/2025</a:t>
             </a:fld>
             <a:endParaRPr lang="it-IT"/>
           </a:p>
@@ -12758,9 +12757,9 @@
               <a:rPr lang="en-US" sz="2000" b="1" dirty="0">
                 <a:latin typeface="Segoe UI"/>
               </a:rPr>
-              <a:t>Critical insights:</a:t>
-            </a:r>
-            <a:endParaRPr lang="it-IT" b="1">
+              <a:t>Insights for development choice:</a:t>
+            </a:r>
+            <a:endParaRPr lang="it-IT" b="1" dirty="0">
               <a:latin typeface="Segoe UI"/>
             </a:endParaRPr>
           </a:p>
@@ -12770,22 +12769,16 @@
               <a:buChar char="•"/>
             </a:pPr>
             <a:r>
+              <a:rPr lang="en-US" sz="2000" b="1" dirty="0">
+                <a:latin typeface="Segoe UI"/>
+              </a:rPr>
+              <a:t>React Native</a:t>
+            </a:r>
+            <a:r>
               <a:rPr lang="en-US" sz="2000" dirty="0">
                 <a:latin typeface="Segoe UI"/>
               </a:rPr>
-              <a:t>Choose </a:t>
-            </a:r>
-            <a:r>
-              <a:rPr lang="en-US" sz="2000" b="1" dirty="0">
-                <a:latin typeface="Segoe UI"/>
-              </a:rPr>
-              <a:t>React Native</a:t>
-            </a:r>
-            <a:r>
-              <a:rPr lang="en-US" sz="2000" dirty="0">
-                <a:latin typeface="Segoe UI"/>
-              </a:rPr>
-              <a:t> when: Rapid development, web accessibility experience, tight deadlines</a:t>
+              <a:t> for: Rapid development, web accessibility knowledge, tight deadlines</a:t>
             </a:r>
             <a:endParaRPr lang="en-US" dirty="0"/>
           </a:p>
@@ -12795,25 +12788,18 @@
               <a:buChar char="•"/>
             </a:pPr>
             <a:r>
+              <a:rPr lang="en-US" sz="2000" b="1" dirty="0">
+                <a:latin typeface="Segoe UI"/>
+                <a:cs typeface="Segoe UI"/>
+              </a:rPr>
+              <a:t>Flutter </a:t>
+            </a:r>
+            <a:r>
               <a:rPr lang="en-US" sz="2000" dirty="0">
                 <a:latin typeface="Segoe UI"/>
                 <a:cs typeface="Segoe UI"/>
               </a:rPr>
-              <a:t>Choose </a:t>
-            </a:r>
-            <a:r>
-              <a:rPr lang="en-US" sz="2000" b="1" dirty="0">
-                <a:latin typeface="Segoe UI"/>
-                <a:cs typeface="Segoe UI"/>
-              </a:rPr>
-              <a:t>Flutter </a:t>
-            </a:r>
-            <a:r>
-              <a:rPr lang="en-US" sz="2000" dirty="0">
-                <a:latin typeface="Segoe UI"/>
-                <a:cs typeface="Segoe UI"/>
-              </a:rPr>
-              <a:t>when: Complex custom components, long-term maintenance teams, granular control</a:t>
+              <a:t>for: Complex custom components, long-term maintenance teams, granular control</a:t>
             </a:r>
             <a:endParaRPr lang="en-US" dirty="0"/>
           </a:p>
@@ -13160,8 +13146,8 @@
         </p:nvSpPr>
         <p:spPr>
           <a:xfrm>
-            <a:off x="317734" y="961109"/>
-            <a:ext cx="8764545" cy="3170099"/>
+            <a:off x="180023" y="961109"/>
+            <a:ext cx="9191448" cy="2862322"/>
           </a:xfrm>
           <a:prstGeom prst="rect">
             <a:avLst/>
@@ -13227,19 +13213,6 @@
             <a:endParaRPr lang="en-US" dirty="0"/>
           </a:p>
           <a:p>
-            <a:pPr marL="800100" lvl="1" indent="-342900">
-              <a:buFont typeface="Courier New"/>
-              <a:buChar char="o"/>
-            </a:pPr>
-            <a:r>
-              <a:rPr lang="en-US" sz="2000" dirty="0">
-                <a:latin typeface="Segoe UI"/>
-              </a:rPr>
-              <a:t>45% implementation overhead reduction with React Native</a:t>
-            </a:r>
-            <a:endParaRPr lang="en-US" dirty="0"/>
-          </a:p>
-          <a:p>
             <a:pPr marL="342900" indent="-342900">
               <a:buFont typeface="Arial"/>
               <a:buChar char="•"/>
@@ -13298,9 +13271,9 @@
               <a:rPr lang="en-US" sz="2000" dirty="0">
                 <a:latin typeface="Segoe UI"/>
               </a:rPr>
-              <a:t>: Both achieve 100% WCAG compliance with proper implementation </a:t>
-            </a:r>
-            <a:endParaRPr lang="en-US">
+              <a:t>: Both achieve 85-90% WCAG compliance with proper implementation </a:t>
+            </a:r>
+            <a:endParaRPr lang="en-US" dirty="0">
               <a:latin typeface="Segoe UI"/>
             </a:endParaRPr>
           </a:p>
@@ -13472,7 +13445,7 @@
         <p:spPr>
           <a:xfrm>
             <a:off x="453650" y="1099713"/>
-            <a:ext cx="8061432" cy="2554545"/>
+            <a:ext cx="8061432" cy="2862322"/>
           </a:xfrm>
           <a:prstGeom prst="rect">
             <a:avLst/>
@@ -13751,21 +13724,36 @@
               <a:rPr lang="it-IT" sz="2000" dirty="0">
                 <a:latin typeface="Segoe UI"/>
               </a:rPr>
-              <a:t> for assistive </a:t>
+              <a:t>: small screens, </a:t>
             </a:r>
             <a:r>
               <a:rPr lang="it-IT" sz="2000" dirty="0" err="1">
                 <a:latin typeface="Segoe UI"/>
               </a:rPr>
-              <a:t>technology</a:t>
+              <a:t>orientation</a:t>
             </a:r>
             <a:r>
               <a:rPr lang="it-IT" sz="2000" dirty="0">
                 <a:latin typeface="Segoe UI"/>
               </a:rPr>
-              <a:t> users</a:t>
-            </a:r>
-            <a:endParaRPr lang="it-IT" dirty="0">
+              <a:t> </a:t>
+            </a:r>
+            <a:r>
+              <a:rPr lang="it-IT" sz="2000" dirty="0" err="1">
+                <a:latin typeface="Segoe UI"/>
+              </a:rPr>
+              <a:t>changes</a:t>
+            </a:r>
+            <a:r>
+              <a:rPr lang="it-IT" sz="2000" dirty="0">
+                <a:latin typeface="Segoe UI"/>
+              </a:rPr>
+              <a:t>, performances impact</a:t>
+            </a:r>
+          </a:p>
+          <a:p>
+            <a:pPr marL="457200" lvl="1" algn="just"/>
+            <a:endParaRPr lang="it-IT" sz="2000" dirty="0">
               <a:latin typeface="Segoe UI"/>
             </a:endParaRPr>
           </a:p>
@@ -15250,7 +15238,7 @@
         <p:spPr>
           <a:xfrm>
             <a:off x="453650" y="969267"/>
-            <a:ext cx="5597921" cy="5493022"/>
+            <a:ext cx="5597921" cy="5355312"/>
           </a:xfrm>
           <a:prstGeom prst="rect">
             <a:avLst/>
@@ -15688,25 +15676,37 @@
               <a:rPr lang="it-IT" sz="1800" dirty="0">
                 <a:latin typeface="Segoe UI"/>
               </a:rPr>
-              <a:t> Mobile developers </a:t>
+              <a:t> </a:t>
             </a:r>
             <a:r>
               <a:rPr lang="it-IT" sz="1800" dirty="0" err="1">
                 <a:latin typeface="Segoe UI"/>
               </a:rPr>
-              <a:t>lack</a:t>
+              <a:t>Lack</a:t>
             </a:r>
             <a:r>
               <a:rPr lang="it-IT" sz="1800" dirty="0">
                 <a:latin typeface="Segoe UI"/>
               </a:rPr>
+              <a:t> of </a:t>
+            </a:r>
+            <a:r>
+              <a:rPr lang="it-IT" sz="1800" dirty="0" err="1">
+                <a:latin typeface="Segoe UI"/>
+              </a:rPr>
+              <a:t>comprehensive</a:t>
+            </a:r>
+            <a:r>
+              <a:rPr lang="it-IT" sz="1800" dirty="0">
+                <a:latin typeface="Segoe UI"/>
+              </a:rPr>
               <a:t> </a:t>
             </a:r>
             <a:r>
               <a:rPr lang="it-IT" sz="1800" dirty="0" err="1">
                 <a:latin typeface="Segoe UI"/>
               </a:rPr>
-              <a:t>comprehensive</a:t>
+              <a:t>accessibility</a:t>
             </a:r>
             <a:r>
               <a:rPr lang="it-IT" sz="1800" dirty="0">
@@ -15718,35 +15718,32 @@
               <a:rPr lang="it-IT" sz="1800" dirty="0" err="1">
                 <a:latin typeface="Segoe UI"/>
               </a:rPr>
-              <a:t>accessibility</a:t>
+              <a:t>implementation</a:t>
             </a:r>
             <a:r>
               <a:rPr lang="it-IT" sz="1800" dirty="0">
                 <a:latin typeface="Segoe UI"/>
               </a:rPr>
-              <a:t> </a:t>
+              <a:t>, </a:t>
             </a:r>
             <a:r>
               <a:rPr lang="it-IT" sz="1800" dirty="0" err="1">
                 <a:latin typeface="Segoe UI"/>
               </a:rPr>
-              <a:t>implementation</a:t>
+              <a:t>mostly</a:t>
             </a:r>
             <a:r>
               <a:rPr lang="it-IT" sz="1800" dirty="0">
                 <a:latin typeface="Segoe UI"/>
               </a:rPr>
-              <a:t> </a:t>
+              <a:t> web-</a:t>
             </a:r>
             <a:r>
               <a:rPr lang="it-IT" sz="1800" dirty="0" err="1">
                 <a:latin typeface="Segoe UI"/>
               </a:rPr>
-              <a:t>guidance</a:t>
-            </a:r>
-            <a:endParaRPr lang="it-IT">
-              <a:latin typeface="Segoe UI"/>
-            </a:endParaRPr>
+              <a:t>focused</a:t>
+            </a:r>
           </a:p>
           <a:p>
             <a:pPr algn="just"/>
@@ -17300,7 +17297,7 @@
               <a:rPr lang="it-IT" sz="2000" b="1" dirty="0">
                 <a:latin typeface="Segoe UI"/>
               </a:rPr>
-              <a:t>Educational </a:t>
+              <a:t>Developer-first educational </a:t>
             </a:r>
             <a:r>
               <a:rPr lang="it-IT" sz="2000" b="1" dirty="0" err="1">

--- a/Thesis Presentation/Presentation Gabriel Rovesti.pptx
+++ b/Thesis Presentation/Presentation Gabriel Rovesti.pptx
@@ -14,13 +14,13 @@
   <p:sldIdLst>
     <p:sldId id="256" r:id="rId3"/>
     <p:sldId id="257" r:id="rId4"/>
-    <p:sldId id="260" r:id="rId5"/>
-    <p:sldId id="258" r:id="rId6"/>
-    <p:sldId id="259" r:id="rId7"/>
-    <p:sldId id="261" r:id="rId8"/>
-    <p:sldId id="262" r:id="rId9"/>
-    <p:sldId id="263" r:id="rId10"/>
-    <p:sldId id="271" r:id="rId11"/>
+    <p:sldId id="258" r:id="rId5"/>
+    <p:sldId id="259" r:id="rId6"/>
+    <p:sldId id="261" r:id="rId7"/>
+    <p:sldId id="262" r:id="rId8"/>
+    <p:sldId id="263" r:id="rId9"/>
+    <p:sldId id="271" r:id="rId10"/>
+    <p:sldId id="273" r:id="rId11"/>
     <p:sldId id="272" r:id="rId12"/>
     <p:sldId id="264" r:id="rId13"/>
     <p:sldId id="267" r:id="rId14"/>
@@ -260,6 +260,8 @@
 <file path=ppt/revisionInfo.xml><?xml version="1.0" encoding="utf-8"?>
 <p1510:revInfo xmlns:a="http://schemas.openxmlformats.org/drawingml/2006/main" xmlns:r="http://schemas.openxmlformats.org/officeDocument/2006/relationships" xmlns:p1510="http://schemas.microsoft.com/office/powerpoint/2015/10/main">
   <p1510:revLst>
+    <p1510:client id="{41AFE373-BDC1-3135-2FEB-41F7888ACE60}" v="976" dt="2025-07-16T17:18:33.846"/>
+    <p1510:client id="{BCB4DB06-B24F-4560-B73E-F8C78F875223}" v="329" dt="2025-07-16T17:48:42.071"/>
     <p1510:client id="{E164A9A8-989A-95FE-C26E-A04E6233DD0D}" v="429" dt="2025-07-15T14:46:15.963"/>
   </p1510:revLst>
 </p1510:revInfo>
@@ -359,7 +361,7 @@
           <a:p>
             <a:fld id="{6469F890-3609-4E18-B68A-510CF7125ACB}" type="datetimeFigureOut">
               <a:rPr lang="it-IT" smtClean="0"/>
-              <a:t>15/07/2025</a:t>
+              <a:t>16/07/2025</a:t>
             </a:fld>
             <a:endParaRPr lang="it-IT"/>
           </a:p>
@@ -1863,133 +1865,6 @@
         <p:cNvPr id="1" name="Shape 95">
           <a:extLst>
             <a:ext uri="{FF2B5EF4-FFF2-40B4-BE49-F238E27FC236}">
-              <a16:creationId xmlns:a16="http://schemas.microsoft.com/office/drawing/2014/main" id="{7DD2CE83-6DE6-2785-B018-A0C36CDF560E}"/>
-            </a:ext>
-          </a:extLst>
-        </p:cNvPr>
-        <p:cNvGrpSpPr/>
-        <p:nvPr/>
-      </p:nvGrpSpPr>
-      <p:grpSpPr>
-        <a:xfrm>
-          <a:off x="0" y="0"/>
-          <a:ext cx="0" cy="0"/>
-          <a:chOff x="0" y="0"/>
-          <a:chExt cx="0" cy="0"/>
-        </a:xfrm>
-      </p:grpSpPr>
-      <p:sp>
-        <p:nvSpPr>
-          <p:cNvPr id="96" name="Shape 96">
-            <a:extLst>
-              <a:ext uri="{FF2B5EF4-FFF2-40B4-BE49-F238E27FC236}">
-                <a16:creationId xmlns:a16="http://schemas.microsoft.com/office/drawing/2014/main" id="{DA54BA9D-1871-7FE5-BC43-A15DC3F60FF4}"/>
-              </a:ext>
-            </a:extLst>
-          </p:cNvPr>
-          <p:cNvSpPr>
-            <a:spLocks noGrp="1" noRot="1" noChangeAspect="1"/>
-          </p:cNvSpPr>
-          <p:nvPr>
-            <p:ph type="sldImg" idx="2"/>
-          </p:nvPr>
-        </p:nvSpPr>
-        <p:spPr>
-          <a:xfrm>
-            <a:off x="1143000" y="685800"/>
-            <a:ext cx="4572000" cy="3429000"/>
-          </a:xfrm>
-          <a:custGeom>
-            <a:avLst/>
-            <a:gdLst/>
-            <a:ahLst/>
-            <a:cxnLst/>
-            <a:rect l="0" t="0" r="0" b="0"/>
-            <a:pathLst>
-              <a:path w="120000" h="120000" extrusionOk="0">
-                <a:moveTo>
-                  <a:pt x="0" y="0"/>
-                </a:moveTo>
-                <a:lnTo>
-                  <a:pt x="120000" y="0"/>
-                </a:lnTo>
-                <a:lnTo>
-                  <a:pt x="120000" y="120000"/>
-                </a:lnTo>
-                <a:lnTo>
-                  <a:pt x="0" y="120000"/>
-                </a:lnTo>
-                <a:close/>
-              </a:path>
-            </a:pathLst>
-          </a:custGeom>
-        </p:spPr>
-      </p:sp>
-      <p:sp>
-        <p:nvSpPr>
-          <p:cNvPr id="97" name="Shape 97">
-            <a:extLst>
-              <a:ext uri="{FF2B5EF4-FFF2-40B4-BE49-F238E27FC236}">
-                <a16:creationId xmlns:a16="http://schemas.microsoft.com/office/drawing/2014/main" id="{69055C14-C612-95EA-0263-2757E578D06C}"/>
-              </a:ext>
-            </a:extLst>
-          </p:cNvPr>
-          <p:cNvSpPr txBox="1">
-            <a:spLocks noGrp="1"/>
-          </p:cNvSpPr>
-          <p:nvPr>
-            <p:ph type="body" idx="1"/>
-          </p:nvPr>
-        </p:nvSpPr>
-        <p:spPr>
-          <a:xfrm>
-            <a:off x="685800" y="4343400"/>
-            <a:ext cx="5486400" cy="4114800"/>
-          </a:xfrm>
-          <a:prstGeom prst="rect">
-            <a:avLst/>
-          </a:prstGeom>
-        </p:spPr>
-        <p:txBody>
-          <a:bodyPr spcFirstLastPara="1" wrap="square" lIns="91425" tIns="91425" rIns="91425" bIns="91425" anchor="t" anchorCtr="0">
-            <a:noAutofit/>
-          </a:bodyPr>
-          <a:lstStyle/>
-          <a:p>
-            <a:pPr marL="0" lvl="0" indent="0" rtl="0">
-              <a:spcBef>
-                <a:spcPts val="0"/>
-              </a:spcBef>
-              <a:spcAft>
-                <a:spcPts val="0"/>
-              </a:spcAft>
-              <a:buNone/>
-            </a:pPr>
-            <a:endParaRPr dirty="0"/>
-          </a:p>
-        </p:txBody>
-      </p:sp>
-    </p:spTree>
-    <p:extLst>
-      <p:ext uri="{BB962C8B-B14F-4D97-AF65-F5344CB8AC3E}">
-        <p14:creationId xmlns:p14="http://schemas.microsoft.com/office/powerpoint/2010/main" val="2251101664"/>
-      </p:ext>
-    </p:extLst>
-  </p:cSld>
-  <p:clrMapOvr>
-    <a:masterClrMapping/>
-  </p:clrMapOvr>
-</p:notes>
-</file>
-
-<file path=ppt/notesSlides/notesSlide4.xml><?xml version="1.0" encoding="utf-8"?>
-<p:notes xmlns:a="http://schemas.openxmlformats.org/drawingml/2006/main" xmlns:r="http://schemas.openxmlformats.org/officeDocument/2006/relationships" xmlns:p="http://schemas.openxmlformats.org/presentationml/2006/main" showMasterSp="0" showMasterPhAnim="0">
-  <p:cSld>
-    <p:spTree>
-      <p:nvGrpSpPr>
-        <p:cNvPr id="1" name="Shape 95">
-          <a:extLst>
-            <a:ext uri="{FF2B5EF4-FFF2-40B4-BE49-F238E27FC236}">
               <a16:creationId xmlns:a16="http://schemas.microsoft.com/office/drawing/2014/main" id="{0635C6F3-70C6-DFE0-A8C8-6D858F46493D}"/>
             </a:ext>
           </a:extLst>
@@ -2109,7 +1984,7 @@
 </p:notes>
 </file>
 
-<file path=ppt/notesSlides/notesSlide5.xml><?xml version="1.0" encoding="utf-8"?>
+<file path=ppt/notesSlides/notesSlide4.xml><?xml version="1.0" encoding="utf-8"?>
 <p:notes xmlns:a="http://schemas.openxmlformats.org/drawingml/2006/main" xmlns:r="http://schemas.openxmlformats.org/officeDocument/2006/relationships" xmlns:p="http://schemas.openxmlformats.org/presentationml/2006/main" showMasterSp="0" showMasterPhAnim="0">
   <p:cSld>
     <p:spTree>
@@ -2236,7 +2111,7 @@
 </p:notes>
 </file>
 
-<file path=ppt/notesSlides/notesSlide6.xml><?xml version="1.0" encoding="utf-8"?>
+<file path=ppt/notesSlides/notesSlide5.xml><?xml version="1.0" encoding="utf-8"?>
 <p:notes xmlns:a="http://schemas.openxmlformats.org/drawingml/2006/main" xmlns:r="http://schemas.openxmlformats.org/officeDocument/2006/relationships" xmlns:p="http://schemas.openxmlformats.org/presentationml/2006/main" showMasterSp="0" showMasterPhAnim="0">
   <p:cSld>
     <p:spTree>
@@ -2363,7 +2238,7 @@
 </p:notes>
 </file>
 
-<file path=ppt/notesSlides/notesSlide7.xml><?xml version="1.0" encoding="utf-8"?>
+<file path=ppt/notesSlides/notesSlide6.xml><?xml version="1.0" encoding="utf-8"?>
 <p:notes xmlns:a="http://schemas.openxmlformats.org/drawingml/2006/main" xmlns:r="http://schemas.openxmlformats.org/officeDocument/2006/relationships" xmlns:p="http://schemas.openxmlformats.org/presentationml/2006/main" showMasterSp="0" showMasterPhAnim="0">
   <p:cSld>
     <p:spTree>
@@ -2490,7 +2365,7 @@
 </p:notes>
 </file>
 
-<file path=ppt/notesSlides/notesSlide8.xml><?xml version="1.0" encoding="utf-8"?>
+<file path=ppt/notesSlides/notesSlide7.xml><?xml version="1.0" encoding="utf-8"?>
 <p:notes xmlns:a="http://schemas.openxmlformats.org/drawingml/2006/main" xmlns:r="http://schemas.openxmlformats.org/officeDocument/2006/relationships" xmlns:p="http://schemas.openxmlformats.org/presentationml/2006/main" showMasterSp="0" showMasterPhAnim="0">
   <p:cSld>
     <p:spTree>
@@ -2617,7 +2492,7 @@
 </p:notes>
 </file>
 
-<file path=ppt/notesSlides/notesSlide9.xml><?xml version="1.0" encoding="utf-8"?>
+<file path=ppt/notesSlides/notesSlide8.xml><?xml version="1.0" encoding="utf-8"?>
 <p:notes xmlns:a="http://schemas.openxmlformats.org/drawingml/2006/main" xmlns:r="http://schemas.openxmlformats.org/officeDocument/2006/relationships" xmlns:p="http://schemas.openxmlformats.org/presentationml/2006/main" showMasterSp="0" showMasterPhAnim="0">
   <p:cSld>
     <p:spTree>
@@ -2735,6 +2610,133 @@
     <p:extLst>
       <p:ext uri="{BB962C8B-B14F-4D97-AF65-F5344CB8AC3E}">
         <p14:creationId xmlns:p14="http://schemas.microsoft.com/office/powerpoint/2010/main" val="1613955057"/>
+      </p:ext>
+    </p:extLst>
+  </p:cSld>
+  <p:clrMapOvr>
+    <a:masterClrMapping/>
+  </p:clrMapOvr>
+</p:notes>
+</file>
+
+<file path=ppt/notesSlides/notesSlide9.xml><?xml version="1.0" encoding="utf-8"?>
+<p:notes xmlns:a="http://schemas.openxmlformats.org/drawingml/2006/main" xmlns:r="http://schemas.openxmlformats.org/officeDocument/2006/relationships" xmlns:p="http://schemas.openxmlformats.org/presentationml/2006/main" showMasterSp="0" showMasterPhAnim="0">
+  <p:cSld>
+    <p:spTree>
+      <p:nvGrpSpPr>
+        <p:cNvPr id="1" name="Shape 95">
+          <a:extLst>
+            <a:ext uri="{FF2B5EF4-FFF2-40B4-BE49-F238E27FC236}">
+              <a16:creationId xmlns:a16="http://schemas.microsoft.com/office/drawing/2014/main" id="{60A45242-23A1-85CA-176A-73B6FE59B697}"/>
+            </a:ext>
+          </a:extLst>
+        </p:cNvPr>
+        <p:cNvGrpSpPr/>
+        <p:nvPr/>
+      </p:nvGrpSpPr>
+      <p:grpSpPr>
+        <a:xfrm>
+          <a:off x="0" y="0"/>
+          <a:ext cx="0" cy="0"/>
+          <a:chOff x="0" y="0"/>
+          <a:chExt cx="0" cy="0"/>
+        </a:xfrm>
+      </p:grpSpPr>
+      <p:sp>
+        <p:nvSpPr>
+          <p:cNvPr id="96" name="Shape 96">
+            <a:extLst>
+              <a:ext uri="{FF2B5EF4-FFF2-40B4-BE49-F238E27FC236}">
+                <a16:creationId xmlns:a16="http://schemas.microsoft.com/office/drawing/2014/main" id="{8B223A6B-9E22-919E-36E7-241A4EB6D3B8}"/>
+              </a:ext>
+            </a:extLst>
+          </p:cNvPr>
+          <p:cNvSpPr>
+            <a:spLocks noGrp="1" noRot="1" noChangeAspect="1"/>
+          </p:cNvSpPr>
+          <p:nvPr>
+            <p:ph type="sldImg" idx="2"/>
+          </p:nvPr>
+        </p:nvSpPr>
+        <p:spPr>
+          <a:xfrm>
+            <a:off x="1143000" y="685800"/>
+            <a:ext cx="4572000" cy="3429000"/>
+          </a:xfrm>
+          <a:custGeom>
+            <a:avLst/>
+            <a:gdLst/>
+            <a:ahLst/>
+            <a:cxnLst/>
+            <a:rect l="0" t="0" r="0" b="0"/>
+            <a:pathLst>
+              <a:path w="120000" h="120000" extrusionOk="0">
+                <a:moveTo>
+                  <a:pt x="0" y="0"/>
+                </a:moveTo>
+                <a:lnTo>
+                  <a:pt x="120000" y="0"/>
+                </a:lnTo>
+                <a:lnTo>
+                  <a:pt x="120000" y="120000"/>
+                </a:lnTo>
+                <a:lnTo>
+                  <a:pt x="0" y="120000"/>
+                </a:lnTo>
+                <a:close/>
+              </a:path>
+            </a:pathLst>
+          </a:custGeom>
+        </p:spPr>
+      </p:sp>
+      <p:sp>
+        <p:nvSpPr>
+          <p:cNvPr id="97" name="Shape 97">
+            <a:extLst>
+              <a:ext uri="{FF2B5EF4-FFF2-40B4-BE49-F238E27FC236}">
+                <a16:creationId xmlns:a16="http://schemas.microsoft.com/office/drawing/2014/main" id="{B2F31278-C246-B534-8150-6C76871C8A02}"/>
+              </a:ext>
+            </a:extLst>
+          </p:cNvPr>
+          <p:cNvSpPr txBox="1">
+            <a:spLocks noGrp="1"/>
+          </p:cNvSpPr>
+          <p:nvPr>
+            <p:ph type="body" idx="1"/>
+          </p:nvPr>
+        </p:nvSpPr>
+        <p:spPr>
+          <a:xfrm>
+            <a:off x="685800" y="4343400"/>
+            <a:ext cx="5486400" cy="4114800"/>
+          </a:xfrm>
+          <a:prstGeom prst="rect">
+            <a:avLst/>
+          </a:prstGeom>
+        </p:spPr>
+        <p:txBody>
+          <a:bodyPr spcFirstLastPara="1" wrap="square" lIns="91425" tIns="91425" rIns="91425" bIns="91425" anchor="t" anchorCtr="0">
+            <a:noAutofit/>
+          </a:bodyPr>
+          <a:lstStyle/>
+          <a:p>
+            <a:pPr marL="0" lvl="0" indent="0" rtl="0">
+              <a:spcBef>
+                <a:spcPts val="0"/>
+              </a:spcBef>
+              <a:spcAft>
+                <a:spcPts val="0"/>
+              </a:spcAft>
+              <a:buNone/>
+            </a:pPr>
+            <a:endParaRPr dirty="0"/>
+          </a:p>
+        </p:txBody>
+      </p:sp>
+    </p:spTree>
+    <p:extLst>
+      <p:ext uri="{BB962C8B-B14F-4D97-AF65-F5344CB8AC3E}">
+        <p14:creationId xmlns:p14="http://schemas.microsoft.com/office/powerpoint/2010/main" val="4085994286"/>
       </p:ext>
     </p:extLst>
   </p:cSld>
@@ -9736,13 +9738,22 @@
               <a:buNone/>
             </a:pPr>
             <a:r>
+              <a:rPr lang="it-IT" sz="3000" dirty="0">
+                <a:solidFill>
+                  <a:srgbClr val="FFFFFF"/>
+                </a:solidFill>
+                <a:latin typeface="Segoe UI"/>
+              </a:rPr>
+              <a:t>(3) </a:t>
+            </a:r>
+            <a:r>
               <a:rPr lang="it-IT" sz="3000" dirty="0" err="1">
                 <a:solidFill>
                   <a:srgbClr val="FFFFFF"/>
                 </a:solidFill>
                 <a:latin typeface="Segoe UI"/>
               </a:rPr>
-              <a:t>Systematic</a:t>
+              <a:t>Implementation</a:t>
             </a:r>
             <a:r>
               <a:rPr lang="it-IT" sz="3000" dirty="0">
@@ -9751,7 +9762,7 @@
                 </a:solidFill>
                 <a:latin typeface="Segoe UI"/>
               </a:rPr>
-              <a:t> </a:t>
+              <a:t> overhead </a:t>
             </a:r>
             <a:r>
               <a:rPr lang="it-IT" sz="3000" dirty="0" err="1">
@@ -9761,33 +9772,6 @@
                 <a:latin typeface="Segoe UI"/>
               </a:rPr>
               <a:t>analysis</a:t>
-            </a:r>
-            <a:r>
-              <a:rPr lang="it-IT" sz="3000" dirty="0">
-                <a:solidFill>
-                  <a:srgbClr val="FFFFFF"/>
-                </a:solidFill>
-                <a:latin typeface="Segoe UI"/>
-              </a:rPr>
-              <a:t> – </a:t>
-            </a:r>
-            <a:r>
-              <a:rPr lang="it-IT" sz="3000" dirty="0" err="1">
-                <a:solidFill>
-                  <a:srgbClr val="FFFFFF"/>
-                </a:solidFill>
-                <a:latin typeface="Segoe UI"/>
-              </a:rPr>
-              <a:t>Example</a:t>
-            </a:r>
-            <a:r>
-              <a:rPr lang="it-IT" sz="3000" dirty="0">
-                <a:solidFill>
-                  <a:srgbClr val="FFFFFF"/>
-                </a:solidFill>
-                <a:latin typeface="Segoe UI"/>
-              </a:rPr>
-              <a:t> (2)</a:t>
             </a:r>
             <a:endParaRPr lang="it-IT" dirty="0" err="1"/>
           </a:p>
@@ -9885,12 +9869,113 @@
           </a:p>
         </p:txBody>
       </p:sp>
+      <p:sp>
+        <p:nvSpPr>
+          <p:cNvPr id="4" name="CasellaDiTesto 3">
+            <a:extLst>
+              <a:ext uri="{FF2B5EF4-FFF2-40B4-BE49-F238E27FC236}">
+                <a16:creationId xmlns:a16="http://schemas.microsoft.com/office/drawing/2014/main" id="{F93BEF33-1711-8C99-B241-E7A9D101CF39}"/>
+              </a:ext>
+            </a:extLst>
+          </p:cNvPr>
+          <p:cNvSpPr txBox="1"/>
+          <p:nvPr/>
+        </p:nvSpPr>
+        <p:spPr>
+          <a:xfrm>
+            <a:off x="4781846" y="6482191"/>
+            <a:ext cx="3911435" cy="261610"/>
+          </a:xfrm>
+          <a:prstGeom prst="rect">
+            <a:avLst/>
+          </a:prstGeom>
+          <a:noFill/>
+        </p:spPr>
+        <p:txBody>
+          <a:bodyPr wrap="square" lIns="91440" tIns="45720" rIns="91440" bIns="45720" rtlCol="0" anchor="t">
+            <a:spAutoFit/>
+          </a:bodyPr>
+          <a:lstStyle/>
+          <a:p>
+            <a:pPr algn="r"/>
+            <a:r>
+              <a:rPr lang="it-IT" sz="1100" dirty="0">
+                <a:solidFill>
+                  <a:schemeClr val="bg1"/>
+                </a:solidFill>
+                <a:latin typeface="Segoe UI"/>
+              </a:rPr>
+              <a:t>G. </a:t>
+            </a:r>
+            <a:r>
+              <a:rPr lang="it-IT" sz="1100" err="1">
+                <a:solidFill>
+                  <a:schemeClr val="bg1"/>
+                </a:solidFill>
+                <a:latin typeface="Segoe UI"/>
+              </a:rPr>
+              <a:t>Rovesti</a:t>
+            </a:r>
+            <a:r>
+              <a:rPr lang="it-IT" sz="1100" dirty="0">
+                <a:solidFill>
+                  <a:schemeClr val="bg1"/>
+                </a:solidFill>
+                <a:latin typeface="Segoe UI"/>
+              </a:rPr>
+              <a:t> - </a:t>
+            </a:r>
+            <a:r>
+              <a:rPr lang="it-IT" sz="1100" err="1">
+                <a:solidFill>
+                  <a:schemeClr val="bg1"/>
+                </a:solidFill>
+                <a:latin typeface="Segoe UI"/>
+              </a:rPr>
+              <a:t>Designing</a:t>
+            </a:r>
+            <a:r>
+              <a:rPr lang="it-IT" sz="1100" dirty="0">
+                <a:solidFill>
+                  <a:schemeClr val="bg1"/>
+                </a:solidFill>
+                <a:latin typeface="Segoe UI"/>
+              </a:rPr>
+              <a:t> an </a:t>
+            </a:r>
+            <a:r>
+              <a:rPr lang="it-IT" sz="1100" err="1">
+                <a:solidFill>
+                  <a:schemeClr val="bg1"/>
+                </a:solidFill>
+                <a:latin typeface="Segoe UI"/>
+              </a:rPr>
+              <a:t>accessibility</a:t>
+            </a:r>
+            <a:r>
+              <a:rPr lang="it-IT" sz="1100" dirty="0">
+                <a:solidFill>
+                  <a:schemeClr val="bg1"/>
+                </a:solidFill>
+                <a:latin typeface="Segoe UI"/>
+              </a:rPr>
+              <a:t> learning toolkit</a:t>
+            </a:r>
+            <a:endParaRPr lang="it-IT" dirty="0">
+              <a:solidFill>
+                <a:schemeClr val="bg1"/>
+              </a:solidFill>
+              <a:latin typeface="Segoe UI"/>
+            </a:endParaRPr>
+          </a:p>
+        </p:txBody>
+      </p:sp>
       <p:pic>
         <p:nvPicPr>
-          <p:cNvPr id="5" name="Immagine 4" descr="Immagine che contiene testo, schermata, Carattere, numero&#10;&#10;Il contenuto generato dall&amp;#39;IA potrebbe non essere corretto.">
+          <p:cNvPr id="2" name="Immagine 1" descr="Immagine che contiene testo, schermata, numero, Carattere&#10;&#10;Il contenuto generato dall&amp;#39;IA potrebbe non essere corretto.">
             <a:extLst>
               <a:ext uri="{FF2B5EF4-FFF2-40B4-BE49-F238E27FC236}">
-                <a16:creationId xmlns:a16="http://schemas.microsoft.com/office/drawing/2014/main" id="{26072CCE-CD5A-B57F-2F1A-7A4B395B0009}"/>
+                <a16:creationId xmlns:a16="http://schemas.microsoft.com/office/drawing/2014/main" id="{CA6A82A4-C348-C570-D50D-D19E066DAB81}"/>
               </a:ext>
             </a:extLst>
           </p:cNvPr>
@@ -9907,175 +9992,14 @@
         </p:blipFill>
         <p:spPr>
           <a:xfrm>
-            <a:off x="42528" y="3583071"/>
-            <a:ext cx="4527049" cy="1670386"/>
+            <a:off x="2244307" y="1199481"/>
+            <a:ext cx="4655386" cy="4472406"/>
           </a:xfrm>
           <a:prstGeom prst="rect">
             <a:avLst/>
           </a:prstGeom>
         </p:spPr>
       </p:pic>
-      <p:pic>
-        <p:nvPicPr>
-          <p:cNvPr id="6" name="Immagine 5" descr="Immagine che contiene testo, schermata, Carattere, linea&#10;&#10;Il contenuto generato dall&amp;#39;IA potrebbe non essere corretto.">
-            <a:extLst>
-              <a:ext uri="{FF2B5EF4-FFF2-40B4-BE49-F238E27FC236}">
-                <a16:creationId xmlns:a16="http://schemas.microsoft.com/office/drawing/2014/main" id="{D5CB633E-F0AB-CF9B-3C92-B6596CD60FA7}"/>
-              </a:ext>
-            </a:extLst>
-          </p:cNvPr>
-          <p:cNvPicPr>
-            <a:picLocks noChangeAspect="1"/>
-          </p:cNvPicPr>
-          <p:nvPr/>
-        </p:nvPicPr>
-        <p:blipFill>
-          <a:blip r:embed="rId4"/>
-          <a:stretch>
-            <a:fillRect/>
-          </a:stretch>
-        </p:blipFill>
-        <p:spPr>
-          <a:xfrm>
-            <a:off x="4783722" y="3715921"/>
-            <a:ext cx="4081715" cy="1418054"/>
-          </a:xfrm>
-          <a:prstGeom prst="rect">
-            <a:avLst/>
-          </a:prstGeom>
-        </p:spPr>
-      </p:pic>
-      <p:pic>
-        <p:nvPicPr>
-          <p:cNvPr id="7" name="Immagine 6" descr="Immagine che contiene testo, schermata, Carattere, numero&#10;&#10;Il contenuto generato dall&amp;#39;IA potrebbe non essere corretto.">
-            <a:extLst>
-              <a:ext uri="{FF2B5EF4-FFF2-40B4-BE49-F238E27FC236}">
-                <a16:creationId xmlns:a16="http://schemas.microsoft.com/office/drawing/2014/main" id="{F8FFF5DA-56E1-A4D9-5533-4A72A0E3DFB2}"/>
-              </a:ext>
-            </a:extLst>
-          </p:cNvPr>
-          <p:cNvPicPr>
-            <a:picLocks noChangeAspect="1"/>
-          </p:cNvPicPr>
-          <p:nvPr/>
-        </p:nvPicPr>
-        <p:blipFill>
-          <a:blip r:embed="rId5"/>
-          <a:stretch>
-            <a:fillRect/>
-          </a:stretch>
-        </p:blipFill>
-        <p:spPr>
-          <a:xfrm>
-            <a:off x="1670468" y="958014"/>
-            <a:ext cx="5803065" cy="2321761"/>
-          </a:xfrm>
-          <a:prstGeom prst="rect">
-            <a:avLst/>
-          </a:prstGeom>
-        </p:spPr>
-      </p:pic>
-      <p:sp>
-        <p:nvSpPr>
-          <p:cNvPr id="4" name="CasellaDiTesto 3">
-            <a:extLst>
-              <a:ext uri="{FF2B5EF4-FFF2-40B4-BE49-F238E27FC236}">
-                <a16:creationId xmlns:a16="http://schemas.microsoft.com/office/drawing/2014/main" id="{F93BEF33-1711-8C99-B241-E7A9D101CF39}"/>
-              </a:ext>
-            </a:extLst>
-          </p:cNvPr>
-          <p:cNvSpPr txBox="1"/>
-          <p:nvPr/>
-        </p:nvSpPr>
-        <p:spPr>
-          <a:xfrm>
-            <a:off x="4781846" y="6482191"/>
-            <a:ext cx="3911435" cy="261610"/>
-          </a:xfrm>
-          <a:prstGeom prst="rect">
-            <a:avLst/>
-          </a:prstGeom>
-          <a:noFill/>
-        </p:spPr>
-        <p:txBody>
-          <a:bodyPr wrap="square" lIns="91440" tIns="45720" rIns="91440" bIns="45720" rtlCol="0" anchor="t">
-            <a:spAutoFit/>
-          </a:bodyPr>
-          <a:lstStyle/>
-          <a:p>
-            <a:pPr algn="r"/>
-            <a:r>
-              <a:rPr lang="it-IT" sz="1100" dirty="0">
-                <a:solidFill>
-                  <a:schemeClr val="bg1"/>
-                </a:solidFill>
-                <a:latin typeface="Segoe UI"/>
-              </a:rPr>
-              <a:t>G. </a:t>
-            </a:r>
-            <a:r>
-              <a:rPr lang="it-IT" sz="1100" err="1">
-                <a:solidFill>
-                  <a:schemeClr val="bg1"/>
-                </a:solidFill>
-                <a:latin typeface="Segoe UI"/>
-              </a:rPr>
-              <a:t>Rovesti</a:t>
-            </a:r>
-            <a:r>
-              <a:rPr lang="it-IT" sz="1100" dirty="0">
-                <a:solidFill>
-                  <a:schemeClr val="bg1"/>
-                </a:solidFill>
-                <a:latin typeface="Segoe UI"/>
-              </a:rPr>
-              <a:t> - </a:t>
-            </a:r>
-            <a:r>
-              <a:rPr lang="it-IT" sz="1100" err="1">
-                <a:solidFill>
-                  <a:schemeClr val="bg1"/>
-                </a:solidFill>
-                <a:latin typeface="Segoe UI"/>
-              </a:rPr>
-              <a:t>Designing</a:t>
-            </a:r>
-            <a:r>
-              <a:rPr lang="it-IT" sz="1100" dirty="0">
-                <a:solidFill>
-                  <a:schemeClr val="bg1"/>
-                </a:solidFill>
-                <a:latin typeface="Segoe UI"/>
-              </a:rPr>
-              <a:t> an </a:t>
-            </a:r>
-            <a:r>
-              <a:rPr lang="it-IT" sz="1100" err="1">
-                <a:solidFill>
-                  <a:schemeClr val="bg1"/>
-                </a:solidFill>
-                <a:latin typeface="Segoe UI"/>
-              </a:rPr>
-              <a:t>accessibility</a:t>
-            </a:r>
-            <a:r>
-              <a:rPr lang="it-IT" sz="1100" dirty="0">
-                <a:solidFill>
-                  <a:schemeClr val="bg1"/>
-                </a:solidFill>
-                <a:latin typeface="Segoe UI"/>
-              </a:rPr>
-              <a:t> learning toolkit</a:t>
-            </a:r>
-            <a:endParaRPr lang="it-IT" dirty="0">
-              <a:solidFill>
-                <a:schemeClr val="bg1"/>
-              </a:solidFill>
-              <a:latin typeface="Segoe UI"/>
-            </a:endParaRPr>
-          </a:p>
-        </p:txBody>
-      </p:sp>
     </p:spTree>
     <p:extLst>
       <p:ext uri="{BB962C8B-B14F-4D97-AF65-F5344CB8AC3E}">
@@ -10130,8 +10054,8 @@
         </p:nvSpPr>
         <p:spPr>
           <a:xfrm>
-            <a:off x="319489" y="-182567"/>
-            <a:ext cx="6382917" cy="1143300"/>
+            <a:off x="252647" y="-182567"/>
+            <a:ext cx="6904285" cy="1143300"/>
           </a:xfrm>
           <a:prstGeom prst="rect">
             <a:avLst/>
@@ -10154,7 +10078,7 @@
                 <a:latin typeface="Segoe UI"/>
                 <a:cs typeface="Segoe UI"/>
               </a:rPr>
-              <a:t>Accessibility </a:t>
+              <a:t>Component </a:t>
             </a:r>
             <a:r>
               <a:rPr lang="it-IT" sz="3000" dirty="0" err="1">
@@ -10174,7 +10098,7 @@
                 <a:latin typeface="Segoe UI"/>
                 <a:cs typeface="Segoe UI"/>
               </a:rPr>
-              <a:t> costs</a:t>
+              <a:t> patterns</a:t>
             </a:r>
             <a:endParaRPr lang="it-IT" dirty="0"/>
           </a:p>
@@ -10241,7 +10165,7 @@
         <p:spPr>
           <a:xfrm>
             <a:off x="315940" y="962003"/>
-            <a:ext cx="8515877" cy="5632311"/>
+            <a:ext cx="8515877" cy="5016758"/>
           </a:xfrm>
           <a:prstGeom prst="rect">
             <a:avLst/>
@@ -10274,72 +10198,95 @@
                 <a:latin typeface="Segoe UI"/>
                 <a:cs typeface="Segoe UI"/>
               </a:rPr>
-              <a:t>: Accessibility </a:t>
+              <a:t>: </a:t>
             </a:r>
             <a:r>
               <a:rPr lang="it-IT" sz="2000" dirty="0" err="1">
                 <a:latin typeface="Segoe UI"/>
-                <a:cs typeface="Segoe UI"/>
-              </a:rPr>
-              <a:t>implementation</a:t>
+              </a:rPr>
+              <a:t>Systematic</a:t>
             </a:r>
             <a:r>
               <a:rPr lang="it-IT" sz="2000" dirty="0">
                 <a:latin typeface="Segoe UI"/>
-                <a:cs typeface="Segoe UI"/>
               </a:rPr>
               <a:t> </a:t>
             </a:r>
             <a:r>
               <a:rPr lang="it-IT" sz="2000" dirty="0" err="1">
                 <a:latin typeface="Segoe UI"/>
-                <a:cs typeface="Segoe UI"/>
-              </a:rPr>
-              <a:t>requires</a:t>
+              </a:rPr>
+              <a:t>correlation</a:t>
             </a:r>
             <a:r>
               <a:rPr lang="it-IT" sz="2000" dirty="0">
                 <a:latin typeface="Segoe UI"/>
-                <a:cs typeface="Segoe UI"/>
-              </a:rPr>
-              <a:t> 12-23% </a:t>
+              </a:rPr>
+              <a:t> </a:t>
             </a:r>
             <a:r>
               <a:rPr lang="it-IT" sz="2000" dirty="0" err="1">
                 <a:latin typeface="Segoe UI"/>
-                <a:cs typeface="Segoe UI"/>
-              </a:rPr>
-              <a:t>additional</a:t>
+              </a:rPr>
+              <a:t>enables</a:t>
             </a:r>
             <a:r>
               <a:rPr lang="it-IT" sz="2000" dirty="0">
                 <a:latin typeface="Segoe UI"/>
-                <a:cs typeface="Segoe UI"/>
-              </a:rPr>
-              <a:t> code </a:t>
+              </a:rPr>
+              <a:t> </a:t>
             </a:r>
             <a:r>
               <a:rPr lang="it-IT" sz="2000" dirty="0" err="1">
                 <a:latin typeface="Segoe UI"/>
-                <a:cs typeface="Segoe UI"/>
+              </a:rPr>
+              <a:t>predictable</a:t>
+            </a:r>
+            <a:r>
+              <a:rPr lang="it-IT" sz="2000" dirty="0">
+                <a:latin typeface="Segoe UI"/>
+              </a:rPr>
+              <a:t> </a:t>
+            </a:r>
+            <a:r>
+              <a:rPr lang="it-IT" sz="2000" dirty="0" err="1">
+                <a:latin typeface="Segoe UI"/>
+              </a:rPr>
+              <a:t>accessibility</a:t>
+            </a:r>
+            <a:r>
+              <a:rPr lang="it-IT" sz="2000" dirty="0">
+                <a:latin typeface="Segoe UI"/>
+              </a:rPr>
+              <a:t> cost </a:t>
+            </a:r>
+            <a:r>
+              <a:rPr lang="it-IT" sz="2000" dirty="0" err="1">
+                <a:latin typeface="Segoe UI"/>
+              </a:rPr>
+              <a:t>estimation</a:t>
+            </a:r>
+            <a:r>
+              <a:rPr lang="it-IT" sz="2000" dirty="0">
+                <a:latin typeface="Segoe UI"/>
+              </a:rPr>
+              <a:t> </a:t>
+            </a:r>
+            <a:r>
+              <a:rPr lang="it-IT" sz="2000" dirty="0" err="1">
+                <a:latin typeface="Segoe UI"/>
               </a:rPr>
               <a:t>across</a:t>
             </a:r>
             <a:r>
               <a:rPr lang="it-IT" sz="2000" dirty="0">
                 <a:latin typeface="Segoe UI"/>
-                <a:cs typeface="Segoe UI"/>
-              </a:rPr>
-              <a:t> component </a:t>
-            </a:r>
-            <a:r>
-              <a:rPr lang="it-IT" sz="2000" dirty="0" err="1">
-                <a:latin typeface="Segoe UI"/>
-                <a:cs typeface="Segoe UI"/>
-              </a:rPr>
-              <a:t>types</a:t>
-            </a:r>
-            <a:endParaRPr lang="it-IT" dirty="0" err="1"/>
+              </a:rPr>
+              <a:t> frameworks</a:t>
+            </a:r>
+            <a:endParaRPr lang="it-IT" sz="2000">
+              <a:latin typeface="Segoe UI"/>
+            </a:endParaRPr>
           </a:p>
           <a:p>
             <a:pPr algn="just"/>
@@ -10391,220 +10338,7 @@
           </a:p>
           <a:p>
             <a:pPr algn="just"/>
-            <a:r>
-              <a:rPr lang="it-IT" sz="2000" b="1" dirty="0">
-                <a:latin typeface="Segoe UI"/>
-              </a:rPr>
-              <a:t>Critical insights:</a:t>
-            </a:r>
-            <a:endParaRPr lang="it-IT" dirty="0">
-              <a:latin typeface="Segoe UI"/>
-            </a:endParaRPr>
-          </a:p>
-          <a:p>
-            <a:pPr marL="285750" indent="-285750" algn="just">
-              <a:buFont typeface="Arial"/>
-              <a:buChar char="•"/>
-            </a:pPr>
-            <a:r>
-              <a:rPr lang="it-IT" sz="2000" b="1" err="1">
-                <a:latin typeface="Segoe UI"/>
-              </a:rPr>
-              <a:t>Even</a:t>
-            </a:r>
-            <a:r>
-              <a:rPr lang="it-IT" sz="2000" b="1" dirty="0">
-                <a:latin typeface="Segoe UI"/>
-              </a:rPr>
-              <a:t> </a:t>
-            </a:r>
-            <a:r>
-              <a:rPr lang="it-IT" sz="2000" b="1" err="1">
-                <a:latin typeface="Segoe UI"/>
-              </a:rPr>
-              <a:t>complex</a:t>
-            </a:r>
-            <a:r>
-              <a:rPr lang="it-IT" sz="2000" b="1" dirty="0">
-                <a:latin typeface="Segoe UI"/>
-              </a:rPr>
-              <a:t> </a:t>
-            </a:r>
-            <a:r>
-              <a:rPr lang="it-IT" sz="2000" b="1" err="1">
-                <a:latin typeface="Segoe UI"/>
-              </a:rPr>
-              <a:t>components</a:t>
-            </a:r>
-            <a:r>
-              <a:rPr lang="it-IT" sz="2000" b="1" dirty="0">
-                <a:latin typeface="Segoe UI"/>
-              </a:rPr>
-              <a:t> stay under 25%</a:t>
-            </a:r>
-            <a:r>
-              <a:rPr lang="it-IT" sz="2000" dirty="0">
-                <a:latin typeface="Segoe UI"/>
-              </a:rPr>
-              <a:t> </a:t>
-            </a:r>
-          </a:p>
-          <a:p>
-            <a:pPr marL="285750" indent="-285750" algn="just">
-              <a:buFont typeface="Arial"/>
-              <a:buChar char="•"/>
-            </a:pPr>
-            <a:r>
-              <a:rPr lang="it-IT" sz="2000" b="1" dirty="0" err="1">
-                <a:latin typeface="Segoe UI"/>
-              </a:rPr>
-              <a:t>Correlation</a:t>
-            </a:r>
-            <a:r>
-              <a:rPr lang="it-IT" sz="2000" dirty="0">
-                <a:latin typeface="Segoe UI"/>
-              </a:rPr>
-              <a:t> </a:t>
-            </a:r>
-            <a:r>
-              <a:rPr lang="it-IT" sz="2000" dirty="0" err="1">
-                <a:latin typeface="Segoe UI"/>
-              </a:rPr>
-              <a:t>between</a:t>
-            </a:r>
-            <a:r>
-              <a:rPr lang="it-IT" sz="2000" dirty="0">
-                <a:latin typeface="Segoe UI"/>
-              </a:rPr>
-              <a:t> interaction </a:t>
-            </a:r>
-            <a:r>
-              <a:rPr lang="it-IT" sz="2000" dirty="0" err="1">
-                <a:latin typeface="Segoe UI"/>
-              </a:rPr>
-              <a:t>complexity</a:t>
-            </a:r>
-            <a:r>
-              <a:rPr lang="it-IT" sz="2000" dirty="0">
-                <a:latin typeface="Segoe UI"/>
-              </a:rPr>
-              <a:t> and </a:t>
-            </a:r>
-            <a:r>
-              <a:rPr lang="it-IT" sz="2000" dirty="0" err="1">
-                <a:latin typeface="Segoe UI"/>
-              </a:rPr>
-              <a:t>implementation</a:t>
-            </a:r>
-            <a:r>
-              <a:rPr lang="it-IT" sz="2000" dirty="0">
-                <a:latin typeface="Segoe UI"/>
-              </a:rPr>
-              <a:t> cost</a:t>
-            </a:r>
-            <a:endParaRPr lang="it-IT" dirty="0">
-              <a:latin typeface="Segoe UI"/>
-            </a:endParaRPr>
-          </a:p>
-          <a:p>
-            <a:pPr marL="285750" indent="-285750" algn="just">
-              <a:buFont typeface="Arial"/>
-              <a:buChar char="•"/>
-            </a:pPr>
-            <a:r>
-              <a:rPr lang="it-IT" sz="2000" b="1" err="1">
-                <a:latin typeface="Segoe UI"/>
-              </a:rPr>
-              <a:t>Manageable</a:t>
-            </a:r>
-            <a:r>
-              <a:rPr lang="it-IT" sz="2000" b="1" dirty="0">
-                <a:latin typeface="Segoe UI"/>
-              </a:rPr>
-              <a:t> overhead</a:t>
-            </a:r>
-            <a:r>
-              <a:rPr lang="it-IT" sz="2000" dirty="0">
-                <a:latin typeface="Segoe UI"/>
-              </a:rPr>
-              <a:t> for </a:t>
-            </a:r>
-            <a:r>
-              <a:rPr lang="it-IT" sz="2000" err="1">
-                <a:latin typeface="Segoe UI"/>
-              </a:rPr>
-              <a:t>significant</a:t>
-            </a:r>
-            <a:r>
-              <a:rPr lang="it-IT" sz="2000" dirty="0">
-                <a:latin typeface="Segoe UI"/>
-              </a:rPr>
-              <a:t> </a:t>
-            </a:r>
-            <a:r>
-              <a:rPr lang="it-IT" sz="2000" err="1">
-                <a:latin typeface="Segoe UI"/>
-              </a:rPr>
-              <a:t>usability</a:t>
-            </a:r>
-            <a:r>
-              <a:rPr lang="it-IT" sz="2000" dirty="0">
-                <a:latin typeface="Segoe UI"/>
-              </a:rPr>
-              <a:t> </a:t>
-            </a:r>
-            <a:r>
-              <a:rPr lang="it-IT" sz="2000" err="1">
-                <a:latin typeface="Segoe UI"/>
-              </a:rPr>
-              <a:t>improvements</a:t>
-            </a:r>
-            <a:endParaRPr lang="it-IT" err="1">
-              <a:latin typeface="Segoe UI"/>
-            </a:endParaRPr>
-          </a:p>
-          <a:p>
-            <a:pPr marL="285750" indent="-285750" algn="just">
-              <a:buFont typeface="Arial"/>
-              <a:buChar char="•"/>
-            </a:pPr>
-            <a:r>
-              <a:rPr lang="it-IT" sz="2000" b="1" dirty="0">
-                <a:latin typeface="Segoe UI"/>
-              </a:rPr>
-              <a:t>First quantitative framework</a:t>
-            </a:r>
-            <a:r>
-              <a:rPr lang="it-IT" sz="2000" dirty="0">
-                <a:latin typeface="Segoe UI"/>
-              </a:rPr>
-              <a:t> for mobile </a:t>
-            </a:r>
-            <a:r>
-              <a:rPr lang="it-IT" sz="2000" err="1">
-                <a:latin typeface="Segoe UI"/>
-              </a:rPr>
-              <a:t>accessibility</a:t>
-            </a:r>
-            <a:r>
-              <a:rPr lang="it-IT" sz="2000" dirty="0">
-                <a:latin typeface="Segoe UI"/>
-              </a:rPr>
-              <a:t> cost </a:t>
-            </a:r>
-            <a:r>
-              <a:rPr lang="it-IT" sz="2000" err="1">
-                <a:latin typeface="Segoe UI"/>
-              </a:rPr>
-              <a:t>assessment</a:t>
-            </a:r>
-            <a:endParaRPr lang="it-IT" err="1">
-              <a:latin typeface="Segoe UI"/>
-            </a:endParaRPr>
-          </a:p>
-          <a:p>
-            <a:pPr algn="just"/>
-            <a:endParaRPr lang="it-IT" sz="2000" b="1" dirty="0">
+            <a:endParaRPr lang="it-IT" sz="2000" dirty="0">
               <a:latin typeface="Segoe UI"/>
             </a:endParaRPr>
           </a:p>
@@ -10616,6 +10350,60 @@
           </a:p>
           <a:p>
             <a:pPr algn="just"/>
+            <a:endParaRPr lang="it-IT" sz="2000" dirty="0">
+              <a:latin typeface="Segoe UI"/>
+            </a:endParaRPr>
+          </a:p>
+          <a:p>
+            <a:pPr algn="just"/>
+            <a:endParaRPr lang="it-IT" sz="2000" dirty="0">
+              <a:latin typeface="Segoe UI"/>
+            </a:endParaRPr>
+          </a:p>
+          <a:p>
+            <a:pPr algn="just"/>
+            <a:endParaRPr lang="it-IT" sz="2000" dirty="0">
+              <a:latin typeface="Segoe UI"/>
+            </a:endParaRPr>
+          </a:p>
+          <a:p>
+            <a:pPr algn="ctr"/>
+            <a:r>
+              <a:rPr lang="it-IT" sz="2000" b="1" dirty="0">
+                <a:latin typeface="Segoe UI"/>
+              </a:rPr>
+              <a:t>Foundation for framework-</a:t>
+            </a:r>
+            <a:r>
+              <a:rPr lang="it-IT" sz="2000" b="1" dirty="0" err="1">
+                <a:latin typeface="Segoe UI"/>
+              </a:rPr>
+              <a:t>agnostic</a:t>
+            </a:r>
+            <a:r>
+              <a:rPr lang="it-IT" sz="2000" b="1" dirty="0">
+                <a:latin typeface="Segoe UI"/>
+              </a:rPr>
+              <a:t> </a:t>
+            </a:r>
+            <a:r>
+              <a:rPr lang="it-IT" sz="2000" b="1" dirty="0" err="1">
+                <a:latin typeface="Segoe UI"/>
+              </a:rPr>
+              <a:t>accessibility</a:t>
+            </a:r>
+            <a:r>
+              <a:rPr lang="it-IT" sz="2000" b="1" dirty="0">
+                <a:latin typeface="Segoe UI"/>
+              </a:rPr>
+              <a:t> cost </a:t>
+            </a:r>
+            <a:r>
+              <a:rPr lang="it-IT" sz="2000" b="1" dirty="0" err="1">
+                <a:latin typeface="Segoe UI"/>
+              </a:rPr>
+              <a:t>prediction</a:t>
+            </a:r>
             <a:endParaRPr lang="it-IT" sz="2000" b="1" dirty="0">
               <a:latin typeface="Segoe UI"/>
             </a:endParaRPr>
@@ -10668,12 +10456,113 @@
           </a:p>
         </p:txBody>
       </p:sp>
+      <p:sp>
+        <p:nvSpPr>
+          <p:cNvPr id="5" name="CasellaDiTesto 4">
+            <a:extLst>
+              <a:ext uri="{FF2B5EF4-FFF2-40B4-BE49-F238E27FC236}">
+                <a16:creationId xmlns:a16="http://schemas.microsoft.com/office/drawing/2014/main" id="{9E18373F-9D44-70E3-E4DA-93AFE7BF6AAC}"/>
+              </a:ext>
+            </a:extLst>
+          </p:cNvPr>
+          <p:cNvSpPr txBox="1"/>
+          <p:nvPr/>
+        </p:nvSpPr>
+        <p:spPr>
+          <a:xfrm>
+            <a:off x="4781846" y="6482191"/>
+            <a:ext cx="3911435" cy="261610"/>
+          </a:xfrm>
+          <a:prstGeom prst="rect">
+            <a:avLst/>
+          </a:prstGeom>
+          <a:noFill/>
+        </p:spPr>
+        <p:txBody>
+          <a:bodyPr wrap="square" lIns="91440" tIns="45720" rIns="91440" bIns="45720" rtlCol="0" anchor="t">
+            <a:spAutoFit/>
+          </a:bodyPr>
+          <a:lstStyle/>
+          <a:p>
+            <a:pPr algn="r"/>
+            <a:r>
+              <a:rPr lang="it-IT" sz="1100" dirty="0">
+                <a:solidFill>
+                  <a:schemeClr val="bg1"/>
+                </a:solidFill>
+                <a:latin typeface="Segoe UI"/>
+              </a:rPr>
+              <a:t>G. </a:t>
+            </a:r>
+            <a:r>
+              <a:rPr lang="it-IT" sz="1100" err="1">
+                <a:solidFill>
+                  <a:schemeClr val="bg1"/>
+                </a:solidFill>
+                <a:latin typeface="Segoe UI"/>
+              </a:rPr>
+              <a:t>Rovesti</a:t>
+            </a:r>
+            <a:r>
+              <a:rPr lang="it-IT" sz="1100" dirty="0">
+                <a:solidFill>
+                  <a:schemeClr val="bg1"/>
+                </a:solidFill>
+                <a:latin typeface="Segoe UI"/>
+              </a:rPr>
+              <a:t> - </a:t>
+            </a:r>
+            <a:r>
+              <a:rPr lang="it-IT" sz="1100" err="1">
+                <a:solidFill>
+                  <a:schemeClr val="bg1"/>
+                </a:solidFill>
+                <a:latin typeface="Segoe UI"/>
+              </a:rPr>
+              <a:t>Designing</a:t>
+            </a:r>
+            <a:r>
+              <a:rPr lang="it-IT" sz="1100" dirty="0">
+                <a:solidFill>
+                  <a:schemeClr val="bg1"/>
+                </a:solidFill>
+                <a:latin typeface="Segoe UI"/>
+              </a:rPr>
+              <a:t> an </a:t>
+            </a:r>
+            <a:r>
+              <a:rPr lang="it-IT" sz="1100" err="1">
+                <a:solidFill>
+                  <a:schemeClr val="bg1"/>
+                </a:solidFill>
+                <a:latin typeface="Segoe UI"/>
+              </a:rPr>
+              <a:t>accessibility</a:t>
+            </a:r>
+            <a:r>
+              <a:rPr lang="it-IT" sz="1100" dirty="0">
+                <a:solidFill>
+                  <a:schemeClr val="bg1"/>
+                </a:solidFill>
+                <a:latin typeface="Segoe UI"/>
+              </a:rPr>
+              <a:t> learning toolkit</a:t>
+            </a:r>
+            <a:endParaRPr lang="it-IT" dirty="0">
+              <a:solidFill>
+                <a:schemeClr val="bg1"/>
+              </a:solidFill>
+              <a:latin typeface="Segoe UI"/>
+            </a:endParaRPr>
+          </a:p>
+        </p:txBody>
+      </p:sp>
       <p:pic>
         <p:nvPicPr>
-          <p:cNvPr id="2" name="Immagine 1" descr="Immagine che contiene testo, schermata, Carattere, numero&#10;&#10;Il contenuto generato dall&amp;#39;IA potrebbe non essere corretto.">
+          <p:cNvPr id="6" name="Immagine 5" descr="Immagine che contiene testo, schermata, Carattere, numero&#10;&#10;Il contenuto generato dall&amp;#39;IA potrebbe non essere corretto.">
             <a:extLst>
               <a:ext uri="{FF2B5EF4-FFF2-40B4-BE49-F238E27FC236}">
-                <a16:creationId xmlns:a16="http://schemas.microsoft.com/office/drawing/2014/main" id="{E6E6DF9E-4D20-DCB1-7041-1102F05BDDEA}"/>
+                <a16:creationId xmlns:a16="http://schemas.microsoft.com/office/drawing/2014/main" id="{678A983E-2F86-EB35-7407-3B7AB4B2983F}"/>
               </a:ext>
             </a:extLst>
           </p:cNvPr>
@@ -10690,115 +10579,14 @@
         </p:blipFill>
         <p:spPr>
           <a:xfrm>
-            <a:off x="227262" y="1912429"/>
-            <a:ext cx="8515685" cy="2017143"/>
+            <a:off x="684972" y="1799811"/>
+            <a:ext cx="7848600" cy="3581400"/>
           </a:xfrm>
           <a:prstGeom prst="rect">
             <a:avLst/>
           </a:prstGeom>
         </p:spPr>
       </p:pic>
-      <p:sp>
-        <p:nvSpPr>
-          <p:cNvPr id="5" name="CasellaDiTesto 4">
-            <a:extLst>
-              <a:ext uri="{FF2B5EF4-FFF2-40B4-BE49-F238E27FC236}">
-                <a16:creationId xmlns:a16="http://schemas.microsoft.com/office/drawing/2014/main" id="{9E18373F-9D44-70E3-E4DA-93AFE7BF6AAC}"/>
-              </a:ext>
-            </a:extLst>
-          </p:cNvPr>
-          <p:cNvSpPr txBox="1"/>
-          <p:nvPr/>
-        </p:nvSpPr>
-        <p:spPr>
-          <a:xfrm>
-            <a:off x="4781846" y="6482191"/>
-            <a:ext cx="3911435" cy="261610"/>
-          </a:xfrm>
-          <a:prstGeom prst="rect">
-            <a:avLst/>
-          </a:prstGeom>
-          <a:noFill/>
-        </p:spPr>
-        <p:txBody>
-          <a:bodyPr wrap="square" lIns="91440" tIns="45720" rIns="91440" bIns="45720" rtlCol="0" anchor="t">
-            <a:spAutoFit/>
-          </a:bodyPr>
-          <a:lstStyle/>
-          <a:p>
-            <a:pPr algn="r"/>
-            <a:r>
-              <a:rPr lang="it-IT" sz="1100" dirty="0">
-                <a:solidFill>
-                  <a:schemeClr val="bg1"/>
-                </a:solidFill>
-                <a:latin typeface="Segoe UI"/>
-              </a:rPr>
-              <a:t>G. </a:t>
-            </a:r>
-            <a:r>
-              <a:rPr lang="it-IT" sz="1100" err="1">
-                <a:solidFill>
-                  <a:schemeClr val="bg1"/>
-                </a:solidFill>
-                <a:latin typeface="Segoe UI"/>
-              </a:rPr>
-              <a:t>Rovesti</a:t>
-            </a:r>
-            <a:r>
-              <a:rPr lang="it-IT" sz="1100" dirty="0">
-                <a:solidFill>
-                  <a:schemeClr val="bg1"/>
-                </a:solidFill>
-                <a:latin typeface="Segoe UI"/>
-              </a:rPr>
-              <a:t> - </a:t>
-            </a:r>
-            <a:r>
-              <a:rPr lang="it-IT" sz="1100" err="1">
-                <a:solidFill>
-                  <a:schemeClr val="bg1"/>
-                </a:solidFill>
-                <a:latin typeface="Segoe UI"/>
-              </a:rPr>
-              <a:t>Designing</a:t>
-            </a:r>
-            <a:r>
-              <a:rPr lang="it-IT" sz="1100" dirty="0">
-                <a:solidFill>
-                  <a:schemeClr val="bg1"/>
-                </a:solidFill>
-                <a:latin typeface="Segoe UI"/>
-              </a:rPr>
-              <a:t> an </a:t>
-            </a:r>
-            <a:r>
-              <a:rPr lang="it-IT" sz="1100" err="1">
-                <a:solidFill>
-                  <a:schemeClr val="bg1"/>
-                </a:solidFill>
-                <a:latin typeface="Segoe UI"/>
-              </a:rPr>
-              <a:t>accessibility</a:t>
-            </a:r>
-            <a:r>
-              <a:rPr lang="it-IT" sz="1100" dirty="0">
-                <a:solidFill>
-                  <a:schemeClr val="bg1"/>
-                </a:solidFill>
-                <a:latin typeface="Segoe UI"/>
-              </a:rPr>
-              <a:t> learning toolkit</a:t>
-            </a:r>
-            <a:endParaRPr lang="it-IT" dirty="0">
-              <a:solidFill>
-                <a:schemeClr val="bg1"/>
-              </a:solidFill>
-              <a:latin typeface="Segoe UI"/>
-            </a:endParaRPr>
-          </a:p>
-        </p:txBody>
-      </p:sp>
     </p:spTree>
     <p:extLst>
       <p:ext uri="{BB962C8B-B14F-4D97-AF65-F5344CB8AC3E}">
@@ -11483,7 +11271,7 @@
                 <a:latin typeface="Segoe UI"/>
                 <a:cs typeface="Segoe UI"/>
               </a:rPr>
-              <a:t>Framework </a:t>
+              <a:t>Frameworks </a:t>
             </a:r>
             <a:r>
               <a:rPr lang="it-IT" sz="3000" dirty="0" err="1">
@@ -11495,6 +11283,13 @@
               </a:rPr>
               <a:t>comparison</a:t>
             </a:r>
+            <a:endParaRPr lang="it-IT" sz="3000">
+              <a:solidFill>
+                <a:srgbClr val="FFFFFF"/>
+              </a:solidFill>
+              <a:latin typeface="Segoe UI"/>
+              <a:cs typeface="Segoe UI"/>
+            </a:endParaRPr>
           </a:p>
         </p:txBody>
       </p:sp>
@@ -11660,7 +11455,7 @@
         <p:spPr>
           <a:xfrm>
             <a:off x="315940" y="962003"/>
-            <a:ext cx="8515877" cy="1938992"/>
+            <a:ext cx="8515877" cy="1323439"/>
           </a:xfrm>
           <a:prstGeom prst="rect">
             <a:avLst/>
@@ -11769,7 +11564,7 @@
               <a:t> Widget-</a:t>
             </a:r>
             <a:r>
-              <a:rPr lang="it-IT" sz="2000" err="1">
+              <a:rPr lang="it-IT" sz="2000" dirty="0" err="1">
                 <a:latin typeface="Segoe UI"/>
               </a:rPr>
               <a:t>based</a:t>
@@ -11781,7 +11576,7 @@
               <a:t> </a:t>
             </a:r>
             <a:r>
-              <a:rPr lang="it-IT" sz="2000" err="1">
+              <a:rPr lang="it-IT" sz="2000" dirty="0" err="1">
                 <a:latin typeface="Segoe UI"/>
               </a:rPr>
               <a:t>approach</a:t>
@@ -11797,7 +11592,7 @@
               <a:t>t </a:t>
             </a:r>
             <a:r>
-              <a:rPr lang="it-IT" sz="2000" err="1">
+              <a:rPr lang="it-IT" sz="2000" dirty="0" err="1">
                 <a:latin typeface="Consolas"/>
               </a:rPr>
               <a:t>Semantics</a:t>
@@ -11807,7 +11602,7 @@
               <a:t> </a:t>
             </a:r>
             <a:r>
-              <a:rPr lang="it-IT" sz="2000" err="1">
+              <a:rPr lang="it-IT" sz="2000" dirty="0" err="1">
                 <a:latin typeface="Segoe UI"/>
               </a:rPr>
               <a:t>wrappers</a:t>
@@ -11818,20 +11613,9 @@
               </a:rPr>
               <a:t>)</a:t>
             </a:r>
-            <a:endParaRPr lang="it-IT">
+            <a:endParaRPr lang="it-IT" dirty="0">
               <a:latin typeface="Segoe UI"/>
             </a:endParaRPr>
-          </a:p>
-          <a:p>
-            <a:pPr marL="285750" indent="-285750" algn="just">
-              <a:buFont typeface="Arial"/>
-              <a:buChar char="•"/>
-            </a:pPr>
-            <a:endParaRPr lang="it-IT" sz="2000" dirty="0"/>
-          </a:p>
-          <a:p>
-            <a:pPr algn="just"/>
-            <a:endParaRPr lang="it-IT" sz="2000" dirty="0"/>
           </a:p>
         </p:txBody>
       </p:sp>
@@ -11883,10 +11667,10 @@
       </p:sp>
       <p:pic>
         <p:nvPicPr>
-          <p:cNvPr id="2" name="Immagine 1" descr="Immagine che contiene testo, schermata, Carattere, numero&#10;&#10;Il contenuto generato dall&amp;#39;IA potrebbe non essere corretto.">
+          <p:cNvPr id="4" name="Immagine 3" descr="Immagine che contiene testo, schermata, Carattere&#10;&#10;Il contenuto generato dall&amp;#39;IA potrebbe non essere corretto.">
             <a:extLst>
               <a:ext uri="{FF2B5EF4-FFF2-40B4-BE49-F238E27FC236}">
-                <a16:creationId xmlns:a16="http://schemas.microsoft.com/office/drawing/2014/main" id="{D980DDB7-46BB-D1E2-C9EA-8FA37757E9FE}"/>
+                <a16:creationId xmlns:a16="http://schemas.microsoft.com/office/drawing/2014/main" id="{F3F624A9-2B2F-8A17-F12F-1631AA91902D}"/>
               </a:ext>
             </a:extLst>
           </p:cNvPr>
@@ -11903,8 +11687,8 @@
         </p:blipFill>
         <p:spPr>
           <a:xfrm>
-            <a:off x="165253" y="2668231"/>
-            <a:ext cx="8813494" cy="2196320"/>
+            <a:off x="253240" y="3269973"/>
+            <a:ext cx="4053095" cy="1622564"/>
           </a:xfrm>
           <a:prstGeom prst="rect">
             <a:avLst/>
@@ -11913,10 +11697,10 @@
       </p:pic>
       <p:pic>
         <p:nvPicPr>
-          <p:cNvPr id="5" name="Immagine 4" descr="Immagine che contiene testo, Carattere, schermata, Elementi grafici&#10;&#10;Il contenuto generato dall&amp;#39;IA potrebbe non essere corretto.">
+          <p:cNvPr id="6" name="Immagine 5" descr="Immagine che contiene testo, schermata, Carattere&#10;&#10;Il contenuto generato dall&amp;#39;IA potrebbe non essere corretto.">
             <a:extLst>
               <a:ext uri="{FF2B5EF4-FFF2-40B4-BE49-F238E27FC236}">
-                <a16:creationId xmlns:a16="http://schemas.microsoft.com/office/drawing/2014/main" id="{3DC1CE92-071B-5B93-0AD6-7BEF15A5FE30}"/>
+                <a16:creationId xmlns:a16="http://schemas.microsoft.com/office/drawing/2014/main" id="{16B732AA-59AD-7EE4-EF33-11E441E96E92}"/>
               </a:ext>
             </a:extLst>
           </p:cNvPr>
@@ -11933,8 +11717,143 @@
         </p:blipFill>
         <p:spPr>
           <a:xfrm>
-            <a:off x="1046602" y="5238322"/>
-            <a:ext cx="7064567" cy="540223"/>
+            <a:off x="5385559" y="2520191"/>
+            <a:ext cx="3416990" cy="2848804"/>
+          </a:xfrm>
+          <a:prstGeom prst="rect">
+            <a:avLst/>
+          </a:prstGeom>
+        </p:spPr>
+      </p:pic>
+      <p:sp>
+        <p:nvSpPr>
+          <p:cNvPr id="7" name="CasellaDiTesto 6">
+            <a:extLst>
+              <a:ext uri="{FF2B5EF4-FFF2-40B4-BE49-F238E27FC236}">
+                <a16:creationId xmlns:a16="http://schemas.microsoft.com/office/drawing/2014/main" id="{5790EBE7-0C42-7B5D-5A13-BD6C296CDB74}"/>
+              </a:ext>
+            </a:extLst>
+          </p:cNvPr>
+          <p:cNvSpPr txBox="1"/>
+          <p:nvPr/>
+        </p:nvSpPr>
+        <p:spPr>
+          <a:xfrm>
+            <a:off x="67460" y="5670664"/>
+            <a:ext cx="4440834" cy="338554"/>
+          </a:xfrm>
+          <a:prstGeom prst="rect">
+            <a:avLst/>
+          </a:prstGeom>
+          <a:noFill/>
+        </p:spPr>
+        <p:txBody>
+          <a:bodyPr wrap="square" lIns="91440" tIns="45720" rIns="91440" bIns="45720" rtlCol="0" anchor="t">
+            <a:spAutoFit/>
+          </a:bodyPr>
+          <a:lstStyle/>
+          <a:p>
+            <a:pPr algn="ctr"/>
+            <a:r>
+              <a:rPr lang="it-IT" sz="1600" b="1" dirty="0">
+                <a:latin typeface="Segoe UI"/>
+                <a:cs typeface="Segoe UI"/>
+              </a:rPr>
+              <a:t>🔵 React Native - </a:t>
+            </a:r>
+            <a:r>
+              <a:rPr lang="it-IT" sz="1600" b="1" dirty="0" err="1">
+                <a:latin typeface="Segoe UI"/>
+                <a:cs typeface="Segoe UI"/>
+              </a:rPr>
+              <a:t>Property</a:t>
+            </a:r>
+            <a:r>
+              <a:rPr lang="it-IT" sz="1600" b="1" dirty="0">
+                <a:latin typeface="Segoe UI"/>
+                <a:cs typeface="Segoe UI"/>
+              </a:rPr>
+              <a:t> </a:t>
+            </a:r>
+            <a:r>
+              <a:rPr lang="it-IT" sz="1600" b="1" dirty="0" err="1">
+                <a:latin typeface="Segoe UI"/>
+                <a:cs typeface="Segoe UI"/>
+              </a:rPr>
+              <a:t>integration</a:t>
+            </a:r>
+            <a:endParaRPr lang="it-IT" sz="1600" dirty="0" err="1"/>
+          </a:p>
+        </p:txBody>
+      </p:sp>
+      <p:sp>
+        <p:nvSpPr>
+          <p:cNvPr id="8" name="CasellaDiTesto 7">
+            <a:extLst>
+              <a:ext uri="{FF2B5EF4-FFF2-40B4-BE49-F238E27FC236}">
+                <a16:creationId xmlns:a16="http://schemas.microsoft.com/office/drawing/2014/main" id="{E12FCC1B-AD17-1537-BB65-04CC1F6AD5ED}"/>
+              </a:ext>
+            </a:extLst>
+          </p:cNvPr>
+          <p:cNvSpPr txBox="1"/>
+          <p:nvPr/>
+        </p:nvSpPr>
+        <p:spPr>
+          <a:xfrm>
+            <a:off x="4776121" y="5670663"/>
+            <a:ext cx="4440834" cy="338554"/>
+          </a:xfrm>
+          <a:prstGeom prst="rect">
+            <a:avLst/>
+          </a:prstGeom>
+          <a:noFill/>
+        </p:spPr>
+        <p:txBody>
+          <a:bodyPr wrap="square" lIns="91440" tIns="45720" rIns="91440" bIns="45720" rtlCol="0" anchor="t">
+            <a:spAutoFit/>
+          </a:bodyPr>
+          <a:lstStyle/>
+          <a:p>
+            <a:pPr algn="ctr"/>
+            <a:r>
+              <a:rPr lang="it-IT" sz="1600" b="1" dirty="0">
+                <a:latin typeface="Segoe UI"/>
+              </a:rPr>
+              <a:t>🔶 Flutter - Semantic </a:t>
+            </a:r>
+            <a:r>
+              <a:rPr lang="it-IT" sz="1600" b="1" dirty="0" err="1">
+                <a:latin typeface="Segoe UI"/>
+              </a:rPr>
+              <a:t>wrappers</a:t>
+            </a:r>
+          </a:p>
+        </p:txBody>
+      </p:sp>
+      <p:pic>
+        <p:nvPicPr>
+          <p:cNvPr id="12" name="Immagine 11" descr="Immagine che contiene Carattere, Elementi grafici, logo, bianco&#10;&#10;Il contenuto generato dall&amp;#39;IA potrebbe non essere corretto.">
+            <a:extLst>
+              <a:ext uri="{FF2B5EF4-FFF2-40B4-BE49-F238E27FC236}">
+                <a16:creationId xmlns:a16="http://schemas.microsoft.com/office/drawing/2014/main" id="{4EB199DF-C443-EC54-BDEE-FA9585FBC10B}"/>
+              </a:ext>
+            </a:extLst>
+          </p:cNvPr>
+          <p:cNvPicPr>
+            <a:picLocks noChangeAspect="1"/>
+          </p:cNvPicPr>
+          <p:nvPr/>
+        </p:nvPicPr>
+        <p:blipFill>
+          <a:blip r:embed="rId5"/>
+          <a:stretch>
+            <a:fillRect/>
+          </a:stretch>
+        </p:blipFill>
+        <p:spPr>
+          <a:xfrm>
+            <a:off x="4337808" y="3266661"/>
+            <a:ext cx="878371" cy="1355864"/>
           </a:xfrm>
           <a:prstGeom prst="rect">
             <a:avLst/>
@@ -12212,12 +12131,193 @@
           </a:p>
         </p:txBody>
       </p:sp>
+      <p:sp>
+        <p:nvSpPr>
+          <p:cNvPr id="5" name="CasellaDiTesto 4">
+            <a:extLst>
+              <a:ext uri="{FF2B5EF4-FFF2-40B4-BE49-F238E27FC236}">
+                <a16:creationId xmlns:a16="http://schemas.microsoft.com/office/drawing/2014/main" id="{ACF897F1-916A-BD0B-67E4-D24DBB00A733}"/>
+              </a:ext>
+            </a:extLst>
+          </p:cNvPr>
+          <p:cNvSpPr txBox="1"/>
+          <p:nvPr/>
+        </p:nvSpPr>
+        <p:spPr>
+          <a:xfrm>
+            <a:off x="315654" y="3191608"/>
+            <a:ext cx="8424778" cy="3293209"/>
+          </a:xfrm>
+          <a:prstGeom prst="rect">
+            <a:avLst/>
+          </a:prstGeom>
+          <a:noFill/>
+        </p:spPr>
+        <p:txBody>
+          <a:bodyPr rot="0" spcFirstLastPara="0" vertOverflow="overflow" horzOverflow="overflow" vert="horz" wrap="square" lIns="91440" tIns="45720" rIns="91440" bIns="45720" numCol="1" spcCol="0" rtlCol="0" fromWordArt="0" anchor="t" anchorCtr="0" forceAA="0" compatLnSpc="1">
+            <a:prstTxWarp prst="textNoShape">
+              <a:avLst/>
+            </a:prstTxWarp>
+            <a:spAutoFit/>
+          </a:bodyPr>
+          <a:lstStyle/>
+          <a:p>
+            <a:pPr algn="ctr"/>
+            <a:r>
+              <a:rPr lang="en-US" b="1" dirty="0">
+                <a:latin typeface="Segoe UI"/>
+                <a:cs typeface="Segoe UI"/>
+              </a:rPr>
+              <a:t>✓ = Default accessibility support | ✗ = Requires developer implementation</a:t>
+            </a:r>
+            <a:endParaRPr lang="it-IT" dirty="0"/>
+          </a:p>
+          <a:p>
+            <a:pPr algn="ctr"/>
+            <a:endParaRPr lang="en-US" b="1" dirty="0">
+              <a:latin typeface="Segoe UI"/>
+              <a:cs typeface="Segoe UI"/>
+            </a:endParaRPr>
+          </a:p>
+          <a:p>
+            <a:r>
+              <a:rPr lang="en-US" sz="2000" b="1" dirty="0">
+                <a:latin typeface="Segoe UI"/>
+              </a:rPr>
+              <a:t>Key patterns identified: </a:t>
+            </a:r>
+            <a:endParaRPr lang="it-IT" b="1" dirty="0"/>
+          </a:p>
+          <a:p>
+            <a:pPr marL="342900" indent="-342900">
+              <a:buFont typeface="Arial"/>
+              <a:buChar char="•"/>
+            </a:pPr>
+            <a:r>
+              <a:rPr lang="en-US" sz="2000" b="1" dirty="0">
+                <a:latin typeface="Segoe UI"/>
+              </a:rPr>
+              <a:t>Text language declaration</a:t>
+            </a:r>
+            <a:r>
+              <a:rPr lang="en-US" sz="2000" dirty="0">
+                <a:latin typeface="Segoe UI"/>
+              </a:rPr>
+              <a:t>: Largest overhead difference (Flutter +200%) </a:t>
+            </a:r>
+            <a:endParaRPr lang="en-US"/>
+          </a:p>
+          <a:p>
+            <a:pPr marL="342900" indent="-342900">
+              <a:buFont typeface="Arial"/>
+              <a:buChar char="•"/>
+            </a:pPr>
+            <a:r>
+              <a:rPr lang="en-US" sz="2000" b="1" dirty="0">
+                <a:latin typeface="Segoe UI"/>
+              </a:rPr>
+              <a:t>Custom gestures</a:t>
+            </a:r>
+            <a:r>
+              <a:rPr lang="en-US" sz="2000" dirty="0">
+                <a:latin typeface="Segoe UI"/>
+              </a:rPr>
+              <a:t>: Smallest gap (Flutter +27%) - both frameworks struggle </a:t>
+            </a:r>
+            <a:endParaRPr lang="en-US"/>
+          </a:p>
+          <a:p>
+            <a:pPr marL="342900" indent="-342900">
+              <a:buFont typeface="Arial"/>
+              <a:buChar char="•"/>
+            </a:pPr>
+            <a:r>
+              <a:rPr lang="en-US" sz="2000" b="1" dirty="0">
+                <a:latin typeface="Segoe UI"/>
+              </a:rPr>
+              <a:t>Default accessibility</a:t>
+            </a:r>
+            <a:r>
+              <a:rPr lang="en-US" sz="2000" dirty="0">
+                <a:latin typeface="Segoe UI"/>
+              </a:rPr>
+              <a:t>: React Native provides more out-of-box features (38% vs 32%)</a:t>
+            </a:r>
+            <a:endParaRPr lang="en-US" dirty="0"/>
+          </a:p>
+          <a:p>
+            <a:pPr marL="342900" indent="-342900">
+              <a:buFont typeface="Arial"/>
+              <a:buChar char="•"/>
+            </a:pPr>
+            <a:r>
+              <a:rPr lang="en-US" sz="2000" b="1" dirty="0">
+                <a:latin typeface="Segoe UI"/>
+              </a:rPr>
+              <a:t>Screen reader consistency</a:t>
+            </a:r>
+            <a:r>
+              <a:rPr lang="en-US" sz="2000" dirty="0">
+                <a:latin typeface="Segoe UI"/>
+              </a:rPr>
+              <a:t>: React Native scores higher across all component types</a:t>
+            </a:r>
+            <a:endParaRPr lang="en-US"/>
+          </a:p>
+        </p:txBody>
+      </p:sp>
+      <p:sp>
+        <p:nvSpPr>
+          <p:cNvPr id="6" name="CasellaDiTesto 5">
+            <a:extLst>
+              <a:ext uri="{FF2B5EF4-FFF2-40B4-BE49-F238E27FC236}">
+                <a16:creationId xmlns:a16="http://schemas.microsoft.com/office/drawing/2014/main" id="{A5AA00A2-BB66-B415-2650-72E84B660058}"/>
+              </a:ext>
+            </a:extLst>
+          </p:cNvPr>
+          <p:cNvSpPr txBox="1"/>
+          <p:nvPr/>
+        </p:nvSpPr>
+        <p:spPr>
+          <a:xfrm>
+            <a:off x="8538371" y="6482191"/>
+            <a:ext cx="609436" cy="261610"/>
+          </a:xfrm>
+          <a:prstGeom prst="rect">
+            <a:avLst/>
+          </a:prstGeom>
+          <a:noFill/>
+        </p:spPr>
+        <p:txBody>
+          <a:bodyPr wrap="square" lIns="91440" tIns="45720" rIns="91440" bIns="45720" rtlCol="0" anchor="t">
+            <a:spAutoFit/>
+          </a:bodyPr>
+          <a:lstStyle/>
+          <a:p>
+            <a:pPr algn="r"/>
+            <a:r>
+              <a:rPr lang="it-IT" sz="1100" dirty="0">
+                <a:solidFill>
+                  <a:schemeClr val="bg1"/>
+                </a:solidFill>
+                <a:latin typeface="Segoe UI"/>
+              </a:rPr>
+              <a:t>14/16</a:t>
+            </a:r>
+            <a:endParaRPr lang="it-IT" dirty="0">
+              <a:solidFill>
+                <a:schemeClr val="bg1"/>
+              </a:solidFill>
+            </a:endParaRPr>
+          </a:p>
+        </p:txBody>
+      </p:sp>
       <p:pic>
         <p:nvPicPr>
-          <p:cNvPr id="4" name="Immagine 3" descr="Immagine che contiene testo, schermata, Carattere, numero&#10;&#10;Il contenuto generato dall&amp;#39;IA potrebbe non essere corretto.">
+          <p:cNvPr id="2" name="Immagine 1" descr="Immagine che contiene testo, schermata, Carattere, numero&#10;&#10;Il contenuto generato dall&amp;#39;IA potrebbe non essere corretto.">
             <a:extLst>
               <a:ext uri="{FF2B5EF4-FFF2-40B4-BE49-F238E27FC236}">
-                <a16:creationId xmlns:a16="http://schemas.microsoft.com/office/drawing/2014/main" id="{E0EF26A6-B436-E0BA-2885-B14C8E6EE645}"/>
+                <a16:creationId xmlns:a16="http://schemas.microsoft.com/office/drawing/2014/main" id="{71BE8121-087C-A085-30F7-F68CD9B6F99F}"/>
               </a:ext>
             </a:extLst>
           </p:cNvPr>
@@ -12234,177 +12334,14 @@
         </p:blipFill>
         <p:spPr>
           <a:xfrm>
-            <a:off x="280737" y="963003"/>
-            <a:ext cx="8662737" cy="2191467"/>
+            <a:off x="740258" y="965752"/>
+            <a:ext cx="7762875" cy="2019300"/>
           </a:xfrm>
           <a:prstGeom prst="rect">
             <a:avLst/>
           </a:prstGeom>
         </p:spPr>
       </p:pic>
-      <p:sp>
-        <p:nvSpPr>
-          <p:cNvPr id="5" name="CasellaDiTesto 4">
-            <a:extLst>
-              <a:ext uri="{FF2B5EF4-FFF2-40B4-BE49-F238E27FC236}">
-                <a16:creationId xmlns:a16="http://schemas.microsoft.com/office/drawing/2014/main" id="{ACF897F1-916A-BD0B-67E4-D24DBB00A733}"/>
-              </a:ext>
-            </a:extLst>
-          </p:cNvPr>
-          <p:cNvSpPr txBox="1"/>
-          <p:nvPr/>
-        </p:nvSpPr>
-        <p:spPr>
-          <a:xfrm>
-            <a:off x="352926" y="3427662"/>
-            <a:ext cx="8424778" cy="2889058"/>
-          </a:xfrm>
-          <a:prstGeom prst="rect">
-            <a:avLst/>
-          </a:prstGeom>
-          <a:noFill/>
-        </p:spPr>
-        <p:txBody>
-          <a:bodyPr rot="0" spcFirstLastPara="0" vertOverflow="overflow" horzOverflow="overflow" vert="horz" wrap="square" lIns="91440" tIns="45720" rIns="91440" bIns="45720" numCol="1" spcCol="0" rtlCol="0" fromWordArt="0" anchor="t" anchorCtr="0" forceAA="0" compatLnSpc="1">
-            <a:prstTxWarp prst="textNoShape">
-              <a:avLst/>
-            </a:prstTxWarp>
-            <a:spAutoFit/>
-          </a:bodyPr>
-          <a:lstStyle/>
-          <a:p>
-            <a:r>
-              <a:rPr lang="en-US" sz="2000" b="1" dirty="0">
-                <a:latin typeface="Segoe UI"/>
-              </a:rPr>
-              <a:t>Key Patterns Identified: </a:t>
-            </a:r>
-            <a:endParaRPr lang="it-IT" b="1"/>
-          </a:p>
-          <a:p>
-            <a:pPr marL="342900" indent="-342900">
-              <a:buFont typeface="Arial"/>
-              <a:buChar char="•"/>
-            </a:pPr>
-            <a:r>
-              <a:rPr lang="en-US" sz="2000" b="1" dirty="0">
-                <a:latin typeface="Segoe UI"/>
-              </a:rPr>
-              <a:t>Text language declaration</a:t>
-            </a:r>
-            <a:r>
-              <a:rPr lang="en-US" sz="2000" dirty="0">
-                <a:latin typeface="Segoe UI"/>
-              </a:rPr>
-              <a:t>: Largest overhead difference (Flutter +200%) </a:t>
-            </a:r>
-            <a:endParaRPr lang="en-US"/>
-          </a:p>
-          <a:p>
-            <a:pPr marL="342900" indent="-342900">
-              <a:buFont typeface="Arial"/>
-              <a:buChar char="•"/>
-            </a:pPr>
-            <a:r>
-              <a:rPr lang="en-US" sz="2000" b="1" dirty="0">
-                <a:latin typeface="Segoe UI"/>
-              </a:rPr>
-              <a:t>Custom gestures</a:t>
-            </a:r>
-            <a:r>
-              <a:rPr lang="en-US" sz="2000" dirty="0">
-                <a:latin typeface="Segoe UI"/>
-              </a:rPr>
-              <a:t>: Smallest gap (Flutter +27%) - both frameworks struggle </a:t>
-            </a:r>
-            <a:endParaRPr lang="en-US"/>
-          </a:p>
-          <a:p>
-            <a:pPr marL="342900" indent="-342900">
-              <a:buFont typeface="Arial"/>
-              <a:buChar char="•"/>
-            </a:pPr>
-            <a:r>
-              <a:rPr lang="en-US" sz="2000" b="1" dirty="0">
-                <a:latin typeface="Segoe UI"/>
-              </a:rPr>
-              <a:t>Default accessibility</a:t>
-            </a:r>
-            <a:r>
-              <a:rPr lang="en-US" sz="2000" dirty="0">
-                <a:latin typeface="Segoe UI"/>
-              </a:rPr>
-              <a:t>: React Native provides more out-of-box features (38% vs 32%)</a:t>
-            </a:r>
-            <a:endParaRPr lang="en-US" dirty="0"/>
-          </a:p>
-          <a:p>
-            <a:pPr marL="342900" indent="-342900">
-              <a:buFont typeface="Arial"/>
-              <a:buChar char="•"/>
-            </a:pPr>
-            <a:r>
-              <a:rPr lang="en-US" sz="2000" b="1" dirty="0">
-                <a:latin typeface="Segoe UI"/>
-              </a:rPr>
-              <a:t>Screen reader consistency</a:t>
-            </a:r>
-            <a:r>
-              <a:rPr lang="en-US" sz="2000" dirty="0">
-                <a:latin typeface="Segoe UI"/>
-              </a:rPr>
-              <a:t>: React Native scores higher across all component types</a:t>
-            </a:r>
-            <a:endParaRPr lang="en-US"/>
-          </a:p>
-        </p:txBody>
-      </p:sp>
-      <p:sp>
-        <p:nvSpPr>
-          <p:cNvPr id="6" name="CasellaDiTesto 5">
-            <a:extLst>
-              <a:ext uri="{FF2B5EF4-FFF2-40B4-BE49-F238E27FC236}">
-                <a16:creationId xmlns:a16="http://schemas.microsoft.com/office/drawing/2014/main" id="{A5AA00A2-BB66-B415-2650-72E84B660058}"/>
-              </a:ext>
-            </a:extLst>
-          </p:cNvPr>
-          <p:cNvSpPr txBox="1"/>
-          <p:nvPr/>
-        </p:nvSpPr>
-        <p:spPr>
-          <a:xfrm>
-            <a:off x="8538371" y="6482191"/>
-            <a:ext cx="609436" cy="261610"/>
-          </a:xfrm>
-          <a:prstGeom prst="rect">
-            <a:avLst/>
-          </a:prstGeom>
-          <a:noFill/>
-        </p:spPr>
-        <p:txBody>
-          <a:bodyPr wrap="square" lIns="91440" tIns="45720" rIns="91440" bIns="45720" rtlCol="0" anchor="t">
-            <a:spAutoFit/>
-          </a:bodyPr>
-          <a:lstStyle/>
-          <a:p>
-            <a:pPr algn="r"/>
-            <a:r>
-              <a:rPr lang="it-IT" sz="1100" dirty="0">
-                <a:solidFill>
-                  <a:schemeClr val="bg1"/>
-                </a:solidFill>
-                <a:latin typeface="Segoe UI"/>
-              </a:rPr>
-              <a:t>14/16</a:t>
-            </a:r>
-            <a:endParaRPr lang="it-IT" dirty="0">
-              <a:solidFill>
-                <a:schemeClr val="bg1"/>
-              </a:solidFill>
-            </a:endParaRPr>
-          </a:p>
-        </p:txBody>
-      </p:sp>
     </p:spTree>
     <p:extLst>
       <p:ext uri="{BB962C8B-B14F-4D97-AF65-F5344CB8AC3E}">
@@ -12736,7 +12673,7 @@
         </p:nvSpPr>
         <p:spPr>
           <a:xfrm>
-            <a:off x="606927" y="3935663"/>
+            <a:off x="519960" y="4631402"/>
             <a:ext cx="8117304" cy="1631216"/>
           </a:xfrm>
           <a:prstGeom prst="rect">
@@ -12778,7 +12715,7 @@
               <a:rPr lang="en-US" sz="2000" dirty="0">
                 <a:latin typeface="Segoe UI"/>
               </a:rPr>
-              <a:t> for: Rapid development, web accessibility knowledge, tight deadlines</a:t>
+              <a:t> for: Rapid development timeline, web accessibility knowledge, cross-platform consistency priority</a:t>
             </a:r>
             <a:endParaRPr lang="en-US" dirty="0"/>
           </a:p>
@@ -12799,7 +12736,7 @@
                 <a:latin typeface="Segoe UI"/>
                 <a:cs typeface="Segoe UI"/>
               </a:rPr>
-              <a:t>for: Complex custom components, long-term maintenance teams, granular control</a:t>
+              <a:t>for: Complex custom components, dedicated long-term maintenance team, granular accessibility control </a:t>
             </a:r>
             <a:endParaRPr lang="en-US" dirty="0"/>
           </a:p>
@@ -12807,10 +12744,10 @@
       </p:sp>
       <p:pic>
         <p:nvPicPr>
-          <p:cNvPr id="2" name="Immagine 1" descr="Immagine che contiene testo, schermata, Carattere, numero&#10;&#10;Il contenuto generato dall&amp;#39;IA potrebbe non essere corretto.">
+          <p:cNvPr id="4" name="Immagine 3" descr="Immagine che contiene testo, schermata, Carattere, numero&#10;&#10;Il contenuto generato dall&amp;#39;IA potrebbe non essere corretto.">
             <a:extLst>
               <a:ext uri="{FF2B5EF4-FFF2-40B4-BE49-F238E27FC236}">
-                <a16:creationId xmlns:a16="http://schemas.microsoft.com/office/drawing/2014/main" id="{1E70B7EB-0FB4-7813-705E-6060A6F71A10}"/>
+                <a16:creationId xmlns:a16="http://schemas.microsoft.com/office/drawing/2014/main" id="{17BB81B9-0087-A6BB-585A-97CFDC33D02D}"/>
               </a:ext>
             </a:extLst>
           </p:cNvPr>
@@ -12827,8 +12764,8 @@
         </p:blipFill>
         <p:spPr>
           <a:xfrm>
-            <a:off x="320842" y="966050"/>
-            <a:ext cx="8555790" cy="2786952"/>
+            <a:off x="836957" y="955398"/>
+            <a:ext cx="7457662" cy="3642692"/>
           </a:xfrm>
           <a:prstGeom prst="rect">
             <a:avLst/>
@@ -14222,882 +14159,6 @@
         <p:cNvPr id="1" name="Shape 98">
           <a:extLst>
             <a:ext uri="{FF2B5EF4-FFF2-40B4-BE49-F238E27FC236}">
-              <a16:creationId xmlns:a16="http://schemas.microsoft.com/office/drawing/2014/main" id="{CEBC1ECF-52EC-9CF3-B20C-EE1D9BC9FBB1}"/>
-            </a:ext>
-          </a:extLst>
-        </p:cNvPr>
-        <p:cNvGrpSpPr/>
-        <p:nvPr/>
-      </p:nvGrpSpPr>
-      <p:grpSpPr>
-        <a:xfrm>
-          <a:off x="0" y="0"/>
-          <a:ext cx="0" cy="0"/>
-          <a:chOff x="0" y="0"/>
-          <a:chExt cx="0" cy="0"/>
-        </a:xfrm>
-      </p:grpSpPr>
-      <p:sp>
-        <p:nvSpPr>
-          <p:cNvPr id="101" name="Shape 101">
-            <a:extLst>
-              <a:ext uri="{FF2B5EF4-FFF2-40B4-BE49-F238E27FC236}">
-                <a16:creationId xmlns:a16="http://schemas.microsoft.com/office/drawing/2014/main" id="{D2780033-168E-53B8-2DC0-8391C7F0034E}"/>
-              </a:ext>
-            </a:extLst>
-          </p:cNvPr>
-          <p:cNvSpPr/>
-          <p:nvPr/>
-        </p:nvSpPr>
-        <p:spPr>
-          <a:xfrm>
-            <a:off x="8302200" y="6479700"/>
-            <a:ext cx="384600" cy="378300"/>
-          </a:xfrm>
-          <a:prstGeom prst="rect">
-            <a:avLst/>
-          </a:prstGeom>
-          <a:solidFill>
-            <a:srgbClr val="9B0014"/>
-          </a:solidFill>
-          <a:ln>
-            <a:noFill/>
-          </a:ln>
-        </p:spPr>
-        <p:txBody>
-          <a:bodyPr spcFirstLastPara="1" wrap="square" lIns="91425" tIns="91425" rIns="91425" bIns="91425" anchor="ctr" anchorCtr="0">
-            <a:noAutofit/>
-          </a:bodyPr>
-          <a:lstStyle/>
-          <a:p>
-            <a:pPr marL="0" lvl="0" indent="0">
-              <a:spcBef>
-                <a:spcPts val="0"/>
-              </a:spcBef>
-              <a:spcAft>
-                <a:spcPts val="0"/>
-              </a:spcAft>
-              <a:buNone/>
-            </a:pPr>
-            <a:endParaRPr/>
-          </a:p>
-        </p:txBody>
-      </p:sp>
-      <p:sp>
-        <p:nvSpPr>
-          <p:cNvPr id="7" name="CasellaDiTesto 6">
-            <a:extLst>
-              <a:ext uri="{FF2B5EF4-FFF2-40B4-BE49-F238E27FC236}">
-                <a16:creationId xmlns:a16="http://schemas.microsoft.com/office/drawing/2014/main" id="{E9E9713D-F4CC-901E-F68C-ED5F9E21CA42}"/>
-              </a:ext>
-            </a:extLst>
-          </p:cNvPr>
-          <p:cNvSpPr txBox="1"/>
-          <p:nvPr/>
-        </p:nvSpPr>
-        <p:spPr>
-          <a:xfrm>
-            <a:off x="453650" y="1086345"/>
-            <a:ext cx="7874275" cy="3183467"/>
-          </a:xfrm>
-          <a:prstGeom prst="rect">
-            <a:avLst/>
-          </a:prstGeom>
-          <a:noFill/>
-        </p:spPr>
-        <p:txBody>
-          <a:bodyPr wrap="square" lIns="91440" tIns="45720" rIns="91440" bIns="45720" rtlCol="0" anchor="t">
-            <a:spAutoFit/>
-          </a:bodyPr>
-          <a:lstStyle/>
-          <a:p>
-            <a:pPr algn="just"/>
-            <a:r>
-              <a:rPr lang="it-IT" sz="2000" b="1" dirty="0">
-                <a:latin typeface="Segoe UI"/>
-              </a:rPr>
-              <a:t>Touch interaction </a:t>
-            </a:r>
-            <a:r>
-              <a:rPr lang="it-IT" sz="2000" b="1" dirty="0" err="1">
-                <a:latin typeface="Segoe UI"/>
-              </a:rPr>
-              <a:t>barriers</a:t>
-            </a:r>
-            <a:r>
-              <a:rPr lang="it-IT" sz="2000" b="1" dirty="0">
-                <a:latin typeface="Segoe UI"/>
-              </a:rPr>
-              <a:t>:</a:t>
-            </a:r>
-            <a:endParaRPr lang="it-IT" sz="2000" b="1" dirty="0" err="1">
-              <a:latin typeface="Segoe UI"/>
-            </a:endParaRPr>
-          </a:p>
-          <a:p>
-            <a:pPr marL="285750" indent="-285750" algn="just">
-              <a:buFont typeface="Arial"/>
-              <a:buChar char="•"/>
-            </a:pPr>
-            <a:r>
-              <a:rPr lang="it-IT" sz="2000" b="1" dirty="0">
-                <a:latin typeface="Segoe UI"/>
-              </a:rPr>
-              <a:t>Target size </a:t>
-            </a:r>
-            <a:r>
-              <a:rPr lang="it-IT" sz="2000" err="1">
-                <a:latin typeface="Segoe UI"/>
-              </a:rPr>
-              <a:t>not</a:t>
-            </a:r>
-            <a:r>
-              <a:rPr lang="it-IT" sz="2000" dirty="0">
-                <a:latin typeface="Segoe UI"/>
-              </a:rPr>
-              <a:t> </a:t>
-            </a:r>
-            <a:r>
-              <a:rPr lang="it-IT" sz="2000" err="1">
-                <a:latin typeface="Segoe UI"/>
-              </a:rPr>
-              <a:t>standardized</a:t>
-            </a:r>
-            <a:r>
-              <a:rPr lang="it-IT" sz="2000" dirty="0">
-                <a:latin typeface="Segoe UI"/>
-              </a:rPr>
-              <a:t> and </a:t>
-            </a:r>
-            <a:r>
-              <a:rPr lang="it-IT" sz="2000" err="1">
-                <a:latin typeface="Segoe UI"/>
-              </a:rPr>
-              <a:t>difficult</a:t>
-            </a:r>
-            <a:r>
-              <a:rPr lang="it-IT" sz="2000" dirty="0">
-                <a:latin typeface="Segoe UI"/>
-              </a:rPr>
-              <a:t> to use</a:t>
-            </a:r>
-          </a:p>
-          <a:p>
-            <a:pPr marL="285750" indent="-285750" algn="just">
-              <a:buFont typeface="Arial"/>
-              <a:buChar char="•"/>
-            </a:pPr>
-            <a:r>
-              <a:rPr lang="it-IT" sz="2000" b="1" dirty="0" err="1">
-                <a:latin typeface="Segoe UI"/>
-              </a:rPr>
-              <a:t>Complex</a:t>
-            </a:r>
-            <a:r>
-              <a:rPr lang="it-IT" sz="2000" b="1" dirty="0">
-                <a:latin typeface="Segoe UI"/>
-              </a:rPr>
-              <a:t> </a:t>
-            </a:r>
-            <a:r>
-              <a:rPr lang="it-IT" sz="2000" b="1" dirty="0" err="1">
-                <a:latin typeface="Segoe UI"/>
-              </a:rPr>
-              <a:t>gestures</a:t>
-            </a:r>
-            <a:r>
-              <a:rPr lang="it-IT" sz="2000" dirty="0">
-                <a:latin typeface="Segoe UI"/>
-              </a:rPr>
-              <a:t> </a:t>
-            </a:r>
-            <a:r>
-              <a:rPr lang="it-IT" sz="2000" dirty="0" err="1">
-                <a:latin typeface="Segoe UI"/>
-              </a:rPr>
-              <a:t>might</a:t>
-            </a:r>
-            <a:r>
-              <a:rPr lang="it-IT" sz="2000" dirty="0">
-                <a:latin typeface="Segoe UI"/>
-              </a:rPr>
-              <a:t> </a:t>
-            </a:r>
-            <a:r>
-              <a:rPr lang="it-IT" sz="2000" dirty="0" err="1">
-                <a:latin typeface="Segoe UI"/>
-              </a:rPr>
-              <a:t>exclude</a:t>
-            </a:r>
-            <a:r>
-              <a:rPr lang="it-IT" sz="2000" dirty="0">
-                <a:latin typeface="Segoe UI"/>
-              </a:rPr>
-              <a:t> </a:t>
-            </a:r>
-            <a:r>
-              <a:rPr lang="it-IT" sz="2000" dirty="0" err="1">
-                <a:latin typeface="Segoe UI"/>
-              </a:rPr>
-              <a:t>different</a:t>
-            </a:r>
-            <a:r>
-              <a:rPr lang="it-IT" sz="2000" dirty="0">
-                <a:latin typeface="Segoe UI"/>
-              </a:rPr>
-              <a:t> </a:t>
-            </a:r>
-            <a:r>
-              <a:rPr lang="it-IT" sz="2000" dirty="0" err="1">
-                <a:latin typeface="Segoe UI"/>
-              </a:rPr>
-              <a:t>categories</a:t>
-            </a:r>
-            <a:r>
-              <a:rPr lang="it-IT" sz="2000" dirty="0">
-                <a:latin typeface="Segoe UI"/>
-              </a:rPr>
-              <a:t> of users</a:t>
-            </a:r>
-            <a:endParaRPr lang="it-IT">
-              <a:latin typeface="Segoe UI"/>
-            </a:endParaRPr>
-          </a:p>
-          <a:p>
-            <a:pPr marL="285750" indent="-285750" algn="just">
-              <a:buFont typeface="Arial"/>
-              <a:buChar char="•"/>
-            </a:pPr>
-            <a:r>
-              <a:rPr lang="it-IT" sz="2000" b="1" dirty="0">
-                <a:latin typeface="Segoe UI"/>
-              </a:rPr>
-              <a:t>One-</a:t>
-            </a:r>
-            <a:r>
-              <a:rPr lang="it-IT" sz="2000" b="1" err="1">
-                <a:latin typeface="Segoe UI"/>
-              </a:rPr>
-              <a:t>handed</a:t>
-            </a:r>
-            <a:r>
-              <a:rPr lang="it-IT" sz="2000" b="1" dirty="0">
-                <a:latin typeface="Segoe UI"/>
-              </a:rPr>
-              <a:t> </a:t>
-            </a:r>
-            <a:r>
-              <a:rPr lang="it-IT" sz="2000" b="1" err="1">
-                <a:latin typeface="Segoe UI"/>
-              </a:rPr>
-              <a:t>operation</a:t>
-            </a:r>
-            <a:r>
-              <a:rPr lang="it-IT" sz="2000" dirty="0">
-                <a:latin typeface="Segoe UI"/>
-              </a:rPr>
-              <a:t> </a:t>
-            </a:r>
-            <a:r>
-              <a:rPr lang="it-IT" sz="2000" err="1">
-                <a:latin typeface="Segoe UI"/>
-              </a:rPr>
-              <a:t>limitations</a:t>
-            </a:r>
-            <a:endParaRPr lang="it-IT">
-              <a:latin typeface="Segoe UI"/>
-            </a:endParaRPr>
-          </a:p>
-          <a:p>
-            <a:pPr marL="285750" indent="-285750" algn="just">
-              <a:buFont typeface="Arial"/>
-              <a:buChar char="•"/>
-            </a:pPr>
-            <a:endParaRPr lang="it-IT" sz="2000" dirty="0">
-              <a:latin typeface="Segoe UI"/>
-            </a:endParaRPr>
-          </a:p>
-          <a:p>
-            <a:pPr algn="just"/>
-            <a:r>
-              <a:rPr lang="it-IT" sz="2000" b="1" dirty="0">
-                <a:latin typeface="Segoe UI"/>
-              </a:rPr>
-              <a:t>Mobile </a:t>
-            </a:r>
-            <a:r>
-              <a:rPr lang="it-IT" sz="2000" b="1" dirty="0" err="1">
-                <a:latin typeface="Segoe UI"/>
-              </a:rPr>
-              <a:t>context</a:t>
-            </a:r>
-            <a:r>
-              <a:rPr lang="it-IT" sz="2000" b="1" dirty="0">
-                <a:latin typeface="Segoe UI"/>
-              </a:rPr>
-              <a:t> </a:t>
-            </a:r>
-            <a:r>
-              <a:rPr lang="it-IT" sz="2000" b="1" dirty="0" err="1">
-                <a:latin typeface="Segoe UI"/>
-              </a:rPr>
-              <a:t>issues</a:t>
-            </a:r>
-            <a:r>
-              <a:rPr lang="it-IT" sz="2000" b="1" dirty="0">
-                <a:latin typeface="Segoe UI"/>
-              </a:rPr>
-              <a:t>:</a:t>
-            </a:r>
-          </a:p>
-          <a:p>
-            <a:pPr marL="285750" indent="-285750" algn="just">
-              <a:buFont typeface="Arial"/>
-              <a:buChar char="•"/>
-            </a:pPr>
-            <a:r>
-              <a:rPr lang="it-IT" sz="2000" b="1" dirty="0">
-                <a:latin typeface="Segoe UI"/>
-              </a:rPr>
-              <a:t>Small screens</a:t>
-            </a:r>
-            <a:r>
-              <a:rPr lang="it-IT" sz="2000" dirty="0">
-                <a:latin typeface="Segoe UI"/>
-              </a:rPr>
-              <a:t> </a:t>
-            </a:r>
-            <a:r>
-              <a:rPr lang="it-IT" sz="2000" err="1">
-                <a:latin typeface="Segoe UI"/>
-              </a:rPr>
-              <a:t>affect</a:t>
-            </a:r>
-            <a:r>
-              <a:rPr lang="it-IT" sz="2000" dirty="0">
-                <a:latin typeface="Segoe UI"/>
-              </a:rPr>
-              <a:t> </a:t>
-            </a:r>
-            <a:r>
-              <a:rPr lang="it-IT" sz="2000" err="1">
-                <a:latin typeface="Segoe UI"/>
-              </a:rPr>
-              <a:t>content</a:t>
-            </a:r>
-            <a:r>
-              <a:rPr lang="it-IT" sz="2000" dirty="0">
-                <a:latin typeface="Segoe UI"/>
-              </a:rPr>
-              <a:t> </a:t>
-            </a:r>
-            <a:r>
-              <a:rPr lang="it-IT" sz="2000" err="1">
-                <a:latin typeface="Segoe UI"/>
-              </a:rPr>
-              <a:t>hierarchy</a:t>
-            </a:r>
-            <a:endParaRPr lang="it-IT">
-              <a:latin typeface="Segoe UI"/>
-            </a:endParaRPr>
-          </a:p>
-          <a:p>
-            <a:pPr marL="285750" indent="-285750" algn="just">
-              <a:buFont typeface="Arial"/>
-              <a:buChar char="•"/>
-            </a:pPr>
-            <a:r>
-              <a:rPr lang="it-IT" sz="2000" b="1" err="1">
-                <a:latin typeface="Segoe UI"/>
-              </a:rPr>
-              <a:t>Orientation</a:t>
-            </a:r>
-            <a:r>
-              <a:rPr lang="it-IT" sz="2000" b="1" dirty="0">
-                <a:latin typeface="Segoe UI"/>
-              </a:rPr>
-              <a:t> </a:t>
-            </a:r>
-            <a:r>
-              <a:rPr lang="it-IT" sz="2000" b="1" err="1">
-                <a:latin typeface="Segoe UI"/>
-              </a:rPr>
-              <a:t>changes</a:t>
-            </a:r>
-            <a:r>
-              <a:rPr lang="it-IT" sz="2000" dirty="0">
-                <a:latin typeface="Segoe UI"/>
-              </a:rPr>
-              <a:t> </a:t>
-            </a:r>
-            <a:r>
-              <a:rPr lang="it-IT" sz="2000" err="1">
-                <a:latin typeface="Segoe UI"/>
-              </a:rPr>
-              <a:t>disrupt</a:t>
-            </a:r>
-            <a:r>
-              <a:rPr lang="it-IT" sz="2000" dirty="0">
-                <a:latin typeface="Segoe UI"/>
-              </a:rPr>
-              <a:t> </a:t>
-            </a:r>
-            <a:r>
-              <a:rPr lang="it-IT" sz="2000" err="1">
-                <a:latin typeface="Segoe UI"/>
-              </a:rPr>
-              <a:t>navigation</a:t>
-            </a:r>
-            <a:endParaRPr lang="it-IT" err="1">
-              <a:latin typeface="Segoe UI"/>
-            </a:endParaRPr>
-          </a:p>
-          <a:p>
-            <a:pPr marL="285750" indent="-285750" algn="just">
-              <a:buFont typeface="Arial"/>
-              <a:buChar char="•"/>
-            </a:pPr>
-            <a:r>
-              <a:rPr lang="it-IT" sz="2000" b="1" dirty="0">
-                <a:latin typeface="Segoe UI"/>
-              </a:rPr>
-              <a:t>Performance impact</a:t>
-            </a:r>
-            <a:r>
-              <a:rPr lang="it-IT" sz="2000" dirty="0">
-                <a:latin typeface="Segoe UI"/>
-              </a:rPr>
-              <a:t> on </a:t>
-            </a:r>
-            <a:r>
-              <a:rPr lang="it-IT" sz="2000" err="1">
-                <a:latin typeface="Segoe UI"/>
-              </a:rPr>
-              <a:t>battery</a:t>
-            </a:r>
-            <a:r>
-              <a:rPr lang="it-IT" sz="2000" dirty="0">
-                <a:latin typeface="Segoe UI"/>
-              </a:rPr>
-              <a:t> and processing</a:t>
-            </a:r>
-            <a:endParaRPr lang="it-IT">
-              <a:latin typeface="Segoe UI"/>
-            </a:endParaRPr>
-          </a:p>
-          <a:p>
-            <a:pPr algn="just"/>
-            <a:endParaRPr lang="it-IT" sz="2000" dirty="0">
-              <a:latin typeface="Segoe UI"/>
-            </a:endParaRPr>
-          </a:p>
-        </p:txBody>
-      </p:sp>
-      <p:sp>
-        <p:nvSpPr>
-          <p:cNvPr id="23" name="CasellaDiTesto 22">
-            <a:extLst>
-              <a:ext uri="{FF2B5EF4-FFF2-40B4-BE49-F238E27FC236}">
-                <a16:creationId xmlns:a16="http://schemas.microsoft.com/office/drawing/2014/main" id="{AFE6E6FF-F36A-561B-FE4C-891F9D222087}"/>
-              </a:ext>
-            </a:extLst>
-          </p:cNvPr>
-          <p:cNvSpPr txBox="1"/>
-          <p:nvPr/>
-        </p:nvSpPr>
-        <p:spPr>
-          <a:xfrm>
-            <a:off x="4781846" y="6482191"/>
-            <a:ext cx="3911435" cy="261610"/>
-          </a:xfrm>
-          <a:prstGeom prst="rect">
-            <a:avLst/>
-          </a:prstGeom>
-          <a:noFill/>
-        </p:spPr>
-        <p:txBody>
-          <a:bodyPr wrap="square" lIns="91440" tIns="45720" rIns="91440" bIns="45720" rtlCol="0" anchor="t">
-            <a:spAutoFit/>
-          </a:bodyPr>
-          <a:lstStyle/>
-          <a:p>
-            <a:pPr algn="r"/>
-            <a:r>
-              <a:rPr lang="it-IT" sz="1100" dirty="0">
-                <a:solidFill>
-                  <a:schemeClr val="bg1"/>
-                </a:solidFill>
-                <a:latin typeface="Segoe UI"/>
-              </a:rPr>
-              <a:t>G. Rovesti - Designing an accessibility learning toolkit</a:t>
-            </a:r>
-            <a:endParaRPr lang="it-IT" dirty="0">
-              <a:solidFill>
-                <a:schemeClr val="bg1"/>
-              </a:solidFill>
-              <a:latin typeface="Segoe UI"/>
-            </a:endParaRPr>
-          </a:p>
-        </p:txBody>
-      </p:sp>
-      <p:pic>
-        <p:nvPicPr>
-          <p:cNvPr id="2" name="Immagine 1" descr="Accessibility barriers: what are they and how to overcome them?">
-            <a:extLst>
-              <a:ext uri="{FF2B5EF4-FFF2-40B4-BE49-F238E27FC236}">
-                <a16:creationId xmlns:a16="http://schemas.microsoft.com/office/drawing/2014/main" id="{6BFB8CE1-C09D-60A8-7187-C1FB96B971BC}"/>
-              </a:ext>
-            </a:extLst>
-          </p:cNvPr>
-          <p:cNvPicPr>
-            <a:picLocks noChangeAspect="1"/>
-          </p:cNvPicPr>
-          <p:nvPr/>
-        </p:nvPicPr>
-        <p:blipFill>
-          <a:blip r:embed="rId3"/>
-          <a:stretch>
-            <a:fillRect/>
-          </a:stretch>
-        </p:blipFill>
-        <p:spPr>
-          <a:xfrm>
-            <a:off x="1328822" y="4438129"/>
-            <a:ext cx="2489200" cy="1537743"/>
-          </a:xfrm>
-          <a:prstGeom prst="rect">
-            <a:avLst/>
-          </a:prstGeom>
-        </p:spPr>
-      </p:pic>
-      <p:pic>
-        <p:nvPicPr>
-          <p:cNvPr id="3" name="Immagine 2" descr="Why Mobile Accessibility Matters">
-            <a:extLst>
-              <a:ext uri="{FF2B5EF4-FFF2-40B4-BE49-F238E27FC236}">
-                <a16:creationId xmlns:a16="http://schemas.microsoft.com/office/drawing/2014/main" id="{60A3E4C7-B222-F8CE-E5C9-79B4BD49B732}"/>
-              </a:ext>
-            </a:extLst>
-          </p:cNvPr>
-          <p:cNvPicPr>
-            <a:picLocks noChangeAspect="1"/>
-          </p:cNvPicPr>
-          <p:nvPr/>
-        </p:nvPicPr>
-        <p:blipFill>
-          <a:blip r:embed="rId4"/>
-          <a:stretch>
-            <a:fillRect/>
-          </a:stretch>
-        </p:blipFill>
-        <p:spPr>
-          <a:xfrm>
-            <a:off x="4777874" y="4435475"/>
-            <a:ext cx="2743200" cy="1543050"/>
-          </a:xfrm>
-          <a:prstGeom prst="rect">
-            <a:avLst/>
-          </a:prstGeom>
-        </p:spPr>
-      </p:pic>
-      <p:sp>
-        <p:nvSpPr>
-          <p:cNvPr id="5" name="CasellaDiTesto 4">
-            <a:extLst>
-              <a:ext uri="{FF2B5EF4-FFF2-40B4-BE49-F238E27FC236}">
-                <a16:creationId xmlns:a16="http://schemas.microsoft.com/office/drawing/2014/main" id="{69A2056E-62FA-1A95-A766-83C19185F9BE}"/>
-              </a:ext>
-            </a:extLst>
-          </p:cNvPr>
-          <p:cNvSpPr txBox="1"/>
-          <p:nvPr/>
-        </p:nvSpPr>
-        <p:spPr>
-          <a:xfrm>
-            <a:off x="8538371" y="6482191"/>
-            <a:ext cx="609436" cy="261610"/>
-          </a:xfrm>
-          <a:prstGeom prst="rect">
-            <a:avLst/>
-          </a:prstGeom>
-          <a:noFill/>
-        </p:spPr>
-        <p:txBody>
-          <a:bodyPr wrap="square" lIns="91440" tIns="45720" rIns="91440" bIns="45720" rtlCol="0" anchor="t">
-            <a:spAutoFit/>
-          </a:bodyPr>
-          <a:lstStyle/>
-          <a:p>
-            <a:pPr algn="r"/>
-            <a:r>
-              <a:rPr lang="it-IT" sz="1100" dirty="0">
-                <a:solidFill>
-                  <a:schemeClr val="bg1"/>
-                </a:solidFill>
-                <a:latin typeface="Segoe UI"/>
-              </a:rPr>
-              <a:t>3/16</a:t>
-            </a:r>
-            <a:endParaRPr lang="it-IT" dirty="0">
-              <a:solidFill>
-                <a:schemeClr val="bg1"/>
-              </a:solidFill>
-            </a:endParaRPr>
-          </a:p>
-        </p:txBody>
-      </p:sp>
-      <p:sp>
-        <p:nvSpPr>
-          <p:cNvPr id="9" name="Shape 99">
-            <a:extLst>
-              <a:ext uri="{FF2B5EF4-FFF2-40B4-BE49-F238E27FC236}">
-                <a16:creationId xmlns:a16="http://schemas.microsoft.com/office/drawing/2014/main" id="{C190D3FF-7227-259B-E7AB-7821A472E8F7}"/>
-              </a:ext>
-            </a:extLst>
-          </p:cNvPr>
-          <p:cNvSpPr txBox="1">
-            <a:spLocks/>
-          </p:cNvSpPr>
-          <p:nvPr/>
-        </p:nvSpPr>
-        <p:spPr>
-          <a:xfrm>
-            <a:off x="457200" y="-182567"/>
-            <a:ext cx="6817310" cy="1210142"/>
-          </a:xfrm>
-          <a:prstGeom prst="rect">
-            <a:avLst/>
-          </a:prstGeom>
-          <a:noFill/>
-          <a:ln>
-            <a:noFill/>
-          </a:ln>
-        </p:spPr>
-        <p:txBody>
-          <a:bodyPr spcFirstLastPara="1" wrap="square" lIns="82925" tIns="82925" rIns="82925" bIns="82925" anchor="ctr" anchorCtr="0">
-            <a:noAutofit/>
-          </a:bodyPr>
-          <a:lstStyle>
-            <a:defPPr marR="0" lvl="0" algn="l" rtl="0">
-              <a:lnSpc>
-                <a:spcPct val="100000"/>
-              </a:lnSpc>
-              <a:spcBef>
-                <a:spcPts val="0"/>
-              </a:spcBef>
-              <a:spcAft>
-                <a:spcPts val="0"/>
-              </a:spcAft>
-            </a:defPPr>
-            <a:lvl1pPr marL="0" marR="0" lvl="0" indent="-82550" algn="l" rtl="0" eaLnBrk="1" hangingPunct="1">
-              <a:lnSpc>
-                <a:spcPct val="93000"/>
-              </a:lnSpc>
-              <a:spcBef>
-                <a:spcPts val="0"/>
-              </a:spcBef>
-              <a:spcAft>
-                <a:spcPts val="0"/>
-              </a:spcAft>
-              <a:buSzPts val="1300"/>
-              <a:buChar char="●"/>
-              <a:defRPr sz="1300" b="0" i="0" u="none" strike="noStrike" cap="none">
-                <a:solidFill>
-                  <a:srgbClr val="000000"/>
-                </a:solidFill>
-                <a:latin typeface="Arial"/>
-                <a:ea typeface="Arial"/>
-                <a:cs typeface="Arial"/>
-                <a:sym typeface="Arial"/>
-              </a:defRPr>
-            </a:lvl1pPr>
-            <a:lvl2pPr marL="673100" marR="0" lvl="1" indent="-336550" algn="l" rtl="0">
-              <a:lnSpc>
-                <a:spcPct val="93000"/>
-              </a:lnSpc>
-              <a:spcBef>
-                <a:spcPts val="0"/>
-              </a:spcBef>
-              <a:spcAft>
-                <a:spcPts val="0"/>
-              </a:spcAft>
-              <a:buSzPts val="1300"/>
-              <a:buChar char="○"/>
-              <a:defRPr sz="1300"/>
-            </a:lvl2pPr>
-            <a:lvl3pPr marL="1041400" marR="0" lvl="2" indent="-298450" algn="l" rtl="0">
-              <a:lnSpc>
-                <a:spcPct val="93000"/>
-              </a:lnSpc>
-              <a:spcBef>
-                <a:spcPts val="0"/>
-              </a:spcBef>
-              <a:spcAft>
-                <a:spcPts val="0"/>
-              </a:spcAft>
-              <a:buSzPts val="1300"/>
-              <a:buChar char="■"/>
-              <a:defRPr sz="1300"/>
-            </a:lvl3pPr>
-            <a:lvl4pPr marL="1447800" marR="0" lvl="3" indent="-285750" algn="l" rtl="0">
-              <a:lnSpc>
-                <a:spcPct val="93000"/>
-              </a:lnSpc>
-              <a:spcBef>
-                <a:spcPts val="0"/>
-              </a:spcBef>
-              <a:spcAft>
-                <a:spcPts val="0"/>
-              </a:spcAft>
-              <a:buSzPts val="1300"/>
-              <a:buChar char="●"/>
-              <a:defRPr sz="1300"/>
-            </a:lvl4pPr>
-            <a:lvl5pPr marL="1866900" marR="0" lvl="4" indent="-285750" algn="l" rtl="0">
-              <a:lnSpc>
-                <a:spcPct val="93000"/>
-              </a:lnSpc>
-              <a:spcBef>
-                <a:spcPts val="0"/>
-              </a:spcBef>
-              <a:spcAft>
-                <a:spcPts val="0"/>
-              </a:spcAft>
-              <a:buSzPts val="1300"/>
-              <a:buChar char="○"/>
-              <a:defRPr sz="1300"/>
-            </a:lvl5pPr>
-            <a:lvl6pPr marL="2286000" marR="0" lvl="5" indent="-298450" algn="l" rtl="0">
-              <a:lnSpc>
-                <a:spcPct val="93000"/>
-              </a:lnSpc>
-              <a:spcBef>
-                <a:spcPts val="0"/>
-              </a:spcBef>
-              <a:spcAft>
-                <a:spcPts val="0"/>
-              </a:spcAft>
-              <a:buSzPts val="1300"/>
-              <a:buChar char="■"/>
-              <a:defRPr sz="1300"/>
-            </a:lvl6pPr>
-            <a:lvl7pPr marL="3111500" marR="0" lvl="6" indent="-285750" algn="l" rtl="0">
-              <a:lnSpc>
-                <a:spcPct val="93000"/>
-              </a:lnSpc>
-              <a:spcBef>
-                <a:spcPts val="0"/>
-              </a:spcBef>
-              <a:spcAft>
-                <a:spcPts val="0"/>
-              </a:spcAft>
-              <a:buSzPts val="1300"/>
-              <a:buChar char="●"/>
-              <a:defRPr sz="1300"/>
-            </a:lvl7pPr>
-            <a:lvl8pPr marL="4356100" marR="0" lvl="7" indent="-285750" algn="l" rtl="0">
-              <a:lnSpc>
-                <a:spcPct val="93000"/>
-              </a:lnSpc>
-              <a:spcBef>
-                <a:spcPts val="0"/>
-              </a:spcBef>
-              <a:spcAft>
-                <a:spcPts val="0"/>
-              </a:spcAft>
-              <a:buSzPts val="1300"/>
-              <a:buChar char="○"/>
-              <a:defRPr sz="1300"/>
-            </a:lvl8pPr>
-            <a:lvl9pPr marL="6019800" marR="0" lvl="8" indent="-298450" algn="l" rtl="0">
-              <a:lnSpc>
-                <a:spcPct val="93000"/>
-              </a:lnSpc>
-              <a:spcBef>
-                <a:spcPts val="0"/>
-              </a:spcBef>
-              <a:spcAft>
-                <a:spcPts val="0"/>
-              </a:spcAft>
-              <a:buSzPts val="1300"/>
-              <a:buChar char="■"/>
-              <a:defRPr sz="1300"/>
-            </a:lvl9pPr>
-          </a:lstStyle>
-          <a:p>
-            <a:pPr indent="0">
-              <a:buNone/>
-            </a:pPr>
-            <a:r>
-              <a:rPr lang="it-IT" sz="3000" dirty="0">
-                <a:solidFill>
-                  <a:srgbClr val="FFFFFF"/>
-                </a:solidFill>
-                <a:latin typeface="Segoe UI"/>
-              </a:rPr>
-              <a:t>First and </a:t>
-            </a:r>
-            <a:r>
-              <a:rPr lang="it-IT" sz="3000" dirty="0" err="1">
-                <a:solidFill>
-                  <a:srgbClr val="FFFFFF"/>
-                </a:solidFill>
-                <a:latin typeface="Segoe UI"/>
-              </a:rPr>
-              <a:t>not</a:t>
-            </a:r>
-            <a:r>
-              <a:rPr lang="it-IT" sz="3000" dirty="0">
-                <a:solidFill>
-                  <a:srgbClr val="FFFFFF"/>
-                </a:solidFill>
-                <a:latin typeface="Segoe UI"/>
-              </a:rPr>
-              <a:t> </a:t>
-            </a:r>
-            <a:r>
-              <a:rPr lang="it-IT" sz="3000" dirty="0" err="1">
-                <a:solidFill>
-                  <a:srgbClr val="FFFFFF"/>
-                </a:solidFill>
-                <a:latin typeface="Segoe UI"/>
-              </a:rPr>
-              <a:t>least</a:t>
-            </a:r>
-            <a:r>
-              <a:rPr lang="it-IT" sz="3000" dirty="0">
-                <a:solidFill>
-                  <a:srgbClr val="FFFFFF"/>
-                </a:solidFill>
-                <a:latin typeface="Segoe UI"/>
-              </a:rPr>
-              <a:t>: Mobile challenges</a:t>
-            </a:r>
-            <a:endParaRPr lang="it-IT" dirty="0"/>
-          </a:p>
-        </p:txBody>
-      </p:sp>
-    </p:spTree>
-    <p:extLst>
-      <p:ext uri="{BB962C8B-B14F-4D97-AF65-F5344CB8AC3E}">
-        <p14:creationId xmlns:p14="http://schemas.microsoft.com/office/powerpoint/2010/main" val="93499108"/>
-      </p:ext>
-    </p:extLst>
-  </p:cSld>
-  <p:clrMapOvr>
-    <a:masterClrMapping/>
-  </p:clrMapOvr>
-</p:sld>
-</file>
-
-<file path=ppt/slides/slide4.xml><?xml version="1.0" encoding="utf-8"?>
-<p:sld xmlns:a="http://schemas.openxmlformats.org/drawingml/2006/main" xmlns:r="http://schemas.openxmlformats.org/officeDocument/2006/relationships" xmlns:p="http://schemas.openxmlformats.org/presentationml/2006/main">
-  <p:cSld>
-    <p:spTree>
-      <p:nvGrpSpPr>
-        <p:cNvPr id="1" name="Shape 98">
-          <a:extLst>
-            <a:ext uri="{FF2B5EF4-FFF2-40B4-BE49-F238E27FC236}">
               <a16:creationId xmlns:a16="http://schemas.microsoft.com/office/drawing/2014/main" id="{3064AAFD-CCD5-EDE4-D5E5-BC88EB447E0B}"/>
             </a:ext>
           </a:extLst>
@@ -15238,7 +14299,7 @@
         <p:spPr>
           <a:xfrm>
             <a:off x="453650" y="969267"/>
-            <a:ext cx="5597921" cy="5355312"/>
+            <a:ext cx="5639234" cy="5355312"/>
           </a:xfrm>
           <a:prstGeom prst="rect">
             <a:avLst/>
@@ -15264,7 +14325,7 @@
               </a:rPr>
               <a:t> standards:</a:t>
             </a:r>
-            <a:endParaRPr lang="it-IT">
+            <a:endParaRPr lang="it-IT" sz="1800">
               <a:latin typeface="Segoe UI"/>
             </a:endParaRPr>
           </a:p>
@@ -15333,7 +14394,7 @@
               </a:rPr>
               <a:t>focused</a:t>
             </a:r>
-            <a:endParaRPr lang="it-IT">
+            <a:endParaRPr lang="it-IT" sz="1800" dirty="0">
               <a:latin typeface="Segoe UI"/>
             </a:endParaRPr>
           </a:p>
@@ -15378,7 +14439,7 @@
               </a:rPr>
               <a:t> on WCAG 2.0</a:t>
             </a:r>
-            <a:endParaRPr lang="it-IT">
+            <a:endParaRPr lang="it-IT" sz="1800">
               <a:latin typeface="Segoe UI"/>
             </a:endParaRPr>
           </a:p>
@@ -15441,7 +14502,7 @@
               </a:rPr>
               <a:t>only</a:t>
             </a:r>
-            <a:endParaRPr lang="it-IT">
+            <a:endParaRPr lang="it-IT" sz="1800" dirty="0">
               <a:latin typeface="Segoe UI"/>
             </a:endParaRPr>
           </a:p>
@@ -15459,195 +14520,281 @@
             <a:r>
               <a:rPr lang="it-IT" sz="1800" b="1" dirty="0">
                 <a:latin typeface="Segoe UI"/>
+                <a:cs typeface="Segoe UI"/>
               </a:rPr>
               <a:t>The </a:t>
             </a:r>
             <a:r>
               <a:rPr lang="it-IT" sz="1800" b="1" dirty="0" err="1">
                 <a:latin typeface="Segoe UI"/>
+                <a:cs typeface="Segoe UI"/>
               </a:rPr>
               <a:t>problem</a:t>
             </a:r>
             <a:r>
               <a:rPr lang="it-IT" sz="1800" b="1" dirty="0">
                 <a:latin typeface="Segoe UI"/>
+                <a:cs typeface="Segoe UI"/>
               </a:rPr>
               <a:t>:</a:t>
             </a:r>
-            <a:endParaRPr lang="it-IT">
-              <a:latin typeface="Segoe UI"/>
+            <a:endParaRPr lang="it-IT" sz="1800">
+              <a:cs typeface="Segoe UI"/>
             </a:endParaRPr>
           </a:p>
           <a:p>
-            <a:pPr marL="285750" indent="-285750" algn="just">
-              <a:buFont typeface="Arial"/>
-              <a:buChar char="•"/>
-            </a:pPr>
+            <a:pPr algn="just"/>
+            <a:r>
+              <a:rPr lang="it-IT" sz="1800" b="1" dirty="0">
+                <a:latin typeface="Segoe UI"/>
+                <a:cs typeface="Segoe UI"/>
+              </a:rPr>
+              <a:t>- </a:t>
+            </a:r>
             <a:r>
               <a:rPr lang="it-IT" sz="1800" b="1" dirty="0" err="1">
                 <a:latin typeface="Segoe UI"/>
-              </a:rPr>
-              <a:t>Outdated</a:t>
+                <a:cs typeface="Segoe UI"/>
+              </a:rPr>
+              <a:t>Implementation</a:t>
             </a:r>
             <a:r>
               <a:rPr lang="it-IT" sz="1800" b="1" dirty="0">
                 <a:latin typeface="Segoe UI"/>
+                <a:cs typeface="Segoe UI"/>
               </a:rPr>
               <a:t> </a:t>
             </a:r>
             <a:r>
               <a:rPr lang="it-IT" sz="1800" b="1" dirty="0" err="1">
                 <a:latin typeface="Segoe UI"/>
-              </a:rPr>
-              <a:t>foundation</a:t>
+                <a:cs typeface="Segoe UI"/>
+              </a:rPr>
+              <a:t>void</a:t>
             </a:r>
             <a:r>
               <a:rPr lang="it-IT" sz="1800" b="1" dirty="0">
                 <a:latin typeface="Segoe UI"/>
-              </a:rPr>
-              <a:t>:</a:t>
+                <a:cs typeface="Segoe UI"/>
+              </a:rPr>
+              <a:t>: </a:t>
             </a:r>
             <a:r>
               <a:rPr lang="it-IT" sz="1800" dirty="0">
                 <a:latin typeface="Segoe UI"/>
-              </a:rPr>
-              <a:t> MCAG </a:t>
+                <a:cs typeface="Segoe UI"/>
+              </a:rPr>
+              <a:t>No </a:t>
             </a:r>
             <a:r>
               <a:rPr lang="it-IT" sz="1800" dirty="0" err="1">
                 <a:latin typeface="Segoe UI"/>
-              </a:rPr>
-              <a:t>missing</a:t>
+                <a:cs typeface="Segoe UI"/>
+              </a:rPr>
+              <a:t>comprehensive</a:t>
             </a:r>
             <a:r>
               <a:rPr lang="it-IT" sz="1800" dirty="0">
                 <a:latin typeface="Segoe UI"/>
-              </a:rPr>
-              <a:t> WCAG 2.1/2.2 mobile </a:t>
+                <a:cs typeface="Segoe UI"/>
+              </a:rPr>
+              <a:t> mobile-native framework </a:t>
             </a:r>
             <a:r>
               <a:rPr lang="it-IT" sz="1800" dirty="0" err="1">
                 <a:latin typeface="Segoe UI"/>
-              </a:rPr>
-              <a:t>criteria</a:t>
-            </a:r>
-            <a:endParaRPr lang="it-IT">
-              <a:latin typeface="Segoe UI"/>
-            </a:endParaRPr>
-          </a:p>
-          <a:p>
-            <a:pPr marL="285750" indent="-285750" algn="just">
-              <a:buFont typeface="Arial"/>
-              <a:buChar char="•"/>
-            </a:pPr>
+                <a:cs typeface="Segoe UI"/>
+              </a:rPr>
+              <a:t>since</a:t>
+            </a:r>
+            <a:r>
+              <a:rPr lang="it-IT" sz="1800" dirty="0">
+                <a:latin typeface="Segoe UI"/>
+                <a:cs typeface="Segoe UI"/>
+              </a:rPr>
+              <a:t> MCAG (2015)</a:t>
+            </a:r>
+            <a:endParaRPr lang="it-IT" sz="1800"/>
+          </a:p>
+          <a:p>
+            <a:pPr algn="just"/>
+            <a:r>
+              <a:rPr lang="it-IT" sz="1800" b="1" dirty="0">
+                <a:latin typeface="Segoe UI"/>
+                <a:cs typeface="Segoe UI"/>
+              </a:rPr>
+              <a:t>- </a:t>
+            </a:r>
             <a:r>
               <a:rPr lang="it-IT" sz="1800" b="1" dirty="0" err="1">
                 <a:latin typeface="Segoe UI"/>
-              </a:rPr>
-              <a:t>Implementation</a:t>
+                <a:cs typeface="Segoe UI"/>
+              </a:rPr>
+              <a:t>Guidance</a:t>
             </a:r>
             <a:r>
               <a:rPr lang="it-IT" sz="1800" b="1" dirty="0">
                 <a:latin typeface="Segoe UI"/>
+                <a:cs typeface="Segoe UI"/>
+              </a:rPr>
+              <a:t> gap: </a:t>
+            </a:r>
+            <a:r>
+              <a:rPr lang="it-IT" sz="1800" dirty="0" err="1">
+                <a:latin typeface="Segoe UI"/>
+                <a:cs typeface="Segoe UI"/>
+              </a:rPr>
+              <a:t>Only</a:t>
+            </a:r>
+            <a:r>
+              <a:rPr lang="it-IT" sz="1800" dirty="0">
+                <a:latin typeface="Segoe UI"/>
+                <a:cs typeface="Segoe UI"/>
               </a:rPr>
               <a:t> </a:t>
             </a:r>
             <a:r>
+              <a:rPr lang="it-IT" sz="1800" dirty="0" err="1">
+                <a:latin typeface="Segoe UI"/>
+                <a:cs typeface="Segoe UI"/>
+              </a:rPr>
+              <a:t>interpretations</a:t>
+            </a:r>
+            <a:r>
+              <a:rPr lang="it-IT" sz="1800" dirty="0">
+                <a:latin typeface="Segoe UI"/>
+                <a:cs typeface="Segoe UI"/>
+              </a:rPr>
+              <a:t>, </a:t>
+            </a:r>
+            <a:r>
+              <a:rPr lang="it-IT" sz="1800" dirty="0" err="1">
+                <a:latin typeface="Segoe UI"/>
+                <a:cs typeface="Segoe UI"/>
+              </a:rPr>
+              <a:t>not</a:t>
+            </a:r>
+            <a:r>
+              <a:rPr lang="it-IT" sz="1800" dirty="0">
+                <a:latin typeface="Segoe UI"/>
+                <a:cs typeface="Segoe UI"/>
+              </a:rPr>
+              <a:t> </a:t>
+            </a:r>
+            <a:r>
+              <a:rPr lang="it-IT" sz="1800" dirty="0" err="1">
+                <a:latin typeface="Segoe UI"/>
+                <a:cs typeface="Segoe UI"/>
+              </a:rPr>
+              <a:t>actionable</a:t>
+            </a:r>
+            <a:r>
+              <a:rPr lang="it-IT" sz="1800" dirty="0">
+                <a:latin typeface="Segoe UI"/>
+                <a:cs typeface="Segoe UI"/>
+              </a:rPr>
+              <a:t> </a:t>
+            </a:r>
+            <a:r>
+              <a:rPr lang="it-IT" sz="1800" dirty="0" err="1">
+                <a:latin typeface="Segoe UI"/>
+                <a:cs typeface="Segoe UI"/>
+              </a:rPr>
+              <a:t>implementation</a:t>
+            </a:r>
+            <a:r>
+              <a:rPr lang="it-IT" sz="1800" dirty="0">
+                <a:latin typeface="Segoe UI"/>
+                <a:cs typeface="Segoe UI"/>
+              </a:rPr>
+              <a:t> patterns</a:t>
+            </a:r>
+            <a:endParaRPr lang="it-IT" sz="1800"/>
+          </a:p>
+          <a:p>
+            <a:pPr algn="just"/>
+            <a:r>
+              <a:rPr lang="it-IT" sz="1800" b="1" dirty="0">
+                <a:latin typeface="Segoe UI"/>
+                <a:cs typeface="Segoe UI"/>
+              </a:rPr>
+              <a:t>- Developer </a:t>
+            </a:r>
+            <a:r>
               <a:rPr lang="it-IT" sz="1800" b="1" dirty="0" err="1">
                 <a:latin typeface="Segoe UI"/>
-              </a:rPr>
-              <a:t>void</a:t>
+                <a:cs typeface="Segoe UI"/>
+              </a:rPr>
+              <a:t>isolation</a:t>
             </a:r>
             <a:r>
               <a:rPr lang="it-IT" sz="1800" b="1" dirty="0">
                 <a:latin typeface="Segoe UI"/>
-              </a:rPr>
-              <a:t>:</a:t>
+                <a:cs typeface="Segoe UI"/>
+              </a:rPr>
+              <a:t>: </a:t>
+            </a:r>
+            <a:r>
+              <a:rPr lang="it-IT" sz="1800" dirty="0" err="1">
+                <a:latin typeface="Segoe UI"/>
+                <a:cs typeface="Segoe UI"/>
+              </a:rPr>
+              <a:t>Scattered</a:t>
             </a:r>
             <a:r>
               <a:rPr lang="it-IT" sz="1800" dirty="0">
                 <a:latin typeface="Segoe UI"/>
-              </a:rPr>
-              <a:t> No </a:t>
+                <a:cs typeface="Segoe UI"/>
+              </a:rPr>
+              <a:t> </a:t>
             </a:r>
             <a:r>
               <a:rPr lang="it-IT" sz="1800" dirty="0" err="1">
                 <a:latin typeface="Segoe UI"/>
-              </a:rPr>
-              <a:t>practical</a:t>
+                <a:cs typeface="Segoe UI"/>
+              </a:rPr>
+              <a:t>resources</a:t>
             </a:r>
             <a:r>
               <a:rPr lang="it-IT" sz="1800" dirty="0">
                 <a:latin typeface="Segoe UI"/>
-              </a:rPr>
-              <a:t> framework for mobile developers</a:t>
-            </a:r>
-            <a:endParaRPr lang="it-IT">
-              <a:latin typeface="Segoe UI"/>
-            </a:endParaRPr>
-          </a:p>
-          <a:p>
-            <a:pPr marL="285750" indent="-285750" algn="just">
-              <a:buFont typeface="Arial"/>
-              <a:buChar char="•"/>
-            </a:pPr>
-            <a:r>
-              <a:rPr lang="it-IT" sz="1800" b="1" dirty="0">
-                <a:latin typeface="Segoe UI"/>
-              </a:rPr>
-              <a:t>Knowledge </a:t>
-            </a:r>
-            <a:r>
-              <a:rPr lang="it-IT" sz="1800" b="1" dirty="0" err="1">
-                <a:latin typeface="Segoe UI"/>
-              </a:rPr>
-              <a:t>fragmentation</a:t>
-            </a:r>
-            <a:r>
-              <a:rPr lang="it-IT" sz="1800" b="1" dirty="0">
-                <a:latin typeface="Segoe UI"/>
-              </a:rPr>
-              <a:t>: </a:t>
+                <a:cs typeface="Segoe UI"/>
+              </a:rPr>
+              <a:t> force </a:t>
+            </a:r>
+            <a:endParaRPr lang="it-IT" sz="1800"/>
+          </a:p>
+          <a:p>
+            <a:pPr algn="just"/>
+            <a:r>
+              <a:rPr lang="it-IT" sz="1800" dirty="0">
+                <a:latin typeface="Segoe UI"/>
+                <a:cs typeface="Segoe UI"/>
+              </a:rPr>
+              <a:t>ad-hoc </a:t>
             </a:r>
             <a:r>
               <a:rPr lang="it-IT" sz="1800" dirty="0" err="1">
                 <a:latin typeface="Segoe UI"/>
-              </a:rPr>
-              <a:t>Scattered</a:t>
+                <a:cs typeface="Segoe UI"/>
+              </a:rPr>
+              <a:t>accessibility</a:t>
             </a:r>
             <a:r>
               <a:rPr lang="it-IT" sz="1800" dirty="0">
                 <a:latin typeface="Segoe UI"/>
+                <a:cs typeface="Segoe UI"/>
               </a:rPr>
               <a:t> </a:t>
             </a:r>
             <a:r>
               <a:rPr lang="it-IT" sz="1800" dirty="0" err="1">
                 <a:latin typeface="Segoe UI"/>
-              </a:rPr>
-              <a:t>resources</a:t>
-            </a:r>
-            <a:r>
-              <a:rPr lang="it-IT" sz="1800" dirty="0">
-                <a:latin typeface="Segoe UI"/>
-              </a:rPr>
-              <a:t>, </a:t>
-            </a:r>
-            <a:r>
-              <a:rPr lang="it-IT" sz="1800" dirty="0" err="1">
-                <a:latin typeface="Segoe UI"/>
-              </a:rPr>
-              <a:t>unclear</a:t>
-            </a:r>
-            <a:r>
-              <a:rPr lang="it-IT" sz="1800" dirty="0">
-                <a:latin typeface="Segoe UI"/>
-              </a:rPr>
-              <a:t> costs</a:t>
-            </a:r>
-            <a:endParaRPr lang="it-IT">
-              <a:latin typeface="Segoe UI"/>
-            </a:endParaRPr>
+                <a:cs typeface="Segoe UI"/>
+              </a:rPr>
+              <a:t>solutions</a:t>
+            </a:r>
+            <a:endParaRPr lang="it-IT" sz="1800" dirty="0"/>
           </a:p>
           <a:p>
             <a:pPr marL="285750" indent="-285750" algn="just">
@@ -15724,25 +14871,19 @@
               <a:rPr lang="it-IT" sz="1800" dirty="0">
                 <a:latin typeface="Segoe UI"/>
               </a:rPr>
-              <a:t>, </a:t>
+              <a:t> and </a:t>
             </a:r>
             <a:r>
               <a:rPr lang="it-IT" sz="1800" dirty="0" err="1">
                 <a:latin typeface="Segoe UI"/>
               </a:rPr>
-              <a:t>mostly</a:t>
+              <a:t>consistent</a:t>
             </a:r>
             <a:r>
               <a:rPr lang="it-IT" sz="1800" dirty="0">
                 <a:latin typeface="Segoe UI"/>
               </a:rPr>
-              <a:t> web-</a:t>
-            </a:r>
-            <a:r>
-              <a:rPr lang="it-IT" sz="1800" dirty="0" err="1">
-                <a:latin typeface="Segoe UI"/>
-              </a:rPr>
-              <a:t>focused</a:t>
+              <a:t> patterns</a:t>
             </a:r>
           </a:p>
           <a:p>
@@ -15950,7 +15091,7 @@
                 </a:solidFill>
                 <a:latin typeface="Segoe UI"/>
               </a:rPr>
-              <a:t>4/16</a:t>
+              <a:t>3/16</a:t>
             </a:r>
             <a:endParaRPr lang="it-IT" dirty="0">
               <a:solidFill>
@@ -15973,7 +15114,7 @@
 </p:sld>
 </file>
 
-<file path=ppt/slides/slide5.xml><?xml version="1.0" encoding="utf-8"?>
+<file path=ppt/slides/slide4.xml><?xml version="1.0" encoding="utf-8"?>
 <p:sld xmlns:a="http://schemas.openxmlformats.org/drawingml/2006/main" xmlns:r="http://schemas.openxmlformats.org/officeDocument/2006/relationships" xmlns:p="http://schemas.openxmlformats.org/presentationml/2006/main">
   <p:cSld>
     <p:spTree>
@@ -16122,7 +15263,7 @@
         <p:spPr>
           <a:xfrm>
             <a:off x="453650" y="962003"/>
-            <a:ext cx="5527553" cy="5324535"/>
+            <a:ext cx="5734119" cy="4708981"/>
           </a:xfrm>
           <a:prstGeom prst="rect">
             <a:avLst/>
@@ -16410,13 +15551,13 @@
               <a:rPr lang="it-IT" sz="2000" dirty="0">
                 <a:latin typeface="Segoe UI"/>
               </a:rPr>
-              <a:t> </a:t>
+              <a:t> Flutter-</a:t>
             </a:r>
             <a:r>
               <a:rPr lang="it-IT" sz="2000" dirty="0" err="1">
                 <a:latin typeface="Segoe UI"/>
               </a:rPr>
-              <a:t>Tested</a:t>
+              <a:t>focused</a:t>
             </a:r>
             <a:r>
               <a:rPr lang="it-IT" sz="2000" dirty="0">
@@ -16464,7 +15605,7 @@
               <a:t>Gap </a:t>
             </a:r>
             <a:r>
-              <a:rPr lang="it-IT" sz="2000" b="1" err="1">
+              <a:rPr lang="it-IT" sz="2000" b="1" dirty="0" err="1">
                 <a:latin typeface="Segoe UI"/>
               </a:rPr>
               <a:t>identified</a:t>
@@ -16482,7 +15623,7 @@
               <a:t> No </a:t>
             </a:r>
             <a:r>
-              <a:rPr lang="it-IT" sz="2000" err="1">
+              <a:rPr lang="it-IT" sz="2000" dirty="0" err="1">
                 <a:latin typeface="Segoe UI"/>
               </a:rPr>
               <a:t>comprehensive</a:t>
@@ -16494,7 +15635,7 @@
               <a:t> learning </a:t>
             </a:r>
             <a:r>
-              <a:rPr lang="it-IT" sz="2000" err="1">
+              <a:rPr lang="it-IT" sz="2000" dirty="0" err="1">
                 <a:latin typeface="Segoe UI"/>
               </a:rPr>
               <a:t>resource</a:t>
@@ -16506,7 +15647,7 @@
               <a:t> </a:t>
             </a:r>
             <a:r>
-              <a:rPr lang="it-IT" sz="2000" err="1">
+              <a:rPr lang="it-IT" sz="2000" dirty="0" err="1">
                 <a:latin typeface="Segoe UI"/>
               </a:rPr>
               <a:t>bridging</a:t>
@@ -16518,18 +15659,12 @@
               <a:t> </a:t>
             </a:r>
             <a:r>
-              <a:rPr lang="it-IT" sz="2000" err="1">
+              <a:rPr lang="it-IT" sz="2000" dirty="0" err="1">
                 <a:latin typeface="Segoe UI"/>
               </a:rPr>
               <a:t>platforms</a:t>
             </a:r>
-            <a:endParaRPr lang="it-IT">
-              <a:latin typeface="Segoe UI"/>
-            </a:endParaRPr>
-          </a:p>
-          <a:p>
-            <a:pPr algn="just"/>
-            <a:endParaRPr lang="it-IT" sz="2000" dirty="0">
+            <a:endParaRPr lang="it-IT" dirty="0" err="1">
               <a:latin typeface="Segoe UI"/>
             </a:endParaRPr>
           </a:p>
@@ -16732,7 +15867,7 @@
                 </a:solidFill>
                 <a:latin typeface="Segoe UI"/>
               </a:rPr>
-              <a:t>5/16</a:t>
+              <a:t>4/16</a:t>
             </a:r>
             <a:endParaRPr lang="it-IT" dirty="0">
               <a:solidFill>
@@ -16755,7 +15890,7 @@
 </p:sld>
 </file>
 
-<file path=ppt/slides/slide6.xml><?xml version="1.0" encoding="utf-8"?>
+<file path=ppt/slides/slide5.xml><?xml version="1.0" encoding="utf-8"?>
 <p:sld xmlns:a="http://schemas.openxmlformats.org/drawingml/2006/main" xmlns:r="http://schemas.openxmlformats.org/officeDocument/2006/relationships" xmlns:p="http://schemas.openxmlformats.org/presentationml/2006/main">
   <p:cSld>
     <p:spTree>
@@ -16913,7 +16048,7 @@
         <p:spPr>
           <a:xfrm>
             <a:off x="398566" y="962003"/>
-            <a:ext cx="8295540" cy="2862322"/>
+            <a:ext cx="8474564" cy="2862322"/>
           </a:xfrm>
           <a:prstGeom prst="rect">
             <a:avLst/>
@@ -16949,33 +16084,9 @@
               <a:rPr lang="it-IT" sz="2000" b="1" dirty="0">
                 <a:latin typeface="Segoe UI"/>
               </a:rPr>
-              <a:t> </a:t>
-            </a:r>
-            <a:r>
-              <a:rPr lang="it-IT" sz="2000" b="1" dirty="0" err="1">
-                <a:latin typeface="Segoe UI"/>
-              </a:rPr>
-              <a:t>as</a:t>
-            </a:r>
-            <a:r>
-              <a:rPr lang="it-IT" sz="2000" b="1" dirty="0">
-                <a:latin typeface="Segoe UI"/>
-              </a:rPr>
-              <a:t> standard </a:t>
-            </a:r>
-            <a:r>
-              <a:rPr lang="it-IT" sz="2000" b="1" dirty="0" err="1">
-                <a:latin typeface="Segoe UI"/>
-              </a:rPr>
-              <a:t>approach</a:t>
-            </a:r>
-            <a:r>
-              <a:rPr lang="it-IT" sz="2000" b="1" dirty="0">
-                <a:latin typeface="Segoe UI"/>
-              </a:rPr>
-              <a:t>:</a:t>
-            </a:r>
-            <a:endParaRPr lang="it-IT">
+              <a:t> (RQ):</a:t>
+            </a:r>
+            <a:endParaRPr lang="it-IT" dirty="0">
               <a:latin typeface="Segoe UI"/>
             </a:endParaRPr>
           </a:p>
@@ -17137,195 +16248,268 @@
             <a:r>
               <a:rPr lang="it-IT" sz="2000" b="1" dirty="0" err="1">
                 <a:latin typeface="Segoe UI"/>
+                <a:cs typeface="Segoe UI"/>
               </a:rPr>
               <a:t>AccessibleHub</a:t>
             </a:r>
             <a:r>
+              <a:rPr lang="it-IT" sz="2000" dirty="0">
+                <a:latin typeface="Segoe UI"/>
+                <a:cs typeface="Segoe UI"/>
+              </a:rPr>
+              <a:t>: React Native </a:t>
+            </a:r>
+            <a:r>
+              <a:rPr lang="it-IT" sz="2000" dirty="0" err="1">
+                <a:latin typeface="Segoe UI"/>
+                <a:cs typeface="Segoe UI"/>
+              </a:rPr>
+              <a:t>application</a:t>
+            </a:r>
+            <a:r>
+              <a:rPr lang="it-IT" sz="2000" dirty="0">
+                <a:latin typeface="Segoe UI"/>
+                <a:cs typeface="Segoe UI"/>
+              </a:rPr>
+              <a:t> </a:t>
+            </a:r>
+            <a:r>
+              <a:rPr lang="it-IT" sz="2000" b="1" dirty="0" err="1">
+                <a:latin typeface="Segoe UI"/>
+                <a:cs typeface="Segoe UI"/>
+              </a:rPr>
+              <a:t>tested</a:t>
+            </a:r>
+            <a:r>
               <a:rPr lang="it-IT" sz="2000" b="1" dirty="0">
                 <a:latin typeface="Segoe UI"/>
-              </a:rPr>
-              <a:t>:</a:t>
+                <a:cs typeface="Segoe UI"/>
+              </a:rPr>
+              <a:t> on </a:t>
+            </a:r>
+            <a:r>
+              <a:rPr lang="it-IT" sz="2000" b="1" dirty="0" err="1">
+                <a:latin typeface="Segoe UI"/>
+                <a:cs typeface="Segoe UI"/>
+              </a:rPr>
+              <a:t>both</a:t>
+            </a:r>
+            <a:r>
+              <a:rPr lang="it-IT" sz="2000" b="1" dirty="0">
+                <a:latin typeface="Segoe UI"/>
+                <a:cs typeface="Segoe UI"/>
+              </a:rPr>
+              <a:t> Android and </a:t>
+            </a:r>
+            <a:endParaRPr lang="it-IT" b="1" dirty="0"/>
+          </a:p>
+          <a:p>
+            <a:pPr algn="just"/>
+            <a:r>
+              <a:rPr lang="it-IT" sz="2000" b="1" dirty="0">
+                <a:latin typeface="Segoe UI"/>
+                <a:cs typeface="Segoe UI"/>
+              </a:rPr>
+              <a:t>iOS</a:t>
             </a:r>
             <a:r>
               <a:rPr lang="it-IT" sz="2000" dirty="0">
                 <a:latin typeface="Segoe UI"/>
-              </a:rPr>
-              <a:t> React Native </a:t>
+                <a:cs typeface="Segoe UI"/>
+              </a:rPr>
+              <a:t> </a:t>
             </a:r>
             <a:r>
               <a:rPr lang="it-IT" sz="2000" dirty="0" err="1">
                 <a:latin typeface="Segoe UI"/>
-              </a:rPr>
-              <a:t>application</a:t>
+                <a:cs typeface="Segoe UI"/>
+              </a:rPr>
+              <a:t>serving</a:t>
             </a:r>
             <a:r>
               <a:rPr lang="it-IT" sz="2000" dirty="0">
                 <a:latin typeface="Segoe UI"/>
+                <a:cs typeface="Segoe UI"/>
               </a:rPr>
               <a:t> </a:t>
             </a:r>
             <a:r>
+              <a:rPr lang="it-IT" sz="2000" dirty="0" err="1">
+                <a:latin typeface="Segoe UI"/>
+                <a:cs typeface="Segoe UI"/>
+              </a:rPr>
+              <a:t>as</a:t>
+            </a:r>
+            <a:r>
+              <a:rPr lang="it-IT" sz="2000" dirty="0">
+                <a:latin typeface="Segoe UI"/>
+                <a:cs typeface="Segoe UI"/>
+              </a:rPr>
+              <a:t> </a:t>
+            </a:r>
+            <a:r>
               <a:rPr lang="it-IT" sz="2000" b="1" dirty="0" err="1">
                 <a:latin typeface="Segoe UI"/>
-              </a:rPr>
-              <a:t>tested</a:t>
+                <a:cs typeface="Segoe UI"/>
+              </a:rPr>
+              <a:t>practical</a:t>
             </a:r>
             <a:r>
               <a:rPr lang="it-IT" sz="2000" b="1" dirty="0">
                 <a:latin typeface="Segoe UI"/>
-              </a:rPr>
-              <a:t> on </a:t>
+                <a:cs typeface="Segoe UI"/>
+              </a:rPr>
+              <a:t> </a:t>
             </a:r>
             <a:r>
               <a:rPr lang="it-IT" sz="2000" b="1" dirty="0" err="1">
                 <a:latin typeface="Segoe UI"/>
-              </a:rPr>
-              <a:t>both</a:t>
+                <a:cs typeface="Segoe UI"/>
+              </a:rPr>
+              <a:t>implementation</a:t>
             </a:r>
             <a:r>
               <a:rPr lang="it-IT" sz="2000" b="1" dirty="0">
                 <a:latin typeface="Segoe UI"/>
-              </a:rPr>
-              <a:t> Android and iOS </a:t>
+                <a:cs typeface="Segoe UI"/>
+              </a:rPr>
+              <a:t> guide</a:t>
+            </a:r>
+            <a:r>
+              <a:rPr lang="it-IT" sz="2000" dirty="0">
+                <a:latin typeface="Segoe UI"/>
+                <a:cs typeface="Segoe UI"/>
+              </a:rPr>
+              <a:t> for mobile developers</a:t>
+            </a:r>
+            <a:endParaRPr lang="it-IT" dirty="0"/>
+          </a:p>
+          <a:p>
+            <a:pPr algn="just"/>
+            <a:r>
+              <a:rPr lang="it-IT" sz="2000" dirty="0">
+                <a:latin typeface="Segoe UI"/>
+                <a:cs typeface="Segoe UI"/>
+              </a:rPr>
+              <a:t>- </a:t>
+            </a:r>
+            <a:r>
+              <a:rPr lang="it-IT" sz="2000" b="1" err="1">
+                <a:latin typeface="Segoe UI"/>
+                <a:cs typeface="Segoe UI"/>
+              </a:rPr>
+              <a:t>Every</a:t>
+            </a:r>
+            <a:r>
+              <a:rPr lang="it-IT" sz="2000" b="1" dirty="0">
+                <a:latin typeface="Segoe UI"/>
+                <a:cs typeface="Segoe UI"/>
+              </a:rPr>
+              <a:t> screen </a:t>
+            </a:r>
+            <a:r>
+              <a:rPr lang="it-IT" sz="2000" b="1" err="1">
+                <a:latin typeface="Segoe UI"/>
+                <a:cs typeface="Segoe UI"/>
+              </a:rPr>
+              <a:t>analyzed</a:t>
+            </a:r>
+            <a:r>
+              <a:rPr lang="it-IT" sz="2000" dirty="0">
+                <a:latin typeface="Segoe UI"/>
+                <a:cs typeface="Segoe UI"/>
+              </a:rPr>
+              <a:t> for </a:t>
+            </a:r>
+            <a:r>
+              <a:rPr lang="it-IT" sz="2000" err="1">
+                <a:latin typeface="Segoe UI"/>
+                <a:cs typeface="Segoe UI"/>
+              </a:rPr>
+              <a:t>accessibility</a:t>
+            </a:r>
+            <a:r>
+              <a:rPr lang="it-IT" sz="2000" dirty="0">
+                <a:latin typeface="Segoe UI"/>
+                <a:cs typeface="Segoe UI"/>
+              </a:rPr>
+              <a:t> patterns + </a:t>
+            </a:r>
+            <a:r>
+              <a:rPr lang="it-IT" sz="2000" err="1">
+                <a:latin typeface="Segoe UI"/>
+                <a:cs typeface="Segoe UI"/>
+              </a:rPr>
+              <a:t>implementation</a:t>
+            </a:r>
+            <a:r>
+              <a:rPr lang="it-IT" sz="2000" dirty="0">
+                <a:latin typeface="Segoe UI"/>
+                <a:cs typeface="Segoe UI"/>
+              </a:rPr>
+              <a:t> costs</a:t>
+            </a:r>
+            <a:endParaRPr lang="it-IT" dirty="0"/>
+          </a:p>
+          <a:p>
+            <a:pPr algn="just"/>
+            <a:r>
+              <a:rPr lang="it-IT" sz="2000" dirty="0">
+                <a:latin typeface="Segoe UI"/>
+                <a:cs typeface="Segoe UI"/>
+              </a:rPr>
+              <a:t>- </a:t>
+            </a:r>
+            <a:r>
+              <a:rPr lang="it-IT" sz="2000" b="1" dirty="0">
+                <a:latin typeface="Segoe UI"/>
+                <a:cs typeface="Segoe UI"/>
+              </a:rPr>
+              <a:t>Developer-first </a:t>
+            </a:r>
+            <a:r>
+              <a:rPr lang="it-IT" sz="2000" b="1" dirty="0" err="1">
+                <a:latin typeface="Segoe UI"/>
+                <a:cs typeface="Segoe UI"/>
+              </a:rPr>
+              <a:t>platform</a:t>
+            </a:r>
+            <a:r>
+              <a:rPr lang="it-IT" sz="2000" dirty="0">
+                <a:latin typeface="Segoe UI"/>
+                <a:cs typeface="Segoe UI"/>
+              </a:rPr>
+              <a:t> </a:t>
             </a:r>
             <a:r>
               <a:rPr lang="it-IT" sz="2000" dirty="0" err="1">
                 <a:latin typeface="Segoe UI"/>
-              </a:rPr>
-              <a:t>serving</a:t>
+                <a:cs typeface="Segoe UI"/>
+              </a:rPr>
+              <a:t>bridging</a:t>
             </a:r>
             <a:r>
               <a:rPr lang="it-IT" sz="2000" dirty="0">
                 <a:latin typeface="Segoe UI"/>
-              </a:rPr>
-              <a:t> </a:t>
+                <a:cs typeface="Segoe UI"/>
+              </a:rPr>
+              <a:t> WCAG theory to </a:t>
             </a:r>
             <a:r>
               <a:rPr lang="it-IT" sz="2000" dirty="0" err="1">
                 <a:latin typeface="Segoe UI"/>
-              </a:rPr>
-              <a:t>as</a:t>
+                <a:cs typeface="Segoe UI"/>
+              </a:rPr>
+              <a:t>executable</a:t>
             </a:r>
             <a:r>
               <a:rPr lang="it-IT" sz="2000" dirty="0">
                 <a:latin typeface="Segoe UI"/>
-              </a:rPr>
-              <a:t> </a:t>
-            </a:r>
-            <a:r>
-              <a:rPr lang="it-IT" sz="2000" b="1" dirty="0">
-                <a:latin typeface="Segoe UI"/>
-              </a:rPr>
-              <a:t>interactive </a:t>
-            </a:r>
-            <a:r>
-              <a:rPr lang="it-IT" sz="2000" b="1" dirty="0" err="1">
-                <a:latin typeface="Segoe UI"/>
-              </a:rPr>
-              <a:t>accessibility</a:t>
-            </a:r>
-            <a:r>
-              <a:rPr lang="it-IT" sz="2000" b="1" dirty="0">
-                <a:latin typeface="Segoe UI"/>
-              </a:rPr>
-              <a:t> </a:t>
-            </a:r>
-            <a:r>
-              <a:rPr lang="it-IT" sz="2000" b="1" dirty="0" err="1">
-                <a:latin typeface="Segoe UI"/>
-              </a:rPr>
-              <a:t>manual</a:t>
-            </a:r>
-            <a:r>
-              <a:rPr lang="it-IT" sz="2000" dirty="0">
-                <a:latin typeface="Segoe UI"/>
-              </a:rPr>
-              <a:t> for mobile developers</a:t>
-            </a:r>
-          </a:p>
-          <a:p>
-            <a:pPr marL="285750" indent="-285750" algn="just">
-              <a:buFont typeface="Arial"/>
-              <a:buChar char="•"/>
-            </a:pPr>
-            <a:r>
-              <a:rPr lang="it-IT" sz="2000" b="1" dirty="0" err="1">
-                <a:latin typeface="Segoe UI"/>
-              </a:rPr>
-              <a:t>Every</a:t>
-            </a:r>
-            <a:r>
-              <a:rPr lang="it-IT" sz="2000" b="1" dirty="0">
-                <a:latin typeface="Segoe UI"/>
-              </a:rPr>
-              <a:t> screen </a:t>
-            </a:r>
-            <a:r>
-              <a:rPr lang="it-IT" sz="2000" b="1" dirty="0" err="1">
-                <a:latin typeface="Segoe UI"/>
-              </a:rPr>
-              <a:t>analyzed</a:t>
-            </a:r>
-            <a:r>
-              <a:rPr lang="it-IT" sz="2000" dirty="0">
-                <a:latin typeface="Segoe UI"/>
-              </a:rPr>
-              <a:t> for </a:t>
-            </a:r>
-            <a:r>
-              <a:rPr lang="it-IT" sz="2000" dirty="0" err="1">
-                <a:latin typeface="Segoe UI"/>
-              </a:rPr>
-              <a:t>accessibility</a:t>
-            </a:r>
-            <a:r>
-              <a:rPr lang="it-IT" sz="2000" dirty="0">
-                <a:latin typeface="Segoe UI"/>
-              </a:rPr>
-              <a:t> patterns and costs</a:t>
-            </a:r>
-            <a:endParaRPr lang="it-IT">
-              <a:latin typeface="Segoe UI"/>
-            </a:endParaRPr>
-          </a:p>
-          <a:p>
-            <a:pPr marL="285750" indent="-285750" algn="just">
-              <a:buFont typeface="Arial"/>
-              <a:buChar char="•"/>
-            </a:pPr>
-            <a:r>
-              <a:rPr lang="it-IT" sz="2000" b="1" dirty="0">
-                <a:latin typeface="Segoe UI"/>
-              </a:rPr>
-              <a:t>Developer-first educational </a:t>
-            </a:r>
-            <a:r>
-              <a:rPr lang="it-IT" sz="2000" b="1" dirty="0" err="1">
-                <a:latin typeface="Segoe UI"/>
-              </a:rPr>
-              <a:t>platform</a:t>
-            </a:r>
-            <a:r>
-              <a:rPr lang="it-IT" sz="2000" dirty="0">
-                <a:latin typeface="Segoe UI"/>
-              </a:rPr>
-              <a:t> </a:t>
-            </a:r>
-            <a:r>
-              <a:rPr lang="it-IT" sz="2000" dirty="0" err="1">
-                <a:latin typeface="Segoe UI"/>
-              </a:rPr>
-              <a:t>bridging</a:t>
-            </a:r>
-            <a:r>
-              <a:rPr lang="it-IT" sz="2000" dirty="0">
-                <a:latin typeface="Segoe UI"/>
-              </a:rPr>
-              <a:t> theory to practice</a:t>
-            </a:r>
-            <a:endParaRPr lang="it-IT">
-              <a:latin typeface="Segoe UI"/>
-            </a:endParaRPr>
+                <a:cs typeface="Segoe UI"/>
+              </a:rPr>
+              <a:t> code</a:t>
+            </a:r>
+            <a:endParaRPr lang="it-IT" dirty="0"/>
           </a:p>
         </p:txBody>
       </p:sp>
@@ -17496,7 +16680,7 @@
                 </a:solidFill>
                 <a:latin typeface="Segoe UI"/>
               </a:rPr>
-              <a:t>6/16</a:t>
+              <a:t>5/16</a:t>
             </a:r>
             <a:endParaRPr lang="it-IT" dirty="0">
               <a:solidFill>
@@ -17519,7 +16703,7 @@
 </p:sld>
 </file>
 
-<file path=ppt/slides/slide7.xml><?xml version="1.0" encoding="utf-8"?>
+<file path=ppt/slides/slide6.xml><?xml version="1.0" encoding="utf-8"?>
 <p:sld xmlns:a="http://schemas.openxmlformats.org/drawingml/2006/main" xmlns:r="http://schemas.openxmlformats.org/officeDocument/2006/relationships" xmlns:p="http://schemas.openxmlformats.org/presentationml/2006/main">
   <p:cSld>
     <p:spTree>
@@ -17765,10 +16949,10 @@
       </p:sp>
       <p:sp>
         <p:nvSpPr>
-          <p:cNvPr id="10" name="CasellaDiTesto 9">
+          <p:cNvPr id="3" name="CasellaDiTesto 2">
             <a:extLst>
               <a:ext uri="{FF2B5EF4-FFF2-40B4-BE49-F238E27FC236}">
-                <a16:creationId xmlns:a16="http://schemas.microsoft.com/office/drawing/2014/main" id="{56393467-EF04-F4C1-5B3B-1D41608AAB2C}"/>
+                <a16:creationId xmlns:a16="http://schemas.microsoft.com/office/drawing/2014/main" id="{F590BC50-3610-7B20-EAF0-8D1936482577}"/>
               </a:ext>
             </a:extLst>
           </p:cNvPr>
@@ -17777,8 +16961,8 @@
         </p:nvSpPr>
         <p:spPr>
           <a:xfrm>
-            <a:off x="315940" y="962003"/>
-            <a:ext cx="8515877" cy="3693319"/>
+            <a:off x="8538371" y="6482191"/>
+            <a:ext cx="609436" cy="261610"/>
           </a:xfrm>
           <a:prstGeom prst="rect">
             <a:avLst/>
@@ -17791,549 +16975,30 @@
           </a:bodyPr>
           <a:lstStyle/>
           <a:p>
-            <a:pPr algn="just"/>
-            <a:r>
-              <a:rPr lang="it-IT" sz="2000" b="1" dirty="0">
-                <a:latin typeface="Segoe UI"/>
-              </a:rPr>
-              <a:t>Core </a:t>
-            </a:r>
-            <a:r>
-              <a:rPr lang="it-IT" sz="2000" b="1" dirty="0" err="1">
-                <a:latin typeface="Segoe UI"/>
-              </a:rPr>
-              <a:t>sections</a:t>
-            </a:r>
-            <a:r>
-              <a:rPr lang="it-IT" sz="2000" dirty="0">
-                <a:latin typeface="Segoe UI"/>
-              </a:rPr>
-              <a:t>:</a:t>
+            <a:pPr algn="r"/>
+            <a:r>
+              <a:rPr lang="it-IT" sz="1100" dirty="0">
+                <a:solidFill>
+                  <a:schemeClr val="bg1"/>
+                </a:solidFill>
+                <a:latin typeface="Segoe UI"/>
+              </a:rPr>
+              <a:t>6/16</a:t>
             </a:r>
             <a:endParaRPr lang="it-IT" dirty="0">
-              <a:latin typeface="Segoe UI"/>
-            </a:endParaRPr>
-          </a:p>
-          <a:p>
-            <a:pPr algn="just"/>
-            <a:r>
-              <a:rPr lang="it-IT" sz="2000" dirty="0">
-                <a:latin typeface="Segoe UI"/>
-              </a:rPr>
-              <a:t>🔧 </a:t>
-            </a:r>
-            <a:r>
-              <a:rPr lang="it-IT" sz="2000" b="1" dirty="0" err="1">
-                <a:latin typeface="Segoe UI"/>
-              </a:rPr>
-              <a:t>Accessible</a:t>
-            </a:r>
-            <a:r>
-              <a:rPr lang="it-IT" sz="2000" b="1" dirty="0">
-                <a:latin typeface="Segoe UI"/>
-              </a:rPr>
-              <a:t> Components</a:t>
-            </a:r>
-            <a:r>
-              <a:rPr lang="it-IT" sz="2000" dirty="0">
-                <a:latin typeface="Segoe UI"/>
-              </a:rPr>
-              <a:t>: UI </a:t>
-            </a:r>
-            <a:r>
-              <a:rPr lang="it-IT" sz="2000" dirty="0" err="1">
-                <a:latin typeface="Segoe UI"/>
-              </a:rPr>
-              <a:t>implementations</a:t>
-            </a:r>
-            <a:r>
-              <a:rPr lang="it-IT" sz="2000" dirty="0">
-                <a:latin typeface="Segoe UI"/>
-              </a:rPr>
-              <a:t> with </a:t>
-            </a:r>
-            <a:r>
-              <a:rPr lang="it-IT" sz="2000" dirty="0" err="1">
-                <a:latin typeface="Segoe UI"/>
-              </a:rPr>
-              <a:t>copyable</a:t>
-            </a:r>
-            <a:r>
-              <a:rPr lang="it-IT" sz="2000" dirty="0">
-                <a:latin typeface="Segoe UI"/>
-              </a:rPr>
-              <a:t> code </a:t>
-            </a:r>
-          </a:p>
-          <a:p>
-            <a:pPr algn="just"/>
-            <a:r>
-              <a:rPr lang="it-IT" sz="2000" dirty="0">
-                <a:latin typeface="Segoe UI"/>
-              </a:rPr>
-              <a:t>📚 </a:t>
-            </a:r>
-            <a:r>
-              <a:rPr lang="it-IT" sz="2000" b="1" dirty="0">
-                <a:latin typeface="Segoe UI"/>
-              </a:rPr>
-              <a:t>Best Practices</a:t>
-            </a:r>
-            <a:r>
-              <a:rPr lang="it-IT" sz="2000" dirty="0">
-                <a:latin typeface="Segoe UI"/>
-              </a:rPr>
-              <a:t>: Educational </a:t>
-            </a:r>
-            <a:r>
-              <a:rPr lang="it-IT" sz="2000" err="1">
-                <a:latin typeface="Segoe UI"/>
-              </a:rPr>
-              <a:t>content</a:t>
-            </a:r>
-            <a:r>
-              <a:rPr lang="it-IT" sz="2000" dirty="0">
-                <a:latin typeface="Segoe UI"/>
-              </a:rPr>
-              <a:t> on </a:t>
-            </a:r>
-            <a:r>
-              <a:rPr lang="it-IT" sz="2000" err="1">
-                <a:latin typeface="Segoe UI"/>
-              </a:rPr>
-              <a:t>accessibility</a:t>
-            </a:r>
-            <a:r>
-              <a:rPr lang="it-IT" sz="2000" dirty="0">
-                <a:latin typeface="Segoe UI"/>
-              </a:rPr>
-              <a:t> challenges</a:t>
-            </a:r>
-          </a:p>
-          <a:p>
-            <a:pPr algn="just"/>
-            <a:r>
-              <a:rPr lang="it-IT" sz="2000" dirty="0">
-                <a:latin typeface="Segoe UI"/>
-              </a:rPr>
-              <a:t>🛠️ </a:t>
-            </a:r>
-            <a:r>
-              <a:rPr lang="it-IT" sz="2000" b="1" dirty="0">
-                <a:latin typeface="Segoe UI"/>
-              </a:rPr>
-              <a:t>Tools - Settings</a:t>
-            </a:r>
-            <a:r>
-              <a:rPr lang="it-IT" sz="2000" dirty="0">
-                <a:latin typeface="Segoe UI"/>
-              </a:rPr>
-              <a:t>: Resource </a:t>
-            </a:r>
-            <a:r>
-              <a:rPr lang="it-IT" sz="2000" dirty="0" err="1">
-                <a:latin typeface="Segoe UI"/>
-              </a:rPr>
-              <a:t>catalog</a:t>
-            </a:r>
-            <a:r>
-              <a:rPr lang="it-IT" sz="2000" dirty="0">
-                <a:latin typeface="Segoe UI"/>
-              </a:rPr>
-              <a:t> for testing and common settings</a:t>
-            </a:r>
-          </a:p>
-          <a:p>
-            <a:pPr algn="just"/>
-            <a:r>
-              <a:rPr lang="it-IT" sz="2000" dirty="0">
-                <a:latin typeface="Segoe UI"/>
-              </a:rPr>
-              <a:t>📊 </a:t>
-            </a:r>
-            <a:r>
-              <a:rPr lang="it-IT" sz="2000" b="1" dirty="0">
-                <a:latin typeface="Segoe UI"/>
-              </a:rPr>
-              <a:t>Framework </a:t>
-            </a:r>
-            <a:r>
-              <a:rPr lang="it-IT" sz="2000" b="1" err="1">
-                <a:latin typeface="Segoe UI"/>
-              </a:rPr>
-              <a:t>Comparison</a:t>
-            </a:r>
-            <a:r>
-              <a:rPr lang="it-IT" sz="2000" dirty="0">
-                <a:latin typeface="Segoe UI"/>
-              </a:rPr>
-              <a:t>: </a:t>
-            </a:r>
-            <a:r>
-              <a:rPr lang="it-IT" sz="2000" err="1">
-                <a:latin typeface="Segoe UI"/>
-              </a:rPr>
-              <a:t>Evidence-based</a:t>
-            </a:r>
-            <a:r>
-              <a:rPr lang="it-IT" sz="2000" dirty="0">
-                <a:latin typeface="Segoe UI"/>
-              </a:rPr>
-              <a:t> </a:t>
-            </a:r>
-            <a:r>
-              <a:rPr lang="it-IT" sz="2000" err="1">
-                <a:latin typeface="Segoe UI"/>
-              </a:rPr>
-              <a:t>evaluation</a:t>
-            </a:r>
-            <a:r>
-              <a:rPr lang="it-IT" sz="2000" dirty="0">
-                <a:latin typeface="Segoe UI"/>
-              </a:rPr>
-              <a:t> </a:t>
-            </a:r>
-            <a:r>
-              <a:rPr lang="it-IT" sz="2000" err="1">
-                <a:latin typeface="Segoe UI"/>
-              </a:rPr>
-              <a:t>methodology</a:t>
-            </a:r>
-            <a:endParaRPr lang="it-IT">
-              <a:latin typeface="Segoe UI"/>
-            </a:endParaRPr>
-          </a:p>
-          <a:p>
-            <a:pPr algn="just"/>
-            <a:r>
-              <a:rPr lang="it-IT" sz="2000" dirty="0">
-                <a:latin typeface="Segoe UI"/>
-              </a:rPr>
-              <a:t>👥 </a:t>
-            </a:r>
-            <a:r>
-              <a:rPr lang="it-IT" sz="2000" b="1" dirty="0" err="1">
-                <a:latin typeface="Segoe UI"/>
-              </a:rPr>
-              <a:t>Instruction</a:t>
-            </a:r>
-            <a:r>
-              <a:rPr lang="it-IT" sz="2000" b="1" dirty="0">
-                <a:latin typeface="Segoe UI"/>
-              </a:rPr>
-              <a:t> &amp; Community</a:t>
-            </a:r>
-            <a:r>
-              <a:rPr lang="it-IT" sz="2000" dirty="0">
-                <a:latin typeface="Segoe UI"/>
-              </a:rPr>
-              <a:t>: Social learning &amp; collaborative </a:t>
-            </a:r>
-            <a:r>
-              <a:rPr lang="it-IT" sz="2000" dirty="0" err="1">
-                <a:latin typeface="Segoe UI"/>
-              </a:rPr>
-              <a:t>resources</a:t>
-            </a:r>
-            <a:endParaRPr lang="it-IT" dirty="0">
-              <a:latin typeface="Segoe UI"/>
-            </a:endParaRPr>
-          </a:p>
-          <a:p>
-            <a:pPr algn="just"/>
-            <a:endParaRPr lang="it-IT" dirty="0">
-              <a:latin typeface="Segoe UI"/>
-            </a:endParaRPr>
-          </a:p>
-          <a:p>
-            <a:pPr algn="just"/>
-            <a:r>
-              <a:rPr lang="it-IT" sz="2000" b="1" dirty="0" err="1">
-                <a:latin typeface="Segoe UI"/>
-                <a:cs typeface="Segoe UI"/>
-              </a:rPr>
-              <a:t>Research</a:t>
-            </a:r>
-            <a:r>
-              <a:rPr lang="it-IT" sz="2000" b="1" dirty="0">
-                <a:latin typeface="Segoe UI"/>
-                <a:cs typeface="Segoe UI"/>
-              </a:rPr>
-              <a:t> </a:t>
-            </a:r>
-            <a:r>
-              <a:rPr lang="it-IT" sz="2000" b="1" dirty="0" err="1">
-                <a:latin typeface="Segoe UI"/>
-                <a:cs typeface="Segoe UI"/>
-              </a:rPr>
-              <a:t>innovation</a:t>
-            </a:r>
-            <a:r>
-              <a:rPr lang="it-IT" sz="2000" dirty="0">
-                <a:latin typeface="Segoe UI"/>
-                <a:cs typeface="Segoe UI"/>
-              </a:rPr>
-              <a:t>: </a:t>
-            </a:r>
-            <a:r>
-              <a:rPr lang="it-IT" sz="2000" dirty="0" err="1">
-                <a:latin typeface="Segoe UI"/>
-                <a:cs typeface="Segoe UI"/>
-              </a:rPr>
-              <a:t>Every</a:t>
-            </a:r>
-            <a:r>
-              <a:rPr lang="it-IT" sz="2000" dirty="0">
-                <a:latin typeface="Segoe UI"/>
-                <a:cs typeface="Segoe UI"/>
-              </a:rPr>
-              <a:t> screen </a:t>
-            </a:r>
-            <a:r>
-              <a:rPr lang="it-IT" sz="2000" dirty="0" err="1">
-                <a:latin typeface="Segoe UI"/>
-                <a:cs typeface="Segoe UI"/>
-              </a:rPr>
-              <a:t>analyzed</a:t>
-            </a:r>
-            <a:r>
-              <a:rPr lang="it-IT" sz="2000" dirty="0">
-                <a:latin typeface="Segoe UI"/>
-                <a:cs typeface="Segoe UI"/>
-              </a:rPr>
-              <a:t> </a:t>
-            </a:r>
-            <a:r>
-              <a:rPr lang="it-IT" sz="2000" dirty="0" err="1">
-                <a:latin typeface="Segoe UI"/>
-                <a:cs typeface="Segoe UI"/>
-              </a:rPr>
-              <a:t>as</a:t>
-            </a:r>
-            <a:r>
-              <a:rPr lang="it-IT" sz="2000" dirty="0">
-                <a:latin typeface="Segoe UI"/>
-                <a:cs typeface="Segoe UI"/>
-              </a:rPr>
-              <a:t> case study</a:t>
-            </a:r>
-            <a:endParaRPr lang="it-IT" dirty="0"/>
-          </a:p>
-          <a:p>
-            <a:pPr algn="just"/>
-            <a:r>
-              <a:rPr lang="it-IT" sz="2000" dirty="0">
-                <a:latin typeface="Segoe UI"/>
-                <a:cs typeface="Segoe UI"/>
-              </a:rPr>
-              <a:t>- </a:t>
-            </a:r>
-            <a:r>
-              <a:rPr lang="it-IT" sz="2000" b="1" dirty="0">
-                <a:latin typeface="Segoe UI"/>
-                <a:cs typeface="Segoe UI"/>
-              </a:rPr>
-              <a:t>Dual </a:t>
-            </a:r>
-            <a:r>
-              <a:rPr lang="it-IT" sz="2000" b="1" dirty="0" err="1">
-                <a:latin typeface="Segoe UI"/>
-                <a:cs typeface="Segoe UI"/>
-              </a:rPr>
-              <a:t>methodology</a:t>
-            </a:r>
-            <a:r>
-              <a:rPr lang="it-IT" sz="2000" dirty="0">
-                <a:latin typeface="Segoe UI"/>
-                <a:cs typeface="Segoe UI"/>
-              </a:rPr>
-              <a:t>: </a:t>
-            </a:r>
-            <a:r>
-              <a:rPr lang="it-IT" sz="2000" dirty="0" err="1">
-                <a:latin typeface="Segoe UI"/>
-                <a:cs typeface="Segoe UI"/>
-              </a:rPr>
-              <a:t>Both</a:t>
-            </a:r>
-            <a:r>
-              <a:rPr lang="it-IT" sz="2000" dirty="0">
-                <a:latin typeface="Segoe UI"/>
-                <a:cs typeface="Segoe UI"/>
-              </a:rPr>
-              <a:t> </a:t>
-            </a:r>
-            <a:r>
-              <a:rPr lang="it-IT" sz="2000" dirty="0" err="1">
-                <a:latin typeface="Segoe UI"/>
-                <a:cs typeface="Segoe UI"/>
-              </a:rPr>
-              <a:t>research</a:t>
-            </a:r>
-            <a:r>
-              <a:rPr lang="it-IT" sz="2000" dirty="0">
-                <a:latin typeface="Segoe UI"/>
-                <a:cs typeface="Segoe UI"/>
-              </a:rPr>
-              <a:t> </a:t>
-            </a:r>
-            <a:r>
-              <a:rPr lang="it-IT" sz="2000" dirty="0" err="1">
-                <a:latin typeface="Segoe UI"/>
-                <a:cs typeface="Segoe UI"/>
-              </a:rPr>
-              <a:t>vehicle</a:t>
-            </a:r>
-            <a:r>
-              <a:rPr lang="it-IT" sz="2000" dirty="0">
-                <a:latin typeface="Segoe UI"/>
-                <a:cs typeface="Segoe UI"/>
-              </a:rPr>
-              <a:t> &amp; educational tool</a:t>
-            </a:r>
-            <a:endParaRPr lang="it-IT" dirty="0"/>
-          </a:p>
-          <a:p>
-            <a:pPr algn="just"/>
-            <a:r>
-              <a:rPr lang="it-IT" sz="2000" dirty="0">
-                <a:latin typeface="Segoe UI"/>
-                <a:cs typeface="Segoe UI"/>
-              </a:rPr>
-              <a:t>- </a:t>
-            </a:r>
-            <a:r>
-              <a:rPr lang="it-IT" sz="2000" b="1" dirty="0">
-                <a:latin typeface="Segoe UI"/>
-                <a:cs typeface="Segoe UI"/>
-              </a:rPr>
-              <a:t>20+ </a:t>
-            </a:r>
-            <a:r>
-              <a:rPr lang="it-IT" sz="2000" b="1" dirty="0" err="1">
-                <a:latin typeface="Segoe UI"/>
-                <a:cs typeface="Segoe UI"/>
-              </a:rPr>
-              <a:t>components</a:t>
-            </a:r>
-            <a:r>
-              <a:rPr lang="it-IT" sz="2000" b="1" dirty="0">
-                <a:latin typeface="Segoe UI"/>
-                <a:cs typeface="Segoe UI"/>
-              </a:rPr>
-              <a:t> </a:t>
-            </a:r>
-            <a:r>
-              <a:rPr lang="it-IT" sz="2000" b="1" dirty="0" err="1">
-                <a:latin typeface="Segoe UI"/>
-                <a:cs typeface="Segoe UI"/>
-              </a:rPr>
-              <a:t>tested</a:t>
-            </a:r>
-            <a:r>
-              <a:rPr lang="it-IT" sz="2000" dirty="0">
-                <a:latin typeface="Segoe UI"/>
-                <a:cs typeface="Segoe UI"/>
-              </a:rPr>
-              <a:t> with </a:t>
-            </a:r>
-            <a:r>
-              <a:rPr lang="it-IT" sz="2000" dirty="0" err="1">
-                <a:latin typeface="Segoe UI"/>
-                <a:cs typeface="Segoe UI"/>
-              </a:rPr>
-              <a:t>TalkBack</a:t>
-            </a:r>
-            <a:r>
-              <a:rPr lang="it-IT" sz="2000" dirty="0">
-                <a:latin typeface="Segoe UI"/>
-                <a:cs typeface="Segoe UI"/>
-              </a:rPr>
-              <a:t> and VoiceOver</a:t>
-            </a:r>
-            <a:endParaRPr lang="it-IT" dirty="0"/>
-          </a:p>
-          <a:p>
-            <a:pPr algn="just"/>
-            <a:r>
-              <a:rPr lang="it-IT" sz="2000" dirty="0">
-                <a:latin typeface="Segoe UI"/>
-                <a:cs typeface="Segoe UI"/>
-              </a:rPr>
-              <a:t>- </a:t>
-            </a:r>
-            <a:r>
-              <a:rPr lang="it-IT" sz="2000" b="1" dirty="0">
-                <a:latin typeface="Segoe UI"/>
-                <a:cs typeface="Segoe UI"/>
-              </a:rPr>
-              <a:t>Cross-</a:t>
-            </a:r>
-            <a:r>
-              <a:rPr lang="it-IT" sz="2000" b="1" dirty="0" err="1">
-                <a:latin typeface="Segoe UI"/>
-                <a:cs typeface="Segoe UI"/>
-              </a:rPr>
-              <a:t>platform</a:t>
-            </a:r>
-            <a:r>
-              <a:rPr lang="it-IT" sz="2000" b="1" dirty="0">
-                <a:latin typeface="Segoe UI"/>
-                <a:cs typeface="Segoe UI"/>
-              </a:rPr>
-              <a:t> </a:t>
-            </a:r>
-            <a:r>
-              <a:rPr lang="it-IT" sz="2000" b="1" dirty="0" err="1">
-                <a:latin typeface="Segoe UI"/>
-                <a:cs typeface="Segoe UI"/>
-              </a:rPr>
-              <a:t>validation</a:t>
-            </a:r>
-            <a:r>
-              <a:rPr lang="it-IT" sz="2000" dirty="0">
-                <a:latin typeface="Segoe UI"/>
-                <a:cs typeface="Segoe UI"/>
-              </a:rPr>
-              <a:t> </a:t>
-            </a:r>
-            <a:r>
-              <a:rPr lang="it-IT" sz="2000" dirty="0" err="1">
-                <a:latin typeface="Segoe UI"/>
-                <a:cs typeface="Segoe UI"/>
-              </a:rPr>
-              <a:t>ensuring</a:t>
-            </a:r>
-            <a:r>
-              <a:rPr lang="it-IT" sz="2000" dirty="0">
-                <a:latin typeface="Segoe UI"/>
-                <a:cs typeface="Segoe UI"/>
-              </a:rPr>
-              <a:t> patterns work </a:t>
-            </a:r>
-            <a:r>
-              <a:rPr lang="it-IT" sz="2000" dirty="0" err="1">
-                <a:latin typeface="Segoe UI"/>
-                <a:cs typeface="Segoe UI"/>
-              </a:rPr>
-              <a:t>universally</a:t>
-            </a:r>
-            <a:endParaRPr lang="it-IT" dirty="0" err="1"/>
-          </a:p>
-          <a:p>
-            <a:pPr algn="just"/>
-            <a:endParaRPr lang="it-IT" sz="2000" dirty="0">
-              <a:latin typeface="Segoe UI"/>
+              <a:solidFill>
+                <a:schemeClr val="bg1"/>
+              </a:solidFill>
             </a:endParaRPr>
           </a:p>
         </p:txBody>
       </p:sp>
       <p:pic>
         <p:nvPicPr>
-          <p:cNvPr id="14" name="Immagine 13" descr="Manuale utente di VoiceOver per Mac - Supporto Apple (IT)">
+          <p:cNvPr id="12" name="Immagine 11" descr="Immagine che contiene testo, schermata, software, Carattere&#10;&#10;Il contenuto generato dall&amp;#39;IA potrebbe non essere corretto.">
             <a:extLst>
               <a:ext uri="{FF2B5EF4-FFF2-40B4-BE49-F238E27FC236}">
-                <a16:creationId xmlns:a16="http://schemas.microsoft.com/office/drawing/2014/main" id="{7A3A226D-ED6E-20FA-24CE-30506B64FF79}"/>
+                <a16:creationId xmlns:a16="http://schemas.microsoft.com/office/drawing/2014/main" id="{84212A0F-7EE2-A518-A768-3E8968258688}"/>
               </a:ext>
             </a:extLst>
           </p:cNvPr>
@@ -18350,38 +17015,8 @@
         </p:blipFill>
         <p:spPr>
           <a:xfrm>
-            <a:off x="2768617" y="4706211"/>
-            <a:ext cx="1444703" cy="1411651"/>
-          </a:xfrm>
-          <a:prstGeom prst="rect">
-            <a:avLst/>
-          </a:prstGeom>
-        </p:spPr>
-      </p:pic>
-      <p:pic>
-        <p:nvPicPr>
-          <p:cNvPr id="15" name="Immagine 14" descr="Android Accessibility Suite per Android - Scarica l'APK da Uptodown">
-            <a:extLst>
-              <a:ext uri="{FF2B5EF4-FFF2-40B4-BE49-F238E27FC236}">
-                <a16:creationId xmlns:a16="http://schemas.microsoft.com/office/drawing/2014/main" id="{15C1786C-39ED-AA36-A4BE-8B1F37835DF9}"/>
-              </a:ext>
-            </a:extLst>
-          </p:cNvPr>
-          <p:cNvPicPr>
-            <a:picLocks noChangeAspect="1"/>
-          </p:cNvPicPr>
-          <p:nvPr/>
-        </p:nvPicPr>
-        <p:blipFill>
-          <a:blip r:embed="rId4"/>
-          <a:stretch>
-            <a:fillRect/>
-          </a:stretch>
-        </p:blipFill>
-        <p:spPr>
-          <a:xfrm>
-            <a:off x="5008085" y="4705120"/>
-            <a:ext cx="1510229" cy="1413832"/>
+            <a:off x="2279457" y="811345"/>
+            <a:ext cx="4612627" cy="4808406"/>
           </a:xfrm>
           <a:prstGeom prst="rect">
             <a:avLst/>
@@ -18390,10 +17025,10 @@
       </p:pic>
       <p:sp>
         <p:nvSpPr>
-          <p:cNvPr id="3" name="CasellaDiTesto 2">
+          <p:cNvPr id="16" name="CasellaDiTesto 15">
             <a:extLst>
               <a:ext uri="{FF2B5EF4-FFF2-40B4-BE49-F238E27FC236}">
-                <a16:creationId xmlns:a16="http://schemas.microsoft.com/office/drawing/2014/main" id="{F590BC50-3610-7B20-EAF0-8D1936482577}"/>
+                <a16:creationId xmlns:a16="http://schemas.microsoft.com/office/drawing/2014/main" id="{E7C2EFA3-84B3-3DEB-2054-F993B3690995}"/>
               </a:ext>
             </a:extLst>
           </p:cNvPr>
@@ -18402,8 +17037,8 @@
         </p:nvSpPr>
         <p:spPr>
           <a:xfrm>
-            <a:off x="8538371" y="6482191"/>
-            <a:ext cx="609436" cy="261610"/>
+            <a:off x="2312748" y="5823195"/>
+            <a:ext cx="5265901" cy="400110"/>
           </a:xfrm>
           <a:prstGeom prst="rect">
             <a:avLst/>
@@ -18416,20 +17051,198 @@
           </a:bodyPr>
           <a:lstStyle/>
           <a:p>
-            <a:pPr algn="r"/>
-            <a:r>
-              <a:rPr lang="it-IT" sz="1100" dirty="0">
-                <a:solidFill>
-                  <a:schemeClr val="bg1"/>
-                </a:solidFill>
-                <a:latin typeface="Segoe UI"/>
-              </a:rPr>
-              <a:t>7/16</a:t>
+            <a:pPr algn="ctr"/>
+            <a:r>
+              <a:rPr lang="it-IT" sz="2000" dirty="0"/>
+              <a:t>📀 </a:t>
+            </a:r>
+            <a:r>
+              <a:rPr lang="it-IT" sz="2000" b="1" dirty="0">
+                <a:latin typeface="Segoe UI"/>
+              </a:rPr>
+              <a:t>Live demos </a:t>
+            </a:r>
+            <a:r>
+              <a:rPr lang="it-IT" sz="2000" dirty="0">
+                <a:latin typeface="Segoe UI"/>
+              </a:rPr>
+              <a:t>(Android &amp; iOS): </a:t>
+            </a:r>
+            <a:r>
+              <a:rPr lang="it-IT" sz="2000" dirty="0">
+                <a:solidFill>
+                  <a:schemeClr val="accent5"/>
+                </a:solidFill>
+                <a:latin typeface="Segoe UI"/>
+                <a:hlinkClick r:id="rId4">
+                  <a:extLst>
+                    <a:ext uri="{A12FA001-AC4F-418D-AE19-62706E023703}">
+                      <ahyp:hlinkClr xmlns:ahyp="http://schemas.microsoft.com/office/drawing/2018/hyperlinkcolor" val="tx"/>
+                    </a:ext>
+                  </a:extLst>
+                </a:hlinkClick>
+              </a:rPr>
+              <a:t>hands on</a:t>
+            </a:r>
+            <a:r>
+              <a:rPr lang="it-IT" sz="2000" dirty="0">
+                <a:solidFill>
+                  <a:schemeClr val="accent5"/>
+                </a:solidFill>
+                <a:latin typeface="Segoe UI"/>
+              </a:rPr>
+              <a:t>!</a:t>
+            </a:r>
+            <a:endParaRPr lang="it-IT" sz="2000" dirty="0">
+              <a:solidFill>
+                <a:schemeClr val="accent5"/>
+              </a:solidFill>
+              <a:latin typeface="Segoe UI"/>
+              <a:hlinkClick r:id="rId4">
+                <a:extLst>
+                  <a:ext uri="{A12FA001-AC4F-418D-AE19-62706E023703}">
+                    <ahyp:hlinkClr xmlns:ahyp="http://schemas.microsoft.com/office/drawing/2018/hyperlinkcolor" val="tx"/>
+                  </a:ext>
+                </a:extLst>
+              </a:hlinkClick>
+            </a:endParaRPr>
+          </a:p>
+        </p:txBody>
+      </p:sp>
+      <p:sp>
+        <p:nvSpPr>
+          <p:cNvPr id="19" name="CasellaDiTesto 18">
+            <a:extLst>
+              <a:ext uri="{FF2B5EF4-FFF2-40B4-BE49-F238E27FC236}">
+                <a16:creationId xmlns:a16="http://schemas.microsoft.com/office/drawing/2014/main" id="{F030367C-8D28-2A1A-E4F0-51BFADCCA124}"/>
+              </a:ext>
+            </a:extLst>
+          </p:cNvPr>
+          <p:cNvSpPr txBox="1"/>
+          <p:nvPr/>
+        </p:nvSpPr>
+        <p:spPr>
+          <a:xfrm>
+            <a:off x="5508" y="3021377"/>
+            <a:ext cx="2302526" cy="400110"/>
+          </a:xfrm>
+          <a:prstGeom prst="rect">
+            <a:avLst/>
+          </a:prstGeom>
+        </p:spPr>
+        <p:style>
+          <a:lnRef idx="2">
+            <a:schemeClr val="accent3"/>
+          </a:lnRef>
+          <a:fillRef idx="1">
+            <a:schemeClr val="lt1"/>
+          </a:fillRef>
+          <a:effectRef idx="0">
+            <a:schemeClr val="accent3"/>
+          </a:effectRef>
+          <a:fontRef idx="minor">
+            <a:schemeClr val="dk1"/>
+          </a:fontRef>
+        </p:style>
+        <p:txBody>
+          <a:bodyPr rot="0" spcFirstLastPara="0" vertOverflow="overflow" horzOverflow="overflow" vert="horz" wrap="square" lIns="91440" tIns="45720" rIns="91440" bIns="45720" numCol="1" spcCol="0" rtlCol="0" fromWordArt="0" anchor="t" anchorCtr="0" forceAA="0" compatLnSpc="1">
+            <a:prstTxWarp prst="textNoShape">
+              <a:avLst/>
+            </a:prstTxWarp>
+            <a:spAutoFit/>
+          </a:bodyPr>
+          <a:lstStyle/>
+          <a:p>
+            <a:pPr algn="ctr"/>
+            <a:r>
+              <a:rPr lang="en-US" sz="2000" dirty="0">
+                <a:ea typeface="+mn-lt"/>
+                <a:cs typeface="+mn-lt"/>
+              </a:rPr>
+              <a:t>📱</a:t>
+            </a:r>
+            <a:r>
+              <a:rPr lang="en-US" sz="2000" dirty="0">
+                <a:latin typeface="Segoe UI"/>
+                <a:cs typeface="Segoe UI"/>
+              </a:rPr>
+              <a:t>From theory... </a:t>
+            </a:r>
+            <a:endParaRPr lang="it-IT" sz="2000" dirty="0">
+              <a:latin typeface="Segoe UI"/>
+              <a:cs typeface="Segoe UI"/>
+            </a:endParaRPr>
+          </a:p>
+        </p:txBody>
+      </p:sp>
+      <p:sp>
+        <p:nvSpPr>
+          <p:cNvPr id="20" name="CasellaDiTesto 19">
+            <a:extLst>
+              <a:ext uri="{FF2B5EF4-FFF2-40B4-BE49-F238E27FC236}">
+                <a16:creationId xmlns:a16="http://schemas.microsoft.com/office/drawing/2014/main" id="{24B770F5-AE31-4E00-8E73-0ADB9E8559E2}"/>
+              </a:ext>
+            </a:extLst>
+          </p:cNvPr>
+          <p:cNvSpPr txBox="1"/>
+          <p:nvPr/>
+        </p:nvSpPr>
+        <p:spPr>
+          <a:xfrm>
+            <a:off x="6877278" y="3021376"/>
+            <a:ext cx="2095960" cy="400110"/>
+          </a:xfrm>
+          <a:prstGeom prst="rect">
+            <a:avLst/>
+          </a:prstGeom>
+        </p:spPr>
+        <p:style>
+          <a:lnRef idx="2">
+            <a:schemeClr val="accent3"/>
+          </a:lnRef>
+          <a:fillRef idx="1">
+            <a:schemeClr val="lt1"/>
+          </a:fillRef>
+          <a:effectRef idx="0">
+            <a:schemeClr val="accent3"/>
+          </a:effectRef>
+          <a:fontRef idx="minor">
+            <a:schemeClr val="dk1"/>
+          </a:fontRef>
+        </p:style>
+        <p:txBody>
+          <a:bodyPr rot="0" spcFirstLastPara="0" vertOverflow="overflow" horzOverflow="overflow" vert="horz" wrap="square" lIns="91440" tIns="45720" rIns="91440" bIns="45720" numCol="1" spcCol="0" rtlCol="0" fromWordArt="0" anchor="t" anchorCtr="0" forceAA="0" compatLnSpc="1">
+            <a:prstTxWarp prst="textNoShape">
+              <a:avLst/>
+            </a:prstTxWarp>
+            <a:spAutoFit/>
+          </a:bodyPr>
+          <a:lstStyle/>
+          <a:p>
+            <a:pPr algn="ctr"/>
+            <a:r>
+              <a:rPr lang="en-US" sz="2000" dirty="0">
+                <a:latin typeface="Arial"/>
+                <a:cs typeface="Arial"/>
+              </a:rPr>
+              <a:t>...t</a:t>
+            </a:r>
+            <a:r>
+              <a:rPr lang="en-US" sz="2000" dirty="0">
+                <a:latin typeface="Segoe UI"/>
+                <a:cs typeface="Segoe UI"/>
+              </a:rPr>
+              <a:t>o practice! </a:t>
+            </a:r>
+            <a:r>
+              <a:rPr lang="en-US" sz="2000" dirty="0">
+                <a:latin typeface="Arial"/>
+                <a:cs typeface="Arial"/>
+              </a:rPr>
+              <a:t>💻</a:t>
             </a:r>
             <a:endParaRPr lang="it-IT" dirty="0">
-              <a:solidFill>
-                <a:schemeClr val="bg1"/>
-              </a:solidFill>
+              <a:cs typeface="Arial"/>
             </a:endParaRPr>
           </a:p>
         </p:txBody>
@@ -18447,7 +17260,7 @@
 </p:sld>
 </file>
 
-<file path=ppt/slides/slide8.xml><?xml version="1.0" encoding="utf-8"?>
+<file path=ppt/slides/slide7.xml><?xml version="1.0" encoding="utf-8"?>
 <p:sld xmlns:a="http://schemas.openxmlformats.org/drawingml/2006/main" xmlns:r="http://schemas.openxmlformats.org/officeDocument/2006/relationships" xmlns:p="http://schemas.openxmlformats.org/presentationml/2006/main">
   <p:cSld>
     <p:spTree>
@@ -18861,60 +17674,12 @@
           </a:p>
           <a:p>
             <a:pPr algn="ctr"/>
-            <a:r>
-              <a:rPr lang="it-IT" sz="2000" b="1" dirty="0">
-                <a:latin typeface="Segoe UI"/>
-              </a:rPr>
-              <a:t>Basic workflow - </a:t>
-            </a:r>
-            <a:r>
-              <a:rPr lang="it-IT" sz="2000" dirty="0" err="1">
-                <a:latin typeface="Segoe UI"/>
-              </a:rPr>
-              <a:t>Enabling</a:t>
-            </a:r>
-            <a:r>
-              <a:rPr lang="it-IT" sz="2000" dirty="0">
-                <a:latin typeface="Segoe UI"/>
-              </a:rPr>
-              <a:t> data-</a:t>
-            </a:r>
-            <a:r>
-              <a:rPr lang="it-IT" sz="2000" dirty="0" err="1">
-                <a:latin typeface="Segoe UI"/>
-              </a:rPr>
-              <a:t>driven</a:t>
-            </a:r>
-            <a:r>
-              <a:rPr lang="it-IT" sz="2000" dirty="0">
-                <a:latin typeface="Segoe UI"/>
-              </a:rPr>
-              <a:t> </a:t>
-            </a:r>
-            <a:r>
-              <a:rPr lang="it-IT" sz="2000" dirty="0" err="1">
-                <a:latin typeface="Segoe UI"/>
-              </a:rPr>
-              <a:t>accessibility</a:t>
-            </a:r>
-            <a:r>
-              <a:rPr lang="it-IT" sz="2000" dirty="0">
-                <a:latin typeface="Segoe UI"/>
-              </a:rPr>
-              <a:t> </a:t>
-            </a:r>
-            <a:r>
-              <a:rPr lang="it-IT" sz="2000" dirty="0" err="1">
-                <a:latin typeface="Segoe UI"/>
-              </a:rPr>
-              <a:t>decisions</a:t>
-            </a:r>
-            <a:endParaRPr lang="it-IT" sz="2000" b="1" dirty="0" err="1">
+            <a:endParaRPr lang="it-IT" sz="2000" b="1" err="1">
               <a:latin typeface="Segoe UI"/>
             </a:endParaRPr>
           </a:p>
           <a:p>
-            <a:pPr algn="just"/>
+            <a:pPr algn="ctr"/>
             <a:endParaRPr lang="it-IT" sz="2000" b="1" dirty="0">
               <a:latin typeface="Segoe UI"/>
             </a:endParaRPr>
@@ -18922,72 +17687,116 @@
           <a:p>
             <a:pPr algn="ctr"/>
             <a:r>
+              <a:rPr lang="it-IT" sz="2000" b="1" dirty="0">
+                <a:latin typeface="Segoe UI"/>
+              </a:rPr>
+              <a:t>Basic workflow - </a:t>
+            </a:r>
+            <a:r>
+              <a:rPr lang="it-IT" sz="2000" dirty="0" err="1">
+                <a:latin typeface="Segoe UI"/>
+              </a:rPr>
+              <a:t>Enabling</a:t>
+            </a:r>
+            <a:r>
               <a:rPr lang="it-IT" sz="2000" dirty="0">
                 <a:latin typeface="Segoe UI"/>
-                <a:cs typeface="Segoe UI"/>
-              </a:rPr>
-              <a:t>Abstract WCAG → </a:t>
+              </a:rPr>
+              <a:t> data-</a:t>
             </a:r>
             <a:r>
               <a:rPr lang="it-IT" sz="2000" dirty="0" err="1">
                 <a:latin typeface="Segoe UI"/>
-                <a:cs typeface="Segoe UI"/>
-              </a:rPr>
-              <a:t>Implementation</a:t>
+              </a:rPr>
+              <a:t>driven</a:t>
             </a:r>
             <a:r>
               <a:rPr lang="it-IT" sz="2000" dirty="0">
                 <a:latin typeface="Segoe UI"/>
-                <a:cs typeface="Segoe UI"/>
-              </a:rPr>
-              <a:t> Patterns →</a:t>
-            </a:r>
-            <a:endParaRPr lang="it-IT" dirty="0"/>
-          </a:p>
-          <a:p>
-            <a:pPr algn="ctr"/>
+              </a:rPr>
+              <a:t> </a:t>
+            </a:r>
+            <a:r>
+              <a:rPr lang="it-IT" sz="2000" dirty="0" err="1">
+                <a:latin typeface="Segoe UI"/>
+              </a:rPr>
+              <a:t>accessibility</a:t>
+            </a:r>
             <a:r>
               <a:rPr lang="it-IT" sz="2000" dirty="0">
                 <a:latin typeface="Segoe UI"/>
-                <a:cs typeface="Segoe UI"/>
-              </a:rPr>
-              <a:t> </a:t>
-            </a:r>
-            <a:r>
-              <a:rPr lang="it-IT" sz="2000" err="1">
-                <a:latin typeface="Segoe UI"/>
-                <a:cs typeface="Segoe UI"/>
-              </a:rPr>
-              <a:t>Quantified</a:t>
-            </a:r>
-            <a:r>
-              <a:rPr lang="it-IT" sz="2000" dirty="0">
-                <a:latin typeface="Segoe UI"/>
-                <a:cs typeface="Segoe UI"/>
               </a:rPr>
               <a:t> </a:t>
             </a:r>
             <a:r>
-              <a:rPr lang="it-IT" sz="2000" err="1">
-                <a:latin typeface="Segoe UI"/>
-                <a:cs typeface="Segoe UI"/>
-              </a:rPr>
-              <a:t>Metrics</a:t>
-            </a:r>
-            <a:r>
-              <a:rPr lang="it-IT" sz="2000" dirty="0">
-                <a:latin typeface="Segoe UI"/>
-                <a:cs typeface="Segoe UI"/>
-              </a:rPr>
-              <a:t> → Educational Platform</a:t>
-            </a:r>
-            <a:endParaRPr lang="it-IT"/>
+              <a:rPr lang="it-IT" sz="2000" dirty="0" err="1">
+                <a:latin typeface="Segoe UI"/>
+              </a:rPr>
+              <a:t>decisions</a:t>
+            </a:r>
+            <a:endParaRPr lang="it-IT" sz="2000" b="1" dirty="0">
+              <a:latin typeface="Segoe UI"/>
+            </a:endParaRPr>
           </a:p>
           <a:p>
             <a:pPr algn="just"/>
             <a:endParaRPr lang="it-IT" sz="2000" dirty="0">
               <a:latin typeface="Segoe UI"/>
+              <a:cs typeface="Segoe UI"/>
             </a:endParaRPr>
+          </a:p>
+          <a:p>
+            <a:pPr algn="just"/>
+            <a:r>
+              <a:rPr lang="it-IT" sz="2000" dirty="0">
+                <a:latin typeface="Segoe UI"/>
+                <a:cs typeface="Segoe UI"/>
+              </a:rPr>
+              <a:t>  Abstract WCAG ➡ </a:t>
+            </a:r>
+            <a:r>
+              <a:rPr lang="it-IT" sz="2000" dirty="0" err="1">
+                <a:latin typeface="Segoe UI"/>
+                <a:cs typeface="Segoe UI"/>
+              </a:rPr>
+              <a:t>Implementation</a:t>
+            </a:r>
+            <a:r>
+              <a:rPr lang="it-IT" sz="2000" dirty="0">
+                <a:latin typeface="Segoe UI"/>
+                <a:cs typeface="Segoe UI"/>
+              </a:rPr>
+              <a:t> Patterns ➡ </a:t>
+            </a:r>
+            <a:r>
+              <a:rPr lang="it-IT" sz="2000" dirty="0" err="1">
+                <a:latin typeface="Segoe UI"/>
+                <a:cs typeface="Segoe UI"/>
+              </a:rPr>
+              <a:t>Quantified</a:t>
+            </a:r>
+            <a:r>
+              <a:rPr lang="it-IT" sz="2000" dirty="0">
+                <a:latin typeface="Segoe UI"/>
+                <a:cs typeface="Segoe UI"/>
+              </a:rPr>
+              <a:t> </a:t>
+            </a:r>
+            <a:r>
+              <a:rPr lang="it-IT" sz="2000" dirty="0" err="1">
+                <a:latin typeface="Segoe UI"/>
+                <a:cs typeface="Segoe UI"/>
+              </a:rPr>
+              <a:t>Metrics</a:t>
+            </a:r>
+            <a:r>
+              <a:rPr lang="it-IT" sz="2000" dirty="0">
+                <a:latin typeface="Segoe UI"/>
+                <a:cs typeface="Segoe UI"/>
+              </a:rPr>
+              <a:t> </a:t>
+            </a:r>
+            <a:endParaRPr lang="it-IT"/>
           </a:p>
           <a:p>
             <a:pPr algn="just"/>
@@ -19033,7 +17842,7 @@
                 </a:solidFill>
                 <a:latin typeface="Segoe UI"/>
               </a:rPr>
-              <a:t>8/16</a:t>
+              <a:t>7/16</a:t>
             </a:r>
             <a:endParaRPr lang="it-IT" dirty="0">
               <a:solidFill>
@@ -19045,10 +17854,10 @@
       </p:sp>
       <p:pic>
         <p:nvPicPr>
-          <p:cNvPr id="4" name="Immagine 3" descr="Immagine che contiene testo, schermata, Carattere, numero&#10;&#10;Il contenuto generato dall&amp;#39;IA potrebbe non essere corretto.">
+          <p:cNvPr id="5" name="Immagine 4" descr="Immagine che contiene testo, schermata, Carattere, numero&#10;&#10;Il contenuto generato dall&amp;#39;IA potrebbe non essere corretto.">
             <a:extLst>
               <a:ext uri="{FF2B5EF4-FFF2-40B4-BE49-F238E27FC236}">
-                <a16:creationId xmlns:a16="http://schemas.microsoft.com/office/drawing/2014/main" id="{ECF6B11E-53D9-67C5-F26C-4AE01DE59877}"/>
+                <a16:creationId xmlns:a16="http://schemas.microsoft.com/office/drawing/2014/main" id="{69EB1056-81FE-9851-9844-254BE63F82A2}"/>
               </a:ext>
             </a:extLst>
           </p:cNvPr>
@@ -19065,8 +17874,8 @@
         </p:blipFill>
         <p:spPr>
           <a:xfrm>
-            <a:off x="619699" y="1923693"/>
-            <a:ext cx="8124940" cy="2211890"/>
+            <a:off x="982830" y="1752432"/>
+            <a:ext cx="7539287" cy="3152608"/>
           </a:xfrm>
           <a:prstGeom prst="rect">
             <a:avLst/>
@@ -19086,7 +17895,7 @@
 </p:sld>
 </file>
 
-<file path=ppt/slides/slide9.xml><?xml version="1.0" encoding="utf-8"?>
+<file path=ppt/slides/slide8.xml><?xml version="1.0" encoding="utf-8"?>
 <p:sld xmlns:a="http://schemas.openxmlformats.org/drawingml/2006/main" xmlns:r="http://schemas.openxmlformats.org/officeDocument/2006/relationships" xmlns:p="http://schemas.openxmlformats.org/presentationml/2006/main">
   <p:cSld>
     <p:spTree>
@@ -19144,13 +17953,22 @@
               <a:buNone/>
             </a:pPr>
             <a:r>
+              <a:rPr lang="it-IT" sz="3000" dirty="0">
+                <a:solidFill>
+                  <a:srgbClr val="FFFFFF"/>
+                </a:solidFill>
+                <a:latin typeface="Segoe UI"/>
+              </a:rPr>
+              <a:t>(1) Component-</a:t>
+            </a:r>
+            <a:r>
               <a:rPr lang="it-IT" sz="3000" dirty="0" err="1">
                 <a:solidFill>
                   <a:srgbClr val="FFFFFF"/>
                 </a:solidFill>
                 <a:latin typeface="Segoe UI"/>
               </a:rPr>
-              <a:t>Systematic</a:t>
+              <a:t>criteria</a:t>
             </a:r>
             <a:r>
               <a:rPr lang="it-IT" sz="3000" dirty="0">
@@ -19159,45 +17977,11 @@
                 </a:solidFill>
                 <a:latin typeface="Segoe UI"/>
               </a:rPr>
-              <a:t> </a:t>
-            </a:r>
-            <a:r>
-              <a:rPr lang="it-IT" sz="3000" dirty="0" err="1">
-                <a:solidFill>
-                  <a:srgbClr val="FFFFFF"/>
-                </a:solidFill>
-                <a:latin typeface="Segoe UI"/>
-              </a:rPr>
-              <a:t>analysis</a:t>
-            </a:r>
-            <a:r>
-              <a:rPr lang="it-IT" sz="3000" dirty="0">
-                <a:solidFill>
-                  <a:srgbClr val="FFFFFF"/>
-                </a:solidFill>
-                <a:latin typeface="Segoe UI"/>
-              </a:rPr>
-              <a:t> – </a:t>
-            </a:r>
-            <a:r>
-              <a:rPr lang="it-IT" sz="3000" dirty="0" err="1">
-                <a:solidFill>
-                  <a:srgbClr val="FFFFFF"/>
-                </a:solidFill>
-                <a:latin typeface="Segoe UI"/>
-              </a:rPr>
-              <a:t>Example</a:t>
-            </a:r>
-            <a:r>
-              <a:rPr lang="it-IT" sz="3000" dirty="0">
-                <a:solidFill>
-                  <a:srgbClr val="FFFFFF"/>
-                </a:solidFill>
-                <a:latin typeface="Segoe UI"/>
-              </a:rPr>
-              <a:t> (1)</a:t>
-            </a:r>
-            <a:endParaRPr lang="it-IT" dirty="0" err="1"/>
+              <a:t> mapping</a:t>
+            </a:r>
+            <a:endParaRPr lang="it-IT" dirty="0">
+              <a:latin typeface="Segoe UI"/>
+            </a:endParaRPr>
           </a:p>
         </p:txBody>
       </p:sp>
@@ -19247,159 +18031,12 @@
           </a:p>
         </p:txBody>
       </p:sp>
-      <p:sp>
-        <p:nvSpPr>
-          <p:cNvPr id="23" name="CasellaDiTesto 22">
+      <p:pic>
+        <p:nvPicPr>
+          <p:cNvPr id="4" name="Immagine 3" descr="Immagine che contiene testo, schermata, Pagina Web, numero&#10;&#10;Il contenuto generato dall&amp;#39;IA potrebbe non essere corretto.">
             <a:extLst>
               <a:ext uri="{FF2B5EF4-FFF2-40B4-BE49-F238E27FC236}">
-                <a16:creationId xmlns:a16="http://schemas.microsoft.com/office/drawing/2014/main" id="{009E1BB7-1832-FE32-C4D1-33D4995BC835}"/>
-              </a:ext>
-            </a:extLst>
-          </p:cNvPr>
-          <p:cNvSpPr txBox="1"/>
-          <p:nvPr/>
-        </p:nvSpPr>
-        <p:spPr>
-          <a:xfrm>
-            <a:off x="4781846" y="6482191"/>
-            <a:ext cx="3911435" cy="261610"/>
-          </a:xfrm>
-          <a:prstGeom prst="rect">
-            <a:avLst/>
-          </a:prstGeom>
-          <a:noFill/>
-        </p:spPr>
-        <p:txBody>
-          <a:bodyPr wrap="square" lIns="91440" tIns="45720" rIns="91440" bIns="45720" rtlCol="0" anchor="t">
-            <a:spAutoFit/>
-          </a:bodyPr>
-          <a:lstStyle/>
-          <a:p>
-            <a:pPr algn="r"/>
-            <a:r>
-              <a:rPr lang="it-IT" sz="1100" dirty="0">
-                <a:solidFill>
-                  <a:schemeClr val="bg1"/>
-                </a:solidFill>
-                <a:latin typeface="Segoe UI"/>
-              </a:rPr>
-              <a:t>G. </a:t>
-            </a:r>
-            <a:r>
-              <a:rPr lang="it-IT" sz="1100" err="1">
-                <a:solidFill>
-                  <a:schemeClr val="bg1"/>
-                </a:solidFill>
-                <a:latin typeface="Segoe UI"/>
-              </a:rPr>
-              <a:t>Rovesti</a:t>
-            </a:r>
-            <a:r>
-              <a:rPr lang="it-IT" sz="1100" dirty="0">
-                <a:solidFill>
-                  <a:schemeClr val="bg1"/>
-                </a:solidFill>
-                <a:latin typeface="Segoe UI"/>
-              </a:rPr>
-              <a:t> - </a:t>
-            </a:r>
-            <a:r>
-              <a:rPr lang="it-IT" sz="1100" err="1">
-                <a:solidFill>
-                  <a:schemeClr val="bg1"/>
-                </a:solidFill>
-                <a:latin typeface="Segoe UI"/>
-              </a:rPr>
-              <a:t>Designing</a:t>
-            </a:r>
-            <a:r>
-              <a:rPr lang="it-IT" sz="1100" dirty="0">
-                <a:solidFill>
-                  <a:schemeClr val="bg1"/>
-                </a:solidFill>
-                <a:latin typeface="Segoe UI"/>
-              </a:rPr>
-              <a:t> an </a:t>
-            </a:r>
-            <a:r>
-              <a:rPr lang="it-IT" sz="1100" err="1">
-                <a:solidFill>
-                  <a:schemeClr val="bg1"/>
-                </a:solidFill>
-                <a:latin typeface="Segoe UI"/>
-              </a:rPr>
-              <a:t>accessibility</a:t>
-            </a:r>
-            <a:r>
-              <a:rPr lang="it-IT" sz="1100" dirty="0">
-                <a:solidFill>
-                  <a:schemeClr val="bg1"/>
-                </a:solidFill>
-                <a:latin typeface="Segoe UI"/>
-              </a:rPr>
-              <a:t> learning toolkit</a:t>
-            </a:r>
-            <a:endParaRPr lang="it-IT" dirty="0">
-              <a:solidFill>
-                <a:schemeClr val="bg1"/>
-              </a:solidFill>
-              <a:latin typeface="Segoe UI"/>
-            </a:endParaRPr>
-          </a:p>
-        </p:txBody>
-      </p:sp>
-      <p:sp>
-        <p:nvSpPr>
-          <p:cNvPr id="3" name="CasellaDiTesto 2">
-            <a:extLst>
-              <a:ext uri="{FF2B5EF4-FFF2-40B4-BE49-F238E27FC236}">
-                <a16:creationId xmlns:a16="http://schemas.microsoft.com/office/drawing/2014/main" id="{6EF7371C-0946-52DD-89B0-F5FDA8A65D1F}"/>
-              </a:ext>
-            </a:extLst>
-          </p:cNvPr>
-          <p:cNvSpPr txBox="1"/>
-          <p:nvPr/>
-        </p:nvSpPr>
-        <p:spPr>
-          <a:xfrm>
-            <a:off x="8484897" y="6482191"/>
-            <a:ext cx="662910" cy="261610"/>
-          </a:xfrm>
-          <a:prstGeom prst="rect">
-            <a:avLst/>
-          </a:prstGeom>
-          <a:noFill/>
-        </p:spPr>
-        <p:txBody>
-          <a:bodyPr wrap="square" lIns="91440" tIns="45720" rIns="91440" bIns="45720" rtlCol="0" anchor="t">
-            <a:spAutoFit/>
-          </a:bodyPr>
-          <a:lstStyle/>
-          <a:p>
-            <a:pPr algn="r"/>
-            <a:r>
-              <a:rPr lang="it-IT" sz="1100" dirty="0">
-                <a:solidFill>
-                  <a:schemeClr val="bg1"/>
-                </a:solidFill>
-                <a:latin typeface="Segoe UI"/>
-              </a:rPr>
-              <a:t>9/16</a:t>
-            </a:r>
-            <a:endParaRPr lang="it-IT" dirty="0">
-              <a:solidFill>
-                <a:schemeClr val="bg1"/>
-              </a:solidFill>
-            </a:endParaRPr>
-          </a:p>
-        </p:txBody>
-      </p:sp>
-      <p:pic>
-        <p:nvPicPr>
-          <p:cNvPr id="2" name="Immagine 1" descr="Immagine che contiene testo, schermata, Carattere, numero&#10;&#10;Il contenuto generato dall&amp;#39;IA potrebbe non essere corretto.">
-            <a:extLst>
-              <a:ext uri="{FF2B5EF4-FFF2-40B4-BE49-F238E27FC236}">
-                <a16:creationId xmlns:a16="http://schemas.microsoft.com/office/drawing/2014/main" id="{623C0F96-69A3-6855-C6AF-8AAD7B307865}"/>
+                <a16:creationId xmlns:a16="http://schemas.microsoft.com/office/drawing/2014/main" id="{7104A7BA-C88C-9942-8871-C141D2AE754D}"/>
               </a:ext>
             </a:extLst>
           </p:cNvPr>
@@ -19416,8 +18053,539 @@
         </p:blipFill>
         <p:spPr>
           <a:xfrm>
-            <a:off x="1453648" y="770438"/>
-            <a:ext cx="6343651" cy="5410703"/>
+            <a:off x="527050" y="963696"/>
+            <a:ext cx="2515269" cy="5278186"/>
+          </a:xfrm>
+          <a:prstGeom prst="rect">
+            <a:avLst/>
+          </a:prstGeom>
+        </p:spPr>
+      </p:pic>
+      <p:pic>
+        <p:nvPicPr>
+          <p:cNvPr id="5" name="Immagine 4" descr="Immagine che contiene testo, schermata, Carattere, numero&#10;&#10;Il contenuto generato dall&amp;#39;IA potrebbe non essere corretto.">
+            <a:extLst>
+              <a:ext uri="{FF2B5EF4-FFF2-40B4-BE49-F238E27FC236}">
+                <a16:creationId xmlns:a16="http://schemas.microsoft.com/office/drawing/2014/main" id="{5C0D4FDC-548B-5DF9-9B71-4C50976BDC17}"/>
+              </a:ext>
+            </a:extLst>
+          </p:cNvPr>
+          <p:cNvPicPr>
+            <a:picLocks noChangeAspect="1"/>
+          </p:cNvPicPr>
+          <p:nvPr/>
+        </p:nvPicPr>
+        <p:blipFill>
+          <a:blip r:embed="rId4"/>
+          <a:stretch>
+            <a:fillRect/>
+          </a:stretch>
+        </p:blipFill>
+        <p:spPr>
+          <a:xfrm>
+            <a:off x="3394326" y="1716170"/>
+            <a:ext cx="5296401" cy="3398922"/>
+          </a:xfrm>
+          <a:prstGeom prst="rect">
+            <a:avLst/>
+          </a:prstGeom>
+        </p:spPr>
+      </p:pic>
+      <p:sp>
+        <p:nvSpPr>
+          <p:cNvPr id="7" name="CasellaDiTesto 6">
+            <a:extLst>
+              <a:ext uri="{FF2B5EF4-FFF2-40B4-BE49-F238E27FC236}">
+                <a16:creationId xmlns:a16="http://schemas.microsoft.com/office/drawing/2014/main" id="{1E07FC54-D02B-FF79-36BE-8CCC1A505C79}"/>
+              </a:ext>
+            </a:extLst>
+          </p:cNvPr>
+          <p:cNvSpPr txBox="1"/>
+          <p:nvPr/>
+        </p:nvSpPr>
+        <p:spPr>
+          <a:xfrm>
+            <a:off x="4781846" y="6482191"/>
+            <a:ext cx="3911435" cy="261610"/>
+          </a:xfrm>
+          <a:prstGeom prst="rect">
+            <a:avLst/>
+          </a:prstGeom>
+          <a:noFill/>
+        </p:spPr>
+        <p:txBody>
+          <a:bodyPr wrap="square" lIns="91440" tIns="45720" rIns="91440" bIns="45720" rtlCol="0" anchor="t">
+            <a:spAutoFit/>
+          </a:bodyPr>
+          <a:lstStyle/>
+          <a:p>
+            <a:pPr algn="r"/>
+            <a:r>
+              <a:rPr lang="it-IT" sz="1100" dirty="0">
+                <a:solidFill>
+                  <a:schemeClr val="bg1"/>
+                </a:solidFill>
+                <a:latin typeface="Segoe UI"/>
+              </a:rPr>
+              <a:t>G. </a:t>
+            </a:r>
+            <a:r>
+              <a:rPr lang="it-IT" sz="1100" err="1">
+                <a:solidFill>
+                  <a:schemeClr val="bg1"/>
+                </a:solidFill>
+                <a:latin typeface="Segoe UI"/>
+              </a:rPr>
+              <a:t>Rovesti</a:t>
+            </a:r>
+            <a:r>
+              <a:rPr lang="it-IT" sz="1100" dirty="0">
+                <a:solidFill>
+                  <a:schemeClr val="bg1"/>
+                </a:solidFill>
+                <a:latin typeface="Segoe UI"/>
+              </a:rPr>
+              <a:t> - </a:t>
+            </a:r>
+            <a:r>
+              <a:rPr lang="it-IT" sz="1100" err="1">
+                <a:solidFill>
+                  <a:schemeClr val="bg1"/>
+                </a:solidFill>
+                <a:latin typeface="Segoe UI"/>
+              </a:rPr>
+              <a:t>Designing</a:t>
+            </a:r>
+            <a:r>
+              <a:rPr lang="it-IT" sz="1100" dirty="0">
+                <a:solidFill>
+                  <a:schemeClr val="bg1"/>
+                </a:solidFill>
+                <a:latin typeface="Segoe UI"/>
+              </a:rPr>
+              <a:t> an </a:t>
+            </a:r>
+            <a:r>
+              <a:rPr lang="it-IT" sz="1100" err="1">
+                <a:solidFill>
+                  <a:schemeClr val="bg1"/>
+                </a:solidFill>
+                <a:latin typeface="Segoe UI"/>
+              </a:rPr>
+              <a:t>accessibility</a:t>
+            </a:r>
+            <a:r>
+              <a:rPr lang="it-IT" sz="1100" dirty="0">
+                <a:solidFill>
+                  <a:schemeClr val="bg1"/>
+                </a:solidFill>
+                <a:latin typeface="Segoe UI"/>
+              </a:rPr>
+              <a:t> learning toolkit</a:t>
+            </a:r>
+            <a:endParaRPr lang="it-IT" dirty="0">
+              <a:solidFill>
+                <a:schemeClr val="bg1"/>
+              </a:solidFill>
+              <a:latin typeface="Segoe UI"/>
+            </a:endParaRPr>
+          </a:p>
+        </p:txBody>
+      </p:sp>
+      <p:sp>
+        <p:nvSpPr>
+          <p:cNvPr id="9" name="CasellaDiTesto 8">
+            <a:extLst>
+              <a:ext uri="{FF2B5EF4-FFF2-40B4-BE49-F238E27FC236}">
+                <a16:creationId xmlns:a16="http://schemas.microsoft.com/office/drawing/2014/main" id="{EEE96F0F-BFFF-F92D-DF3C-3DA70AF074EC}"/>
+              </a:ext>
+            </a:extLst>
+          </p:cNvPr>
+          <p:cNvSpPr txBox="1"/>
+          <p:nvPr/>
+        </p:nvSpPr>
+        <p:spPr>
+          <a:xfrm>
+            <a:off x="8484897" y="6482191"/>
+            <a:ext cx="662910" cy="261610"/>
+          </a:xfrm>
+          <a:prstGeom prst="rect">
+            <a:avLst/>
+          </a:prstGeom>
+          <a:noFill/>
+        </p:spPr>
+        <p:txBody>
+          <a:bodyPr wrap="square" lIns="91440" tIns="45720" rIns="91440" bIns="45720" rtlCol="0" anchor="t">
+            <a:spAutoFit/>
+          </a:bodyPr>
+          <a:lstStyle/>
+          <a:p>
+            <a:pPr algn="r"/>
+            <a:r>
+              <a:rPr lang="it-IT" sz="1100" dirty="0">
+                <a:solidFill>
+                  <a:schemeClr val="bg1"/>
+                </a:solidFill>
+                <a:latin typeface="Segoe UI"/>
+              </a:rPr>
+              <a:t>8/16</a:t>
+            </a:r>
+            <a:endParaRPr lang="it-IT" dirty="0">
+              <a:solidFill>
+                <a:schemeClr val="bg1"/>
+              </a:solidFill>
+            </a:endParaRPr>
+          </a:p>
+        </p:txBody>
+      </p:sp>
+    </p:spTree>
+    <p:extLst>
+      <p:ext uri="{BB962C8B-B14F-4D97-AF65-F5344CB8AC3E}">
+        <p14:creationId xmlns:p14="http://schemas.microsoft.com/office/powerpoint/2010/main" val="2575074631"/>
+      </p:ext>
+    </p:extLst>
+  </p:cSld>
+  <p:clrMapOvr>
+    <a:masterClrMapping/>
+  </p:clrMapOvr>
+</p:sld>
+</file>
+
+<file path=ppt/slides/slide9.xml><?xml version="1.0" encoding="utf-8"?>
+<p:sld xmlns:a="http://schemas.openxmlformats.org/drawingml/2006/main" xmlns:r="http://schemas.openxmlformats.org/officeDocument/2006/relationships" xmlns:p="http://schemas.openxmlformats.org/presentationml/2006/main">
+  <p:cSld>
+    <p:spTree>
+      <p:nvGrpSpPr>
+        <p:cNvPr id="1" name="Shape 98">
+          <a:extLst>
+            <a:ext uri="{FF2B5EF4-FFF2-40B4-BE49-F238E27FC236}">
+              <a16:creationId xmlns:a16="http://schemas.microsoft.com/office/drawing/2014/main" id="{E4C671F3-390F-C255-98AE-6FA5DF9D2310}"/>
+            </a:ext>
+          </a:extLst>
+        </p:cNvPr>
+        <p:cNvGrpSpPr/>
+        <p:nvPr/>
+      </p:nvGrpSpPr>
+      <p:grpSpPr>
+        <a:xfrm>
+          <a:off x="0" y="0"/>
+          <a:ext cx="0" cy="0"/>
+          <a:chOff x="0" y="0"/>
+          <a:chExt cx="0" cy="0"/>
+        </a:xfrm>
+      </p:grpSpPr>
+      <p:sp>
+        <p:nvSpPr>
+          <p:cNvPr id="99" name="Shape 99">
+            <a:extLst>
+              <a:ext uri="{FF2B5EF4-FFF2-40B4-BE49-F238E27FC236}">
+                <a16:creationId xmlns:a16="http://schemas.microsoft.com/office/drawing/2014/main" id="{D2465F12-BB1D-6791-9980-EB2E664E7D09}"/>
+              </a:ext>
+            </a:extLst>
+          </p:cNvPr>
+          <p:cNvSpPr txBox="1">
+            <a:spLocks noGrp="1"/>
+          </p:cNvSpPr>
+          <p:nvPr>
+            <p:ph type="title" idx="4294967295"/>
+          </p:nvPr>
+        </p:nvSpPr>
+        <p:spPr>
+          <a:xfrm>
+            <a:off x="319489" y="-182567"/>
+            <a:ext cx="6837443" cy="1143300"/>
+          </a:xfrm>
+          <a:prstGeom prst="rect">
+            <a:avLst/>
+          </a:prstGeom>
+        </p:spPr>
+        <p:txBody>
+          <a:bodyPr spcFirstLastPara="1" wrap="square" lIns="82925" tIns="82925" rIns="82925" bIns="82925" anchor="ctr" anchorCtr="0">
+            <a:noAutofit/>
+          </a:bodyPr>
+          <a:lstStyle/>
+          <a:p>
+            <a:pPr indent="0">
+              <a:buNone/>
+            </a:pPr>
+            <a:r>
+              <a:rPr lang="it-IT" sz="3000" dirty="0">
+                <a:solidFill>
+                  <a:srgbClr val="FFFFFF"/>
+                </a:solidFill>
+                <a:latin typeface="Segoe UI"/>
+              </a:rPr>
+              <a:t>(2) </a:t>
+            </a:r>
+            <a:r>
+              <a:rPr lang="it-IT" sz="3000" dirty="0" err="1">
+                <a:solidFill>
+                  <a:srgbClr val="FFFFFF"/>
+                </a:solidFill>
+                <a:latin typeface="Segoe UI"/>
+              </a:rPr>
+              <a:t>Empirical</a:t>
+            </a:r>
+            <a:r>
+              <a:rPr lang="it-IT" sz="3000" dirty="0">
+                <a:solidFill>
+                  <a:srgbClr val="FFFFFF"/>
+                </a:solidFill>
+                <a:latin typeface="Segoe UI"/>
+              </a:rPr>
+              <a:t> screen reader testing</a:t>
+            </a:r>
+            <a:endParaRPr lang="it-IT" dirty="0"/>
+          </a:p>
+        </p:txBody>
+      </p:sp>
+      <p:sp>
+        <p:nvSpPr>
+          <p:cNvPr id="101" name="Shape 101">
+            <a:extLst>
+              <a:ext uri="{FF2B5EF4-FFF2-40B4-BE49-F238E27FC236}">
+                <a16:creationId xmlns:a16="http://schemas.microsoft.com/office/drawing/2014/main" id="{83622F72-3FAE-D54D-A162-4F9175AF0D77}"/>
+              </a:ext>
+            </a:extLst>
+          </p:cNvPr>
+          <p:cNvSpPr/>
+          <p:nvPr/>
+        </p:nvSpPr>
+        <p:spPr>
+          <a:xfrm>
+            <a:off x="8302200" y="6479700"/>
+            <a:ext cx="384600" cy="378300"/>
+          </a:xfrm>
+          <a:prstGeom prst="rect">
+            <a:avLst/>
+          </a:prstGeom>
+          <a:solidFill>
+            <a:srgbClr val="9B0014"/>
+          </a:solidFill>
+          <a:ln>
+            <a:noFill/>
+          </a:ln>
+        </p:spPr>
+        <p:txBody>
+          <a:bodyPr spcFirstLastPara="1" wrap="square" lIns="91425" tIns="91425" rIns="91425" bIns="91425" anchor="ctr" anchorCtr="0">
+            <a:noAutofit/>
+          </a:bodyPr>
+          <a:lstStyle/>
+          <a:p>
+            <a:pPr marL="0" lvl="0" indent="0">
+              <a:spcBef>
+                <a:spcPts val="0"/>
+              </a:spcBef>
+              <a:spcAft>
+                <a:spcPts val="0"/>
+              </a:spcAft>
+              <a:buNone/>
+            </a:pPr>
+            <a:endParaRPr/>
+          </a:p>
+        </p:txBody>
+      </p:sp>
+      <p:sp>
+        <p:nvSpPr>
+          <p:cNvPr id="23" name="CasellaDiTesto 22">
+            <a:extLst>
+              <a:ext uri="{FF2B5EF4-FFF2-40B4-BE49-F238E27FC236}">
+                <a16:creationId xmlns:a16="http://schemas.microsoft.com/office/drawing/2014/main" id="{AB6811DC-672C-B919-0467-672AD96B908F}"/>
+              </a:ext>
+            </a:extLst>
+          </p:cNvPr>
+          <p:cNvSpPr txBox="1"/>
+          <p:nvPr/>
+        </p:nvSpPr>
+        <p:spPr>
+          <a:xfrm>
+            <a:off x="4781846" y="6482191"/>
+            <a:ext cx="3911435" cy="261610"/>
+          </a:xfrm>
+          <a:prstGeom prst="rect">
+            <a:avLst/>
+          </a:prstGeom>
+          <a:noFill/>
+        </p:spPr>
+        <p:txBody>
+          <a:bodyPr wrap="square" lIns="91440" tIns="45720" rIns="91440" bIns="45720" rtlCol="0" anchor="t">
+            <a:spAutoFit/>
+          </a:bodyPr>
+          <a:lstStyle/>
+          <a:p>
+            <a:pPr algn="r"/>
+            <a:r>
+              <a:rPr lang="it-IT" sz="1100" dirty="0">
+                <a:solidFill>
+                  <a:schemeClr val="bg1"/>
+                </a:solidFill>
+                <a:latin typeface="Segoe UI"/>
+              </a:rPr>
+              <a:t>G. </a:t>
+            </a:r>
+            <a:r>
+              <a:rPr lang="it-IT" sz="1100" err="1">
+                <a:solidFill>
+                  <a:schemeClr val="bg1"/>
+                </a:solidFill>
+                <a:latin typeface="Segoe UI"/>
+              </a:rPr>
+              <a:t>Rovesti</a:t>
+            </a:r>
+            <a:r>
+              <a:rPr lang="it-IT" sz="1100" dirty="0">
+                <a:solidFill>
+                  <a:schemeClr val="bg1"/>
+                </a:solidFill>
+                <a:latin typeface="Segoe UI"/>
+              </a:rPr>
+              <a:t> - </a:t>
+            </a:r>
+            <a:r>
+              <a:rPr lang="it-IT" sz="1100" err="1">
+                <a:solidFill>
+                  <a:schemeClr val="bg1"/>
+                </a:solidFill>
+                <a:latin typeface="Segoe UI"/>
+              </a:rPr>
+              <a:t>Designing</a:t>
+            </a:r>
+            <a:r>
+              <a:rPr lang="it-IT" sz="1100" dirty="0">
+                <a:solidFill>
+                  <a:schemeClr val="bg1"/>
+                </a:solidFill>
+                <a:latin typeface="Segoe UI"/>
+              </a:rPr>
+              <a:t> an </a:t>
+            </a:r>
+            <a:r>
+              <a:rPr lang="it-IT" sz="1100" err="1">
+                <a:solidFill>
+                  <a:schemeClr val="bg1"/>
+                </a:solidFill>
+                <a:latin typeface="Segoe UI"/>
+              </a:rPr>
+              <a:t>accessibility</a:t>
+            </a:r>
+            <a:r>
+              <a:rPr lang="it-IT" sz="1100" dirty="0">
+                <a:solidFill>
+                  <a:schemeClr val="bg1"/>
+                </a:solidFill>
+                <a:latin typeface="Segoe UI"/>
+              </a:rPr>
+              <a:t> learning toolkit</a:t>
+            </a:r>
+            <a:endParaRPr lang="it-IT" dirty="0">
+              <a:solidFill>
+                <a:schemeClr val="bg1"/>
+              </a:solidFill>
+              <a:latin typeface="Segoe UI"/>
+            </a:endParaRPr>
+          </a:p>
+        </p:txBody>
+      </p:sp>
+      <p:sp>
+        <p:nvSpPr>
+          <p:cNvPr id="3" name="CasellaDiTesto 2">
+            <a:extLst>
+              <a:ext uri="{FF2B5EF4-FFF2-40B4-BE49-F238E27FC236}">
+                <a16:creationId xmlns:a16="http://schemas.microsoft.com/office/drawing/2014/main" id="{0E061A77-0910-201F-7C8B-04022731B4CC}"/>
+              </a:ext>
+            </a:extLst>
+          </p:cNvPr>
+          <p:cNvSpPr txBox="1"/>
+          <p:nvPr/>
+        </p:nvSpPr>
+        <p:spPr>
+          <a:xfrm>
+            <a:off x="8484897" y="6482191"/>
+            <a:ext cx="662910" cy="261610"/>
+          </a:xfrm>
+          <a:prstGeom prst="rect">
+            <a:avLst/>
+          </a:prstGeom>
+          <a:noFill/>
+        </p:spPr>
+        <p:txBody>
+          <a:bodyPr wrap="square" lIns="91440" tIns="45720" rIns="91440" bIns="45720" rtlCol="0" anchor="t">
+            <a:spAutoFit/>
+          </a:bodyPr>
+          <a:lstStyle/>
+          <a:p>
+            <a:pPr algn="r"/>
+            <a:r>
+              <a:rPr lang="it-IT" sz="1100" dirty="0">
+                <a:solidFill>
+                  <a:schemeClr val="bg1"/>
+                </a:solidFill>
+                <a:latin typeface="Segoe UI"/>
+              </a:rPr>
+              <a:t>9/16</a:t>
+            </a:r>
+            <a:endParaRPr lang="it-IT" dirty="0">
+              <a:solidFill>
+                <a:schemeClr val="bg1"/>
+              </a:solidFill>
+            </a:endParaRPr>
+          </a:p>
+        </p:txBody>
+      </p:sp>
+      <p:pic>
+        <p:nvPicPr>
+          <p:cNvPr id="8" name="Immagine 7" descr="Immagine che contiene testo, schermata, Carattere, numero&#10;&#10;Il contenuto generato dall&amp;#39;IA potrebbe non essere corretto.">
+            <a:extLst>
+              <a:ext uri="{FF2B5EF4-FFF2-40B4-BE49-F238E27FC236}">
+                <a16:creationId xmlns:a16="http://schemas.microsoft.com/office/drawing/2014/main" id="{53F5D8D5-0158-91CF-841C-6C4F45C40152}"/>
+              </a:ext>
+            </a:extLst>
+          </p:cNvPr>
+          <p:cNvPicPr>
+            <a:picLocks noChangeAspect="1"/>
+          </p:cNvPicPr>
+          <p:nvPr/>
+        </p:nvPicPr>
+        <p:blipFill>
+          <a:blip r:embed="rId3"/>
+          <a:stretch>
+            <a:fillRect/>
+          </a:stretch>
+        </p:blipFill>
+        <p:spPr>
+          <a:xfrm>
+            <a:off x="1714165" y="890585"/>
+            <a:ext cx="5702301" cy="1654510"/>
+          </a:xfrm>
+          <a:prstGeom prst="rect">
+            <a:avLst/>
+          </a:prstGeom>
+        </p:spPr>
+      </p:pic>
+      <p:pic>
+        <p:nvPicPr>
+          <p:cNvPr id="9" name="Immagine 8" descr="Immagine che contiene testo, schermata, Carattere, numero&#10;&#10;Il contenuto generato dall&amp;#39;IA potrebbe non essere corretto.">
+            <a:extLst>
+              <a:ext uri="{FF2B5EF4-FFF2-40B4-BE49-F238E27FC236}">
+                <a16:creationId xmlns:a16="http://schemas.microsoft.com/office/drawing/2014/main" id="{DBAC00F4-634F-12BD-E836-EDEDAED93369}"/>
+              </a:ext>
+            </a:extLst>
+          </p:cNvPr>
+          <p:cNvPicPr>
+            <a:picLocks noChangeAspect="1"/>
+          </p:cNvPicPr>
+          <p:nvPr/>
+        </p:nvPicPr>
+        <p:blipFill>
+          <a:blip r:embed="rId4"/>
+          <a:stretch>
+            <a:fillRect/>
+          </a:stretch>
+        </p:blipFill>
+        <p:spPr>
+          <a:xfrm>
+            <a:off x="2022223" y="2710279"/>
+            <a:ext cx="5126290" cy="3215440"/>
           </a:xfrm>
           <a:prstGeom prst="rect">
             <a:avLst/>
@@ -19427,7 +18595,7 @@
     </p:spTree>
     <p:extLst>
       <p:ext uri="{BB962C8B-B14F-4D97-AF65-F5344CB8AC3E}">
-        <p14:creationId xmlns:p14="http://schemas.microsoft.com/office/powerpoint/2010/main" val="2575074631"/>
+        <p14:creationId xmlns:p14="http://schemas.microsoft.com/office/powerpoint/2010/main" val="2720960696"/>
       </p:ext>
     </p:extLst>
   </p:cSld>

--- a/Thesis Presentation/Presentation Gabriel Rovesti.pptx
+++ b/Thesis Presentation/Presentation Gabriel Rovesti.pptx
@@ -261,7 +261,7 @@
 <p1510:revInfo xmlns:a="http://schemas.openxmlformats.org/drawingml/2006/main" xmlns:r="http://schemas.openxmlformats.org/officeDocument/2006/relationships" xmlns:p1510="http://schemas.microsoft.com/office/powerpoint/2015/10/main">
   <p1510:revLst>
     <p1510:client id="{41AFE373-BDC1-3135-2FEB-41F7888ACE60}" v="976" dt="2025-07-16T17:18:33.846"/>
-    <p1510:client id="{BCB4DB06-B24F-4560-B73E-F8C78F875223}" v="329" dt="2025-07-16T17:48:42.071"/>
+    <p1510:client id="{BCB4DB06-B24F-4560-B73E-F8C78F875223}" v="545" dt="2025-07-16T19:27:38.913"/>
     <p1510:client id="{E164A9A8-989A-95FE-C26E-A04E6233DD0D}" v="429" dt="2025-07-15T14:46:15.963"/>
   </p1510:revLst>
 </p1510:revInfo>
@@ -9744,7 +9744,7 @@
                 </a:solidFill>
                 <a:latin typeface="Segoe UI"/>
               </a:rPr>
-              <a:t>(3) </a:t>
+              <a:t>3 - </a:t>
             </a:r>
             <a:r>
               <a:rPr lang="it-IT" sz="3000" dirty="0" err="1">
@@ -11271,7 +11271,7 @@
                 <a:latin typeface="Segoe UI"/>
                 <a:cs typeface="Segoe UI"/>
               </a:rPr>
-              <a:t>Frameworks </a:t>
+              <a:t>Framework </a:t>
             </a:r>
             <a:r>
               <a:rPr lang="it-IT" sz="3000" dirty="0" err="1">
@@ -11283,7 +11283,7 @@
               </a:rPr>
               <a:t>comparison</a:t>
             </a:r>
-            <a:endParaRPr lang="it-IT" sz="3000">
+            <a:endParaRPr lang="it-IT" sz="3000" dirty="0">
               <a:solidFill>
                 <a:srgbClr val="FFFFFF"/>
               </a:solidFill>
@@ -11455,7 +11455,7 @@
         <p:spPr>
           <a:xfrm>
             <a:off x="315940" y="962003"/>
-            <a:ext cx="8515877" cy="1323439"/>
+            <a:ext cx="8515877" cy="1631216"/>
           </a:xfrm>
           <a:prstGeom prst="rect">
             <a:avLst/>
@@ -11509,7 +11509,7 @@
               <a:t> </a:t>
             </a:r>
             <a:r>
-              <a:rPr lang="it-IT" sz="2000" err="1">
+              <a:rPr lang="it-IT" sz="2000" dirty="0" err="1">
                 <a:latin typeface="Segoe UI"/>
               </a:rPr>
               <a:t>Property-based</a:t>
@@ -11518,14 +11518,17 @@
               <a:rPr lang="it-IT" sz="2000" dirty="0">
                 <a:latin typeface="Segoe UI"/>
               </a:rPr>
-              <a:t> model </a:t>
-            </a:r>
-            <a:r>
-              <a:rPr lang="it-IT" sz="2000" dirty="0"/>
-              <a:t>(</a:t>
-            </a:r>
-            <a:r>
-              <a:rPr lang="it-IT" sz="2000" err="1">
+              <a:t> model</a:t>
+            </a:r>
+            <a:endParaRPr lang="it-IT" dirty="0"/>
+          </a:p>
+          <a:p>
+            <a:pPr marL="742950" lvl="1" indent="-285750" algn="just">
+              <a:buFont typeface="Courier New"/>
+              <a:buChar char="o"/>
+            </a:pPr>
+            <a:r>
+              <a:rPr lang="it-IT" sz="2000" dirty="0" err="1">
                 <a:latin typeface="Consolas"/>
               </a:rPr>
               <a:t>accessibilityLabel</a:t>
@@ -11535,16 +11538,12 @@
               <a:t>, </a:t>
             </a:r>
             <a:r>
-              <a:rPr lang="it-IT" sz="2000" err="1">
+              <a:rPr lang="it-IT" sz="2000" dirty="0" err="1">
                 <a:latin typeface="Consolas"/>
               </a:rPr>
               <a:t>accessibilityRole</a:t>
             </a:r>
-            <a:r>
-              <a:rPr lang="it-IT" sz="2000" dirty="0"/>
-              <a:t>)</a:t>
-            </a:r>
-            <a:endParaRPr lang="it-IT" dirty="0"/>
+            <a:endParaRPr lang="it-IT" sz="2000" dirty="0" err="1"/>
           </a:p>
           <a:p>
             <a:pPr marL="285750" indent="-285750" algn="just">
@@ -11564,7 +11563,7 @@
               <a:t> Widget-</a:t>
             </a:r>
             <a:r>
-              <a:rPr lang="it-IT" sz="2000" dirty="0" err="1">
+              <a:rPr lang="it-IT" sz="2000" err="1">
                 <a:latin typeface="Segoe UI"/>
               </a:rPr>
               <a:t>based</a:t>
@@ -11576,16 +11575,25 @@
               <a:t> </a:t>
             </a:r>
             <a:r>
-              <a:rPr lang="it-IT" sz="2000" dirty="0" err="1">
+              <a:rPr lang="it-IT" sz="2000" err="1">
                 <a:latin typeface="Segoe UI"/>
               </a:rPr>
               <a:t>approach</a:t>
             </a:r>
+            <a:endParaRPr lang="it-IT" dirty="0" err="1">
+              <a:latin typeface="Segoe UI"/>
+            </a:endParaRPr>
+          </a:p>
+          <a:p>
+            <a:pPr marL="742950" lvl="1" indent="-285750" algn="just">
+              <a:buFont typeface="Courier New"/>
+              <a:buChar char="o"/>
+            </a:pPr>
             <a:r>
               <a:rPr lang="it-IT" sz="2000" dirty="0">
                 <a:latin typeface="Segoe UI"/>
               </a:rPr>
-              <a:t> (explici</a:t>
+              <a:t>Explici</a:t>
             </a:r>
             <a:r>
               <a:rPr lang="it-IT" sz="2000" dirty="0"/>
@@ -11605,17 +11613,14 @@
               <a:rPr lang="it-IT" sz="2000" dirty="0" err="1">
                 <a:latin typeface="Segoe UI"/>
               </a:rPr>
-              <a:t>wrappers</a:t>
+              <a:t>adapters</a:t>
             </a:r>
             <a:r>
               <a:rPr lang="it-IT" sz="2000" dirty="0">
                 <a:latin typeface="Segoe UI"/>
               </a:rPr>
-              <a:t>)</a:t>
-            </a:r>
-            <a:endParaRPr lang="it-IT" dirty="0">
-              <a:latin typeface="Segoe UI"/>
-            </a:endParaRPr>
+              <a:t> </a:t>
+            </a:r>
           </a:p>
         </p:txBody>
       </p:sp>
@@ -11978,7 +11983,7 @@
                 <a:latin typeface="Segoe UI"/>
                 <a:cs typeface="Segoe UI"/>
               </a:rPr>
-              <a:t> (1)</a:t>
+              <a:t> - 1</a:t>
             </a:r>
             <a:endParaRPr lang="it-IT" dirty="0" err="1"/>
           </a:p>
@@ -12460,7 +12465,7 @@
                 <a:latin typeface="Segoe UI"/>
                 <a:cs typeface="Segoe UI"/>
               </a:rPr>
-              <a:t> (2)</a:t>
+              <a:t> - 2</a:t>
             </a:r>
             <a:endParaRPr lang="it-IT" dirty="0" err="1"/>
           </a:p>
@@ -12764,7 +12769,7 @@
         </p:blipFill>
         <p:spPr>
           <a:xfrm>
-            <a:off x="836957" y="955398"/>
+            <a:off x="850728" y="955398"/>
             <a:ext cx="7457662" cy="3642692"/>
           </a:xfrm>
           <a:prstGeom prst="rect">
@@ -13122,19 +13127,19 @@
               <a:buChar char="•"/>
             </a:pPr>
             <a:r>
+              <a:rPr lang="en-US" sz="2000" b="1" dirty="0">
+                <a:latin typeface="Segoe UI"/>
+                <a:cs typeface="Segoe UI"/>
+              </a:rPr>
+              <a:t>Systematic evaluation methodology</a:t>
+            </a:r>
+            <a:r>
               <a:rPr lang="en-US" sz="2000" dirty="0">
                 <a:latin typeface="Segoe UI"/>
-              </a:rPr>
-              <a:t>Extended</a:t>
-            </a:r>
-            <a:r>
-              <a:rPr lang="en-US" sz="2000" dirty="0">
-                <a:latin typeface="Segoe UI"/>
                 <a:cs typeface="Segoe UI"/>
               </a:rPr>
-              <a:t> research framework from Flutter-only to comparative analysis</a:t>
-            </a:r>
-            <a:endParaRPr lang="en-US" dirty="0"/>
+              <a:t> on evidence-based formal metrics</a:t>
+            </a:r>
           </a:p>
           <a:p>
             <a:pPr marL="342900" indent="-342900">
@@ -13142,10 +13147,16 @@
               <a:buChar char="•"/>
             </a:pPr>
             <a:r>
+              <a:rPr lang="en-US" sz="2000" b="1" dirty="0">
+                <a:latin typeface="Segoe UI"/>
+              </a:rPr>
+              <a:t>First quantitative framework</a:t>
+            </a:r>
+            <a:r>
               <a:rPr lang="en-US" sz="2000" dirty="0">
                 <a:latin typeface="Segoe UI"/>
               </a:rPr>
-              <a:t>First quantitative framework for mobile accessibility cost assessment  </a:t>
+              <a:t> for cross-platform accessibility assessments </a:t>
             </a:r>
             <a:endParaRPr lang="en-US" dirty="0"/>
           </a:p>
@@ -13155,10 +13166,16 @@
               <a:buChar char="•"/>
             </a:pPr>
             <a:r>
+              <a:rPr lang="en-US" sz="2000" b="1" dirty="0">
+                <a:latin typeface="Segoe UI"/>
+              </a:rPr>
+              <a:t>Systematic methodology</a:t>
+            </a:r>
+            <a:r>
               <a:rPr lang="en-US" sz="2000" dirty="0">
                 <a:latin typeface="Segoe UI"/>
               </a:rPr>
-              <a:t>Systematic methodology bridging WCAG theory to mobile practice</a:t>
+              <a:t> bridging WCAG theory to mobile practice</a:t>
             </a:r>
             <a:endParaRPr lang="en-US" dirty="0"/>
           </a:p>
@@ -13190,7 +13207,7 @@
               <a:rPr lang="en-US" sz="2000" dirty="0">
                 <a:latin typeface="Segoe UI"/>
               </a:rPr>
-              <a:t>: No framework accessible by default (38% vs 32%) </a:t>
+              <a:t>: No framework accessible by default – intervention required for both</a:t>
             </a:r>
           </a:p>
           <a:p>
@@ -13208,7 +13225,7 @@
               <a:rPr lang="en-US" sz="2000" dirty="0">
                 <a:latin typeface="Segoe UI"/>
               </a:rPr>
-              <a:t>: Both achieve 85-90% WCAG compliance with proper implementation </a:t>
+              <a:t>: Both achieve high WCAG compliance with proper implementation </a:t>
             </a:r>
             <a:endParaRPr lang="en-US" dirty="0">
               <a:latin typeface="Segoe UI"/>
@@ -17959,7 +17976,7 @@
                 </a:solidFill>
                 <a:latin typeface="Segoe UI"/>
               </a:rPr>
-              <a:t>(1) Component-</a:t>
+              <a:t>1 - Component-</a:t>
             </a:r>
             <a:r>
               <a:rPr lang="it-IT" sz="3000" dirty="0" err="1">
@@ -18315,7 +18332,7 @@
                 </a:solidFill>
                 <a:latin typeface="Segoe UI"/>
               </a:rPr>
-              <a:t>(2) </a:t>
+              <a:t>2 - </a:t>
             </a:r>
             <a:r>
               <a:rPr lang="it-IT" sz="3000" dirty="0" err="1">
